--- a/getting-apis-to-work-2021/img/RBAC.pptx
+++ b/getting-apis-to-work-2021/img/RBAC.pptx
@@ -259,7 +259,7 @@
           <a:p>
             <a:fld id="{ECE09280-3139-264F-8D17-EA79BB57EDA8}" type="datetimeFigureOut">
               <a:rPr lang="en-US" smtClean="0"/>
-              <a:t>10/16/21</a:t>
+              <a:t>10/17/21</a:t>
             </a:fld>
             <a:endParaRPr lang="en-US"/>
           </a:p>
@@ -457,7 +457,7 @@
           <a:p>
             <a:fld id="{ECE09280-3139-264F-8D17-EA79BB57EDA8}" type="datetimeFigureOut">
               <a:rPr lang="en-US" smtClean="0"/>
-              <a:t>10/16/21</a:t>
+              <a:t>10/17/21</a:t>
             </a:fld>
             <a:endParaRPr lang="en-US"/>
           </a:p>
@@ -665,7 +665,7 @@
           <a:p>
             <a:fld id="{ECE09280-3139-264F-8D17-EA79BB57EDA8}" type="datetimeFigureOut">
               <a:rPr lang="en-US" smtClean="0"/>
-              <a:t>10/16/21</a:t>
+              <a:t>10/17/21</a:t>
             </a:fld>
             <a:endParaRPr lang="en-US"/>
           </a:p>
@@ -863,7 +863,7 @@
           <a:p>
             <a:fld id="{ECE09280-3139-264F-8D17-EA79BB57EDA8}" type="datetimeFigureOut">
               <a:rPr lang="en-US" smtClean="0"/>
-              <a:t>10/16/21</a:t>
+              <a:t>10/17/21</a:t>
             </a:fld>
             <a:endParaRPr lang="en-US"/>
           </a:p>
@@ -1138,7 +1138,7 @@
           <a:p>
             <a:fld id="{ECE09280-3139-264F-8D17-EA79BB57EDA8}" type="datetimeFigureOut">
               <a:rPr lang="en-US" smtClean="0"/>
-              <a:t>10/16/21</a:t>
+              <a:t>10/17/21</a:t>
             </a:fld>
             <a:endParaRPr lang="en-US"/>
           </a:p>
@@ -1403,7 +1403,7 @@
           <a:p>
             <a:fld id="{ECE09280-3139-264F-8D17-EA79BB57EDA8}" type="datetimeFigureOut">
               <a:rPr lang="en-US" smtClean="0"/>
-              <a:t>10/16/21</a:t>
+              <a:t>10/17/21</a:t>
             </a:fld>
             <a:endParaRPr lang="en-US"/>
           </a:p>
@@ -1815,7 +1815,7 @@
           <a:p>
             <a:fld id="{ECE09280-3139-264F-8D17-EA79BB57EDA8}" type="datetimeFigureOut">
               <a:rPr lang="en-US" smtClean="0"/>
-              <a:t>10/16/21</a:t>
+              <a:t>10/17/21</a:t>
             </a:fld>
             <a:endParaRPr lang="en-US"/>
           </a:p>
@@ -1956,7 +1956,7 @@
           <a:p>
             <a:fld id="{ECE09280-3139-264F-8D17-EA79BB57EDA8}" type="datetimeFigureOut">
               <a:rPr lang="en-US" smtClean="0"/>
-              <a:t>10/16/21</a:t>
+              <a:t>10/17/21</a:t>
             </a:fld>
             <a:endParaRPr lang="en-US"/>
           </a:p>
@@ -2069,7 +2069,7 @@
           <a:p>
             <a:fld id="{ECE09280-3139-264F-8D17-EA79BB57EDA8}" type="datetimeFigureOut">
               <a:rPr lang="en-US" smtClean="0"/>
-              <a:t>10/16/21</a:t>
+              <a:t>10/17/21</a:t>
             </a:fld>
             <a:endParaRPr lang="en-US"/>
           </a:p>
@@ -2380,7 +2380,7 @@
           <a:p>
             <a:fld id="{ECE09280-3139-264F-8D17-EA79BB57EDA8}" type="datetimeFigureOut">
               <a:rPr lang="en-US" smtClean="0"/>
-              <a:t>10/16/21</a:t>
+              <a:t>10/17/21</a:t>
             </a:fld>
             <a:endParaRPr lang="en-US"/>
           </a:p>
@@ -2668,7 +2668,7 @@
           <a:p>
             <a:fld id="{ECE09280-3139-264F-8D17-EA79BB57EDA8}" type="datetimeFigureOut">
               <a:rPr lang="en-US" smtClean="0"/>
-              <a:t>10/16/21</a:t>
+              <a:t>10/17/21</a:t>
             </a:fld>
             <a:endParaRPr lang="en-US"/>
           </a:p>
@@ -2909,7 +2909,7 @@
           <a:p>
             <a:fld id="{ECE09280-3139-264F-8D17-EA79BB57EDA8}" type="datetimeFigureOut">
               <a:rPr lang="en-US" smtClean="0"/>
-              <a:t>10/16/21</a:t>
+              <a:t>10/17/21</a:t>
             </a:fld>
             <a:endParaRPr lang="en-US"/>
           </a:p>
@@ -3340,7 +3340,7 @@
         </p:nvSpPr>
         <p:spPr>
           <a:xfrm>
-            <a:off x="1346976" y="1851645"/>
+            <a:off x="1409899" y="1851645"/>
             <a:ext cx="5894242" cy="3154710"/>
           </a:xfrm>
           <a:prstGeom prst="rect">
@@ -3431,7 +3431,7 @@
         </p:nvSpPr>
         <p:spPr>
           <a:xfrm>
-            <a:off x="1472010" y="1128370"/>
+            <a:off x="1503531" y="1139551"/>
             <a:ext cx="5769208" cy="1538883"/>
           </a:xfrm>
           <a:prstGeom prst="rect">
@@ -3494,8 +3494,8 @@
         </p:nvSpPr>
         <p:spPr>
           <a:xfrm>
-            <a:off x="1472010" y="4190748"/>
-            <a:ext cx="6998840" cy="1446550"/>
+            <a:off x="1484710" y="4190748"/>
+            <a:ext cx="7617022" cy="1569660"/>
           </a:xfrm>
           <a:prstGeom prst="rect">
             <a:avLst/>
@@ -3510,7 +3510,7 @@
           <a:p>
             <a:pPr algn="ctr"/>
             <a:r>
-              <a:rPr lang="en-US" sz="8800" b="1" cap="none" spc="0" dirty="0">
+              <a:rPr lang="en-US" sz="9400" b="1" cap="none" spc="0" dirty="0">
                 <a:ln w="12700">
                   <a:solidFill>
                     <a:schemeClr val="accent3">
@@ -3540,34 +3540,6 @@
               </a:rPr>
               <a:t>Access Control</a:t>
             </a:r>
-            <a:endParaRPr lang="en-US" sz="8000" b="1" cap="none" spc="0" dirty="0">
-              <a:ln w="12700">
-                <a:solidFill>
-                  <a:schemeClr val="accent3">
-                    <a:lumMod val="50000"/>
-                  </a:schemeClr>
-                </a:solidFill>
-                <a:prstDash val="solid"/>
-              </a:ln>
-              <a:pattFill prst="narHorz">
-                <a:fgClr>
-                  <a:schemeClr val="accent3"/>
-                </a:fgClr>
-                <a:bgClr>
-                  <a:schemeClr val="accent3">
-                    <a:lumMod val="40000"/>
-                    <a:lumOff val="60000"/>
-                  </a:schemeClr>
-                </a:bgClr>
-              </a:pattFill>
-              <a:effectLst>
-                <a:innerShdw blurRad="177800">
-                  <a:schemeClr val="accent3">
-                    <a:lumMod val="50000"/>
-                  </a:schemeClr>
-                </a:innerShdw>
-              </a:effectLst>
-            </a:endParaRPr>
           </a:p>
         </p:txBody>
       </p:sp>
@@ -3585,8 +3557,8 @@
         </p:nvSpPr>
         <p:spPr>
           <a:xfrm>
-            <a:off x="7099164" y="766733"/>
-            <a:ext cx="1890261" cy="4508927"/>
+            <a:off x="6999608" y="379348"/>
+            <a:ext cx="2109872" cy="5078313"/>
           </a:xfrm>
           <a:prstGeom prst="rect">
             <a:avLst/>
@@ -3601,7 +3573,7 @@
           <a:p>
             <a:pPr algn="ctr"/>
             <a:r>
-              <a:rPr lang="en-US" sz="28700" b="1" cap="none" spc="0" dirty="0">
+              <a:rPr lang="en-US" sz="32400" b="1" cap="none" spc="0" dirty="0">
                 <a:ln w="12700">
                   <a:solidFill>
                     <a:schemeClr val="accent3">
@@ -3631,34 +3603,6 @@
               </a:rPr>
               <a:t>?</a:t>
             </a:r>
-            <a:endParaRPr lang="en-US" sz="23900" b="1" cap="none" spc="0" dirty="0">
-              <a:ln w="12700">
-                <a:solidFill>
-                  <a:schemeClr val="accent3">
-                    <a:lumMod val="50000"/>
-                  </a:schemeClr>
-                </a:solidFill>
-                <a:prstDash val="solid"/>
-              </a:ln>
-              <a:pattFill prst="narHorz">
-                <a:fgClr>
-                  <a:schemeClr val="accent3"/>
-                </a:fgClr>
-                <a:bgClr>
-                  <a:schemeClr val="accent3">
-                    <a:lumMod val="40000"/>
-                    <a:lumOff val="60000"/>
-                  </a:schemeClr>
-                </a:bgClr>
-              </a:pattFill>
-              <a:effectLst>
-                <a:innerShdw blurRad="177800">
-                  <a:schemeClr val="accent3">
-                    <a:lumMod val="50000"/>
-                  </a:schemeClr>
-                </a:innerShdw>
-              </a:effectLst>
-            </a:endParaRPr>
           </a:p>
         </p:txBody>
       </p:sp>

--- a/getting-apis-to-work-2021/img/RBAC.pptx
+++ b/getting-apis-to-work-2021/img/RBAC.pptx
@@ -6,6 +6,7 @@
   </p:sldMasterIdLst>
   <p:sldIdLst>
     <p:sldId id="256" r:id="rId2"/>
+    <p:sldId id="257" r:id="rId3"/>
   </p:sldIdLst>
   <p:sldSz cx="12192000" cy="6858000"/>
   <p:notesSz cx="6858000" cy="9144000"/>
@@ -3619,6 +3620,491 @@
 </p:sld>
 </file>
 
+<file path=ppt/slides/slide2.xml><?xml version="1.0" encoding="utf-8"?>
+<p:sld xmlns:a="http://schemas.openxmlformats.org/drawingml/2006/main" xmlns:r="http://schemas.openxmlformats.org/officeDocument/2006/relationships" xmlns:p="http://schemas.openxmlformats.org/presentationml/2006/main">
+  <p:cSld>
+    <p:spTree>
+      <p:nvGrpSpPr>
+        <p:cNvPr id="1" name=""/>
+        <p:cNvGrpSpPr/>
+        <p:nvPr/>
+      </p:nvGrpSpPr>
+      <p:grpSpPr>
+        <a:xfrm>
+          <a:off x="0" y="0"/>
+          <a:ext cx="0" cy="0"/>
+          <a:chOff x="0" y="0"/>
+          <a:chExt cx="0" cy="0"/>
+        </a:xfrm>
+      </p:grpSpPr>
+      <p:sp>
+        <p:nvSpPr>
+          <p:cNvPr id="2" name="Rectangle 1">
+            <a:extLst>
+              <a:ext uri="{FF2B5EF4-FFF2-40B4-BE49-F238E27FC236}">
+                <a16:creationId xmlns:a16="http://schemas.microsoft.com/office/drawing/2014/main" id="{9B7387F5-ACA9-7141-97D3-A62F3221BA74}"/>
+              </a:ext>
+            </a:extLst>
+          </p:cNvPr>
+          <p:cNvSpPr/>
+          <p:nvPr/>
+        </p:nvSpPr>
+        <p:spPr>
+          <a:xfrm>
+            <a:off x="1510145" y="1122219"/>
+            <a:ext cx="1524001" cy="665018"/>
+          </a:xfrm>
+          <a:prstGeom prst="rect">
+            <a:avLst/>
+          </a:prstGeom>
+          <a:solidFill>
+            <a:schemeClr val="bg1">
+              <a:lumMod val="95000"/>
+            </a:schemeClr>
+          </a:solidFill>
+          <a:ln w="38100">
+            <a:solidFill>
+              <a:schemeClr val="bg2">
+                <a:lumMod val="50000"/>
+              </a:schemeClr>
+            </a:solidFill>
+          </a:ln>
+        </p:spPr>
+        <p:style>
+          <a:lnRef idx="2">
+            <a:schemeClr val="accent1">
+              <a:shade val="50000"/>
+            </a:schemeClr>
+          </a:lnRef>
+          <a:fillRef idx="1">
+            <a:schemeClr val="accent1"/>
+          </a:fillRef>
+          <a:effectRef idx="0">
+            <a:schemeClr val="accent1"/>
+          </a:effectRef>
+          <a:fontRef idx="minor">
+            <a:schemeClr val="lt1"/>
+          </a:fontRef>
+        </p:style>
+        <p:txBody>
+          <a:bodyPr rtlCol="0" anchor="ctr"/>
+          <a:lstStyle/>
+          <a:p>
+            <a:pPr algn="ctr"/>
+            <a:r>
+              <a:rPr lang="en-US" sz="2000" dirty="0">
+                <a:solidFill>
+                  <a:schemeClr val="tx1">
+                    <a:lumMod val="85000"/>
+                    <a:lumOff val="15000"/>
+                  </a:schemeClr>
+                </a:solidFill>
+              </a:rPr>
+              <a:t>User</a:t>
+            </a:r>
+          </a:p>
+        </p:txBody>
+      </p:sp>
+      <p:sp>
+        <p:nvSpPr>
+          <p:cNvPr id="5" name="Rectangle 4">
+            <a:extLst>
+              <a:ext uri="{FF2B5EF4-FFF2-40B4-BE49-F238E27FC236}">
+                <a16:creationId xmlns:a16="http://schemas.microsoft.com/office/drawing/2014/main" id="{D1CCEEB6-0FB9-4C4E-A7F2-C6729B9FC8EA}"/>
+              </a:ext>
+            </a:extLst>
+          </p:cNvPr>
+          <p:cNvSpPr/>
+          <p:nvPr/>
+        </p:nvSpPr>
+        <p:spPr>
+          <a:xfrm>
+            <a:off x="1510145" y="2369129"/>
+            <a:ext cx="1524001" cy="665018"/>
+          </a:xfrm>
+          <a:prstGeom prst="rect">
+            <a:avLst/>
+          </a:prstGeom>
+          <a:solidFill>
+            <a:schemeClr val="bg1">
+              <a:lumMod val="95000"/>
+            </a:schemeClr>
+          </a:solidFill>
+          <a:ln w="38100">
+            <a:solidFill>
+              <a:schemeClr val="bg2">
+                <a:lumMod val="50000"/>
+              </a:schemeClr>
+            </a:solidFill>
+          </a:ln>
+        </p:spPr>
+        <p:style>
+          <a:lnRef idx="2">
+            <a:schemeClr val="accent1">
+              <a:shade val="50000"/>
+            </a:schemeClr>
+          </a:lnRef>
+          <a:fillRef idx="1">
+            <a:schemeClr val="accent1"/>
+          </a:fillRef>
+          <a:effectRef idx="0">
+            <a:schemeClr val="accent1"/>
+          </a:effectRef>
+          <a:fontRef idx="minor">
+            <a:schemeClr val="lt1"/>
+          </a:fontRef>
+        </p:style>
+        <p:txBody>
+          <a:bodyPr rtlCol="0" anchor="ctr"/>
+          <a:lstStyle/>
+          <a:p>
+            <a:pPr algn="ctr"/>
+            <a:r>
+              <a:rPr lang="en-US" sz="2000" dirty="0">
+                <a:solidFill>
+                  <a:schemeClr val="tx1">
+                    <a:lumMod val="85000"/>
+                    <a:lumOff val="15000"/>
+                  </a:schemeClr>
+                </a:solidFill>
+              </a:rPr>
+              <a:t>Role</a:t>
+            </a:r>
+          </a:p>
+        </p:txBody>
+      </p:sp>
+      <p:sp>
+        <p:nvSpPr>
+          <p:cNvPr id="6" name="Rectangle 5">
+            <a:extLst>
+              <a:ext uri="{FF2B5EF4-FFF2-40B4-BE49-F238E27FC236}">
+                <a16:creationId xmlns:a16="http://schemas.microsoft.com/office/drawing/2014/main" id="{292A8187-D086-6241-BD43-8F4A54EACBD1}"/>
+              </a:ext>
+            </a:extLst>
+          </p:cNvPr>
+          <p:cNvSpPr/>
+          <p:nvPr/>
+        </p:nvSpPr>
+        <p:spPr>
+          <a:xfrm>
+            <a:off x="1510142" y="3616039"/>
+            <a:ext cx="1524001" cy="665018"/>
+          </a:xfrm>
+          <a:prstGeom prst="rect">
+            <a:avLst/>
+          </a:prstGeom>
+          <a:solidFill>
+            <a:schemeClr val="bg1">
+              <a:lumMod val="95000"/>
+            </a:schemeClr>
+          </a:solidFill>
+          <a:ln w="38100">
+            <a:solidFill>
+              <a:schemeClr val="bg2">
+                <a:lumMod val="50000"/>
+              </a:schemeClr>
+            </a:solidFill>
+          </a:ln>
+        </p:spPr>
+        <p:style>
+          <a:lnRef idx="2">
+            <a:schemeClr val="accent1">
+              <a:shade val="50000"/>
+            </a:schemeClr>
+          </a:lnRef>
+          <a:fillRef idx="1">
+            <a:schemeClr val="accent1"/>
+          </a:fillRef>
+          <a:effectRef idx="0">
+            <a:schemeClr val="accent1"/>
+          </a:effectRef>
+          <a:fontRef idx="minor">
+            <a:schemeClr val="lt1"/>
+          </a:fontRef>
+        </p:style>
+        <p:txBody>
+          <a:bodyPr rtlCol="0" anchor="ctr"/>
+          <a:lstStyle/>
+          <a:p>
+            <a:pPr algn="ctr"/>
+            <a:r>
+              <a:rPr lang="en-US" sz="2000" dirty="0">
+                <a:solidFill>
+                  <a:schemeClr val="tx1">
+                    <a:lumMod val="85000"/>
+                    <a:lumOff val="15000"/>
+                  </a:schemeClr>
+                </a:solidFill>
+              </a:rPr>
+              <a:t>Permission</a:t>
+            </a:r>
+          </a:p>
+        </p:txBody>
+      </p:sp>
+      <p:sp>
+        <p:nvSpPr>
+          <p:cNvPr id="7" name="Rectangle 6">
+            <a:extLst>
+              <a:ext uri="{FF2B5EF4-FFF2-40B4-BE49-F238E27FC236}">
+                <a16:creationId xmlns:a16="http://schemas.microsoft.com/office/drawing/2014/main" id="{084195EB-CEC7-3642-9E4F-07763E9EF4CC}"/>
+              </a:ext>
+            </a:extLst>
+          </p:cNvPr>
+          <p:cNvSpPr/>
+          <p:nvPr/>
+        </p:nvSpPr>
+        <p:spPr>
+          <a:xfrm>
+            <a:off x="1510142" y="4862949"/>
+            <a:ext cx="1524001" cy="665018"/>
+          </a:xfrm>
+          <a:prstGeom prst="rect">
+            <a:avLst/>
+          </a:prstGeom>
+          <a:solidFill>
+            <a:schemeClr val="bg1">
+              <a:lumMod val="95000"/>
+            </a:schemeClr>
+          </a:solidFill>
+          <a:ln w="38100">
+            <a:solidFill>
+              <a:schemeClr val="bg2">
+                <a:lumMod val="50000"/>
+              </a:schemeClr>
+            </a:solidFill>
+          </a:ln>
+        </p:spPr>
+        <p:style>
+          <a:lnRef idx="2">
+            <a:schemeClr val="accent1">
+              <a:shade val="50000"/>
+            </a:schemeClr>
+          </a:lnRef>
+          <a:fillRef idx="1">
+            <a:schemeClr val="accent1"/>
+          </a:fillRef>
+          <a:effectRef idx="0">
+            <a:schemeClr val="accent1"/>
+          </a:effectRef>
+          <a:fontRef idx="minor">
+            <a:schemeClr val="lt1"/>
+          </a:fontRef>
+        </p:style>
+        <p:txBody>
+          <a:bodyPr rtlCol="0" anchor="ctr"/>
+          <a:lstStyle/>
+          <a:p>
+            <a:pPr algn="ctr"/>
+            <a:r>
+              <a:rPr lang="en-US" sz="2000" dirty="0">
+                <a:solidFill>
+                  <a:schemeClr val="tx1">
+                    <a:lumMod val="85000"/>
+                    <a:lumOff val="15000"/>
+                  </a:schemeClr>
+                </a:solidFill>
+              </a:rPr>
+              <a:t>Capability</a:t>
+            </a:r>
+          </a:p>
+        </p:txBody>
+      </p:sp>
+      <p:sp>
+        <p:nvSpPr>
+          <p:cNvPr id="15" name="Down Arrow 14">
+            <a:extLst>
+              <a:ext uri="{FF2B5EF4-FFF2-40B4-BE49-F238E27FC236}">
+                <a16:creationId xmlns:a16="http://schemas.microsoft.com/office/drawing/2014/main" id="{03FE2F9B-D768-9846-AF7E-C97F162AF435}"/>
+              </a:ext>
+            </a:extLst>
+          </p:cNvPr>
+          <p:cNvSpPr/>
+          <p:nvPr/>
+        </p:nvSpPr>
+        <p:spPr>
+          <a:xfrm>
+            <a:off x="2191459" y="1787237"/>
+            <a:ext cx="161365" cy="581892"/>
+          </a:xfrm>
+          <a:prstGeom prst="downArrow">
+            <a:avLst>
+              <a:gd name="adj1" fmla="val 50000"/>
+              <a:gd name="adj2" fmla="val 129998"/>
+            </a:avLst>
+          </a:prstGeom>
+          <a:solidFill>
+            <a:schemeClr val="bg1">
+              <a:lumMod val="95000"/>
+            </a:schemeClr>
+          </a:solidFill>
+          <a:ln>
+            <a:solidFill>
+              <a:schemeClr val="bg2">
+                <a:lumMod val="50000"/>
+              </a:schemeClr>
+            </a:solidFill>
+          </a:ln>
+        </p:spPr>
+        <p:style>
+          <a:lnRef idx="2">
+            <a:schemeClr val="accent1">
+              <a:shade val="50000"/>
+            </a:schemeClr>
+          </a:lnRef>
+          <a:fillRef idx="1">
+            <a:schemeClr val="accent1"/>
+          </a:fillRef>
+          <a:effectRef idx="0">
+            <a:schemeClr val="accent1"/>
+          </a:effectRef>
+          <a:fontRef idx="minor">
+            <a:schemeClr val="lt1"/>
+          </a:fontRef>
+        </p:style>
+        <p:txBody>
+          <a:bodyPr rtlCol="0" anchor="ctr"/>
+          <a:lstStyle/>
+          <a:p>
+            <a:pPr algn="ctr"/>
+            <a:endParaRPr lang="en-US"/>
+          </a:p>
+        </p:txBody>
+      </p:sp>
+      <p:sp>
+        <p:nvSpPr>
+          <p:cNvPr id="17" name="Down Arrow 16">
+            <a:extLst>
+              <a:ext uri="{FF2B5EF4-FFF2-40B4-BE49-F238E27FC236}">
+                <a16:creationId xmlns:a16="http://schemas.microsoft.com/office/drawing/2014/main" id="{79138125-78FD-2843-9EDB-DB6D8C3820EA}"/>
+              </a:ext>
+            </a:extLst>
+          </p:cNvPr>
+          <p:cNvSpPr/>
+          <p:nvPr/>
+        </p:nvSpPr>
+        <p:spPr>
+          <a:xfrm>
+            <a:off x="2191458" y="4281057"/>
+            <a:ext cx="161365" cy="581892"/>
+          </a:xfrm>
+          <a:prstGeom prst="downArrow">
+            <a:avLst>
+              <a:gd name="adj1" fmla="val 50000"/>
+              <a:gd name="adj2" fmla="val 129998"/>
+            </a:avLst>
+          </a:prstGeom>
+          <a:solidFill>
+            <a:schemeClr val="bg1">
+              <a:lumMod val="95000"/>
+            </a:schemeClr>
+          </a:solidFill>
+          <a:ln>
+            <a:solidFill>
+              <a:schemeClr val="bg2">
+                <a:lumMod val="50000"/>
+              </a:schemeClr>
+            </a:solidFill>
+          </a:ln>
+        </p:spPr>
+        <p:style>
+          <a:lnRef idx="2">
+            <a:schemeClr val="accent1">
+              <a:shade val="50000"/>
+            </a:schemeClr>
+          </a:lnRef>
+          <a:fillRef idx="1">
+            <a:schemeClr val="accent1"/>
+          </a:fillRef>
+          <a:effectRef idx="0">
+            <a:schemeClr val="accent1"/>
+          </a:effectRef>
+          <a:fontRef idx="minor">
+            <a:schemeClr val="lt1"/>
+          </a:fontRef>
+        </p:style>
+        <p:txBody>
+          <a:bodyPr rtlCol="0" anchor="ctr"/>
+          <a:lstStyle/>
+          <a:p>
+            <a:pPr algn="ctr"/>
+            <a:endParaRPr lang="en-US"/>
+          </a:p>
+        </p:txBody>
+      </p:sp>
+      <p:sp>
+        <p:nvSpPr>
+          <p:cNvPr id="18" name="Down Arrow 17">
+            <a:extLst>
+              <a:ext uri="{FF2B5EF4-FFF2-40B4-BE49-F238E27FC236}">
+                <a16:creationId xmlns:a16="http://schemas.microsoft.com/office/drawing/2014/main" id="{A8DAD2EC-3E9B-E942-96A2-159C54469EE2}"/>
+              </a:ext>
+            </a:extLst>
+          </p:cNvPr>
+          <p:cNvSpPr/>
+          <p:nvPr/>
+        </p:nvSpPr>
+        <p:spPr>
+          <a:xfrm>
+            <a:off x="2191459" y="3029199"/>
+            <a:ext cx="161365" cy="581892"/>
+          </a:xfrm>
+          <a:prstGeom prst="downArrow">
+            <a:avLst>
+              <a:gd name="adj1" fmla="val 50000"/>
+              <a:gd name="adj2" fmla="val 129998"/>
+            </a:avLst>
+          </a:prstGeom>
+          <a:solidFill>
+            <a:schemeClr val="bg1">
+              <a:lumMod val="95000"/>
+            </a:schemeClr>
+          </a:solidFill>
+          <a:ln>
+            <a:solidFill>
+              <a:schemeClr val="bg2">
+                <a:lumMod val="50000"/>
+              </a:schemeClr>
+            </a:solidFill>
+          </a:ln>
+        </p:spPr>
+        <p:style>
+          <a:lnRef idx="2">
+            <a:schemeClr val="accent1">
+              <a:shade val="50000"/>
+            </a:schemeClr>
+          </a:lnRef>
+          <a:fillRef idx="1">
+            <a:schemeClr val="accent1"/>
+          </a:fillRef>
+          <a:effectRef idx="0">
+            <a:schemeClr val="accent1"/>
+          </a:effectRef>
+          <a:fontRef idx="minor">
+            <a:schemeClr val="lt1"/>
+          </a:fontRef>
+        </p:style>
+        <p:txBody>
+          <a:bodyPr rtlCol="0" anchor="ctr"/>
+          <a:lstStyle/>
+          <a:p>
+            <a:pPr algn="ctr"/>
+            <a:endParaRPr lang="en-US"/>
+          </a:p>
+        </p:txBody>
+      </p:sp>
+    </p:spTree>
+    <p:extLst>
+      <p:ext uri="{BB962C8B-B14F-4D97-AF65-F5344CB8AC3E}">
+        <p14:creationId xmlns:p14="http://schemas.microsoft.com/office/powerpoint/2010/main" val="1458879343"/>
+      </p:ext>
+    </p:extLst>
+  </p:cSld>
+  <p:clrMapOvr>
+    <a:masterClrMapping/>
+  </p:clrMapOvr>
+</p:sld>
+</file>
+
 <file path=ppt/theme/theme1.xml><?xml version="1.0" encoding="utf-8"?>
 <a:theme xmlns:a="http://schemas.openxmlformats.org/drawingml/2006/main" name="Office Theme">
   <a:themeElements>

--- a/getting-apis-to-work-2021/img/RBAC.pptx
+++ b/getting-apis-to-work-2021/img/RBAC.pptx
@@ -7,6 +7,7 @@
   <p:sldIdLst>
     <p:sldId id="256" r:id="rId2"/>
     <p:sldId id="257" r:id="rId3"/>
+    <p:sldId id="260" r:id="rId4"/>
   </p:sldIdLst>
   <p:sldSz cx="12192000" cy="6858000"/>
   <p:notesSz cx="6858000" cy="9144000"/>
@@ -3666,6 +3667,7 @@
             <a:solidFill>
               <a:schemeClr val="bg2">
                 <a:lumMod val="50000"/>
+                <a:alpha val="80030"/>
               </a:schemeClr>
             </a:solidFill>
           </a:ln>
@@ -3734,6 +3736,7 @@
             <a:solidFill>
               <a:schemeClr val="bg2">
                 <a:lumMod val="50000"/>
+                <a:alpha val="80030"/>
               </a:schemeClr>
             </a:solidFill>
           </a:ln>
@@ -3802,6 +3805,7 @@
             <a:solidFill>
               <a:schemeClr val="bg2">
                 <a:lumMod val="50000"/>
+                <a:alpha val="80030"/>
               </a:schemeClr>
             </a:solidFill>
           </a:ln>
@@ -3870,6 +3874,7 @@
             <a:solidFill>
               <a:schemeClr val="bg2">
                 <a:lumMod val="50000"/>
+                <a:alpha val="80030"/>
               </a:schemeClr>
             </a:solidFill>
           </a:ln>
@@ -3941,6 +3946,7 @@
             <a:solidFill>
               <a:schemeClr val="bg2">
                 <a:lumMod val="50000"/>
+                <a:alpha val="80030"/>
               </a:schemeClr>
             </a:solidFill>
           </a:ln>
@@ -4002,6 +4008,7 @@
             <a:solidFill>
               <a:schemeClr val="bg2">
                 <a:lumMod val="50000"/>
+                <a:alpha val="80030"/>
               </a:schemeClr>
             </a:solidFill>
           </a:ln>
@@ -4063,6 +4070,7 @@
             <a:solidFill>
               <a:schemeClr val="bg2">
                 <a:lumMod val="50000"/>
+                <a:alpha val="80030"/>
               </a:schemeClr>
             </a:solidFill>
           </a:ln>
@@ -4096,6 +4104,1677 @@
     <p:extLst>
       <p:ext uri="{BB962C8B-B14F-4D97-AF65-F5344CB8AC3E}">
         <p14:creationId xmlns:p14="http://schemas.microsoft.com/office/powerpoint/2010/main" val="1458879343"/>
+      </p:ext>
+    </p:extLst>
+  </p:cSld>
+  <p:clrMapOvr>
+    <a:masterClrMapping/>
+  </p:clrMapOvr>
+</p:sld>
+</file>
+
+<file path=ppt/slides/slide3.xml><?xml version="1.0" encoding="utf-8"?>
+<p:sld xmlns:a="http://schemas.openxmlformats.org/drawingml/2006/main" xmlns:r="http://schemas.openxmlformats.org/officeDocument/2006/relationships" xmlns:p="http://schemas.openxmlformats.org/presentationml/2006/main">
+  <p:cSld>
+    <p:spTree>
+      <p:nvGrpSpPr>
+        <p:cNvPr id="1" name=""/>
+        <p:cNvGrpSpPr/>
+        <p:nvPr/>
+      </p:nvGrpSpPr>
+      <p:grpSpPr>
+        <a:xfrm>
+          <a:off x="0" y="0"/>
+          <a:ext cx="0" cy="0"/>
+          <a:chOff x="0" y="0"/>
+          <a:chExt cx="0" cy="0"/>
+        </a:xfrm>
+      </p:grpSpPr>
+      <p:sp>
+        <p:nvSpPr>
+          <p:cNvPr id="11" name="Rectangle 10">
+            <a:extLst>
+              <a:ext uri="{FF2B5EF4-FFF2-40B4-BE49-F238E27FC236}">
+                <a16:creationId xmlns:a16="http://schemas.microsoft.com/office/drawing/2014/main" id="{F5DFF4CB-98E1-FF48-A069-97B4154B328B}"/>
+              </a:ext>
+            </a:extLst>
+          </p:cNvPr>
+          <p:cNvSpPr/>
+          <p:nvPr/>
+        </p:nvSpPr>
+        <p:spPr>
+          <a:xfrm>
+            <a:off x="1752176" y="2632947"/>
+            <a:ext cx="1524001" cy="665018"/>
+          </a:xfrm>
+          <a:prstGeom prst="rect">
+            <a:avLst/>
+          </a:prstGeom>
+          <a:solidFill>
+            <a:schemeClr val="bg1">
+              <a:lumMod val="95000"/>
+              <a:alpha val="79584"/>
+            </a:schemeClr>
+          </a:solidFill>
+          <a:ln w="38100">
+            <a:solidFill>
+              <a:schemeClr val="bg2">
+                <a:lumMod val="50000"/>
+              </a:schemeClr>
+            </a:solidFill>
+          </a:ln>
+        </p:spPr>
+        <p:style>
+          <a:lnRef idx="2">
+            <a:schemeClr val="accent1">
+              <a:shade val="50000"/>
+            </a:schemeClr>
+          </a:lnRef>
+          <a:fillRef idx="1">
+            <a:schemeClr val="accent1"/>
+          </a:fillRef>
+          <a:effectRef idx="0">
+            <a:schemeClr val="accent1"/>
+          </a:effectRef>
+          <a:fontRef idx="minor">
+            <a:schemeClr val="lt1"/>
+          </a:fontRef>
+        </p:style>
+        <p:txBody>
+          <a:bodyPr rtlCol="0" anchor="ctr"/>
+          <a:lstStyle/>
+          <a:p>
+            <a:pPr algn="ctr"/>
+            <a:r>
+              <a:rPr lang="en-US" sz="2000" dirty="0">
+                <a:solidFill>
+                  <a:schemeClr val="tx1">
+                    <a:lumMod val="85000"/>
+                    <a:lumOff val="15000"/>
+                  </a:schemeClr>
+                </a:solidFill>
+              </a:rPr>
+              <a:t>Role</a:t>
+            </a:r>
+          </a:p>
+        </p:txBody>
+      </p:sp>
+      <p:sp>
+        <p:nvSpPr>
+          <p:cNvPr id="14" name="Down Arrow 13">
+            <a:extLst>
+              <a:ext uri="{FF2B5EF4-FFF2-40B4-BE49-F238E27FC236}">
+                <a16:creationId xmlns:a16="http://schemas.microsoft.com/office/drawing/2014/main" id="{7401979E-EFD4-3B4A-B5AE-34BF68CA615C}"/>
+              </a:ext>
+            </a:extLst>
+          </p:cNvPr>
+          <p:cNvSpPr/>
+          <p:nvPr/>
+        </p:nvSpPr>
+        <p:spPr>
+          <a:xfrm rot="20675198">
+            <a:off x="2302962" y="1764165"/>
+            <a:ext cx="161365" cy="888316"/>
+          </a:xfrm>
+          <a:prstGeom prst="downArrow">
+            <a:avLst>
+              <a:gd name="adj1" fmla="val 50000"/>
+              <a:gd name="adj2" fmla="val 129998"/>
+            </a:avLst>
+          </a:prstGeom>
+          <a:solidFill>
+            <a:schemeClr val="bg1">
+              <a:lumMod val="95000"/>
+              <a:alpha val="79584"/>
+            </a:schemeClr>
+          </a:solidFill>
+          <a:ln>
+            <a:solidFill>
+              <a:schemeClr val="bg2">
+                <a:lumMod val="50000"/>
+              </a:schemeClr>
+            </a:solidFill>
+          </a:ln>
+        </p:spPr>
+        <p:style>
+          <a:lnRef idx="2">
+            <a:schemeClr val="accent1">
+              <a:shade val="50000"/>
+            </a:schemeClr>
+          </a:lnRef>
+          <a:fillRef idx="1">
+            <a:schemeClr val="accent1"/>
+          </a:fillRef>
+          <a:effectRef idx="0">
+            <a:schemeClr val="accent1"/>
+          </a:effectRef>
+          <a:fontRef idx="minor">
+            <a:schemeClr val="lt1"/>
+          </a:fontRef>
+        </p:style>
+        <p:txBody>
+          <a:bodyPr rtlCol="0" anchor="ctr"/>
+          <a:lstStyle/>
+          <a:p>
+            <a:pPr algn="ctr"/>
+            <a:endParaRPr lang="en-US"/>
+          </a:p>
+        </p:txBody>
+      </p:sp>
+      <p:sp>
+        <p:nvSpPr>
+          <p:cNvPr id="10" name="Rectangle 9">
+            <a:extLst>
+              <a:ext uri="{FF2B5EF4-FFF2-40B4-BE49-F238E27FC236}">
+                <a16:creationId xmlns:a16="http://schemas.microsoft.com/office/drawing/2014/main" id="{B7F1EEC2-724B-1848-91A6-1DFD50EBDEE6}"/>
+              </a:ext>
+            </a:extLst>
+          </p:cNvPr>
+          <p:cNvSpPr/>
+          <p:nvPr/>
+        </p:nvSpPr>
+        <p:spPr>
+          <a:xfrm>
+            <a:off x="1671499" y="2545007"/>
+            <a:ext cx="1524001" cy="665018"/>
+          </a:xfrm>
+          <a:prstGeom prst="rect">
+            <a:avLst/>
+          </a:prstGeom>
+          <a:solidFill>
+            <a:schemeClr val="bg1">
+              <a:lumMod val="95000"/>
+              <a:alpha val="79584"/>
+            </a:schemeClr>
+          </a:solidFill>
+          <a:ln w="38100">
+            <a:solidFill>
+              <a:schemeClr val="bg2">
+                <a:lumMod val="50000"/>
+              </a:schemeClr>
+            </a:solidFill>
+          </a:ln>
+        </p:spPr>
+        <p:style>
+          <a:lnRef idx="2">
+            <a:schemeClr val="accent1">
+              <a:shade val="50000"/>
+            </a:schemeClr>
+          </a:lnRef>
+          <a:fillRef idx="1">
+            <a:schemeClr val="accent1"/>
+          </a:fillRef>
+          <a:effectRef idx="0">
+            <a:schemeClr val="accent1"/>
+          </a:effectRef>
+          <a:fontRef idx="minor">
+            <a:schemeClr val="lt1"/>
+          </a:fontRef>
+        </p:style>
+        <p:txBody>
+          <a:bodyPr rtlCol="0" anchor="ctr"/>
+          <a:lstStyle/>
+          <a:p>
+            <a:pPr algn="ctr"/>
+            <a:r>
+              <a:rPr lang="en-US" sz="2000" dirty="0">
+                <a:solidFill>
+                  <a:schemeClr val="tx1">
+                    <a:lumMod val="85000"/>
+                    <a:lumOff val="15000"/>
+                  </a:schemeClr>
+                </a:solidFill>
+              </a:rPr>
+              <a:t>Role</a:t>
+            </a:r>
+          </a:p>
+        </p:txBody>
+      </p:sp>
+      <p:sp>
+        <p:nvSpPr>
+          <p:cNvPr id="13" name="Down Arrow 12">
+            <a:extLst>
+              <a:ext uri="{FF2B5EF4-FFF2-40B4-BE49-F238E27FC236}">
+                <a16:creationId xmlns:a16="http://schemas.microsoft.com/office/drawing/2014/main" id="{B4CDB232-AE9B-3D4F-B146-8B666553560E}"/>
+              </a:ext>
+            </a:extLst>
+          </p:cNvPr>
+          <p:cNvSpPr/>
+          <p:nvPr/>
+        </p:nvSpPr>
+        <p:spPr>
+          <a:xfrm rot="21000000">
+            <a:off x="2264270" y="1772155"/>
+            <a:ext cx="161365" cy="772627"/>
+          </a:xfrm>
+          <a:prstGeom prst="downArrow">
+            <a:avLst>
+              <a:gd name="adj1" fmla="val 50000"/>
+              <a:gd name="adj2" fmla="val 129998"/>
+            </a:avLst>
+          </a:prstGeom>
+          <a:solidFill>
+            <a:schemeClr val="bg1">
+              <a:lumMod val="95000"/>
+              <a:alpha val="79584"/>
+            </a:schemeClr>
+          </a:solidFill>
+          <a:ln>
+            <a:solidFill>
+              <a:schemeClr val="bg2">
+                <a:lumMod val="50000"/>
+              </a:schemeClr>
+            </a:solidFill>
+          </a:ln>
+        </p:spPr>
+        <p:style>
+          <a:lnRef idx="2">
+            <a:schemeClr val="accent1">
+              <a:shade val="50000"/>
+            </a:schemeClr>
+          </a:lnRef>
+          <a:fillRef idx="1">
+            <a:schemeClr val="accent1"/>
+          </a:fillRef>
+          <a:effectRef idx="0">
+            <a:schemeClr val="accent1"/>
+          </a:effectRef>
+          <a:fontRef idx="minor">
+            <a:schemeClr val="lt1"/>
+          </a:fontRef>
+        </p:style>
+        <p:txBody>
+          <a:bodyPr rtlCol="0" anchor="ctr"/>
+          <a:lstStyle/>
+          <a:p>
+            <a:pPr algn="ctr"/>
+            <a:endParaRPr lang="en-US"/>
+          </a:p>
+        </p:txBody>
+      </p:sp>
+      <p:sp>
+        <p:nvSpPr>
+          <p:cNvPr id="9" name="Rectangle 8">
+            <a:extLst>
+              <a:ext uri="{FF2B5EF4-FFF2-40B4-BE49-F238E27FC236}">
+                <a16:creationId xmlns:a16="http://schemas.microsoft.com/office/drawing/2014/main" id="{6F7D0253-8737-834F-8F03-1696179FCA7C}"/>
+              </a:ext>
+            </a:extLst>
+          </p:cNvPr>
+          <p:cNvSpPr/>
+          <p:nvPr/>
+        </p:nvSpPr>
+        <p:spPr>
+          <a:xfrm>
+            <a:off x="1590822" y="2457068"/>
+            <a:ext cx="1524001" cy="665018"/>
+          </a:xfrm>
+          <a:prstGeom prst="rect">
+            <a:avLst/>
+          </a:prstGeom>
+          <a:solidFill>
+            <a:schemeClr val="bg1">
+              <a:lumMod val="95000"/>
+              <a:alpha val="79584"/>
+            </a:schemeClr>
+          </a:solidFill>
+          <a:ln w="38100">
+            <a:solidFill>
+              <a:schemeClr val="bg2">
+                <a:lumMod val="50000"/>
+              </a:schemeClr>
+            </a:solidFill>
+          </a:ln>
+        </p:spPr>
+        <p:style>
+          <a:lnRef idx="2">
+            <a:schemeClr val="accent1">
+              <a:shade val="50000"/>
+            </a:schemeClr>
+          </a:lnRef>
+          <a:fillRef idx="1">
+            <a:schemeClr val="accent1"/>
+          </a:fillRef>
+          <a:effectRef idx="0">
+            <a:schemeClr val="accent1"/>
+          </a:effectRef>
+          <a:fontRef idx="minor">
+            <a:schemeClr val="lt1"/>
+          </a:fontRef>
+        </p:style>
+        <p:txBody>
+          <a:bodyPr rtlCol="0" anchor="ctr"/>
+          <a:lstStyle/>
+          <a:p>
+            <a:pPr algn="ctr"/>
+            <a:r>
+              <a:rPr lang="en-US" sz="2000" dirty="0">
+                <a:solidFill>
+                  <a:schemeClr val="tx1">
+                    <a:lumMod val="85000"/>
+                    <a:lumOff val="15000"/>
+                  </a:schemeClr>
+                </a:solidFill>
+              </a:rPr>
+              <a:t>Role</a:t>
+            </a:r>
+          </a:p>
+        </p:txBody>
+      </p:sp>
+      <p:sp>
+        <p:nvSpPr>
+          <p:cNvPr id="12" name="Down Arrow 11">
+            <a:extLst>
+              <a:ext uri="{FF2B5EF4-FFF2-40B4-BE49-F238E27FC236}">
+                <a16:creationId xmlns:a16="http://schemas.microsoft.com/office/drawing/2014/main" id="{6CFDBBEA-1C60-B94C-BA5B-0530357207B3}"/>
+              </a:ext>
+            </a:extLst>
+          </p:cNvPr>
+          <p:cNvSpPr/>
+          <p:nvPr/>
+        </p:nvSpPr>
+        <p:spPr>
+          <a:xfrm rot="21300000">
+            <a:off x="2216826" y="1778094"/>
+            <a:ext cx="161365" cy="672768"/>
+          </a:xfrm>
+          <a:prstGeom prst="downArrow">
+            <a:avLst>
+              <a:gd name="adj1" fmla="val 50000"/>
+              <a:gd name="adj2" fmla="val 129998"/>
+            </a:avLst>
+          </a:prstGeom>
+          <a:solidFill>
+            <a:schemeClr val="bg1">
+              <a:lumMod val="95000"/>
+              <a:alpha val="79584"/>
+            </a:schemeClr>
+          </a:solidFill>
+          <a:ln>
+            <a:solidFill>
+              <a:schemeClr val="bg2">
+                <a:lumMod val="50000"/>
+              </a:schemeClr>
+            </a:solidFill>
+          </a:ln>
+        </p:spPr>
+        <p:style>
+          <a:lnRef idx="2">
+            <a:schemeClr val="accent1">
+              <a:shade val="50000"/>
+            </a:schemeClr>
+          </a:lnRef>
+          <a:fillRef idx="1">
+            <a:schemeClr val="accent1"/>
+          </a:fillRef>
+          <a:effectRef idx="0">
+            <a:schemeClr val="accent1"/>
+          </a:effectRef>
+          <a:fontRef idx="minor">
+            <a:schemeClr val="lt1"/>
+          </a:fontRef>
+        </p:style>
+        <p:txBody>
+          <a:bodyPr rtlCol="0" anchor="ctr"/>
+          <a:lstStyle/>
+          <a:p>
+            <a:pPr algn="ctr"/>
+            <a:endParaRPr lang="en-US"/>
+          </a:p>
+        </p:txBody>
+      </p:sp>
+      <p:sp>
+        <p:nvSpPr>
+          <p:cNvPr id="2" name="Rectangle 1">
+            <a:extLst>
+              <a:ext uri="{FF2B5EF4-FFF2-40B4-BE49-F238E27FC236}">
+                <a16:creationId xmlns:a16="http://schemas.microsoft.com/office/drawing/2014/main" id="{9B7387F5-ACA9-7141-97D3-A62F3221BA74}"/>
+              </a:ext>
+            </a:extLst>
+          </p:cNvPr>
+          <p:cNvSpPr/>
+          <p:nvPr/>
+        </p:nvSpPr>
+        <p:spPr>
+          <a:xfrm>
+            <a:off x="1510145" y="1122219"/>
+            <a:ext cx="1524001" cy="665018"/>
+          </a:xfrm>
+          <a:prstGeom prst="rect">
+            <a:avLst/>
+          </a:prstGeom>
+          <a:solidFill>
+            <a:schemeClr val="bg1">
+              <a:lumMod val="95000"/>
+              <a:alpha val="79584"/>
+            </a:schemeClr>
+          </a:solidFill>
+          <a:ln w="38100">
+            <a:solidFill>
+              <a:schemeClr val="bg2">
+                <a:lumMod val="50000"/>
+              </a:schemeClr>
+            </a:solidFill>
+          </a:ln>
+        </p:spPr>
+        <p:style>
+          <a:lnRef idx="2">
+            <a:schemeClr val="accent1">
+              <a:shade val="50000"/>
+            </a:schemeClr>
+          </a:lnRef>
+          <a:fillRef idx="1">
+            <a:schemeClr val="accent1"/>
+          </a:fillRef>
+          <a:effectRef idx="0">
+            <a:schemeClr val="accent1"/>
+          </a:effectRef>
+          <a:fontRef idx="minor">
+            <a:schemeClr val="lt1"/>
+          </a:fontRef>
+        </p:style>
+        <p:txBody>
+          <a:bodyPr rtlCol="0" anchor="ctr"/>
+          <a:lstStyle/>
+          <a:p>
+            <a:pPr algn="ctr"/>
+            <a:r>
+              <a:rPr lang="en-US" sz="2000" dirty="0">
+                <a:solidFill>
+                  <a:schemeClr val="tx1">
+                    <a:lumMod val="85000"/>
+                    <a:lumOff val="15000"/>
+                  </a:schemeClr>
+                </a:solidFill>
+              </a:rPr>
+              <a:t>User</a:t>
+            </a:r>
+          </a:p>
+        </p:txBody>
+      </p:sp>
+      <p:sp>
+        <p:nvSpPr>
+          <p:cNvPr id="5" name="Rectangle 4">
+            <a:extLst>
+              <a:ext uri="{FF2B5EF4-FFF2-40B4-BE49-F238E27FC236}">
+                <a16:creationId xmlns:a16="http://schemas.microsoft.com/office/drawing/2014/main" id="{D1CCEEB6-0FB9-4C4E-A7F2-C6729B9FC8EA}"/>
+              </a:ext>
+            </a:extLst>
+          </p:cNvPr>
+          <p:cNvSpPr/>
+          <p:nvPr/>
+        </p:nvSpPr>
+        <p:spPr>
+          <a:xfrm>
+            <a:off x="1510145" y="2369129"/>
+            <a:ext cx="1524001" cy="665018"/>
+          </a:xfrm>
+          <a:prstGeom prst="rect">
+            <a:avLst/>
+          </a:prstGeom>
+          <a:solidFill>
+            <a:schemeClr val="bg1">
+              <a:lumMod val="95000"/>
+              <a:alpha val="79584"/>
+            </a:schemeClr>
+          </a:solidFill>
+          <a:ln w="38100">
+            <a:solidFill>
+              <a:schemeClr val="bg2">
+                <a:lumMod val="50000"/>
+              </a:schemeClr>
+            </a:solidFill>
+          </a:ln>
+        </p:spPr>
+        <p:style>
+          <a:lnRef idx="2">
+            <a:schemeClr val="accent1">
+              <a:shade val="50000"/>
+            </a:schemeClr>
+          </a:lnRef>
+          <a:fillRef idx="1">
+            <a:schemeClr val="accent1"/>
+          </a:fillRef>
+          <a:effectRef idx="0">
+            <a:schemeClr val="accent1"/>
+          </a:effectRef>
+          <a:fontRef idx="minor">
+            <a:schemeClr val="lt1"/>
+          </a:fontRef>
+        </p:style>
+        <p:txBody>
+          <a:bodyPr rtlCol="0" anchor="ctr"/>
+          <a:lstStyle/>
+          <a:p>
+            <a:pPr algn="ctr"/>
+            <a:r>
+              <a:rPr lang="en-US" sz="2000" dirty="0">
+                <a:solidFill>
+                  <a:schemeClr val="tx1">
+                    <a:lumMod val="85000"/>
+                    <a:lumOff val="15000"/>
+                  </a:schemeClr>
+                </a:solidFill>
+              </a:rPr>
+              <a:t>Role</a:t>
+            </a:r>
+          </a:p>
+        </p:txBody>
+      </p:sp>
+      <p:sp>
+        <p:nvSpPr>
+          <p:cNvPr id="15" name="Down Arrow 14">
+            <a:extLst>
+              <a:ext uri="{FF2B5EF4-FFF2-40B4-BE49-F238E27FC236}">
+                <a16:creationId xmlns:a16="http://schemas.microsoft.com/office/drawing/2014/main" id="{03FE2F9B-D768-9846-AF7E-C97F162AF435}"/>
+              </a:ext>
+            </a:extLst>
+          </p:cNvPr>
+          <p:cNvSpPr/>
+          <p:nvPr/>
+        </p:nvSpPr>
+        <p:spPr>
+          <a:xfrm>
+            <a:off x="2191459" y="1787237"/>
+            <a:ext cx="161365" cy="581892"/>
+          </a:xfrm>
+          <a:prstGeom prst="downArrow">
+            <a:avLst>
+              <a:gd name="adj1" fmla="val 50000"/>
+              <a:gd name="adj2" fmla="val 129998"/>
+            </a:avLst>
+          </a:prstGeom>
+          <a:solidFill>
+            <a:schemeClr val="bg1">
+              <a:lumMod val="95000"/>
+              <a:alpha val="79584"/>
+            </a:schemeClr>
+          </a:solidFill>
+          <a:ln>
+            <a:solidFill>
+              <a:schemeClr val="bg2">
+                <a:lumMod val="50000"/>
+              </a:schemeClr>
+            </a:solidFill>
+          </a:ln>
+        </p:spPr>
+        <p:style>
+          <a:lnRef idx="2">
+            <a:schemeClr val="accent1">
+              <a:shade val="50000"/>
+            </a:schemeClr>
+          </a:lnRef>
+          <a:fillRef idx="1">
+            <a:schemeClr val="accent1"/>
+          </a:fillRef>
+          <a:effectRef idx="0">
+            <a:schemeClr val="accent1"/>
+          </a:effectRef>
+          <a:fontRef idx="minor">
+            <a:schemeClr val="lt1"/>
+          </a:fontRef>
+        </p:style>
+        <p:txBody>
+          <a:bodyPr rtlCol="0" anchor="ctr"/>
+          <a:lstStyle/>
+          <a:p>
+            <a:pPr algn="ctr"/>
+            <a:endParaRPr lang="en-US"/>
+          </a:p>
+        </p:txBody>
+      </p:sp>
+      <p:sp>
+        <p:nvSpPr>
+          <p:cNvPr id="16" name="Rectangle 15">
+            <a:extLst>
+              <a:ext uri="{FF2B5EF4-FFF2-40B4-BE49-F238E27FC236}">
+                <a16:creationId xmlns:a16="http://schemas.microsoft.com/office/drawing/2014/main" id="{A5CA0DB8-57EB-C840-9FDD-2EBAFE84633F}"/>
+              </a:ext>
+            </a:extLst>
+          </p:cNvPr>
+          <p:cNvSpPr/>
+          <p:nvPr/>
+        </p:nvSpPr>
+        <p:spPr>
+          <a:xfrm>
+            <a:off x="1752173" y="3879857"/>
+            <a:ext cx="1524001" cy="665018"/>
+          </a:xfrm>
+          <a:prstGeom prst="rect">
+            <a:avLst/>
+          </a:prstGeom>
+          <a:solidFill>
+            <a:schemeClr val="bg1">
+              <a:lumMod val="95000"/>
+              <a:alpha val="79584"/>
+            </a:schemeClr>
+          </a:solidFill>
+          <a:ln w="38100">
+            <a:solidFill>
+              <a:schemeClr val="bg2">
+                <a:lumMod val="50000"/>
+              </a:schemeClr>
+            </a:solidFill>
+          </a:ln>
+        </p:spPr>
+        <p:style>
+          <a:lnRef idx="2">
+            <a:schemeClr val="accent1">
+              <a:shade val="50000"/>
+            </a:schemeClr>
+          </a:lnRef>
+          <a:fillRef idx="1">
+            <a:schemeClr val="accent1"/>
+          </a:fillRef>
+          <a:effectRef idx="0">
+            <a:schemeClr val="accent1"/>
+          </a:effectRef>
+          <a:fontRef idx="minor">
+            <a:schemeClr val="lt1"/>
+          </a:fontRef>
+        </p:style>
+        <p:txBody>
+          <a:bodyPr rtlCol="0" anchor="ctr"/>
+          <a:lstStyle/>
+          <a:p>
+            <a:pPr algn="ctr"/>
+            <a:r>
+              <a:rPr lang="en-US" sz="2000" dirty="0">
+                <a:solidFill>
+                  <a:schemeClr val="tx1">
+                    <a:lumMod val="85000"/>
+                    <a:lumOff val="15000"/>
+                  </a:schemeClr>
+                </a:solidFill>
+              </a:rPr>
+              <a:t>Permission</a:t>
+            </a:r>
+          </a:p>
+        </p:txBody>
+      </p:sp>
+      <p:sp>
+        <p:nvSpPr>
+          <p:cNvPr id="19" name="Down Arrow 18">
+            <a:extLst>
+              <a:ext uri="{FF2B5EF4-FFF2-40B4-BE49-F238E27FC236}">
+                <a16:creationId xmlns:a16="http://schemas.microsoft.com/office/drawing/2014/main" id="{F937787E-F591-AB4A-AA83-E0EA75AB4B38}"/>
+              </a:ext>
+            </a:extLst>
+          </p:cNvPr>
+          <p:cNvSpPr/>
+          <p:nvPr/>
+        </p:nvSpPr>
+        <p:spPr>
+          <a:xfrm rot="20675198">
+            <a:off x="2302959" y="3011075"/>
+            <a:ext cx="161365" cy="888316"/>
+          </a:xfrm>
+          <a:prstGeom prst="downArrow">
+            <a:avLst>
+              <a:gd name="adj1" fmla="val 50000"/>
+              <a:gd name="adj2" fmla="val 129998"/>
+            </a:avLst>
+          </a:prstGeom>
+          <a:solidFill>
+            <a:schemeClr val="bg1">
+              <a:lumMod val="95000"/>
+              <a:alpha val="79584"/>
+            </a:schemeClr>
+          </a:solidFill>
+          <a:ln>
+            <a:solidFill>
+              <a:schemeClr val="bg2">
+                <a:lumMod val="50000"/>
+              </a:schemeClr>
+            </a:solidFill>
+          </a:ln>
+        </p:spPr>
+        <p:style>
+          <a:lnRef idx="2">
+            <a:schemeClr val="accent1">
+              <a:shade val="50000"/>
+            </a:schemeClr>
+          </a:lnRef>
+          <a:fillRef idx="1">
+            <a:schemeClr val="accent1"/>
+          </a:fillRef>
+          <a:effectRef idx="0">
+            <a:schemeClr val="accent1"/>
+          </a:effectRef>
+          <a:fontRef idx="minor">
+            <a:schemeClr val="lt1"/>
+          </a:fontRef>
+        </p:style>
+        <p:txBody>
+          <a:bodyPr rtlCol="0" anchor="ctr"/>
+          <a:lstStyle/>
+          <a:p>
+            <a:pPr algn="ctr"/>
+            <a:endParaRPr lang="en-US"/>
+          </a:p>
+        </p:txBody>
+      </p:sp>
+      <p:sp>
+        <p:nvSpPr>
+          <p:cNvPr id="20" name="Rectangle 19">
+            <a:extLst>
+              <a:ext uri="{FF2B5EF4-FFF2-40B4-BE49-F238E27FC236}">
+                <a16:creationId xmlns:a16="http://schemas.microsoft.com/office/drawing/2014/main" id="{6BAE310D-B37C-A241-920E-315A7306B033}"/>
+              </a:ext>
+            </a:extLst>
+          </p:cNvPr>
+          <p:cNvSpPr/>
+          <p:nvPr/>
+        </p:nvSpPr>
+        <p:spPr>
+          <a:xfrm>
+            <a:off x="1671496" y="3791917"/>
+            <a:ext cx="1524001" cy="665018"/>
+          </a:xfrm>
+          <a:prstGeom prst="rect">
+            <a:avLst/>
+          </a:prstGeom>
+          <a:solidFill>
+            <a:schemeClr val="bg1">
+              <a:lumMod val="95000"/>
+              <a:alpha val="79584"/>
+            </a:schemeClr>
+          </a:solidFill>
+          <a:ln w="38100">
+            <a:solidFill>
+              <a:schemeClr val="bg2">
+                <a:lumMod val="50000"/>
+              </a:schemeClr>
+            </a:solidFill>
+          </a:ln>
+        </p:spPr>
+        <p:style>
+          <a:lnRef idx="2">
+            <a:schemeClr val="accent1">
+              <a:shade val="50000"/>
+            </a:schemeClr>
+          </a:lnRef>
+          <a:fillRef idx="1">
+            <a:schemeClr val="accent1"/>
+          </a:fillRef>
+          <a:effectRef idx="0">
+            <a:schemeClr val="accent1"/>
+          </a:effectRef>
+          <a:fontRef idx="minor">
+            <a:schemeClr val="lt1"/>
+          </a:fontRef>
+        </p:style>
+        <p:txBody>
+          <a:bodyPr rtlCol="0" anchor="ctr"/>
+          <a:lstStyle/>
+          <a:p>
+            <a:pPr algn="ctr"/>
+            <a:r>
+              <a:rPr lang="en-US" sz="2000" dirty="0">
+                <a:solidFill>
+                  <a:schemeClr val="tx1">
+                    <a:lumMod val="85000"/>
+                    <a:lumOff val="15000"/>
+                  </a:schemeClr>
+                </a:solidFill>
+              </a:rPr>
+              <a:t>Permission</a:t>
+            </a:r>
+          </a:p>
+        </p:txBody>
+      </p:sp>
+      <p:sp>
+        <p:nvSpPr>
+          <p:cNvPr id="21" name="Down Arrow 20">
+            <a:extLst>
+              <a:ext uri="{FF2B5EF4-FFF2-40B4-BE49-F238E27FC236}">
+                <a16:creationId xmlns:a16="http://schemas.microsoft.com/office/drawing/2014/main" id="{675138C8-4353-E442-A21C-738EAB141FBE}"/>
+              </a:ext>
+            </a:extLst>
+          </p:cNvPr>
+          <p:cNvSpPr/>
+          <p:nvPr/>
+        </p:nvSpPr>
+        <p:spPr>
+          <a:xfrm rot="21000000">
+            <a:off x="2264267" y="3019065"/>
+            <a:ext cx="161365" cy="772627"/>
+          </a:xfrm>
+          <a:prstGeom prst="downArrow">
+            <a:avLst>
+              <a:gd name="adj1" fmla="val 50000"/>
+              <a:gd name="adj2" fmla="val 129998"/>
+            </a:avLst>
+          </a:prstGeom>
+          <a:solidFill>
+            <a:schemeClr val="bg1">
+              <a:lumMod val="95000"/>
+              <a:alpha val="79584"/>
+            </a:schemeClr>
+          </a:solidFill>
+          <a:ln>
+            <a:solidFill>
+              <a:schemeClr val="bg2">
+                <a:lumMod val="50000"/>
+              </a:schemeClr>
+            </a:solidFill>
+          </a:ln>
+        </p:spPr>
+        <p:style>
+          <a:lnRef idx="2">
+            <a:schemeClr val="accent1">
+              <a:shade val="50000"/>
+            </a:schemeClr>
+          </a:lnRef>
+          <a:fillRef idx="1">
+            <a:schemeClr val="accent1"/>
+          </a:fillRef>
+          <a:effectRef idx="0">
+            <a:schemeClr val="accent1"/>
+          </a:effectRef>
+          <a:fontRef idx="minor">
+            <a:schemeClr val="lt1"/>
+          </a:fontRef>
+        </p:style>
+        <p:txBody>
+          <a:bodyPr rtlCol="0" anchor="ctr"/>
+          <a:lstStyle/>
+          <a:p>
+            <a:pPr algn="ctr"/>
+            <a:endParaRPr lang="en-US"/>
+          </a:p>
+        </p:txBody>
+      </p:sp>
+      <p:sp>
+        <p:nvSpPr>
+          <p:cNvPr id="22" name="Rectangle 21">
+            <a:extLst>
+              <a:ext uri="{FF2B5EF4-FFF2-40B4-BE49-F238E27FC236}">
+                <a16:creationId xmlns:a16="http://schemas.microsoft.com/office/drawing/2014/main" id="{90B2ED0E-B620-C64A-8FFB-6879542442F6}"/>
+              </a:ext>
+            </a:extLst>
+          </p:cNvPr>
+          <p:cNvSpPr/>
+          <p:nvPr/>
+        </p:nvSpPr>
+        <p:spPr>
+          <a:xfrm>
+            <a:off x="1590819" y="3703978"/>
+            <a:ext cx="1524001" cy="665018"/>
+          </a:xfrm>
+          <a:prstGeom prst="rect">
+            <a:avLst/>
+          </a:prstGeom>
+          <a:solidFill>
+            <a:schemeClr val="bg1">
+              <a:lumMod val="95000"/>
+              <a:alpha val="79584"/>
+            </a:schemeClr>
+          </a:solidFill>
+          <a:ln w="38100">
+            <a:solidFill>
+              <a:schemeClr val="bg2">
+                <a:lumMod val="50000"/>
+              </a:schemeClr>
+            </a:solidFill>
+          </a:ln>
+        </p:spPr>
+        <p:style>
+          <a:lnRef idx="2">
+            <a:schemeClr val="accent1">
+              <a:shade val="50000"/>
+            </a:schemeClr>
+          </a:lnRef>
+          <a:fillRef idx="1">
+            <a:schemeClr val="accent1"/>
+          </a:fillRef>
+          <a:effectRef idx="0">
+            <a:schemeClr val="accent1"/>
+          </a:effectRef>
+          <a:fontRef idx="minor">
+            <a:schemeClr val="lt1"/>
+          </a:fontRef>
+        </p:style>
+        <p:txBody>
+          <a:bodyPr rtlCol="0" anchor="ctr"/>
+          <a:lstStyle/>
+          <a:p>
+            <a:pPr algn="ctr"/>
+            <a:r>
+              <a:rPr lang="en-US" sz="2000" dirty="0">
+                <a:solidFill>
+                  <a:schemeClr val="tx1">
+                    <a:lumMod val="85000"/>
+                    <a:lumOff val="15000"/>
+                  </a:schemeClr>
+                </a:solidFill>
+              </a:rPr>
+              <a:t>Permission</a:t>
+            </a:r>
+          </a:p>
+        </p:txBody>
+      </p:sp>
+      <p:sp>
+        <p:nvSpPr>
+          <p:cNvPr id="23" name="Down Arrow 22">
+            <a:extLst>
+              <a:ext uri="{FF2B5EF4-FFF2-40B4-BE49-F238E27FC236}">
+                <a16:creationId xmlns:a16="http://schemas.microsoft.com/office/drawing/2014/main" id="{09C43943-FB10-2F4E-A6DD-A0608F650847}"/>
+              </a:ext>
+            </a:extLst>
+          </p:cNvPr>
+          <p:cNvSpPr/>
+          <p:nvPr/>
+        </p:nvSpPr>
+        <p:spPr>
+          <a:xfrm rot="21300000">
+            <a:off x="2216823" y="3025004"/>
+            <a:ext cx="161365" cy="672768"/>
+          </a:xfrm>
+          <a:prstGeom prst="downArrow">
+            <a:avLst>
+              <a:gd name="adj1" fmla="val 50000"/>
+              <a:gd name="adj2" fmla="val 129998"/>
+            </a:avLst>
+          </a:prstGeom>
+          <a:solidFill>
+            <a:schemeClr val="bg1">
+              <a:lumMod val="95000"/>
+              <a:alpha val="79584"/>
+            </a:schemeClr>
+          </a:solidFill>
+          <a:ln>
+            <a:solidFill>
+              <a:schemeClr val="bg2">
+                <a:lumMod val="50000"/>
+              </a:schemeClr>
+            </a:solidFill>
+          </a:ln>
+        </p:spPr>
+        <p:style>
+          <a:lnRef idx="2">
+            <a:schemeClr val="accent1">
+              <a:shade val="50000"/>
+            </a:schemeClr>
+          </a:lnRef>
+          <a:fillRef idx="1">
+            <a:schemeClr val="accent1"/>
+          </a:fillRef>
+          <a:effectRef idx="0">
+            <a:schemeClr val="accent1"/>
+          </a:effectRef>
+          <a:fontRef idx="minor">
+            <a:schemeClr val="lt1"/>
+          </a:fontRef>
+        </p:style>
+        <p:txBody>
+          <a:bodyPr rtlCol="0" anchor="ctr"/>
+          <a:lstStyle/>
+          <a:p>
+            <a:pPr algn="ctr"/>
+            <a:endParaRPr lang="en-US"/>
+          </a:p>
+        </p:txBody>
+      </p:sp>
+      <p:sp>
+        <p:nvSpPr>
+          <p:cNvPr id="6" name="Rectangle 5">
+            <a:extLst>
+              <a:ext uri="{FF2B5EF4-FFF2-40B4-BE49-F238E27FC236}">
+                <a16:creationId xmlns:a16="http://schemas.microsoft.com/office/drawing/2014/main" id="{292A8187-D086-6241-BD43-8F4A54EACBD1}"/>
+              </a:ext>
+            </a:extLst>
+          </p:cNvPr>
+          <p:cNvSpPr/>
+          <p:nvPr/>
+        </p:nvSpPr>
+        <p:spPr>
+          <a:xfrm>
+            <a:off x="1510142" y="3616039"/>
+            <a:ext cx="1524001" cy="665018"/>
+          </a:xfrm>
+          <a:prstGeom prst="rect">
+            <a:avLst/>
+          </a:prstGeom>
+          <a:solidFill>
+            <a:schemeClr val="bg1">
+              <a:lumMod val="95000"/>
+              <a:alpha val="79584"/>
+            </a:schemeClr>
+          </a:solidFill>
+          <a:ln w="38100">
+            <a:solidFill>
+              <a:schemeClr val="bg2">
+                <a:lumMod val="50000"/>
+              </a:schemeClr>
+            </a:solidFill>
+          </a:ln>
+        </p:spPr>
+        <p:style>
+          <a:lnRef idx="2">
+            <a:schemeClr val="accent1">
+              <a:shade val="50000"/>
+            </a:schemeClr>
+          </a:lnRef>
+          <a:fillRef idx="1">
+            <a:schemeClr val="accent1"/>
+          </a:fillRef>
+          <a:effectRef idx="0">
+            <a:schemeClr val="accent1"/>
+          </a:effectRef>
+          <a:fontRef idx="minor">
+            <a:schemeClr val="lt1"/>
+          </a:fontRef>
+        </p:style>
+        <p:txBody>
+          <a:bodyPr rtlCol="0" anchor="ctr"/>
+          <a:lstStyle/>
+          <a:p>
+            <a:pPr algn="ctr"/>
+            <a:r>
+              <a:rPr lang="en-US" sz="2000" dirty="0">
+                <a:solidFill>
+                  <a:schemeClr val="tx1">
+                    <a:lumMod val="85000"/>
+                    <a:lumOff val="15000"/>
+                  </a:schemeClr>
+                </a:solidFill>
+              </a:rPr>
+              <a:t>Permission</a:t>
+            </a:r>
+          </a:p>
+        </p:txBody>
+      </p:sp>
+      <p:sp>
+        <p:nvSpPr>
+          <p:cNvPr id="18" name="Down Arrow 17">
+            <a:extLst>
+              <a:ext uri="{FF2B5EF4-FFF2-40B4-BE49-F238E27FC236}">
+                <a16:creationId xmlns:a16="http://schemas.microsoft.com/office/drawing/2014/main" id="{A8DAD2EC-3E9B-E942-96A2-159C54469EE2}"/>
+              </a:ext>
+            </a:extLst>
+          </p:cNvPr>
+          <p:cNvSpPr/>
+          <p:nvPr/>
+        </p:nvSpPr>
+        <p:spPr>
+          <a:xfrm>
+            <a:off x="2191459" y="3029199"/>
+            <a:ext cx="161365" cy="581892"/>
+          </a:xfrm>
+          <a:prstGeom prst="downArrow">
+            <a:avLst>
+              <a:gd name="adj1" fmla="val 50000"/>
+              <a:gd name="adj2" fmla="val 129998"/>
+            </a:avLst>
+          </a:prstGeom>
+          <a:solidFill>
+            <a:schemeClr val="bg1">
+              <a:lumMod val="95000"/>
+              <a:alpha val="79584"/>
+            </a:schemeClr>
+          </a:solidFill>
+          <a:ln>
+            <a:solidFill>
+              <a:schemeClr val="bg2">
+                <a:lumMod val="50000"/>
+              </a:schemeClr>
+            </a:solidFill>
+          </a:ln>
+        </p:spPr>
+        <p:style>
+          <a:lnRef idx="2">
+            <a:schemeClr val="accent1">
+              <a:shade val="50000"/>
+            </a:schemeClr>
+          </a:lnRef>
+          <a:fillRef idx="1">
+            <a:schemeClr val="accent1"/>
+          </a:fillRef>
+          <a:effectRef idx="0">
+            <a:schemeClr val="accent1"/>
+          </a:effectRef>
+          <a:fontRef idx="minor">
+            <a:schemeClr val="lt1"/>
+          </a:fontRef>
+        </p:style>
+        <p:txBody>
+          <a:bodyPr rtlCol="0" anchor="ctr"/>
+          <a:lstStyle/>
+          <a:p>
+            <a:pPr algn="ctr"/>
+            <a:endParaRPr lang="en-US"/>
+          </a:p>
+        </p:txBody>
+      </p:sp>
+      <p:sp>
+        <p:nvSpPr>
+          <p:cNvPr id="24" name="Rectangle 23">
+            <a:extLst>
+              <a:ext uri="{FF2B5EF4-FFF2-40B4-BE49-F238E27FC236}">
+                <a16:creationId xmlns:a16="http://schemas.microsoft.com/office/drawing/2014/main" id="{4D48405B-FC50-FE48-9864-E65F44D6BEA9}"/>
+              </a:ext>
+            </a:extLst>
+          </p:cNvPr>
+          <p:cNvSpPr/>
+          <p:nvPr/>
+        </p:nvSpPr>
+        <p:spPr>
+          <a:xfrm>
+            <a:off x="1748889" y="5126767"/>
+            <a:ext cx="1524001" cy="665018"/>
+          </a:xfrm>
+          <a:prstGeom prst="rect">
+            <a:avLst/>
+          </a:prstGeom>
+          <a:solidFill>
+            <a:schemeClr val="bg1">
+              <a:lumMod val="95000"/>
+              <a:alpha val="79584"/>
+            </a:schemeClr>
+          </a:solidFill>
+          <a:ln w="38100">
+            <a:solidFill>
+              <a:schemeClr val="bg2">
+                <a:lumMod val="50000"/>
+              </a:schemeClr>
+            </a:solidFill>
+          </a:ln>
+        </p:spPr>
+        <p:style>
+          <a:lnRef idx="2">
+            <a:schemeClr val="accent1">
+              <a:shade val="50000"/>
+            </a:schemeClr>
+          </a:lnRef>
+          <a:fillRef idx="1">
+            <a:schemeClr val="accent1"/>
+          </a:fillRef>
+          <a:effectRef idx="0">
+            <a:schemeClr val="accent1"/>
+          </a:effectRef>
+          <a:fontRef idx="minor">
+            <a:schemeClr val="lt1"/>
+          </a:fontRef>
+        </p:style>
+        <p:txBody>
+          <a:bodyPr rtlCol="0" anchor="ctr"/>
+          <a:lstStyle/>
+          <a:p>
+            <a:pPr algn="ctr"/>
+            <a:r>
+              <a:rPr lang="en-US" sz="2000" dirty="0">
+                <a:solidFill>
+                  <a:schemeClr val="tx1">
+                    <a:lumMod val="85000"/>
+                    <a:lumOff val="15000"/>
+                  </a:schemeClr>
+                </a:solidFill>
+              </a:rPr>
+              <a:t>Capability</a:t>
+            </a:r>
+          </a:p>
+        </p:txBody>
+      </p:sp>
+      <p:sp>
+        <p:nvSpPr>
+          <p:cNvPr id="25" name="Down Arrow 24">
+            <a:extLst>
+              <a:ext uri="{FF2B5EF4-FFF2-40B4-BE49-F238E27FC236}">
+                <a16:creationId xmlns:a16="http://schemas.microsoft.com/office/drawing/2014/main" id="{C38E727F-4FE9-4943-9A29-A68D7FE9CB45}"/>
+              </a:ext>
+            </a:extLst>
+          </p:cNvPr>
+          <p:cNvSpPr/>
+          <p:nvPr/>
+        </p:nvSpPr>
+        <p:spPr>
+          <a:xfrm rot="20675198">
+            <a:off x="2299675" y="4257985"/>
+            <a:ext cx="161365" cy="888316"/>
+          </a:xfrm>
+          <a:prstGeom prst="downArrow">
+            <a:avLst>
+              <a:gd name="adj1" fmla="val 50000"/>
+              <a:gd name="adj2" fmla="val 129998"/>
+            </a:avLst>
+          </a:prstGeom>
+          <a:solidFill>
+            <a:schemeClr val="bg1">
+              <a:lumMod val="95000"/>
+              <a:alpha val="79584"/>
+            </a:schemeClr>
+          </a:solidFill>
+          <a:ln>
+            <a:solidFill>
+              <a:schemeClr val="bg2">
+                <a:lumMod val="50000"/>
+              </a:schemeClr>
+            </a:solidFill>
+          </a:ln>
+        </p:spPr>
+        <p:style>
+          <a:lnRef idx="2">
+            <a:schemeClr val="accent1">
+              <a:shade val="50000"/>
+            </a:schemeClr>
+          </a:lnRef>
+          <a:fillRef idx="1">
+            <a:schemeClr val="accent1"/>
+          </a:fillRef>
+          <a:effectRef idx="0">
+            <a:schemeClr val="accent1"/>
+          </a:effectRef>
+          <a:fontRef idx="minor">
+            <a:schemeClr val="lt1"/>
+          </a:fontRef>
+        </p:style>
+        <p:txBody>
+          <a:bodyPr rtlCol="0" anchor="ctr"/>
+          <a:lstStyle/>
+          <a:p>
+            <a:pPr algn="ctr"/>
+            <a:endParaRPr lang="en-US"/>
+          </a:p>
+        </p:txBody>
+      </p:sp>
+      <p:sp>
+        <p:nvSpPr>
+          <p:cNvPr id="26" name="Rectangle 25">
+            <a:extLst>
+              <a:ext uri="{FF2B5EF4-FFF2-40B4-BE49-F238E27FC236}">
+                <a16:creationId xmlns:a16="http://schemas.microsoft.com/office/drawing/2014/main" id="{6A8C3861-7AA5-7B4D-8171-C7F0BA70A786}"/>
+              </a:ext>
+            </a:extLst>
+          </p:cNvPr>
+          <p:cNvSpPr/>
+          <p:nvPr/>
+        </p:nvSpPr>
+        <p:spPr>
+          <a:xfrm>
+            <a:off x="1669306" y="5038827"/>
+            <a:ext cx="1524001" cy="665018"/>
+          </a:xfrm>
+          <a:prstGeom prst="rect">
+            <a:avLst/>
+          </a:prstGeom>
+          <a:solidFill>
+            <a:schemeClr val="bg1">
+              <a:lumMod val="95000"/>
+              <a:alpha val="79584"/>
+            </a:schemeClr>
+          </a:solidFill>
+          <a:ln w="38100">
+            <a:solidFill>
+              <a:schemeClr val="bg2">
+                <a:lumMod val="50000"/>
+              </a:schemeClr>
+            </a:solidFill>
+          </a:ln>
+        </p:spPr>
+        <p:style>
+          <a:lnRef idx="2">
+            <a:schemeClr val="accent1">
+              <a:shade val="50000"/>
+            </a:schemeClr>
+          </a:lnRef>
+          <a:fillRef idx="1">
+            <a:schemeClr val="accent1"/>
+          </a:fillRef>
+          <a:effectRef idx="0">
+            <a:schemeClr val="accent1"/>
+          </a:effectRef>
+          <a:fontRef idx="minor">
+            <a:schemeClr val="lt1"/>
+          </a:fontRef>
+        </p:style>
+        <p:txBody>
+          <a:bodyPr rtlCol="0" anchor="ctr"/>
+          <a:lstStyle/>
+          <a:p>
+            <a:pPr algn="ctr"/>
+            <a:r>
+              <a:rPr lang="en-US" sz="2000" dirty="0">
+                <a:solidFill>
+                  <a:schemeClr val="tx1">
+                    <a:lumMod val="85000"/>
+                    <a:lumOff val="15000"/>
+                  </a:schemeClr>
+                </a:solidFill>
+              </a:rPr>
+              <a:t>Capability</a:t>
+            </a:r>
+          </a:p>
+        </p:txBody>
+      </p:sp>
+      <p:sp>
+        <p:nvSpPr>
+          <p:cNvPr id="27" name="Down Arrow 26">
+            <a:extLst>
+              <a:ext uri="{FF2B5EF4-FFF2-40B4-BE49-F238E27FC236}">
+                <a16:creationId xmlns:a16="http://schemas.microsoft.com/office/drawing/2014/main" id="{68F6EEB0-BC58-E14D-8679-11B822C5F9D6}"/>
+              </a:ext>
+            </a:extLst>
+          </p:cNvPr>
+          <p:cNvSpPr/>
+          <p:nvPr/>
+        </p:nvSpPr>
+        <p:spPr>
+          <a:xfrm rot="21000000">
+            <a:off x="2260983" y="4265975"/>
+            <a:ext cx="161365" cy="772627"/>
+          </a:xfrm>
+          <a:prstGeom prst="downArrow">
+            <a:avLst>
+              <a:gd name="adj1" fmla="val 50000"/>
+              <a:gd name="adj2" fmla="val 129998"/>
+            </a:avLst>
+          </a:prstGeom>
+          <a:solidFill>
+            <a:schemeClr val="bg1">
+              <a:lumMod val="95000"/>
+              <a:alpha val="79584"/>
+            </a:schemeClr>
+          </a:solidFill>
+          <a:ln>
+            <a:solidFill>
+              <a:schemeClr val="bg2">
+                <a:lumMod val="50000"/>
+              </a:schemeClr>
+            </a:solidFill>
+          </a:ln>
+        </p:spPr>
+        <p:style>
+          <a:lnRef idx="2">
+            <a:schemeClr val="accent1">
+              <a:shade val="50000"/>
+            </a:schemeClr>
+          </a:lnRef>
+          <a:fillRef idx="1">
+            <a:schemeClr val="accent1"/>
+          </a:fillRef>
+          <a:effectRef idx="0">
+            <a:schemeClr val="accent1"/>
+          </a:effectRef>
+          <a:fontRef idx="minor">
+            <a:schemeClr val="lt1"/>
+          </a:fontRef>
+        </p:style>
+        <p:txBody>
+          <a:bodyPr rtlCol="0" anchor="ctr"/>
+          <a:lstStyle/>
+          <a:p>
+            <a:pPr algn="ctr"/>
+            <a:endParaRPr lang="en-US"/>
+          </a:p>
+        </p:txBody>
+      </p:sp>
+      <p:sp>
+        <p:nvSpPr>
+          <p:cNvPr id="28" name="Rectangle 27">
+            <a:extLst>
+              <a:ext uri="{FF2B5EF4-FFF2-40B4-BE49-F238E27FC236}">
+                <a16:creationId xmlns:a16="http://schemas.microsoft.com/office/drawing/2014/main" id="{EDF4912B-F808-8F44-B8BF-FFF885A64E0C}"/>
+              </a:ext>
+            </a:extLst>
+          </p:cNvPr>
+          <p:cNvSpPr/>
+          <p:nvPr/>
+        </p:nvSpPr>
+        <p:spPr>
+          <a:xfrm>
+            <a:off x="1589724" y="4950888"/>
+            <a:ext cx="1524001" cy="665018"/>
+          </a:xfrm>
+          <a:prstGeom prst="rect">
+            <a:avLst/>
+          </a:prstGeom>
+          <a:solidFill>
+            <a:schemeClr val="bg1">
+              <a:lumMod val="95000"/>
+              <a:alpha val="79584"/>
+            </a:schemeClr>
+          </a:solidFill>
+          <a:ln w="38100">
+            <a:solidFill>
+              <a:schemeClr val="bg2">
+                <a:lumMod val="50000"/>
+              </a:schemeClr>
+            </a:solidFill>
+          </a:ln>
+        </p:spPr>
+        <p:style>
+          <a:lnRef idx="2">
+            <a:schemeClr val="accent1">
+              <a:shade val="50000"/>
+            </a:schemeClr>
+          </a:lnRef>
+          <a:fillRef idx="1">
+            <a:schemeClr val="accent1"/>
+          </a:fillRef>
+          <a:effectRef idx="0">
+            <a:schemeClr val="accent1"/>
+          </a:effectRef>
+          <a:fontRef idx="minor">
+            <a:schemeClr val="lt1"/>
+          </a:fontRef>
+        </p:style>
+        <p:txBody>
+          <a:bodyPr rtlCol="0" anchor="ctr"/>
+          <a:lstStyle/>
+          <a:p>
+            <a:pPr algn="ctr"/>
+            <a:r>
+              <a:rPr lang="en-US" sz="2000" dirty="0">
+                <a:solidFill>
+                  <a:schemeClr val="tx1">
+                    <a:lumMod val="85000"/>
+                    <a:lumOff val="15000"/>
+                  </a:schemeClr>
+                </a:solidFill>
+              </a:rPr>
+              <a:t>Capability</a:t>
+            </a:r>
+          </a:p>
+        </p:txBody>
+      </p:sp>
+      <p:sp>
+        <p:nvSpPr>
+          <p:cNvPr id="29" name="Down Arrow 28">
+            <a:extLst>
+              <a:ext uri="{FF2B5EF4-FFF2-40B4-BE49-F238E27FC236}">
+                <a16:creationId xmlns:a16="http://schemas.microsoft.com/office/drawing/2014/main" id="{CC76696C-EEF6-094E-8EBF-656B4960E1DF}"/>
+              </a:ext>
+            </a:extLst>
+          </p:cNvPr>
+          <p:cNvSpPr/>
+          <p:nvPr/>
+        </p:nvSpPr>
+        <p:spPr>
+          <a:xfrm rot="21300000">
+            <a:off x="2213539" y="4271914"/>
+            <a:ext cx="161365" cy="672768"/>
+          </a:xfrm>
+          <a:prstGeom prst="downArrow">
+            <a:avLst>
+              <a:gd name="adj1" fmla="val 50000"/>
+              <a:gd name="adj2" fmla="val 129998"/>
+            </a:avLst>
+          </a:prstGeom>
+          <a:solidFill>
+            <a:schemeClr val="bg1">
+              <a:lumMod val="95000"/>
+              <a:alpha val="79584"/>
+            </a:schemeClr>
+          </a:solidFill>
+          <a:ln>
+            <a:solidFill>
+              <a:schemeClr val="bg2">
+                <a:lumMod val="50000"/>
+              </a:schemeClr>
+            </a:solidFill>
+          </a:ln>
+        </p:spPr>
+        <p:style>
+          <a:lnRef idx="2">
+            <a:schemeClr val="accent1">
+              <a:shade val="50000"/>
+            </a:schemeClr>
+          </a:lnRef>
+          <a:fillRef idx="1">
+            <a:schemeClr val="accent1"/>
+          </a:fillRef>
+          <a:effectRef idx="0">
+            <a:schemeClr val="accent1"/>
+          </a:effectRef>
+          <a:fontRef idx="minor">
+            <a:schemeClr val="lt1"/>
+          </a:fontRef>
+        </p:style>
+        <p:txBody>
+          <a:bodyPr rtlCol="0" anchor="ctr"/>
+          <a:lstStyle/>
+          <a:p>
+            <a:pPr algn="ctr"/>
+            <a:endParaRPr lang="en-US"/>
+          </a:p>
+        </p:txBody>
+      </p:sp>
+      <p:sp>
+        <p:nvSpPr>
+          <p:cNvPr id="7" name="Rectangle 6">
+            <a:extLst>
+              <a:ext uri="{FF2B5EF4-FFF2-40B4-BE49-F238E27FC236}">
+                <a16:creationId xmlns:a16="http://schemas.microsoft.com/office/drawing/2014/main" id="{084195EB-CEC7-3642-9E4F-07763E9EF4CC}"/>
+              </a:ext>
+            </a:extLst>
+          </p:cNvPr>
+          <p:cNvSpPr/>
+          <p:nvPr/>
+        </p:nvSpPr>
+        <p:spPr>
+          <a:xfrm>
+            <a:off x="1510142" y="4862949"/>
+            <a:ext cx="1524001" cy="665018"/>
+          </a:xfrm>
+          <a:prstGeom prst="rect">
+            <a:avLst/>
+          </a:prstGeom>
+          <a:solidFill>
+            <a:schemeClr val="bg1">
+              <a:lumMod val="95000"/>
+              <a:alpha val="79584"/>
+            </a:schemeClr>
+          </a:solidFill>
+          <a:ln w="38100">
+            <a:solidFill>
+              <a:schemeClr val="bg2">
+                <a:lumMod val="50000"/>
+              </a:schemeClr>
+            </a:solidFill>
+          </a:ln>
+        </p:spPr>
+        <p:style>
+          <a:lnRef idx="2">
+            <a:schemeClr val="accent1">
+              <a:shade val="50000"/>
+            </a:schemeClr>
+          </a:lnRef>
+          <a:fillRef idx="1">
+            <a:schemeClr val="accent1"/>
+          </a:fillRef>
+          <a:effectRef idx="0">
+            <a:schemeClr val="accent1"/>
+          </a:effectRef>
+          <a:fontRef idx="minor">
+            <a:schemeClr val="lt1"/>
+          </a:fontRef>
+        </p:style>
+        <p:txBody>
+          <a:bodyPr rtlCol="0" anchor="ctr"/>
+          <a:lstStyle/>
+          <a:p>
+            <a:pPr algn="ctr"/>
+            <a:r>
+              <a:rPr lang="en-US" sz="2000" dirty="0">
+                <a:solidFill>
+                  <a:schemeClr val="tx1">
+                    <a:lumMod val="85000"/>
+                    <a:lumOff val="15000"/>
+                  </a:schemeClr>
+                </a:solidFill>
+              </a:rPr>
+              <a:t>Capability</a:t>
+            </a:r>
+          </a:p>
+        </p:txBody>
+      </p:sp>
+      <p:sp>
+        <p:nvSpPr>
+          <p:cNvPr id="17" name="Down Arrow 16">
+            <a:extLst>
+              <a:ext uri="{FF2B5EF4-FFF2-40B4-BE49-F238E27FC236}">
+                <a16:creationId xmlns:a16="http://schemas.microsoft.com/office/drawing/2014/main" id="{79138125-78FD-2843-9EDB-DB6D8C3820EA}"/>
+              </a:ext>
+            </a:extLst>
+          </p:cNvPr>
+          <p:cNvSpPr/>
+          <p:nvPr/>
+        </p:nvSpPr>
+        <p:spPr>
+          <a:xfrm>
+            <a:off x="2191458" y="4281057"/>
+            <a:ext cx="161365" cy="581892"/>
+          </a:xfrm>
+          <a:prstGeom prst="downArrow">
+            <a:avLst>
+              <a:gd name="adj1" fmla="val 50000"/>
+              <a:gd name="adj2" fmla="val 129998"/>
+            </a:avLst>
+          </a:prstGeom>
+          <a:solidFill>
+            <a:schemeClr val="bg1">
+              <a:lumMod val="95000"/>
+              <a:alpha val="79584"/>
+            </a:schemeClr>
+          </a:solidFill>
+          <a:ln>
+            <a:solidFill>
+              <a:schemeClr val="bg2">
+                <a:lumMod val="50000"/>
+              </a:schemeClr>
+            </a:solidFill>
+          </a:ln>
+        </p:spPr>
+        <p:style>
+          <a:lnRef idx="2">
+            <a:schemeClr val="accent1">
+              <a:shade val="50000"/>
+            </a:schemeClr>
+          </a:lnRef>
+          <a:fillRef idx="1">
+            <a:schemeClr val="accent1"/>
+          </a:fillRef>
+          <a:effectRef idx="0">
+            <a:schemeClr val="accent1"/>
+          </a:effectRef>
+          <a:fontRef idx="minor">
+            <a:schemeClr val="lt1"/>
+          </a:fontRef>
+        </p:style>
+        <p:txBody>
+          <a:bodyPr rtlCol="0" anchor="ctr"/>
+          <a:lstStyle/>
+          <a:p>
+            <a:pPr algn="ctr"/>
+            <a:endParaRPr lang="en-US"/>
+          </a:p>
+        </p:txBody>
+      </p:sp>
+    </p:spTree>
+    <p:extLst>
+      <p:ext uri="{BB962C8B-B14F-4D97-AF65-F5344CB8AC3E}">
+        <p14:creationId xmlns:p14="http://schemas.microsoft.com/office/powerpoint/2010/main" val="1649457572"/>
       </p:ext>
     </p:extLst>
   </p:cSld>

--- a/getting-apis-to-work-2021/img/RBAC.pptx
+++ b/getting-apis-to-work-2021/img/RBAC.pptx
@@ -7,7 +7,9 @@
   <p:sldIdLst>
     <p:sldId id="256" r:id="rId2"/>
     <p:sldId id="257" r:id="rId3"/>
-    <p:sldId id="260" r:id="rId4"/>
+    <p:sldId id="261" r:id="rId4"/>
+    <p:sldId id="263" r:id="rId5"/>
+    <p:sldId id="262" r:id="rId6"/>
   </p:sldIdLst>
   <p:sldSz cx="12192000" cy="6858000"/>
   <p:notesSz cx="6858000" cy="9144000"/>
@@ -4725,10 +4727,10 @@
       </p:sp>
       <p:sp>
         <p:nvSpPr>
-          <p:cNvPr id="16" name="Rectangle 15">
-            <a:extLst>
-              <a:ext uri="{FF2B5EF4-FFF2-40B4-BE49-F238E27FC236}">
-                <a16:creationId xmlns:a16="http://schemas.microsoft.com/office/drawing/2014/main" id="{A5CA0DB8-57EB-C840-9FDD-2EBAFE84633F}"/>
+          <p:cNvPr id="6" name="Rectangle 5">
+            <a:extLst>
+              <a:ext uri="{FF2B5EF4-FFF2-40B4-BE49-F238E27FC236}">
+                <a16:creationId xmlns:a16="http://schemas.microsoft.com/office/drawing/2014/main" id="{292A8187-D086-6241-BD43-8F4A54EACBD1}"/>
               </a:ext>
             </a:extLst>
           </p:cNvPr>
@@ -4737,7 +4739,7 @@
         </p:nvSpPr>
         <p:spPr>
           <a:xfrm>
-            <a:off x="1752173" y="3879857"/>
+            <a:off x="1510142" y="3616039"/>
             <a:ext cx="1524001" cy="665018"/>
           </a:xfrm>
           <a:prstGeom prst="rect">
@@ -4794,10 +4796,10 @@
       </p:sp>
       <p:sp>
         <p:nvSpPr>
-          <p:cNvPr id="19" name="Down Arrow 18">
-            <a:extLst>
-              <a:ext uri="{FF2B5EF4-FFF2-40B4-BE49-F238E27FC236}">
-                <a16:creationId xmlns:a16="http://schemas.microsoft.com/office/drawing/2014/main" id="{F937787E-F591-AB4A-AA83-E0EA75AB4B38}"/>
+          <p:cNvPr id="18" name="Down Arrow 17">
+            <a:extLst>
+              <a:ext uri="{FF2B5EF4-FFF2-40B4-BE49-F238E27FC236}">
+                <a16:creationId xmlns:a16="http://schemas.microsoft.com/office/drawing/2014/main" id="{A8DAD2EC-3E9B-E942-96A2-159C54469EE2}"/>
               </a:ext>
             </a:extLst>
           </p:cNvPr>
@@ -4805,9 +4807,9 @@
           <p:nvPr/>
         </p:nvSpPr>
         <p:spPr>
-          <a:xfrm rot="20675198">
-            <a:off x="2302959" y="3011075"/>
-            <a:ext cx="161365" cy="888316"/>
+          <a:xfrm>
+            <a:off x="2191459" y="3029199"/>
+            <a:ext cx="161365" cy="581892"/>
           </a:xfrm>
           <a:prstGeom prst="downArrow">
             <a:avLst>
@@ -4856,10 +4858,10 @@
       </p:sp>
       <p:sp>
         <p:nvSpPr>
-          <p:cNvPr id="20" name="Rectangle 19">
-            <a:extLst>
-              <a:ext uri="{FF2B5EF4-FFF2-40B4-BE49-F238E27FC236}">
-                <a16:creationId xmlns:a16="http://schemas.microsoft.com/office/drawing/2014/main" id="{6BAE310D-B37C-A241-920E-315A7306B033}"/>
+          <p:cNvPr id="7" name="Rectangle 6">
+            <a:extLst>
+              <a:ext uri="{FF2B5EF4-FFF2-40B4-BE49-F238E27FC236}">
+                <a16:creationId xmlns:a16="http://schemas.microsoft.com/office/drawing/2014/main" id="{084195EB-CEC7-3642-9E4F-07763E9EF4CC}"/>
               </a:ext>
             </a:extLst>
           </p:cNvPr>
@@ -4868,7 +4870,761 @@
         </p:nvSpPr>
         <p:spPr>
           <a:xfrm>
-            <a:off x="1671496" y="3791917"/>
+            <a:off x="1510142" y="4862949"/>
+            <a:ext cx="1524001" cy="665018"/>
+          </a:xfrm>
+          <a:prstGeom prst="rect">
+            <a:avLst/>
+          </a:prstGeom>
+          <a:solidFill>
+            <a:schemeClr val="bg1">
+              <a:lumMod val="95000"/>
+              <a:alpha val="79584"/>
+            </a:schemeClr>
+          </a:solidFill>
+          <a:ln w="38100">
+            <a:solidFill>
+              <a:schemeClr val="bg2">
+                <a:lumMod val="50000"/>
+              </a:schemeClr>
+            </a:solidFill>
+          </a:ln>
+        </p:spPr>
+        <p:style>
+          <a:lnRef idx="2">
+            <a:schemeClr val="accent1">
+              <a:shade val="50000"/>
+            </a:schemeClr>
+          </a:lnRef>
+          <a:fillRef idx="1">
+            <a:schemeClr val="accent1"/>
+          </a:fillRef>
+          <a:effectRef idx="0">
+            <a:schemeClr val="accent1"/>
+          </a:effectRef>
+          <a:fontRef idx="minor">
+            <a:schemeClr val="lt1"/>
+          </a:fontRef>
+        </p:style>
+        <p:txBody>
+          <a:bodyPr rtlCol="0" anchor="ctr"/>
+          <a:lstStyle/>
+          <a:p>
+            <a:pPr algn="ctr"/>
+            <a:r>
+              <a:rPr lang="en-US" sz="2000" dirty="0">
+                <a:solidFill>
+                  <a:schemeClr val="tx1">
+                    <a:lumMod val="85000"/>
+                    <a:lumOff val="15000"/>
+                  </a:schemeClr>
+                </a:solidFill>
+              </a:rPr>
+              <a:t>Capability</a:t>
+            </a:r>
+          </a:p>
+        </p:txBody>
+      </p:sp>
+      <p:sp>
+        <p:nvSpPr>
+          <p:cNvPr id="17" name="Down Arrow 16">
+            <a:extLst>
+              <a:ext uri="{FF2B5EF4-FFF2-40B4-BE49-F238E27FC236}">
+                <a16:creationId xmlns:a16="http://schemas.microsoft.com/office/drawing/2014/main" id="{79138125-78FD-2843-9EDB-DB6D8C3820EA}"/>
+              </a:ext>
+            </a:extLst>
+          </p:cNvPr>
+          <p:cNvSpPr/>
+          <p:nvPr/>
+        </p:nvSpPr>
+        <p:spPr>
+          <a:xfrm>
+            <a:off x="2191458" y="4281057"/>
+            <a:ext cx="161365" cy="581892"/>
+          </a:xfrm>
+          <a:prstGeom prst="downArrow">
+            <a:avLst>
+              <a:gd name="adj1" fmla="val 50000"/>
+              <a:gd name="adj2" fmla="val 129998"/>
+            </a:avLst>
+          </a:prstGeom>
+          <a:solidFill>
+            <a:schemeClr val="bg1">
+              <a:lumMod val="95000"/>
+              <a:alpha val="79584"/>
+            </a:schemeClr>
+          </a:solidFill>
+          <a:ln>
+            <a:solidFill>
+              <a:schemeClr val="bg2">
+                <a:lumMod val="50000"/>
+              </a:schemeClr>
+            </a:solidFill>
+          </a:ln>
+        </p:spPr>
+        <p:style>
+          <a:lnRef idx="2">
+            <a:schemeClr val="accent1">
+              <a:shade val="50000"/>
+            </a:schemeClr>
+          </a:lnRef>
+          <a:fillRef idx="1">
+            <a:schemeClr val="accent1"/>
+          </a:fillRef>
+          <a:effectRef idx="0">
+            <a:schemeClr val="accent1"/>
+          </a:effectRef>
+          <a:fontRef idx="minor">
+            <a:schemeClr val="lt1"/>
+          </a:fontRef>
+        </p:style>
+        <p:txBody>
+          <a:bodyPr rtlCol="0" anchor="ctr"/>
+          <a:lstStyle/>
+          <a:p>
+            <a:pPr algn="ctr"/>
+            <a:endParaRPr lang="en-US"/>
+          </a:p>
+        </p:txBody>
+      </p:sp>
+    </p:spTree>
+    <p:extLst>
+      <p:ext uri="{BB962C8B-B14F-4D97-AF65-F5344CB8AC3E}">
+        <p14:creationId xmlns:p14="http://schemas.microsoft.com/office/powerpoint/2010/main" val="3840253160"/>
+      </p:ext>
+    </p:extLst>
+  </p:cSld>
+  <p:clrMapOvr>
+    <a:masterClrMapping/>
+  </p:clrMapOvr>
+</p:sld>
+</file>
+
+<file path=ppt/slides/slide4.xml><?xml version="1.0" encoding="utf-8"?>
+<p:sld xmlns:a="http://schemas.openxmlformats.org/drawingml/2006/main" xmlns:r="http://schemas.openxmlformats.org/officeDocument/2006/relationships" xmlns:p="http://schemas.openxmlformats.org/presentationml/2006/main">
+  <p:cSld>
+    <p:spTree>
+      <p:nvGrpSpPr>
+        <p:cNvPr id="1" name=""/>
+        <p:cNvGrpSpPr/>
+        <p:nvPr/>
+      </p:nvGrpSpPr>
+      <p:grpSpPr>
+        <a:xfrm>
+          <a:off x="0" y="0"/>
+          <a:ext cx="0" cy="0"/>
+          <a:chOff x="0" y="0"/>
+          <a:chExt cx="0" cy="0"/>
+        </a:xfrm>
+      </p:grpSpPr>
+      <p:sp>
+        <p:nvSpPr>
+          <p:cNvPr id="11" name="Rectangle 10">
+            <a:extLst>
+              <a:ext uri="{FF2B5EF4-FFF2-40B4-BE49-F238E27FC236}">
+                <a16:creationId xmlns:a16="http://schemas.microsoft.com/office/drawing/2014/main" id="{F5DFF4CB-98E1-FF48-A069-97B4154B328B}"/>
+              </a:ext>
+            </a:extLst>
+          </p:cNvPr>
+          <p:cNvSpPr/>
+          <p:nvPr/>
+        </p:nvSpPr>
+        <p:spPr>
+          <a:xfrm>
+            <a:off x="1752176" y="2632947"/>
+            <a:ext cx="1524001" cy="665018"/>
+          </a:xfrm>
+          <a:prstGeom prst="rect">
+            <a:avLst/>
+          </a:prstGeom>
+          <a:solidFill>
+            <a:schemeClr val="bg1">
+              <a:lumMod val="95000"/>
+              <a:alpha val="79584"/>
+            </a:schemeClr>
+          </a:solidFill>
+          <a:ln w="38100">
+            <a:solidFill>
+              <a:schemeClr val="bg2">
+                <a:lumMod val="50000"/>
+              </a:schemeClr>
+            </a:solidFill>
+          </a:ln>
+        </p:spPr>
+        <p:style>
+          <a:lnRef idx="2">
+            <a:schemeClr val="accent1">
+              <a:shade val="50000"/>
+            </a:schemeClr>
+          </a:lnRef>
+          <a:fillRef idx="1">
+            <a:schemeClr val="accent1"/>
+          </a:fillRef>
+          <a:effectRef idx="0">
+            <a:schemeClr val="accent1"/>
+          </a:effectRef>
+          <a:fontRef idx="minor">
+            <a:schemeClr val="lt1"/>
+          </a:fontRef>
+        </p:style>
+        <p:txBody>
+          <a:bodyPr rtlCol="0" anchor="ctr"/>
+          <a:lstStyle/>
+          <a:p>
+            <a:pPr algn="ctr"/>
+            <a:r>
+              <a:rPr lang="en-US" sz="2000" dirty="0">
+                <a:solidFill>
+                  <a:schemeClr val="tx1">
+                    <a:lumMod val="85000"/>
+                    <a:lumOff val="15000"/>
+                  </a:schemeClr>
+                </a:solidFill>
+              </a:rPr>
+              <a:t>Role</a:t>
+            </a:r>
+          </a:p>
+        </p:txBody>
+      </p:sp>
+      <p:sp>
+        <p:nvSpPr>
+          <p:cNvPr id="14" name="Down Arrow 13">
+            <a:extLst>
+              <a:ext uri="{FF2B5EF4-FFF2-40B4-BE49-F238E27FC236}">
+                <a16:creationId xmlns:a16="http://schemas.microsoft.com/office/drawing/2014/main" id="{7401979E-EFD4-3B4A-B5AE-34BF68CA615C}"/>
+              </a:ext>
+            </a:extLst>
+          </p:cNvPr>
+          <p:cNvSpPr/>
+          <p:nvPr/>
+        </p:nvSpPr>
+        <p:spPr>
+          <a:xfrm rot="20675198">
+            <a:off x="2302962" y="1764165"/>
+            <a:ext cx="161365" cy="888316"/>
+          </a:xfrm>
+          <a:prstGeom prst="downArrow">
+            <a:avLst>
+              <a:gd name="adj1" fmla="val 50000"/>
+              <a:gd name="adj2" fmla="val 129998"/>
+            </a:avLst>
+          </a:prstGeom>
+          <a:solidFill>
+            <a:schemeClr val="bg1">
+              <a:lumMod val="95000"/>
+              <a:alpha val="79584"/>
+            </a:schemeClr>
+          </a:solidFill>
+          <a:ln>
+            <a:solidFill>
+              <a:schemeClr val="bg2">
+                <a:lumMod val="50000"/>
+              </a:schemeClr>
+            </a:solidFill>
+          </a:ln>
+        </p:spPr>
+        <p:style>
+          <a:lnRef idx="2">
+            <a:schemeClr val="accent1">
+              <a:shade val="50000"/>
+            </a:schemeClr>
+          </a:lnRef>
+          <a:fillRef idx="1">
+            <a:schemeClr val="accent1"/>
+          </a:fillRef>
+          <a:effectRef idx="0">
+            <a:schemeClr val="accent1"/>
+          </a:effectRef>
+          <a:fontRef idx="minor">
+            <a:schemeClr val="lt1"/>
+          </a:fontRef>
+        </p:style>
+        <p:txBody>
+          <a:bodyPr rtlCol="0" anchor="ctr"/>
+          <a:lstStyle/>
+          <a:p>
+            <a:pPr algn="ctr"/>
+            <a:endParaRPr lang="en-US"/>
+          </a:p>
+        </p:txBody>
+      </p:sp>
+      <p:sp>
+        <p:nvSpPr>
+          <p:cNvPr id="10" name="Rectangle 9">
+            <a:extLst>
+              <a:ext uri="{FF2B5EF4-FFF2-40B4-BE49-F238E27FC236}">
+                <a16:creationId xmlns:a16="http://schemas.microsoft.com/office/drawing/2014/main" id="{B7F1EEC2-724B-1848-91A6-1DFD50EBDEE6}"/>
+              </a:ext>
+            </a:extLst>
+          </p:cNvPr>
+          <p:cNvSpPr/>
+          <p:nvPr/>
+        </p:nvSpPr>
+        <p:spPr>
+          <a:xfrm>
+            <a:off x="1671499" y="2545007"/>
+            <a:ext cx="1524001" cy="665018"/>
+          </a:xfrm>
+          <a:prstGeom prst="rect">
+            <a:avLst/>
+          </a:prstGeom>
+          <a:solidFill>
+            <a:schemeClr val="bg1">
+              <a:lumMod val="95000"/>
+              <a:alpha val="79584"/>
+            </a:schemeClr>
+          </a:solidFill>
+          <a:ln w="38100">
+            <a:solidFill>
+              <a:schemeClr val="bg2">
+                <a:lumMod val="50000"/>
+              </a:schemeClr>
+            </a:solidFill>
+          </a:ln>
+        </p:spPr>
+        <p:style>
+          <a:lnRef idx="2">
+            <a:schemeClr val="accent1">
+              <a:shade val="50000"/>
+            </a:schemeClr>
+          </a:lnRef>
+          <a:fillRef idx="1">
+            <a:schemeClr val="accent1"/>
+          </a:fillRef>
+          <a:effectRef idx="0">
+            <a:schemeClr val="accent1"/>
+          </a:effectRef>
+          <a:fontRef idx="minor">
+            <a:schemeClr val="lt1"/>
+          </a:fontRef>
+        </p:style>
+        <p:txBody>
+          <a:bodyPr rtlCol="0" anchor="ctr"/>
+          <a:lstStyle/>
+          <a:p>
+            <a:pPr algn="ctr"/>
+            <a:r>
+              <a:rPr lang="en-US" sz="2000" dirty="0">
+                <a:solidFill>
+                  <a:schemeClr val="tx1">
+                    <a:lumMod val="85000"/>
+                    <a:lumOff val="15000"/>
+                  </a:schemeClr>
+                </a:solidFill>
+              </a:rPr>
+              <a:t>Role</a:t>
+            </a:r>
+          </a:p>
+        </p:txBody>
+      </p:sp>
+      <p:sp>
+        <p:nvSpPr>
+          <p:cNvPr id="13" name="Down Arrow 12">
+            <a:extLst>
+              <a:ext uri="{FF2B5EF4-FFF2-40B4-BE49-F238E27FC236}">
+                <a16:creationId xmlns:a16="http://schemas.microsoft.com/office/drawing/2014/main" id="{B4CDB232-AE9B-3D4F-B146-8B666553560E}"/>
+              </a:ext>
+            </a:extLst>
+          </p:cNvPr>
+          <p:cNvSpPr/>
+          <p:nvPr/>
+        </p:nvSpPr>
+        <p:spPr>
+          <a:xfrm rot="21000000">
+            <a:off x="2264270" y="1772155"/>
+            <a:ext cx="161365" cy="772627"/>
+          </a:xfrm>
+          <a:prstGeom prst="downArrow">
+            <a:avLst>
+              <a:gd name="adj1" fmla="val 50000"/>
+              <a:gd name="adj2" fmla="val 129998"/>
+            </a:avLst>
+          </a:prstGeom>
+          <a:solidFill>
+            <a:schemeClr val="bg1">
+              <a:lumMod val="95000"/>
+              <a:alpha val="79584"/>
+            </a:schemeClr>
+          </a:solidFill>
+          <a:ln>
+            <a:solidFill>
+              <a:schemeClr val="bg2">
+                <a:lumMod val="50000"/>
+              </a:schemeClr>
+            </a:solidFill>
+          </a:ln>
+        </p:spPr>
+        <p:style>
+          <a:lnRef idx="2">
+            <a:schemeClr val="accent1">
+              <a:shade val="50000"/>
+            </a:schemeClr>
+          </a:lnRef>
+          <a:fillRef idx="1">
+            <a:schemeClr val="accent1"/>
+          </a:fillRef>
+          <a:effectRef idx="0">
+            <a:schemeClr val="accent1"/>
+          </a:effectRef>
+          <a:fontRef idx="minor">
+            <a:schemeClr val="lt1"/>
+          </a:fontRef>
+        </p:style>
+        <p:txBody>
+          <a:bodyPr rtlCol="0" anchor="ctr"/>
+          <a:lstStyle/>
+          <a:p>
+            <a:pPr algn="ctr"/>
+            <a:endParaRPr lang="en-US"/>
+          </a:p>
+        </p:txBody>
+      </p:sp>
+      <p:sp>
+        <p:nvSpPr>
+          <p:cNvPr id="9" name="Rectangle 8">
+            <a:extLst>
+              <a:ext uri="{FF2B5EF4-FFF2-40B4-BE49-F238E27FC236}">
+                <a16:creationId xmlns:a16="http://schemas.microsoft.com/office/drawing/2014/main" id="{6F7D0253-8737-834F-8F03-1696179FCA7C}"/>
+              </a:ext>
+            </a:extLst>
+          </p:cNvPr>
+          <p:cNvSpPr/>
+          <p:nvPr/>
+        </p:nvSpPr>
+        <p:spPr>
+          <a:xfrm>
+            <a:off x="1590822" y="2457068"/>
+            <a:ext cx="1524001" cy="665018"/>
+          </a:xfrm>
+          <a:prstGeom prst="rect">
+            <a:avLst/>
+          </a:prstGeom>
+          <a:solidFill>
+            <a:schemeClr val="bg1">
+              <a:lumMod val="95000"/>
+              <a:alpha val="79584"/>
+            </a:schemeClr>
+          </a:solidFill>
+          <a:ln w="38100">
+            <a:solidFill>
+              <a:schemeClr val="bg2">
+                <a:lumMod val="50000"/>
+              </a:schemeClr>
+            </a:solidFill>
+          </a:ln>
+        </p:spPr>
+        <p:style>
+          <a:lnRef idx="2">
+            <a:schemeClr val="accent1">
+              <a:shade val="50000"/>
+            </a:schemeClr>
+          </a:lnRef>
+          <a:fillRef idx="1">
+            <a:schemeClr val="accent1"/>
+          </a:fillRef>
+          <a:effectRef idx="0">
+            <a:schemeClr val="accent1"/>
+          </a:effectRef>
+          <a:fontRef idx="minor">
+            <a:schemeClr val="lt1"/>
+          </a:fontRef>
+        </p:style>
+        <p:txBody>
+          <a:bodyPr rtlCol="0" anchor="ctr"/>
+          <a:lstStyle/>
+          <a:p>
+            <a:pPr algn="ctr"/>
+            <a:r>
+              <a:rPr lang="en-US" sz="2000" dirty="0">
+                <a:solidFill>
+                  <a:schemeClr val="tx1">
+                    <a:lumMod val="85000"/>
+                    <a:lumOff val="15000"/>
+                  </a:schemeClr>
+                </a:solidFill>
+              </a:rPr>
+              <a:t>Role</a:t>
+            </a:r>
+          </a:p>
+        </p:txBody>
+      </p:sp>
+      <p:sp>
+        <p:nvSpPr>
+          <p:cNvPr id="12" name="Down Arrow 11">
+            <a:extLst>
+              <a:ext uri="{FF2B5EF4-FFF2-40B4-BE49-F238E27FC236}">
+                <a16:creationId xmlns:a16="http://schemas.microsoft.com/office/drawing/2014/main" id="{6CFDBBEA-1C60-B94C-BA5B-0530357207B3}"/>
+              </a:ext>
+            </a:extLst>
+          </p:cNvPr>
+          <p:cNvSpPr/>
+          <p:nvPr/>
+        </p:nvSpPr>
+        <p:spPr>
+          <a:xfrm rot="21300000">
+            <a:off x="2216826" y="1778094"/>
+            <a:ext cx="161365" cy="672768"/>
+          </a:xfrm>
+          <a:prstGeom prst="downArrow">
+            <a:avLst>
+              <a:gd name="adj1" fmla="val 50000"/>
+              <a:gd name="adj2" fmla="val 129998"/>
+            </a:avLst>
+          </a:prstGeom>
+          <a:solidFill>
+            <a:schemeClr val="bg1">
+              <a:lumMod val="95000"/>
+              <a:alpha val="79584"/>
+            </a:schemeClr>
+          </a:solidFill>
+          <a:ln>
+            <a:solidFill>
+              <a:schemeClr val="bg2">
+                <a:lumMod val="50000"/>
+              </a:schemeClr>
+            </a:solidFill>
+          </a:ln>
+        </p:spPr>
+        <p:style>
+          <a:lnRef idx="2">
+            <a:schemeClr val="accent1">
+              <a:shade val="50000"/>
+            </a:schemeClr>
+          </a:lnRef>
+          <a:fillRef idx="1">
+            <a:schemeClr val="accent1"/>
+          </a:fillRef>
+          <a:effectRef idx="0">
+            <a:schemeClr val="accent1"/>
+          </a:effectRef>
+          <a:fontRef idx="minor">
+            <a:schemeClr val="lt1"/>
+          </a:fontRef>
+        </p:style>
+        <p:txBody>
+          <a:bodyPr rtlCol="0" anchor="ctr"/>
+          <a:lstStyle/>
+          <a:p>
+            <a:pPr algn="ctr"/>
+            <a:endParaRPr lang="en-US"/>
+          </a:p>
+        </p:txBody>
+      </p:sp>
+      <p:sp>
+        <p:nvSpPr>
+          <p:cNvPr id="2" name="Rectangle 1">
+            <a:extLst>
+              <a:ext uri="{FF2B5EF4-FFF2-40B4-BE49-F238E27FC236}">
+                <a16:creationId xmlns:a16="http://schemas.microsoft.com/office/drawing/2014/main" id="{9B7387F5-ACA9-7141-97D3-A62F3221BA74}"/>
+              </a:ext>
+            </a:extLst>
+          </p:cNvPr>
+          <p:cNvSpPr/>
+          <p:nvPr/>
+        </p:nvSpPr>
+        <p:spPr>
+          <a:xfrm>
+            <a:off x="1510145" y="1122219"/>
+            <a:ext cx="1524001" cy="665018"/>
+          </a:xfrm>
+          <a:prstGeom prst="rect">
+            <a:avLst/>
+          </a:prstGeom>
+          <a:solidFill>
+            <a:schemeClr val="bg1">
+              <a:lumMod val="95000"/>
+              <a:alpha val="79584"/>
+            </a:schemeClr>
+          </a:solidFill>
+          <a:ln w="38100">
+            <a:solidFill>
+              <a:schemeClr val="bg2">
+                <a:lumMod val="50000"/>
+              </a:schemeClr>
+            </a:solidFill>
+          </a:ln>
+        </p:spPr>
+        <p:style>
+          <a:lnRef idx="2">
+            <a:schemeClr val="accent1">
+              <a:shade val="50000"/>
+            </a:schemeClr>
+          </a:lnRef>
+          <a:fillRef idx="1">
+            <a:schemeClr val="accent1"/>
+          </a:fillRef>
+          <a:effectRef idx="0">
+            <a:schemeClr val="accent1"/>
+          </a:effectRef>
+          <a:fontRef idx="minor">
+            <a:schemeClr val="lt1"/>
+          </a:fontRef>
+        </p:style>
+        <p:txBody>
+          <a:bodyPr rtlCol="0" anchor="ctr"/>
+          <a:lstStyle/>
+          <a:p>
+            <a:pPr algn="ctr"/>
+            <a:r>
+              <a:rPr lang="en-US" sz="2000" dirty="0">
+                <a:solidFill>
+                  <a:schemeClr val="tx1">
+                    <a:lumMod val="85000"/>
+                    <a:lumOff val="15000"/>
+                  </a:schemeClr>
+                </a:solidFill>
+              </a:rPr>
+              <a:t>User</a:t>
+            </a:r>
+          </a:p>
+        </p:txBody>
+      </p:sp>
+      <p:sp>
+        <p:nvSpPr>
+          <p:cNvPr id="5" name="Rectangle 4">
+            <a:extLst>
+              <a:ext uri="{FF2B5EF4-FFF2-40B4-BE49-F238E27FC236}">
+                <a16:creationId xmlns:a16="http://schemas.microsoft.com/office/drawing/2014/main" id="{D1CCEEB6-0FB9-4C4E-A7F2-C6729B9FC8EA}"/>
+              </a:ext>
+            </a:extLst>
+          </p:cNvPr>
+          <p:cNvSpPr/>
+          <p:nvPr/>
+        </p:nvSpPr>
+        <p:spPr>
+          <a:xfrm>
+            <a:off x="1510145" y="2369129"/>
+            <a:ext cx="1524001" cy="665018"/>
+          </a:xfrm>
+          <a:prstGeom prst="rect">
+            <a:avLst/>
+          </a:prstGeom>
+          <a:solidFill>
+            <a:schemeClr val="bg1">
+              <a:lumMod val="95000"/>
+              <a:alpha val="79584"/>
+            </a:schemeClr>
+          </a:solidFill>
+          <a:ln w="38100">
+            <a:solidFill>
+              <a:schemeClr val="bg2">
+                <a:lumMod val="50000"/>
+              </a:schemeClr>
+            </a:solidFill>
+          </a:ln>
+        </p:spPr>
+        <p:style>
+          <a:lnRef idx="2">
+            <a:schemeClr val="accent1">
+              <a:shade val="50000"/>
+            </a:schemeClr>
+          </a:lnRef>
+          <a:fillRef idx="1">
+            <a:schemeClr val="accent1"/>
+          </a:fillRef>
+          <a:effectRef idx="0">
+            <a:schemeClr val="accent1"/>
+          </a:effectRef>
+          <a:fontRef idx="minor">
+            <a:schemeClr val="lt1"/>
+          </a:fontRef>
+        </p:style>
+        <p:txBody>
+          <a:bodyPr rtlCol="0" anchor="ctr"/>
+          <a:lstStyle/>
+          <a:p>
+            <a:pPr algn="ctr"/>
+            <a:r>
+              <a:rPr lang="en-US" sz="2000" dirty="0">
+                <a:solidFill>
+                  <a:schemeClr val="tx1">
+                    <a:lumMod val="85000"/>
+                    <a:lumOff val="15000"/>
+                  </a:schemeClr>
+                </a:solidFill>
+              </a:rPr>
+              <a:t>Role</a:t>
+            </a:r>
+          </a:p>
+        </p:txBody>
+      </p:sp>
+      <p:sp>
+        <p:nvSpPr>
+          <p:cNvPr id="15" name="Down Arrow 14">
+            <a:extLst>
+              <a:ext uri="{FF2B5EF4-FFF2-40B4-BE49-F238E27FC236}">
+                <a16:creationId xmlns:a16="http://schemas.microsoft.com/office/drawing/2014/main" id="{03FE2F9B-D768-9846-AF7E-C97F162AF435}"/>
+              </a:ext>
+            </a:extLst>
+          </p:cNvPr>
+          <p:cNvSpPr/>
+          <p:nvPr/>
+        </p:nvSpPr>
+        <p:spPr>
+          <a:xfrm>
+            <a:off x="2191459" y="1787237"/>
+            <a:ext cx="161365" cy="581892"/>
+          </a:xfrm>
+          <a:prstGeom prst="downArrow">
+            <a:avLst>
+              <a:gd name="adj1" fmla="val 50000"/>
+              <a:gd name="adj2" fmla="val 129998"/>
+            </a:avLst>
+          </a:prstGeom>
+          <a:solidFill>
+            <a:schemeClr val="bg1">
+              <a:lumMod val="95000"/>
+              <a:alpha val="79584"/>
+            </a:schemeClr>
+          </a:solidFill>
+          <a:ln>
+            <a:solidFill>
+              <a:schemeClr val="bg2">
+                <a:lumMod val="50000"/>
+              </a:schemeClr>
+            </a:solidFill>
+          </a:ln>
+        </p:spPr>
+        <p:style>
+          <a:lnRef idx="2">
+            <a:schemeClr val="accent1">
+              <a:shade val="50000"/>
+            </a:schemeClr>
+          </a:lnRef>
+          <a:fillRef idx="1">
+            <a:schemeClr val="accent1"/>
+          </a:fillRef>
+          <a:effectRef idx="0">
+            <a:schemeClr val="accent1"/>
+          </a:effectRef>
+          <a:fontRef idx="minor">
+            <a:schemeClr val="lt1"/>
+          </a:fontRef>
+        </p:style>
+        <p:txBody>
+          <a:bodyPr rtlCol="0" anchor="ctr"/>
+          <a:lstStyle/>
+          <a:p>
+            <a:pPr algn="ctr"/>
+            <a:endParaRPr lang="en-US"/>
+          </a:p>
+        </p:txBody>
+      </p:sp>
+      <p:sp>
+        <p:nvSpPr>
+          <p:cNvPr id="16" name="Rectangle 15">
+            <a:extLst>
+              <a:ext uri="{FF2B5EF4-FFF2-40B4-BE49-F238E27FC236}">
+                <a16:creationId xmlns:a16="http://schemas.microsoft.com/office/drawing/2014/main" id="{A5CA0DB8-57EB-C840-9FDD-2EBAFE84633F}"/>
+              </a:ext>
+            </a:extLst>
+          </p:cNvPr>
+          <p:cNvSpPr/>
+          <p:nvPr/>
+        </p:nvSpPr>
+        <p:spPr>
+          <a:xfrm>
+            <a:off x="1752173" y="3879857"/>
             <a:ext cx="1524001" cy="665018"/>
           </a:xfrm>
           <a:prstGeom prst="rect">
@@ -4925,10 +5681,10 @@
       </p:sp>
       <p:sp>
         <p:nvSpPr>
-          <p:cNvPr id="21" name="Down Arrow 20">
-            <a:extLst>
-              <a:ext uri="{FF2B5EF4-FFF2-40B4-BE49-F238E27FC236}">
-                <a16:creationId xmlns:a16="http://schemas.microsoft.com/office/drawing/2014/main" id="{675138C8-4353-E442-A21C-738EAB141FBE}"/>
+          <p:cNvPr id="19" name="Down Arrow 18">
+            <a:extLst>
+              <a:ext uri="{FF2B5EF4-FFF2-40B4-BE49-F238E27FC236}">
+                <a16:creationId xmlns:a16="http://schemas.microsoft.com/office/drawing/2014/main" id="{F937787E-F591-AB4A-AA83-E0EA75AB4B38}"/>
               </a:ext>
             </a:extLst>
           </p:cNvPr>
@@ -4936,9 +5692,9 @@
           <p:nvPr/>
         </p:nvSpPr>
         <p:spPr>
-          <a:xfrm rot="21000000">
-            <a:off x="2264267" y="3019065"/>
-            <a:ext cx="161365" cy="772627"/>
+          <a:xfrm rot="20675198">
+            <a:off x="2302959" y="3011075"/>
+            <a:ext cx="161365" cy="888316"/>
           </a:xfrm>
           <a:prstGeom prst="downArrow">
             <a:avLst>
@@ -4987,10 +5743,10 @@
       </p:sp>
       <p:sp>
         <p:nvSpPr>
-          <p:cNvPr id="22" name="Rectangle 21">
-            <a:extLst>
-              <a:ext uri="{FF2B5EF4-FFF2-40B4-BE49-F238E27FC236}">
-                <a16:creationId xmlns:a16="http://schemas.microsoft.com/office/drawing/2014/main" id="{90B2ED0E-B620-C64A-8FFB-6879542442F6}"/>
+          <p:cNvPr id="20" name="Rectangle 19">
+            <a:extLst>
+              <a:ext uri="{FF2B5EF4-FFF2-40B4-BE49-F238E27FC236}">
+                <a16:creationId xmlns:a16="http://schemas.microsoft.com/office/drawing/2014/main" id="{6BAE310D-B37C-A241-920E-315A7306B033}"/>
               </a:ext>
             </a:extLst>
           </p:cNvPr>
@@ -4999,7 +5755,7 @@
         </p:nvSpPr>
         <p:spPr>
           <a:xfrm>
-            <a:off x="1590819" y="3703978"/>
+            <a:off x="1671496" y="3791917"/>
             <a:ext cx="1524001" cy="665018"/>
           </a:xfrm>
           <a:prstGeom prst="rect">
@@ -5056,10 +5812,10 @@
       </p:sp>
       <p:sp>
         <p:nvSpPr>
-          <p:cNvPr id="23" name="Down Arrow 22">
-            <a:extLst>
-              <a:ext uri="{FF2B5EF4-FFF2-40B4-BE49-F238E27FC236}">
-                <a16:creationId xmlns:a16="http://schemas.microsoft.com/office/drawing/2014/main" id="{09C43943-FB10-2F4E-A6DD-A0608F650847}"/>
+          <p:cNvPr id="21" name="Down Arrow 20">
+            <a:extLst>
+              <a:ext uri="{FF2B5EF4-FFF2-40B4-BE49-F238E27FC236}">
+                <a16:creationId xmlns:a16="http://schemas.microsoft.com/office/drawing/2014/main" id="{675138C8-4353-E442-A21C-738EAB141FBE}"/>
               </a:ext>
             </a:extLst>
           </p:cNvPr>
@@ -5067,9 +5823,9 @@
           <p:nvPr/>
         </p:nvSpPr>
         <p:spPr>
-          <a:xfrm rot="21300000">
-            <a:off x="2216823" y="3025004"/>
-            <a:ext cx="161365" cy="672768"/>
+          <a:xfrm rot="21000000">
+            <a:off x="2264267" y="3019065"/>
+            <a:ext cx="161365" cy="772627"/>
           </a:xfrm>
           <a:prstGeom prst="downArrow">
             <a:avLst>
@@ -5118,10 +5874,10 @@
       </p:sp>
       <p:sp>
         <p:nvSpPr>
-          <p:cNvPr id="6" name="Rectangle 5">
-            <a:extLst>
-              <a:ext uri="{FF2B5EF4-FFF2-40B4-BE49-F238E27FC236}">
-                <a16:creationId xmlns:a16="http://schemas.microsoft.com/office/drawing/2014/main" id="{292A8187-D086-6241-BD43-8F4A54EACBD1}"/>
+          <p:cNvPr id="22" name="Rectangle 21">
+            <a:extLst>
+              <a:ext uri="{FF2B5EF4-FFF2-40B4-BE49-F238E27FC236}">
+                <a16:creationId xmlns:a16="http://schemas.microsoft.com/office/drawing/2014/main" id="{90B2ED0E-B620-C64A-8FFB-6879542442F6}"/>
               </a:ext>
             </a:extLst>
           </p:cNvPr>
@@ -5130,7 +5886,7 @@
         </p:nvSpPr>
         <p:spPr>
           <a:xfrm>
-            <a:off x="1510142" y="3616039"/>
+            <a:off x="1590819" y="3703978"/>
             <a:ext cx="1524001" cy="665018"/>
           </a:xfrm>
           <a:prstGeom prst="rect">
@@ -5187,10 +5943,10 @@
       </p:sp>
       <p:sp>
         <p:nvSpPr>
-          <p:cNvPr id="18" name="Down Arrow 17">
-            <a:extLst>
-              <a:ext uri="{FF2B5EF4-FFF2-40B4-BE49-F238E27FC236}">
-                <a16:creationId xmlns:a16="http://schemas.microsoft.com/office/drawing/2014/main" id="{A8DAD2EC-3E9B-E942-96A2-159C54469EE2}"/>
+          <p:cNvPr id="23" name="Down Arrow 22">
+            <a:extLst>
+              <a:ext uri="{FF2B5EF4-FFF2-40B4-BE49-F238E27FC236}">
+                <a16:creationId xmlns:a16="http://schemas.microsoft.com/office/drawing/2014/main" id="{09C43943-FB10-2F4E-A6DD-A0608F650847}"/>
               </a:ext>
             </a:extLst>
           </p:cNvPr>
@@ -5198,9 +5954,9 @@
           <p:nvPr/>
         </p:nvSpPr>
         <p:spPr>
-          <a:xfrm>
-            <a:off x="2191459" y="3029199"/>
-            <a:ext cx="161365" cy="581892"/>
+          <a:xfrm rot="21300000">
+            <a:off x="2216823" y="3025004"/>
+            <a:ext cx="161365" cy="672768"/>
           </a:xfrm>
           <a:prstGeom prst="downArrow">
             <a:avLst>
@@ -5249,10 +6005,10 @@
       </p:sp>
       <p:sp>
         <p:nvSpPr>
-          <p:cNvPr id="24" name="Rectangle 23">
-            <a:extLst>
-              <a:ext uri="{FF2B5EF4-FFF2-40B4-BE49-F238E27FC236}">
-                <a16:creationId xmlns:a16="http://schemas.microsoft.com/office/drawing/2014/main" id="{4D48405B-FC50-FE48-9864-E65F44D6BEA9}"/>
+          <p:cNvPr id="6" name="Rectangle 5">
+            <a:extLst>
+              <a:ext uri="{FF2B5EF4-FFF2-40B4-BE49-F238E27FC236}">
+                <a16:creationId xmlns:a16="http://schemas.microsoft.com/office/drawing/2014/main" id="{292A8187-D086-6241-BD43-8F4A54EACBD1}"/>
               </a:ext>
             </a:extLst>
           </p:cNvPr>
@@ -5261,7 +6017,138 @@
         </p:nvSpPr>
         <p:spPr>
           <a:xfrm>
-            <a:off x="1748889" y="5126767"/>
+            <a:off x="1510142" y="3616039"/>
+            <a:ext cx="1524001" cy="665018"/>
+          </a:xfrm>
+          <a:prstGeom prst="rect">
+            <a:avLst/>
+          </a:prstGeom>
+          <a:solidFill>
+            <a:schemeClr val="bg1">
+              <a:lumMod val="95000"/>
+              <a:alpha val="79584"/>
+            </a:schemeClr>
+          </a:solidFill>
+          <a:ln w="38100">
+            <a:solidFill>
+              <a:schemeClr val="bg2">
+                <a:lumMod val="50000"/>
+              </a:schemeClr>
+            </a:solidFill>
+          </a:ln>
+        </p:spPr>
+        <p:style>
+          <a:lnRef idx="2">
+            <a:schemeClr val="accent1">
+              <a:shade val="50000"/>
+            </a:schemeClr>
+          </a:lnRef>
+          <a:fillRef idx="1">
+            <a:schemeClr val="accent1"/>
+          </a:fillRef>
+          <a:effectRef idx="0">
+            <a:schemeClr val="accent1"/>
+          </a:effectRef>
+          <a:fontRef idx="minor">
+            <a:schemeClr val="lt1"/>
+          </a:fontRef>
+        </p:style>
+        <p:txBody>
+          <a:bodyPr rtlCol="0" anchor="ctr"/>
+          <a:lstStyle/>
+          <a:p>
+            <a:pPr algn="ctr"/>
+            <a:r>
+              <a:rPr lang="en-US" sz="2000" dirty="0">
+                <a:solidFill>
+                  <a:schemeClr val="tx1">
+                    <a:lumMod val="85000"/>
+                    <a:lumOff val="15000"/>
+                  </a:schemeClr>
+                </a:solidFill>
+              </a:rPr>
+              <a:t>Permission</a:t>
+            </a:r>
+          </a:p>
+        </p:txBody>
+      </p:sp>
+      <p:sp>
+        <p:nvSpPr>
+          <p:cNvPr id="18" name="Down Arrow 17">
+            <a:extLst>
+              <a:ext uri="{FF2B5EF4-FFF2-40B4-BE49-F238E27FC236}">
+                <a16:creationId xmlns:a16="http://schemas.microsoft.com/office/drawing/2014/main" id="{A8DAD2EC-3E9B-E942-96A2-159C54469EE2}"/>
+              </a:ext>
+            </a:extLst>
+          </p:cNvPr>
+          <p:cNvSpPr/>
+          <p:nvPr/>
+        </p:nvSpPr>
+        <p:spPr>
+          <a:xfrm>
+            <a:off x="2191459" y="3029199"/>
+            <a:ext cx="161365" cy="581892"/>
+          </a:xfrm>
+          <a:prstGeom prst="downArrow">
+            <a:avLst>
+              <a:gd name="adj1" fmla="val 50000"/>
+              <a:gd name="adj2" fmla="val 129998"/>
+            </a:avLst>
+          </a:prstGeom>
+          <a:solidFill>
+            <a:schemeClr val="bg1">
+              <a:lumMod val="95000"/>
+              <a:alpha val="79584"/>
+            </a:schemeClr>
+          </a:solidFill>
+          <a:ln>
+            <a:solidFill>
+              <a:schemeClr val="bg2">
+                <a:lumMod val="50000"/>
+              </a:schemeClr>
+            </a:solidFill>
+          </a:ln>
+        </p:spPr>
+        <p:style>
+          <a:lnRef idx="2">
+            <a:schemeClr val="accent1">
+              <a:shade val="50000"/>
+            </a:schemeClr>
+          </a:lnRef>
+          <a:fillRef idx="1">
+            <a:schemeClr val="accent1"/>
+          </a:fillRef>
+          <a:effectRef idx="0">
+            <a:schemeClr val="accent1"/>
+          </a:effectRef>
+          <a:fontRef idx="minor">
+            <a:schemeClr val="lt1"/>
+          </a:fontRef>
+        </p:style>
+        <p:txBody>
+          <a:bodyPr rtlCol="0" anchor="ctr"/>
+          <a:lstStyle/>
+          <a:p>
+            <a:pPr algn="ctr"/>
+            <a:endParaRPr lang="en-US"/>
+          </a:p>
+        </p:txBody>
+      </p:sp>
+      <p:sp>
+        <p:nvSpPr>
+          <p:cNvPr id="7" name="Rectangle 6">
+            <a:extLst>
+              <a:ext uri="{FF2B5EF4-FFF2-40B4-BE49-F238E27FC236}">
+                <a16:creationId xmlns:a16="http://schemas.microsoft.com/office/drawing/2014/main" id="{084195EB-CEC7-3642-9E4F-07763E9EF4CC}"/>
+              </a:ext>
+            </a:extLst>
+          </p:cNvPr>
+          <p:cNvSpPr/>
+          <p:nvPr/>
+        </p:nvSpPr>
+        <p:spPr>
+          <a:xfrm>
+            <a:off x="1510142" y="4862949"/>
             <a:ext cx="1524001" cy="665018"/>
           </a:xfrm>
           <a:prstGeom prst="rect">
@@ -5318,10 +6205,10 @@
       </p:sp>
       <p:sp>
         <p:nvSpPr>
-          <p:cNvPr id="25" name="Down Arrow 24">
-            <a:extLst>
-              <a:ext uri="{FF2B5EF4-FFF2-40B4-BE49-F238E27FC236}">
-                <a16:creationId xmlns:a16="http://schemas.microsoft.com/office/drawing/2014/main" id="{C38E727F-4FE9-4943-9A29-A68D7FE9CB45}"/>
+          <p:cNvPr id="17" name="Down Arrow 16">
+            <a:extLst>
+              <a:ext uri="{FF2B5EF4-FFF2-40B4-BE49-F238E27FC236}">
+                <a16:creationId xmlns:a16="http://schemas.microsoft.com/office/drawing/2014/main" id="{79138125-78FD-2843-9EDB-DB6D8C3820EA}"/>
               </a:ext>
             </a:extLst>
           </p:cNvPr>
@@ -5329,9 +6216,9 @@
           <p:nvPr/>
         </p:nvSpPr>
         <p:spPr>
-          <a:xfrm rot="20675198">
-            <a:off x="2299675" y="4257985"/>
-            <a:ext cx="161365" cy="888316"/>
+          <a:xfrm>
+            <a:off x="2191458" y="4281057"/>
+            <a:ext cx="161365" cy="581892"/>
           </a:xfrm>
           <a:prstGeom prst="downArrow">
             <a:avLst>
@@ -5378,12 +6265,42 @@
           </a:p>
         </p:txBody>
       </p:sp>
-      <p:sp>
-        <p:nvSpPr>
-          <p:cNvPr id="26" name="Rectangle 25">
-            <a:extLst>
-              <a:ext uri="{FF2B5EF4-FFF2-40B4-BE49-F238E27FC236}">
-                <a16:creationId xmlns:a16="http://schemas.microsoft.com/office/drawing/2014/main" id="{6A8C3861-7AA5-7B4D-8171-C7F0BA70A786}"/>
+    </p:spTree>
+    <p:extLst>
+      <p:ext uri="{BB962C8B-B14F-4D97-AF65-F5344CB8AC3E}">
+        <p14:creationId xmlns:p14="http://schemas.microsoft.com/office/powerpoint/2010/main" val="1793701406"/>
+      </p:ext>
+    </p:extLst>
+  </p:cSld>
+  <p:clrMapOvr>
+    <a:masterClrMapping/>
+  </p:clrMapOvr>
+</p:sld>
+</file>
+
+<file path=ppt/slides/slide5.xml><?xml version="1.0" encoding="utf-8"?>
+<p:sld xmlns:a="http://schemas.openxmlformats.org/drawingml/2006/main" xmlns:r="http://schemas.openxmlformats.org/officeDocument/2006/relationships" xmlns:p="http://schemas.openxmlformats.org/presentationml/2006/main">
+  <p:cSld>
+    <p:spTree>
+      <p:nvGrpSpPr>
+        <p:cNvPr id="1" name=""/>
+        <p:cNvGrpSpPr/>
+        <p:nvPr/>
+      </p:nvGrpSpPr>
+      <p:grpSpPr>
+        <a:xfrm>
+          <a:off x="0" y="0"/>
+          <a:ext cx="0" cy="0"/>
+          <a:chOff x="0" y="0"/>
+          <a:chExt cx="0" cy="0"/>
+        </a:xfrm>
+      </p:grpSpPr>
+      <p:sp>
+        <p:nvSpPr>
+          <p:cNvPr id="11" name="Rectangle 10">
+            <a:extLst>
+              <a:ext uri="{FF2B5EF4-FFF2-40B4-BE49-F238E27FC236}">
+                <a16:creationId xmlns:a16="http://schemas.microsoft.com/office/drawing/2014/main" id="{F5DFF4CB-98E1-FF48-A069-97B4154B328B}"/>
               </a:ext>
             </a:extLst>
           </p:cNvPr>
@@ -5392,7 +6309,1124 @@
         </p:nvSpPr>
         <p:spPr>
           <a:xfrm>
-            <a:off x="1669306" y="5038827"/>
+            <a:off x="1752176" y="2632947"/>
+            <a:ext cx="1524001" cy="665018"/>
+          </a:xfrm>
+          <a:prstGeom prst="rect">
+            <a:avLst/>
+          </a:prstGeom>
+          <a:solidFill>
+            <a:schemeClr val="bg1">
+              <a:lumMod val="95000"/>
+              <a:alpha val="79584"/>
+            </a:schemeClr>
+          </a:solidFill>
+          <a:ln w="38100">
+            <a:solidFill>
+              <a:schemeClr val="bg2">
+                <a:lumMod val="50000"/>
+              </a:schemeClr>
+            </a:solidFill>
+          </a:ln>
+        </p:spPr>
+        <p:style>
+          <a:lnRef idx="2">
+            <a:schemeClr val="accent1">
+              <a:shade val="50000"/>
+            </a:schemeClr>
+          </a:lnRef>
+          <a:fillRef idx="1">
+            <a:schemeClr val="accent1"/>
+          </a:fillRef>
+          <a:effectRef idx="0">
+            <a:schemeClr val="accent1"/>
+          </a:effectRef>
+          <a:fontRef idx="minor">
+            <a:schemeClr val="lt1"/>
+          </a:fontRef>
+        </p:style>
+        <p:txBody>
+          <a:bodyPr rtlCol="0" anchor="ctr"/>
+          <a:lstStyle/>
+          <a:p>
+            <a:pPr algn="ctr"/>
+            <a:r>
+              <a:rPr lang="en-US" sz="2000" dirty="0">
+                <a:solidFill>
+                  <a:schemeClr val="tx1">
+                    <a:lumMod val="85000"/>
+                    <a:lumOff val="15000"/>
+                  </a:schemeClr>
+                </a:solidFill>
+              </a:rPr>
+              <a:t>Role</a:t>
+            </a:r>
+          </a:p>
+        </p:txBody>
+      </p:sp>
+      <p:sp>
+        <p:nvSpPr>
+          <p:cNvPr id="14" name="Down Arrow 13">
+            <a:extLst>
+              <a:ext uri="{FF2B5EF4-FFF2-40B4-BE49-F238E27FC236}">
+                <a16:creationId xmlns:a16="http://schemas.microsoft.com/office/drawing/2014/main" id="{7401979E-EFD4-3B4A-B5AE-34BF68CA615C}"/>
+              </a:ext>
+            </a:extLst>
+          </p:cNvPr>
+          <p:cNvSpPr/>
+          <p:nvPr/>
+        </p:nvSpPr>
+        <p:spPr>
+          <a:xfrm rot="20675198">
+            <a:off x="2302962" y="1764165"/>
+            <a:ext cx="161365" cy="888316"/>
+          </a:xfrm>
+          <a:prstGeom prst="downArrow">
+            <a:avLst>
+              <a:gd name="adj1" fmla="val 50000"/>
+              <a:gd name="adj2" fmla="val 129998"/>
+            </a:avLst>
+          </a:prstGeom>
+          <a:solidFill>
+            <a:schemeClr val="bg1">
+              <a:lumMod val="95000"/>
+              <a:alpha val="79584"/>
+            </a:schemeClr>
+          </a:solidFill>
+          <a:ln>
+            <a:solidFill>
+              <a:schemeClr val="bg2">
+                <a:lumMod val="50000"/>
+              </a:schemeClr>
+            </a:solidFill>
+          </a:ln>
+        </p:spPr>
+        <p:style>
+          <a:lnRef idx="2">
+            <a:schemeClr val="accent1">
+              <a:shade val="50000"/>
+            </a:schemeClr>
+          </a:lnRef>
+          <a:fillRef idx="1">
+            <a:schemeClr val="accent1"/>
+          </a:fillRef>
+          <a:effectRef idx="0">
+            <a:schemeClr val="accent1"/>
+          </a:effectRef>
+          <a:fontRef idx="minor">
+            <a:schemeClr val="lt1"/>
+          </a:fontRef>
+        </p:style>
+        <p:txBody>
+          <a:bodyPr rtlCol="0" anchor="ctr"/>
+          <a:lstStyle/>
+          <a:p>
+            <a:pPr algn="ctr"/>
+            <a:endParaRPr lang="en-US"/>
+          </a:p>
+        </p:txBody>
+      </p:sp>
+      <p:sp>
+        <p:nvSpPr>
+          <p:cNvPr id="10" name="Rectangle 9">
+            <a:extLst>
+              <a:ext uri="{FF2B5EF4-FFF2-40B4-BE49-F238E27FC236}">
+                <a16:creationId xmlns:a16="http://schemas.microsoft.com/office/drawing/2014/main" id="{B7F1EEC2-724B-1848-91A6-1DFD50EBDEE6}"/>
+              </a:ext>
+            </a:extLst>
+          </p:cNvPr>
+          <p:cNvSpPr/>
+          <p:nvPr/>
+        </p:nvSpPr>
+        <p:spPr>
+          <a:xfrm>
+            <a:off x="1671499" y="2545007"/>
+            <a:ext cx="1524001" cy="665018"/>
+          </a:xfrm>
+          <a:prstGeom prst="rect">
+            <a:avLst/>
+          </a:prstGeom>
+          <a:solidFill>
+            <a:schemeClr val="bg1">
+              <a:lumMod val="95000"/>
+              <a:alpha val="79584"/>
+            </a:schemeClr>
+          </a:solidFill>
+          <a:ln w="38100">
+            <a:solidFill>
+              <a:schemeClr val="bg2">
+                <a:lumMod val="50000"/>
+              </a:schemeClr>
+            </a:solidFill>
+          </a:ln>
+        </p:spPr>
+        <p:style>
+          <a:lnRef idx="2">
+            <a:schemeClr val="accent1">
+              <a:shade val="50000"/>
+            </a:schemeClr>
+          </a:lnRef>
+          <a:fillRef idx="1">
+            <a:schemeClr val="accent1"/>
+          </a:fillRef>
+          <a:effectRef idx="0">
+            <a:schemeClr val="accent1"/>
+          </a:effectRef>
+          <a:fontRef idx="minor">
+            <a:schemeClr val="lt1"/>
+          </a:fontRef>
+        </p:style>
+        <p:txBody>
+          <a:bodyPr rtlCol="0" anchor="ctr"/>
+          <a:lstStyle/>
+          <a:p>
+            <a:pPr algn="ctr"/>
+            <a:r>
+              <a:rPr lang="en-US" sz="2000" dirty="0">
+                <a:solidFill>
+                  <a:schemeClr val="tx1">
+                    <a:lumMod val="85000"/>
+                    <a:lumOff val="15000"/>
+                  </a:schemeClr>
+                </a:solidFill>
+              </a:rPr>
+              <a:t>Role</a:t>
+            </a:r>
+          </a:p>
+        </p:txBody>
+      </p:sp>
+      <p:sp>
+        <p:nvSpPr>
+          <p:cNvPr id="13" name="Down Arrow 12">
+            <a:extLst>
+              <a:ext uri="{FF2B5EF4-FFF2-40B4-BE49-F238E27FC236}">
+                <a16:creationId xmlns:a16="http://schemas.microsoft.com/office/drawing/2014/main" id="{B4CDB232-AE9B-3D4F-B146-8B666553560E}"/>
+              </a:ext>
+            </a:extLst>
+          </p:cNvPr>
+          <p:cNvSpPr/>
+          <p:nvPr/>
+        </p:nvSpPr>
+        <p:spPr>
+          <a:xfrm rot="21000000">
+            <a:off x="2264270" y="1772155"/>
+            <a:ext cx="161365" cy="772627"/>
+          </a:xfrm>
+          <a:prstGeom prst="downArrow">
+            <a:avLst>
+              <a:gd name="adj1" fmla="val 50000"/>
+              <a:gd name="adj2" fmla="val 129998"/>
+            </a:avLst>
+          </a:prstGeom>
+          <a:solidFill>
+            <a:schemeClr val="bg1">
+              <a:lumMod val="95000"/>
+              <a:alpha val="79584"/>
+            </a:schemeClr>
+          </a:solidFill>
+          <a:ln>
+            <a:solidFill>
+              <a:schemeClr val="bg2">
+                <a:lumMod val="50000"/>
+              </a:schemeClr>
+            </a:solidFill>
+          </a:ln>
+        </p:spPr>
+        <p:style>
+          <a:lnRef idx="2">
+            <a:schemeClr val="accent1">
+              <a:shade val="50000"/>
+            </a:schemeClr>
+          </a:lnRef>
+          <a:fillRef idx="1">
+            <a:schemeClr val="accent1"/>
+          </a:fillRef>
+          <a:effectRef idx="0">
+            <a:schemeClr val="accent1"/>
+          </a:effectRef>
+          <a:fontRef idx="minor">
+            <a:schemeClr val="lt1"/>
+          </a:fontRef>
+        </p:style>
+        <p:txBody>
+          <a:bodyPr rtlCol="0" anchor="ctr"/>
+          <a:lstStyle/>
+          <a:p>
+            <a:pPr algn="ctr"/>
+            <a:endParaRPr lang="en-US"/>
+          </a:p>
+        </p:txBody>
+      </p:sp>
+      <p:sp>
+        <p:nvSpPr>
+          <p:cNvPr id="9" name="Rectangle 8">
+            <a:extLst>
+              <a:ext uri="{FF2B5EF4-FFF2-40B4-BE49-F238E27FC236}">
+                <a16:creationId xmlns:a16="http://schemas.microsoft.com/office/drawing/2014/main" id="{6F7D0253-8737-834F-8F03-1696179FCA7C}"/>
+              </a:ext>
+            </a:extLst>
+          </p:cNvPr>
+          <p:cNvSpPr/>
+          <p:nvPr/>
+        </p:nvSpPr>
+        <p:spPr>
+          <a:xfrm>
+            <a:off x="1590822" y="2457068"/>
+            <a:ext cx="1524001" cy="665018"/>
+          </a:xfrm>
+          <a:prstGeom prst="rect">
+            <a:avLst/>
+          </a:prstGeom>
+          <a:solidFill>
+            <a:schemeClr val="bg1">
+              <a:lumMod val="95000"/>
+              <a:alpha val="79584"/>
+            </a:schemeClr>
+          </a:solidFill>
+          <a:ln w="38100">
+            <a:solidFill>
+              <a:schemeClr val="bg2">
+                <a:lumMod val="50000"/>
+              </a:schemeClr>
+            </a:solidFill>
+          </a:ln>
+        </p:spPr>
+        <p:style>
+          <a:lnRef idx="2">
+            <a:schemeClr val="accent1">
+              <a:shade val="50000"/>
+            </a:schemeClr>
+          </a:lnRef>
+          <a:fillRef idx="1">
+            <a:schemeClr val="accent1"/>
+          </a:fillRef>
+          <a:effectRef idx="0">
+            <a:schemeClr val="accent1"/>
+          </a:effectRef>
+          <a:fontRef idx="minor">
+            <a:schemeClr val="lt1"/>
+          </a:fontRef>
+        </p:style>
+        <p:txBody>
+          <a:bodyPr rtlCol="0" anchor="ctr"/>
+          <a:lstStyle/>
+          <a:p>
+            <a:pPr algn="ctr"/>
+            <a:r>
+              <a:rPr lang="en-US" sz="2000" dirty="0">
+                <a:solidFill>
+                  <a:schemeClr val="tx1">
+                    <a:lumMod val="85000"/>
+                    <a:lumOff val="15000"/>
+                  </a:schemeClr>
+                </a:solidFill>
+              </a:rPr>
+              <a:t>Role</a:t>
+            </a:r>
+          </a:p>
+        </p:txBody>
+      </p:sp>
+      <p:sp>
+        <p:nvSpPr>
+          <p:cNvPr id="12" name="Down Arrow 11">
+            <a:extLst>
+              <a:ext uri="{FF2B5EF4-FFF2-40B4-BE49-F238E27FC236}">
+                <a16:creationId xmlns:a16="http://schemas.microsoft.com/office/drawing/2014/main" id="{6CFDBBEA-1C60-B94C-BA5B-0530357207B3}"/>
+              </a:ext>
+            </a:extLst>
+          </p:cNvPr>
+          <p:cNvSpPr/>
+          <p:nvPr/>
+        </p:nvSpPr>
+        <p:spPr>
+          <a:xfrm rot="21300000">
+            <a:off x="2216826" y="1778094"/>
+            <a:ext cx="161365" cy="672768"/>
+          </a:xfrm>
+          <a:prstGeom prst="downArrow">
+            <a:avLst>
+              <a:gd name="adj1" fmla="val 50000"/>
+              <a:gd name="adj2" fmla="val 129998"/>
+            </a:avLst>
+          </a:prstGeom>
+          <a:solidFill>
+            <a:schemeClr val="bg1">
+              <a:lumMod val="95000"/>
+              <a:alpha val="79584"/>
+            </a:schemeClr>
+          </a:solidFill>
+          <a:ln>
+            <a:solidFill>
+              <a:schemeClr val="bg2">
+                <a:lumMod val="50000"/>
+              </a:schemeClr>
+            </a:solidFill>
+          </a:ln>
+        </p:spPr>
+        <p:style>
+          <a:lnRef idx="2">
+            <a:schemeClr val="accent1">
+              <a:shade val="50000"/>
+            </a:schemeClr>
+          </a:lnRef>
+          <a:fillRef idx="1">
+            <a:schemeClr val="accent1"/>
+          </a:fillRef>
+          <a:effectRef idx="0">
+            <a:schemeClr val="accent1"/>
+          </a:effectRef>
+          <a:fontRef idx="minor">
+            <a:schemeClr val="lt1"/>
+          </a:fontRef>
+        </p:style>
+        <p:txBody>
+          <a:bodyPr rtlCol="0" anchor="ctr"/>
+          <a:lstStyle/>
+          <a:p>
+            <a:pPr algn="ctr"/>
+            <a:endParaRPr lang="en-US"/>
+          </a:p>
+        </p:txBody>
+      </p:sp>
+      <p:sp>
+        <p:nvSpPr>
+          <p:cNvPr id="2" name="Rectangle 1">
+            <a:extLst>
+              <a:ext uri="{FF2B5EF4-FFF2-40B4-BE49-F238E27FC236}">
+                <a16:creationId xmlns:a16="http://schemas.microsoft.com/office/drawing/2014/main" id="{9B7387F5-ACA9-7141-97D3-A62F3221BA74}"/>
+              </a:ext>
+            </a:extLst>
+          </p:cNvPr>
+          <p:cNvSpPr/>
+          <p:nvPr/>
+        </p:nvSpPr>
+        <p:spPr>
+          <a:xfrm>
+            <a:off x="1510145" y="1122219"/>
+            <a:ext cx="1524001" cy="665018"/>
+          </a:xfrm>
+          <a:prstGeom prst="rect">
+            <a:avLst/>
+          </a:prstGeom>
+          <a:solidFill>
+            <a:schemeClr val="bg1">
+              <a:lumMod val="95000"/>
+              <a:alpha val="79584"/>
+            </a:schemeClr>
+          </a:solidFill>
+          <a:ln w="38100">
+            <a:solidFill>
+              <a:schemeClr val="bg2">
+                <a:lumMod val="50000"/>
+              </a:schemeClr>
+            </a:solidFill>
+          </a:ln>
+        </p:spPr>
+        <p:style>
+          <a:lnRef idx="2">
+            <a:schemeClr val="accent1">
+              <a:shade val="50000"/>
+            </a:schemeClr>
+          </a:lnRef>
+          <a:fillRef idx="1">
+            <a:schemeClr val="accent1"/>
+          </a:fillRef>
+          <a:effectRef idx="0">
+            <a:schemeClr val="accent1"/>
+          </a:effectRef>
+          <a:fontRef idx="minor">
+            <a:schemeClr val="lt1"/>
+          </a:fontRef>
+        </p:style>
+        <p:txBody>
+          <a:bodyPr rtlCol="0" anchor="ctr"/>
+          <a:lstStyle/>
+          <a:p>
+            <a:pPr algn="ctr"/>
+            <a:r>
+              <a:rPr lang="en-US" sz="2000" dirty="0">
+                <a:solidFill>
+                  <a:schemeClr val="tx1">
+                    <a:lumMod val="85000"/>
+                    <a:lumOff val="15000"/>
+                  </a:schemeClr>
+                </a:solidFill>
+              </a:rPr>
+              <a:t>User</a:t>
+            </a:r>
+          </a:p>
+        </p:txBody>
+      </p:sp>
+      <p:sp>
+        <p:nvSpPr>
+          <p:cNvPr id="5" name="Rectangle 4">
+            <a:extLst>
+              <a:ext uri="{FF2B5EF4-FFF2-40B4-BE49-F238E27FC236}">
+                <a16:creationId xmlns:a16="http://schemas.microsoft.com/office/drawing/2014/main" id="{D1CCEEB6-0FB9-4C4E-A7F2-C6729B9FC8EA}"/>
+              </a:ext>
+            </a:extLst>
+          </p:cNvPr>
+          <p:cNvSpPr/>
+          <p:nvPr/>
+        </p:nvSpPr>
+        <p:spPr>
+          <a:xfrm>
+            <a:off x="1510145" y="2369129"/>
+            <a:ext cx="1524001" cy="665018"/>
+          </a:xfrm>
+          <a:prstGeom prst="rect">
+            <a:avLst/>
+          </a:prstGeom>
+          <a:solidFill>
+            <a:schemeClr val="bg1">
+              <a:lumMod val="95000"/>
+              <a:alpha val="79584"/>
+            </a:schemeClr>
+          </a:solidFill>
+          <a:ln w="38100">
+            <a:solidFill>
+              <a:schemeClr val="bg2">
+                <a:lumMod val="50000"/>
+              </a:schemeClr>
+            </a:solidFill>
+          </a:ln>
+        </p:spPr>
+        <p:style>
+          <a:lnRef idx="2">
+            <a:schemeClr val="accent1">
+              <a:shade val="50000"/>
+            </a:schemeClr>
+          </a:lnRef>
+          <a:fillRef idx="1">
+            <a:schemeClr val="accent1"/>
+          </a:fillRef>
+          <a:effectRef idx="0">
+            <a:schemeClr val="accent1"/>
+          </a:effectRef>
+          <a:fontRef idx="minor">
+            <a:schemeClr val="lt1"/>
+          </a:fontRef>
+        </p:style>
+        <p:txBody>
+          <a:bodyPr rtlCol="0" anchor="ctr"/>
+          <a:lstStyle/>
+          <a:p>
+            <a:pPr algn="ctr"/>
+            <a:r>
+              <a:rPr lang="en-US" sz="2000" dirty="0">
+                <a:solidFill>
+                  <a:schemeClr val="tx1">
+                    <a:lumMod val="85000"/>
+                    <a:lumOff val="15000"/>
+                  </a:schemeClr>
+                </a:solidFill>
+              </a:rPr>
+              <a:t>Role</a:t>
+            </a:r>
+          </a:p>
+        </p:txBody>
+      </p:sp>
+      <p:sp>
+        <p:nvSpPr>
+          <p:cNvPr id="15" name="Down Arrow 14">
+            <a:extLst>
+              <a:ext uri="{FF2B5EF4-FFF2-40B4-BE49-F238E27FC236}">
+                <a16:creationId xmlns:a16="http://schemas.microsoft.com/office/drawing/2014/main" id="{03FE2F9B-D768-9846-AF7E-C97F162AF435}"/>
+              </a:ext>
+            </a:extLst>
+          </p:cNvPr>
+          <p:cNvSpPr/>
+          <p:nvPr/>
+        </p:nvSpPr>
+        <p:spPr>
+          <a:xfrm>
+            <a:off x="2191459" y="1787237"/>
+            <a:ext cx="161365" cy="581892"/>
+          </a:xfrm>
+          <a:prstGeom prst="downArrow">
+            <a:avLst>
+              <a:gd name="adj1" fmla="val 50000"/>
+              <a:gd name="adj2" fmla="val 129998"/>
+            </a:avLst>
+          </a:prstGeom>
+          <a:solidFill>
+            <a:schemeClr val="bg1">
+              <a:lumMod val="95000"/>
+              <a:alpha val="79584"/>
+            </a:schemeClr>
+          </a:solidFill>
+          <a:ln>
+            <a:solidFill>
+              <a:schemeClr val="bg2">
+                <a:lumMod val="50000"/>
+              </a:schemeClr>
+            </a:solidFill>
+          </a:ln>
+        </p:spPr>
+        <p:style>
+          <a:lnRef idx="2">
+            <a:schemeClr val="accent1">
+              <a:shade val="50000"/>
+            </a:schemeClr>
+          </a:lnRef>
+          <a:fillRef idx="1">
+            <a:schemeClr val="accent1"/>
+          </a:fillRef>
+          <a:effectRef idx="0">
+            <a:schemeClr val="accent1"/>
+          </a:effectRef>
+          <a:fontRef idx="minor">
+            <a:schemeClr val="lt1"/>
+          </a:fontRef>
+        </p:style>
+        <p:txBody>
+          <a:bodyPr rtlCol="0" anchor="ctr"/>
+          <a:lstStyle/>
+          <a:p>
+            <a:pPr algn="ctr"/>
+            <a:endParaRPr lang="en-US"/>
+          </a:p>
+        </p:txBody>
+      </p:sp>
+      <p:sp>
+        <p:nvSpPr>
+          <p:cNvPr id="16" name="Rectangle 15">
+            <a:extLst>
+              <a:ext uri="{FF2B5EF4-FFF2-40B4-BE49-F238E27FC236}">
+                <a16:creationId xmlns:a16="http://schemas.microsoft.com/office/drawing/2014/main" id="{A5CA0DB8-57EB-C840-9FDD-2EBAFE84633F}"/>
+              </a:ext>
+            </a:extLst>
+          </p:cNvPr>
+          <p:cNvSpPr/>
+          <p:nvPr/>
+        </p:nvSpPr>
+        <p:spPr>
+          <a:xfrm>
+            <a:off x="1752173" y="3879857"/>
+            <a:ext cx="1524001" cy="665018"/>
+          </a:xfrm>
+          <a:prstGeom prst="rect">
+            <a:avLst/>
+          </a:prstGeom>
+          <a:solidFill>
+            <a:schemeClr val="bg1">
+              <a:lumMod val="95000"/>
+              <a:alpha val="79584"/>
+            </a:schemeClr>
+          </a:solidFill>
+          <a:ln w="38100">
+            <a:solidFill>
+              <a:schemeClr val="bg2">
+                <a:lumMod val="50000"/>
+              </a:schemeClr>
+            </a:solidFill>
+          </a:ln>
+        </p:spPr>
+        <p:style>
+          <a:lnRef idx="2">
+            <a:schemeClr val="accent1">
+              <a:shade val="50000"/>
+            </a:schemeClr>
+          </a:lnRef>
+          <a:fillRef idx="1">
+            <a:schemeClr val="accent1"/>
+          </a:fillRef>
+          <a:effectRef idx="0">
+            <a:schemeClr val="accent1"/>
+          </a:effectRef>
+          <a:fontRef idx="minor">
+            <a:schemeClr val="lt1"/>
+          </a:fontRef>
+        </p:style>
+        <p:txBody>
+          <a:bodyPr rtlCol="0" anchor="ctr"/>
+          <a:lstStyle/>
+          <a:p>
+            <a:pPr algn="ctr"/>
+            <a:r>
+              <a:rPr lang="en-US" sz="2000" dirty="0">
+                <a:solidFill>
+                  <a:schemeClr val="tx1">
+                    <a:lumMod val="85000"/>
+                    <a:lumOff val="15000"/>
+                  </a:schemeClr>
+                </a:solidFill>
+              </a:rPr>
+              <a:t>Permission</a:t>
+            </a:r>
+          </a:p>
+        </p:txBody>
+      </p:sp>
+      <p:sp>
+        <p:nvSpPr>
+          <p:cNvPr id="19" name="Down Arrow 18">
+            <a:extLst>
+              <a:ext uri="{FF2B5EF4-FFF2-40B4-BE49-F238E27FC236}">
+                <a16:creationId xmlns:a16="http://schemas.microsoft.com/office/drawing/2014/main" id="{F937787E-F591-AB4A-AA83-E0EA75AB4B38}"/>
+              </a:ext>
+            </a:extLst>
+          </p:cNvPr>
+          <p:cNvSpPr/>
+          <p:nvPr/>
+        </p:nvSpPr>
+        <p:spPr>
+          <a:xfrm rot="20675198">
+            <a:off x="2302959" y="3011075"/>
+            <a:ext cx="161365" cy="888316"/>
+          </a:xfrm>
+          <a:prstGeom prst="downArrow">
+            <a:avLst>
+              <a:gd name="adj1" fmla="val 50000"/>
+              <a:gd name="adj2" fmla="val 129998"/>
+            </a:avLst>
+          </a:prstGeom>
+          <a:solidFill>
+            <a:schemeClr val="bg1">
+              <a:lumMod val="95000"/>
+              <a:alpha val="79584"/>
+            </a:schemeClr>
+          </a:solidFill>
+          <a:ln>
+            <a:solidFill>
+              <a:schemeClr val="bg2">
+                <a:lumMod val="50000"/>
+              </a:schemeClr>
+            </a:solidFill>
+          </a:ln>
+        </p:spPr>
+        <p:style>
+          <a:lnRef idx="2">
+            <a:schemeClr val="accent1">
+              <a:shade val="50000"/>
+            </a:schemeClr>
+          </a:lnRef>
+          <a:fillRef idx="1">
+            <a:schemeClr val="accent1"/>
+          </a:fillRef>
+          <a:effectRef idx="0">
+            <a:schemeClr val="accent1"/>
+          </a:effectRef>
+          <a:fontRef idx="minor">
+            <a:schemeClr val="lt1"/>
+          </a:fontRef>
+        </p:style>
+        <p:txBody>
+          <a:bodyPr rtlCol="0" anchor="ctr"/>
+          <a:lstStyle/>
+          <a:p>
+            <a:pPr algn="ctr"/>
+            <a:endParaRPr lang="en-US"/>
+          </a:p>
+        </p:txBody>
+      </p:sp>
+      <p:sp>
+        <p:nvSpPr>
+          <p:cNvPr id="20" name="Rectangle 19">
+            <a:extLst>
+              <a:ext uri="{FF2B5EF4-FFF2-40B4-BE49-F238E27FC236}">
+                <a16:creationId xmlns:a16="http://schemas.microsoft.com/office/drawing/2014/main" id="{6BAE310D-B37C-A241-920E-315A7306B033}"/>
+              </a:ext>
+            </a:extLst>
+          </p:cNvPr>
+          <p:cNvSpPr/>
+          <p:nvPr/>
+        </p:nvSpPr>
+        <p:spPr>
+          <a:xfrm>
+            <a:off x="1671496" y="3791917"/>
+            <a:ext cx="1524001" cy="665018"/>
+          </a:xfrm>
+          <a:prstGeom prst="rect">
+            <a:avLst/>
+          </a:prstGeom>
+          <a:solidFill>
+            <a:schemeClr val="bg1">
+              <a:lumMod val="95000"/>
+              <a:alpha val="79584"/>
+            </a:schemeClr>
+          </a:solidFill>
+          <a:ln w="38100">
+            <a:solidFill>
+              <a:schemeClr val="bg2">
+                <a:lumMod val="50000"/>
+              </a:schemeClr>
+            </a:solidFill>
+          </a:ln>
+        </p:spPr>
+        <p:style>
+          <a:lnRef idx="2">
+            <a:schemeClr val="accent1">
+              <a:shade val="50000"/>
+            </a:schemeClr>
+          </a:lnRef>
+          <a:fillRef idx="1">
+            <a:schemeClr val="accent1"/>
+          </a:fillRef>
+          <a:effectRef idx="0">
+            <a:schemeClr val="accent1"/>
+          </a:effectRef>
+          <a:fontRef idx="minor">
+            <a:schemeClr val="lt1"/>
+          </a:fontRef>
+        </p:style>
+        <p:txBody>
+          <a:bodyPr rtlCol="0" anchor="ctr"/>
+          <a:lstStyle/>
+          <a:p>
+            <a:pPr algn="ctr"/>
+            <a:r>
+              <a:rPr lang="en-US" sz="2000" dirty="0">
+                <a:solidFill>
+                  <a:schemeClr val="tx1">
+                    <a:lumMod val="85000"/>
+                    <a:lumOff val="15000"/>
+                  </a:schemeClr>
+                </a:solidFill>
+              </a:rPr>
+              <a:t>Permission</a:t>
+            </a:r>
+          </a:p>
+        </p:txBody>
+      </p:sp>
+      <p:sp>
+        <p:nvSpPr>
+          <p:cNvPr id="21" name="Down Arrow 20">
+            <a:extLst>
+              <a:ext uri="{FF2B5EF4-FFF2-40B4-BE49-F238E27FC236}">
+                <a16:creationId xmlns:a16="http://schemas.microsoft.com/office/drawing/2014/main" id="{675138C8-4353-E442-A21C-738EAB141FBE}"/>
+              </a:ext>
+            </a:extLst>
+          </p:cNvPr>
+          <p:cNvSpPr/>
+          <p:nvPr/>
+        </p:nvSpPr>
+        <p:spPr>
+          <a:xfrm rot="21000000">
+            <a:off x="2264267" y="3019065"/>
+            <a:ext cx="161365" cy="772627"/>
+          </a:xfrm>
+          <a:prstGeom prst="downArrow">
+            <a:avLst>
+              <a:gd name="adj1" fmla="val 50000"/>
+              <a:gd name="adj2" fmla="val 129998"/>
+            </a:avLst>
+          </a:prstGeom>
+          <a:solidFill>
+            <a:schemeClr val="bg1">
+              <a:lumMod val="95000"/>
+              <a:alpha val="79584"/>
+            </a:schemeClr>
+          </a:solidFill>
+          <a:ln>
+            <a:solidFill>
+              <a:schemeClr val="bg2">
+                <a:lumMod val="50000"/>
+              </a:schemeClr>
+            </a:solidFill>
+          </a:ln>
+        </p:spPr>
+        <p:style>
+          <a:lnRef idx="2">
+            <a:schemeClr val="accent1">
+              <a:shade val="50000"/>
+            </a:schemeClr>
+          </a:lnRef>
+          <a:fillRef idx="1">
+            <a:schemeClr val="accent1"/>
+          </a:fillRef>
+          <a:effectRef idx="0">
+            <a:schemeClr val="accent1"/>
+          </a:effectRef>
+          <a:fontRef idx="minor">
+            <a:schemeClr val="lt1"/>
+          </a:fontRef>
+        </p:style>
+        <p:txBody>
+          <a:bodyPr rtlCol="0" anchor="ctr"/>
+          <a:lstStyle/>
+          <a:p>
+            <a:pPr algn="ctr"/>
+            <a:endParaRPr lang="en-US"/>
+          </a:p>
+        </p:txBody>
+      </p:sp>
+      <p:sp>
+        <p:nvSpPr>
+          <p:cNvPr id="22" name="Rectangle 21">
+            <a:extLst>
+              <a:ext uri="{FF2B5EF4-FFF2-40B4-BE49-F238E27FC236}">
+                <a16:creationId xmlns:a16="http://schemas.microsoft.com/office/drawing/2014/main" id="{90B2ED0E-B620-C64A-8FFB-6879542442F6}"/>
+              </a:ext>
+            </a:extLst>
+          </p:cNvPr>
+          <p:cNvSpPr/>
+          <p:nvPr/>
+        </p:nvSpPr>
+        <p:spPr>
+          <a:xfrm>
+            <a:off x="1590819" y="3703978"/>
+            <a:ext cx="1524001" cy="665018"/>
+          </a:xfrm>
+          <a:prstGeom prst="rect">
+            <a:avLst/>
+          </a:prstGeom>
+          <a:solidFill>
+            <a:schemeClr val="bg1">
+              <a:lumMod val="95000"/>
+              <a:alpha val="79584"/>
+            </a:schemeClr>
+          </a:solidFill>
+          <a:ln w="38100">
+            <a:solidFill>
+              <a:schemeClr val="bg2">
+                <a:lumMod val="50000"/>
+              </a:schemeClr>
+            </a:solidFill>
+          </a:ln>
+        </p:spPr>
+        <p:style>
+          <a:lnRef idx="2">
+            <a:schemeClr val="accent1">
+              <a:shade val="50000"/>
+            </a:schemeClr>
+          </a:lnRef>
+          <a:fillRef idx="1">
+            <a:schemeClr val="accent1"/>
+          </a:fillRef>
+          <a:effectRef idx="0">
+            <a:schemeClr val="accent1"/>
+          </a:effectRef>
+          <a:fontRef idx="minor">
+            <a:schemeClr val="lt1"/>
+          </a:fontRef>
+        </p:style>
+        <p:txBody>
+          <a:bodyPr rtlCol="0" anchor="ctr"/>
+          <a:lstStyle/>
+          <a:p>
+            <a:pPr algn="ctr"/>
+            <a:r>
+              <a:rPr lang="en-US" sz="2000" dirty="0">
+                <a:solidFill>
+                  <a:schemeClr val="tx1">
+                    <a:lumMod val="85000"/>
+                    <a:lumOff val="15000"/>
+                  </a:schemeClr>
+                </a:solidFill>
+              </a:rPr>
+              <a:t>Permission</a:t>
+            </a:r>
+          </a:p>
+        </p:txBody>
+      </p:sp>
+      <p:sp>
+        <p:nvSpPr>
+          <p:cNvPr id="23" name="Down Arrow 22">
+            <a:extLst>
+              <a:ext uri="{FF2B5EF4-FFF2-40B4-BE49-F238E27FC236}">
+                <a16:creationId xmlns:a16="http://schemas.microsoft.com/office/drawing/2014/main" id="{09C43943-FB10-2F4E-A6DD-A0608F650847}"/>
+              </a:ext>
+            </a:extLst>
+          </p:cNvPr>
+          <p:cNvSpPr/>
+          <p:nvPr/>
+        </p:nvSpPr>
+        <p:spPr>
+          <a:xfrm rot="21300000">
+            <a:off x="2216823" y="3025004"/>
+            <a:ext cx="161365" cy="672768"/>
+          </a:xfrm>
+          <a:prstGeom prst="downArrow">
+            <a:avLst>
+              <a:gd name="adj1" fmla="val 50000"/>
+              <a:gd name="adj2" fmla="val 129998"/>
+            </a:avLst>
+          </a:prstGeom>
+          <a:solidFill>
+            <a:schemeClr val="bg1">
+              <a:lumMod val="95000"/>
+              <a:alpha val="79584"/>
+            </a:schemeClr>
+          </a:solidFill>
+          <a:ln>
+            <a:solidFill>
+              <a:schemeClr val="bg2">
+                <a:lumMod val="50000"/>
+              </a:schemeClr>
+            </a:solidFill>
+          </a:ln>
+        </p:spPr>
+        <p:style>
+          <a:lnRef idx="2">
+            <a:schemeClr val="accent1">
+              <a:shade val="50000"/>
+            </a:schemeClr>
+          </a:lnRef>
+          <a:fillRef idx="1">
+            <a:schemeClr val="accent1"/>
+          </a:fillRef>
+          <a:effectRef idx="0">
+            <a:schemeClr val="accent1"/>
+          </a:effectRef>
+          <a:fontRef idx="minor">
+            <a:schemeClr val="lt1"/>
+          </a:fontRef>
+        </p:style>
+        <p:txBody>
+          <a:bodyPr rtlCol="0" anchor="ctr"/>
+          <a:lstStyle/>
+          <a:p>
+            <a:pPr algn="ctr"/>
+            <a:endParaRPr lang="en-US"/>
+          </a:p>
+        </p:txBody>
+      </p:sp>
+      <p:sp>
+        <p:nvSpPr>
+          <p:cNvPr id="6" name="Rectangle 5">
+            <a:extLst>
+              <a:ext uri="{FF2B5EF4-FFF2-40B4-BE49-F238E27FC236}">
+                <a16:creationId xmlns:a16="http://schemas.microsoft.com/office/drawing/2014/main" id="{292A8187-D086-6241-BD43-8F4A54EACBD1}"/>
+              </a:ext>
+            </a:extLst>
+          </p:cNvPr>
+          <p:cNvSpPr/>
+          <p:nvPr/>
+        </p:nvSpPr>
+        <p:spPr>
+          <a:xfrm>
+            <a:off x="1510142" y="3616039"/>
+            <a:ext cx="1524001" cy="665018"/>
+          </a:xfrm>
+          <a:prstGeom prst="rect">
+            <a:avLst/>
+          </a:prstGeom>
+          <a:solidFill>
+            <a:schemeClr val="bg1">
+              <a:lumMod val="95000"/>
+              <a:alpha val="79584"/>
+            </a:schemeClr>
+          </a:solidFill>
+          <a:ln w="38100">
+            <a:solidFill>
+              <a:schemeClr val="bg2">
+                <a:lumMod val="50000"/>
+              </a:schemeClr>
+            </a:solidFill>
+          </a:ln>
+        </p:spPr>
+        <p:style>
+          <a:lnRef idx="2">
+            <a:schemeClr val="accent1">
+              <a:shade val="50000"/>
+            </a:schemeClr>
+          </a:lnRef>
+          <a:fillRef idx="1">
+            <a:schemeClr val="accent1"/>
+          </a:fillRef>
+          <a:effectRef idx="0">
+            <a:schemeClr val="accent1"/>
+          </a:effectRef>
+          <a:fontRef idx="minor">
+            <a:schemeClr val="lt1"/>
+          </a:fontRef>
+        </p:style>
+        <p:txBody>
+          <a:bodyPr rtlCol="0" anchor="ctr"/>
+          <a:lstStyle/>
+          <a:p>
+            <a:pPr algn="ctr"/>
+            <a:r>
+              <a:rPr lang="en-US" sz="2000" dirty="0">
+                <a:solidFill>
+                  <a:schemeClr val="tx1">
+                    <a:lumMod val="85000"/>
+                    <a:lumOff val="15000"/>
+                  </a:schemeClr>
+                </a:solidFill>
+              </a:rPr>
+              <a:t>Permission</a:t>
+            </a:r>
+          </a:p>
+        </p:txBody>
+      </p:sp>
+      <p:sp>
+        <p:nvSpPr>
+          <p:cNvPr id="18" name="Down Arrow 17">
+            <a:extLst>
+              <a:ext uri="{FF2B5EF4-FFF2-40B4-BE49-F238E27FC236}">
+                <a16:creationId xmlns:a16="http://schemas.microsoft.com/office/drawing/2014/main" id="{A8DAD2EC-3E9B-E942-96A2-159C54469EE2}"/>
+              </a:ext>
+            </a:extLst>
+          </p:cNvPr>
+          <p:cNvSpPr/>
+          <p:nvPr/>
+        </p:nvSpPr>
+        <p:spPr>
+          <a:xfrm>
+            <a:off x="2191459" y="3029199"/>
+            <a:ext cx="161365" cy="581892"/>
+          </a:xfrm>
+          <a:prstGeom prst="downArrow">
+            <a:avLst>
+              <a:gd name="adj1" fmla="val 50000"/>
+              <a:gd name="adj2" fmla="val 129998"/>
+            </a:avLst>
+          </a:prstGeom>
+          <a:solidFill>
+            <a:schemeClr val="bg1">
+              <a:lumMod val="95000"/>
+              <a:alpha val="79584"/>
+            </a:schemeClr>
+          </a:solidFill>
+          <a:ln>
+            <a:solidFill>
+              <a:schemeClr val="bg2">
+                <a:lumMod val="50000"/>
+              </a:schemeClr>
+            </a:solidFill>
+          </a:ln>
+        </p:spPr>
+        <p:style>
+          <a:lnRef idx="2">
+            <a:schemeClr val="accent1">
+              <a:shade val="50000"/>
+            </a:schemeClr>
+          </a:lnRef>
+          <a:fillRef idx="1">
+            <a:schemeClr val="accent1"/>
+          </a:fillRef>
+          <a:effectRef idx="0">
+            <a:schemeClr val="accent1"/>
+          </a:effectRef>
+          <a:fontRef idx="minor">
+            <a:schemeClr val="lt1"/>
+          </a:fontRef>
+        </p:style>
+        <p:txBody>
+          <a:bodyPr rtlCol="0" anchor="ctr"/>
+          <a:lstStyle/>
+          <a:p>
+            <a:pPr algn="ctr"/>
+            <a:endParaRPr lang="en-US"/>
+          </a:p>
+        </p:txBody>
+      </p:sp>
+      <p:sp>
+        <p:nvSpPr>
+          <p:cNvPr id="24" name="Rectangle 23">
+            <a:extLst>
+              <a:ext uri="{FF2B5EF4-FFF2-40B4-BE49-F238E27FC236}">
+                <a16:creationId xmlns:a16="http://schemas.microsoft.com/office/drawing/2014/main" id="{4D48405B-FC50-FE48-9864-E65F44D6BEA9}"/>
+              </a:ext>
+            </a:extLst>
+          </p:cNvPr>
+          <p:cNvSpPr/>
+          <p:nvPr/>
+        </p:nvSpPr>
+        <p:spPr>
+          <a:xfrm>
+            <a:off x="1748889" y="5126767"/>
             <a:ext cx="1524001" cy="665018"/>
           </a:xfrm>
           <a:prstGeom prst="rect">
@@ -5449,10 +7483,10 @@
       </p:sp>
       <p:sp>
         <p:nvSpPr>
-          <p:cNvPr id="27" name="Down Arrow 26">
-            <a:extLst>
-              <a:ext uri="{FF2B5EF4-FFF2-40B4-BE49-F238E27FC236}">
-                <a16:creationId xmlns:a16="http://schemas.microsoft.com/office/drawing/2014/main" id="{68F6EEB0-BC58-E14D-8679-11B822C5F9D6}"/>
+          <p:cNvPr id="25" name="Down Arrow 24">
+            <a:extLst>
+              <a:ext uri="{FF2B5EF4-FFF2-40B4-BE49-F238E27FC236}">
+                <a16:creationId xmlns:a16="http://schemas.microsoft.com/office/drawing/2014/main" id="{C38E727F-4FE9-4943-9A29-A68D7FE9CB45}"/>
               </a:ext>
             </a:extLst>
           </p:cNvPr>
@@ -5460,9 +7494,9 @@
           <p:nvPr/>
         </p:nvSpPr>
         <p:spPr>
-          <a:xfrm rot="21000000">
-            <a:off x="2260983" y="4265975"/>
-            <a:ext cx="161365" cy="772627"/>
+          <a:xfrm rot="20675198">
+            <a:off x="2299675" y="4257985"/>
+            <a:ext cx="161365" cy="888316"/>
           </a:xfrm>
           <a:prstGeom prst="downArrow">
             <a:avLst>
@@ -5511,10 +7545,10 @@
       </p:sp>
       <p:sp>
         <p:nvSpPr>
-          <p:cNvPr id="28" name="Rectangle 27">
-            <a:extLst>
-              <a:ext uri="{FF2B5EF4-FFF2-40B4-BE49-F238E27FC236}">
-                <a16:creationId xmlns:a16="http://schemas.microsoft.com/office/drawing/2014/main" id="{EDF4912B-F808-8F44-B8BF-FFF885A64E0C}"/>
+          <p:cNvPr id="26" name="Rectangle 25">
+            <a:extLst>
+              <a:ext uri="{FF2B5EF4-FFF2-40B4-BE49-F238E27FC236}">
+                <a16:creationId xmlns:a16="http://schemas.microsoft.com/office/drawing/2014/main" id="{6A8C3861-7AA5-7B4D-8171-C7F0BA70A786}"/>
               </a:ext>
             </a:extLst>
           </p:cNvPr>
@@ -5523,7 +7557,7 @@
         </p:nvSpPr>
         <p:spPr>
           <a:xfrm>
-            <a:off x="1589724" y="4950888"/>
+            <a:off x="1669306" y="5038827"/>
             <a:ext cx="1524001" cy="665018"/>
           </a:xfrm>
           <a:prstGeom prst="rect">
@@ -5580,10 +7614,10 @@
       </p:sp>
       <p:sp>
         <p:nvSpPr>
-          <p:cNvPr id="29" name="Down Arrow 28">
-            <a:extLst>
-              <a:ext uri="{FF2B5EF4-FFF2-40B4-BE49-F238E27FC236}">
-                <a16:creationId xmlns:a16="http://schemas.microsoft.com/office/drawing/2014/main" id="{CC76696C-EEF6-094E-8EBF-656B4960E1DF}"/>
+          <p:cNvPr id="27" name="Down Arrow 26">
+            <a:extLst>
+              <a:ext uri="{FF2B5EF4-FFF2-40B4-BE49-F238E27FC236}">
+                <a16:creationId xmlns:a16="http://schemas.microsoft.com/office/drawing/2014/main" id="{68F6EEB0-BC58-E14D-8679-11B822C5F9D6}"/>
               </a:ext>
             </a:extLst>
           </p:cNvPr>
@@ -5591,9 +7625,9 @@
           <p:nvPr/>
         </p:nvSpPr>
         <p:spPr>
-          <a:xfrm rot="21300000">
-            <a:off x="2213539" y="4271914"/>
-            <a:ext cx="161365" cy="672768"/>
+          <a:xfrm rot="21000000">
+            <a:off x="2260983" y="4265975"/>
+            <a:ext cx="161365" cy="772627"/>
           </a:xfrm>
           <a:prstGeom prst="downArrow">
             <a:avLst>
@@ -5642,10 +7676,10 @@
       </p:sp>
       <p:sp>
         <p:nvSpPr>
-          <p:cNvPr id="7" name="Rectangle 6">
-            <a:extLst>
-              <a:ext uri="{FF2B5EF4-FFF2-40B4-BE49-F238E27FC236}">
-                <a16:creationId xmlns:a16="http://schemas.microsoft.com/office/drawing/2014/main" id="{084195EB-CEC7-3642-9E4F-07763E9EF4CC}"/>
+          <p:cNvPr id="28" name="Rectangle 27">
+            <a:extLst>
+              <a:ext uri="{FF2B5EF4-FFF2-40B4-BE49-F238E27FC236}">
+                <a16:creationId xmlns:a16="http://schemas.microsoft.com/office/drawing/2014/main" id="{EDF4912B-F808-8F44-B8BF-FFF885A64E0C}"/>
               </a:ext>
             </a:extLst>
           </p:cNvPr>
@@ -5654,7 +7688,7 @@
         </p:nvSpPr>
         <p:spPr>
           <a:xfrm>
-            <a:off x="1510142" y="4862949"/>
+            <a:off x="1589724" y="4950888"/>
             <a:ext cx="1524001" cy="665018"/>
           </a:xfrm>
           <a:prstGeom prst="rect">
@@ -5711,10 +7745,10 @@
       </p:sp>
       <p:sp>
         <p:nvSpPr>
-          <p:cNvPr id="17" name="Down Arrow 16">
-            <a:extLst>
-              <a:ext uri="{FF2B5EF4-FFF2-40B4-BE49-F238E27FC236}">
-                <a16:creationId xmlns:a16="http://schemas.microsoft.com/office/drawing/2014/main" id="{79138125-78FD-2843-9EDB-DB6D8C3820EA}"/>
+          <p:cNvPr id="29" name="Down Arrow 28">
+            <a:extLst>
+              <a:ext uri="{FF2B5EF4-FFF2-40B4-BE49-F238E27FC236}">
+                <a16:creationId xmlns:a16="http://schemas.microsoft.com/office/drawing/2014/main" id="{CC76696C-EEF6-094E-8EBF-656B4960E1DF}"/>
               </a:ext>
             </a:extLst>
           </p:cNvPr>
@@ -5722,9 +7756,9 @@
           <p:nvPr/>
         </p:nvSpPr>
         <p:spPr>
-          <a:xfrm>
-            <a:off x="2191458" y="4281057"/>
-            <a:ext cx="161365" cy="581892"/>
+          <a:xfrm rot="21300000">
+            <a:off x="2213539" y="4271914"/>
+            <a:ext cx="161365" cy="672768"/>
           </a:xfrm>
           <a:prstGeom prst="downArrow">
             <a:avLst>
@@ -5771,10 +7805,141 @@
           </a:p>
         </p:txBody>
       </p:sp>
+      <p:sp>
+        <p:nvSpPr>
+          <p:cNvPr id="7" name="Rectangle 6">
+            <a:extLst>
+              <a:ext uri="{FF2B5EF4-FFF2-40B4-BE49-F238E27FC236}">
+                <a16:creationId xmlns:a16="http://schemas.microsoft.com/office/drawing/2014/main" id="{084195EB-CEC7-3642-9E4F-07763E9EF4CC}"/>
+              </a:ext>
+            </a:extLst>
+          </p:cNvPr>
+          <p:cNvSpPr/>
+          <p:nvPr/>
+        </p:nvSpPr>
+        <p:spPr>
+          <a:xfrm>
+            <a:off x="1510142" y="4862949"/>
+            <a:ext cx="1524001" cy="665018"/>
+          </a:xfrm>
+          <a:prstGeom prst="rect">
+            <a:avLst/>
+          </a:prstGeom>
+          <a:solidFill>
+            <a:schemeClr val="bg1">
+              <a:lumMod val="95000"/>
+              <a:alpha val="79584"/>
+            </a:schemeClr>
+          </a:solidFill>
+          <a:ln w="38100">
+            <a:solidFill>
+              <a:schemeClr val="bg2">
+                <a:lumMod val="50000"/>
+              </a:schemeClr>
+            </a:solidFill>
+          </a:ln>
+        </p:spPr>
+        <p:style>
+          <a:lnRef idx="2">
+            <a:schemeClr val="accent1">
+              <a:shade val="50000"/>
+            </a:schemeClr>
+          </a:lnRef>
+          <a:fillRef idx="1">
+            <a:schemeClr val="accent1"/>
+          </a:fillRef>
+          <a:effectRef idx="0">
+            <a:schemeClr val="accent1"/>
+          </a:effectRef>
+          <a:fontRef idx="minor">
+            <a:schemeClr val="lt1"/>
+          </a:fontRef>
+        </p:style>
+        <p:txBody>
+          <a:bodyPr rtlCol="0" anchor="ctr"/>
+          <a:lstStyle/>
+          <a:p>
+            <a:pPr algn="ctr"/>
+            <a:r>
+              <a:rPr lang="en-US" sz="2000" dirty="0">
+                <a:solidFill>
+                  <a:schemeClr val="tx1">
+                    <a:lumMod val="85000"/>
+                    <a:lumOff val="15000"/>
+                  </a:schemeClr>
+                </a:solidFill>
+              </a:rPr>
+              <a:t>Capability</a:t>
+            </a:r>
+          </a:p>
+        </p:txBody>
+      </p:sp>
+      <p:sp>
+        <p:nvSpPr>
+          <p:cNvPr id="17" name="Down Arrow 16">
+            <a:extLst>
+              <a:ext uri="{FF2B5EF4-FFF2-40B4-BE49-F238E27FC236}">
+                <a16:creationId xmlns:a16="http://schemas.microsoft.com/office/drawing/2014/main" id="{79138125-78FD-2843-9EDB-DB6D8C3820EA}"/>
+              </a:ext>
+            </a:extLst>
+          </p:cNvPr>
+          <p:cNvSpPr/>
+          <p:nvPr/>
+        </p:nvSpPr>
+        <p:spPr>
+          <a:xfrm>
+            <a:off x="2191458" y="4281057"/>
+            <a:ext cx="161365" cy="581892"/>
+          </a:xfrm>
+          <a:prstGeom prst="downArrow">
+            <a:avLst>
+              <a:gd name="adj1" fmla="val 50000"/>
+              <a:gd name="adj2" fmla="val 129998"/>
+            </a:avLst>
+          </a:prstGeom>
+          <a:solidFill>
+            <a:schemeClr val="bg1">
+              <a:lumMod val="95000"/>
+              <a:alpha val="79584"/>
+            </a:schemeClr>
+          </a:solidFill>
+          <a:ln>
+            <a:solidFill>
+              <a:schemeClr val="bg2">
+                <a:lumMod val="50000"/>
+              </a:schemeClr>
+            </a:solidFill>
+          </a:ln>
+        </p:spPr>
+        <p:style>
+          <a:lnRef idx="2">
+            <a:schemeClr val="accent1">
+              <a:shade val="50000"/>
+            </a:schemeClr>
+          </a:lnRef>
+          <a:fillRef idx="1">
+            <a:schemeClr val="accent1"/>
+          </a:fillRef>
+          <a:effectRef idx="0">
+            <a:schemeClr val="accent1"/>
+          </a:effectRef>
+          <a:fontRef idx="minor">
+            <a:schemeClr val="lt1"/>
+          </a:fontRef>
+        </p:style>
+        <p:txBody>
+          <a:bodyPr rtlCol="0" anchor="ctr"/>
+          <a:lstStyle/>
+          <a:p>
+            <a:pPr algn="ctr"/>
+            <a:endParaRPr lang="en-US"/>
+          </a:p>
+        </p:txBody>
+      </p:sp>
     </p:spTree>
     <p:extLst>
       <p:ext uri="{BB962C8B-B14F-4D97-AF65-F5344CB8AC3E}">
-        <p14:creationId xmlns:p14="http://schemas.microsoft.com/office/powerpoint/2010/main" val="1649457572"/>
+        <p14:creationId xmlns:p14="http://schemas.microsoft.com/office/powerpoint/2010/main" val="1367795088"/>
       </p:ext>
     </p:extLst>
   </p:cSld>

--- a/getting-apis-to-work-2021/img/RBAC.pptx
+++ b/getting-apis-to-work-2021/img/RBAC.pptx
@@ -7,9 +7,12 @@
   <p:sldIdLst>
     <p:sldId id="256" r:id="rId2"/>
     <p:sldId id="257" r:id="rId3"/>
-    <p:sldId id="261" r:id="rId4"/>
-    <p:sldId id="263" r:id="rId5"/>
-    <p:sldId id="262" r:id="rId6"/>
+    <p:sldId id="264" r:id="rId4"/>
+    <p:sldId id="265" r:id="rId5"/>
+    <p:sldId id="266" r:id="rId6"/>
+    <p:sldId id="261" r:id="rId7"/>
+    <p:sldId id="263" r:id="rId8"/>
+    <p:sldId id="262" r:id="rId9"/>
   </p:sldIdLst>
   <p:sldSz cx="12192000" cy="6858000"/>
   <p:notesSz cx="6858000" cy="9144000"/>
@@ -3642,213 +3645,6 @@
       </p:grpSpPr>
       <p:sp>
         <p:nvSpPr>
-          <p:cNvPr id="2" name="Rectangle 1">
-            <a:extLst>
-              <a:ext uri="{FF2B5EF4-FFF2-40B4-BE49-F238E27FC236}">
-                <a16:creationId xmlns:a16="http://schemas.microsoft.com/office/drawing/2014/main" id="{9B7387F5-ACA9-7141-97D3-A62F3221BA74}"/>
-              </a:ext>
-            </a:extLst>
-          </p:cNvPr>
-          <p:cNvSpPr/>
-          <p:nvPr/>
-        </p:nvSpPr>
-        <p:spPr>
-          <a:xfrm>
-            <a:off x="1510145" y="1122219"/>
-            <a:ext cx="1524001" cy="665018"/>
-          </a:xfrm>
-          <a:prstGeom prst="rect">
-            <a:avLst/>
-          </a:prstGeom>
-          <a:solidFill>
-            <a:schemeClr val="bg1">
-              <a:lumMod val="95000"/>
-            </a:schemeClr>
-          </a:solidFill>
-          <a:ln w="38100">
-            <a:solidFill>
-              <a:schemeClr val="bg2">
-                <a:lumMod val="50000"/>
-                <a:alpha val="80030"/>
-              </a:schemeClr>
-            </a:solidFill>
-          </a:ln>
-        </p:spPr>
-        <p:style>
-          <a:lnRef idx="2">
-            <a:schemeClr val="accent1">
-              <a:shade val="50000"/>
-            </a:schemeClr>
-          </a:lnRef>
-          <a:fillRef idx="1">
-            <a:schemeClr val="accent1"/>
-          </a:fillRef>
-          <a:effectRef idx="0">
-            <a:schemeClr val="accent1"/>
-          </a:effectRef>
-          <a:fontRef idx="minor">
-            <a:schemeClr val="lt1"/>
-          </a:fontRef>
-        </p:style>
-        <p:txBody>
-          <a:bodyPr rtlCol="0" anchor="ctr"/>
-          <a:lstStyle/>
-          <a:p>
-            <a:pPr algn="ctr"/>
-            <a:r>
-              <a:rPr lang="en-US" sz="2000" dirty="0">
-                <a:solidFill>
-                  <a:schemeClr val="tx1">
-                    <a:lumMod val="85000"/>
-                    <a:lumOff val="15000"/>
-                  </a:schemeClr>
-                </a:solidFill>
-              </a:rPr>
-              <a:t>User</a:t>
-            </a:r>
-          </a:p>
-        </p:txBody>
-      </p:sp>
-      <p:sp>
-        <p:nvSpPr>
-          <p:cNvPr id="5" name="Rectangle 4">
-            <a:extLst>
-              <a:ext uri="{FF2B5EF4-FFF2-40B4-BE49-F238E27FC236}">
-                <a16:creationId xmlns:a16="http://schemas.microsoft.com/office/drawing/2014/main" id="{D1CCEEB6-0FB9-4C4E-A7F2-C6729B9FC8EA}"/>
-              </a:ext>
-            </a:extLst>
-          </p:cNvPr>
-          <p:cNvSpPr/>
-          <p:nvPr/>
-        </p:nvSpPr>
-        <p:spPr>
-          <a:xfrm>
-            <a:off x="1510145" y="2369129"/>
-            <a:ext cx="1524001" cy="665018"/>
-          </a:xfrm>
-          <a:prstGeom prst="rect">
-            <a:avLst/>
-          </a:prstGeom>
-          <a:solidFill>
-            <a:schemeClr val="bg1">
-              <a:lumMod val="95000"/>
-            </a:schemeClr>
-          </a:solidFill>
-          <a:ln w="38100">
-            <a:solidFill>
-              <a:schemeClr val="bg2">
-                <a:lumMod val="50000"/>
-                <a:alpha val="80030"/>
-              </a:schemeClr>
-            </a:solidFill>
-          </a:ln>
-        </p:spPr>
-        <p:style>
-          <a:lnRef idx="2">
-            <a:schemeClr val="accent1">
-              <a:shade val="50000"/>
-            </a:schemeClr>
-          </a:lnRef>
-          <a:fillRef idx="1">
-            <a:schemeClr val="accent1"/>
-          </a:fillRef>
-          <a:effectRef idx="0">
-            <a:schemeClr val="accent1"/>
-          </a:effectRef>
-          <a:fontRef idx="minor">
-            <a:schemeClr val="lt1"/>
-          </a:fontRef>
-        </p:style>
-        <p:txBody>
-          <a:bodyPr rtlCol="0" anchor="ctr"/>
-          <a:lstStyle/>
-          <a:p>
-            <a:pPr algn="ctr"/>
-            <a:r>
-              <a:rPr lang="en-US" sz="2000" dirty="0">
-                <a:solidFill>
-                  <a:schemeClr val="tx1">
-                    <a:lumMod val="85000"/>
-                    <a:lumOff val="15000"/>
-                  </a:schemeClr>
-                </a:solidFill>
-              </a:rPr>
-              <a:t>Role</a:t>
-            </a:r>
-          </a:p>
-        </p:txBody>
-      </p:sp>
-      <p:sp>
-        <p:nvSpPr>
-          <p:cNvPr id="6" name="Rectangle 5">
-            <a:extLst>
-              <a:ext uri="{FF2B5EF4-FFF2-40B4-BE49-F238E27FC236}">
-                <a16:creationId xmlns:a16="http://schemas.microsoft.com/office/drawing/2014/main" id="{292A8187-D086-6241-BD43-8F4A54EACBD1}"/>
-              </a:ext>
-            </a:extLst>
-          </p:cNvPr>
-          <p:cNvSpPr/>
-          <p:nvPr/>
-        </p:nvSpPr>
-        <p:spPr>
-          <a:xfrm>
-            <a:off x="1510142" y="3616039"/>
-            <a:ext cx="1524001" cy="665018"/>
-          </a:xfrm>
-          <a:prstGeom prst="rect">
-            <a:avLst/>
-          </a:prstGeom>
-          <a:solidFill>
-            <a:schemeClr val="bg1">
-              <a:lumMod val="95000"/>
-            </a:schemeClr>
-          </a:solidFill>
-          <a:ln w="38100">
-            <a:solidFill>
-              <a:schemeClr val="bg2">
-                <a:lumMod val="50000"/>
-                <a:alpha val="80030"/>
-              </a:schemeClr>
-            </a:solidFill>
-          </a:ln>
-        </p:spPr>
-        <p:style>
-          <a:lnRef idx="2">
-            <a:schemeClr val="accent1">
-              <a:shade val="50000"/>
-            </a:schemeClr>
-          </a:lnRef>
-          <a:fillRef idx="1">
-            <a:schemeClr val="accent1"/>
-          </a:fillRef>
-          <a:effectRef idx="0">
-            <a:schemeClr val="accent1"/>
-          </a:effectRef>
-          <a:fontRef idx="minor">
-            <a:schemeClr val="lt1"/>
-          </a:fontRef>
-        </p:style>
-        <p:txBody>
-          <a:bodyPr rtlCol="0" anchor="ctr"/>
-          <a:lstStyle/>
-          <a:p>
-            <a:pPr algn="ctr"/>
-            <a:r>
-              <a:rPr lang="en-US" sz="2000" dirty="0">
-                <a:solidFill>
-                  <a:schemeClr val="tx1">
-                    <a:lumMod val="85000"/>
-                    <a:lumOff val="15000"/>
-                  </a:schemeClr>
-                </a:solidFill>
-              </a:rPr>
-              <a:t>Permission</a:t>
-            </a:r>
-          </a:p>
-        </p:txBody>
-      </p:sp>
-      <p:sp>
-        <p:nvSpPr>
           <p:cNvPr id="7" name="Rectangle 6">
             <a:extLst>
               <a:ext uri="{FF2B5EF4-FFF2-40B4-BE49-F238E27FC236}">
@@ -3913,192 +3709,6 @@
               </a:rPr>
               <a:t>Capability</a:t>
             </a:r>
-          </a:p>
-        </p:txBody>
-      </p:sp>
-      <p:sp>
-        <p:nvSpPr>
-          <p:cNvPr id="15" name="Down Arrow 14">
-            <a:extLst>
-              <a:ext uri="{FF2B5EF4-FFF2-40B4-BE49-F238E27FC236}">
-                <a16:creationId xmlns:a16="http://schemas.microsoft.com/office/drawing/2014/main" id="{03FE2F9B-D768-9846-AF7E-C97F162AF435}"/>
-              </a:ext>
-            </a:extLst>
-          </p:cNvPr>
-          <p:cNvSpPr/>
-          <p:nvPr/>
-        </p:nvSpPr>
-        <p:spPr>
-          <a:xfrm>
-            <a:off x="2191459" y="1787237"/>
-            <a:ext cx="161365" cy="581892"/>
-          </a:xfrm>
-          <a:prstGeom prst="downArrow">
-            <a:avLst>
-              <a:gd name="adj1" fmla="val 50000"/>
-              <a:gd name="adj2" fmla="val 129998"/>
-            </a:avLst>
-          </a:prstGeom>
-          <a:solidFill>
-            <a:schemeClr val="bg1">
-              <a:lumMod val="95000"/>
-            </a:schemeClr>
-          </a:solidFill>
-          <a:ln>
-            <a:solidFill>
-              <a:schemeClr val="bg2">
-                <a:lumMod val="50000"/>
-                <a:alpha val="80030"/>
-              </a:schemeClr>
-            </a:solidFill>
-          </a:ln>
-        </p:spPr>
-        <p:style>
-          <a:lnRef idx="2">
-            <a:schemeClr val="accent1">
-              <a:shade val="50000"/>
-            </a:schemeClr>
-          </a:lnRef>
-          <a:fillRef idx="1">
-            <a:schemeClr val="accent1"/>
-          </a:fillRef>
-          <a:effectRef idx="0">
-            <a:schemeClr val="accent1"/>
-          </a:effectRef>
-          <a:fontRef idx="minor">
-            <a:schemeClr val="lt1"/>
-          </a:fontRef>
-        </p:style>
-        <p:txBody>
-          <a:bodyPr rtlCol="0" anchor="ctr"/>
-          <a:lstStyle/>
-          <a:p>
-            <a:pPr algn="ctr"/>
-            <a:endParaRPr lang="en-US"/>
-          </a:p>
-        </p:txBody>
-      </p:sp>
-      <p:sp>
-        <p:nvSpPr>
-          <p:cNvPr id="17" name="Down Arrow 16">
-            <a:extLst>
-              <a:ext uri="{FF2B5EF4-FFF2-40B4-BE49-F238E27FC236}">
-                <a16:creationId xmlns:a16="http://schemas.microsoft.com/office/drawing/2014/main" id="{79138125-78FD-2843-9EDB-DB6D8C3820EA}"/>
-              </a:ext>
-            </a:extLst>
-          </p:cNvPr>
-          <p:cNvSpPr/>
-          <p:nvPr/>
-        </p:nvSpPr>
-        <p:spPr>
-          <a:xfrm>
-            <a:off x="2191458" y="4281057"/>
-            <a:ext cx="161365" cy="581892"/>
-          </a:xfrm>
-          <a:prstGeom prst="downArrow">
-            <a:avLst>
-              <a:gd name="adj1" fmla="val 50000"/>
-              <a:gd name="adj2" fmla="val 129998"/>
-            </a:avLst>
-          </a:prstGeom>
-          <a:solidFill>
-            <a:schemeClr val="bg1">
-              <a:lumMod val="95000"/>
-            </a:schemeClr>
-          </a:solidFill>
-          <a:ln>
-            <a:solidFill>
-              <a:schemeClr val="bg2">
-                <a:lumMod val="50000"/>
-                <a:alpha val="80030"/>
-              </a:schemeClr>
-            </a:solidFill>
-          </a:ln>
-        </p:spPr>
-        <p:style>
-          <a:lnRef idx="2">
-            <a:schemeClr val="accent1">
-              <a:shade val="50000"/>
-            </a:schemeClr>
-          </a:lnRef>
-          <a:fillRef idx="1">
-            <a:schemeClr val="accent1"/>
-          </a:fillRef>
-          <a:effectRef idx="0">
-            <a:schemeClr val="accent1"/>
-          </a:effectRef>
-          <a:fontRef idx="minor">
-            <a:schemeClr val="lt1"/>
-          </a:fontRef>
-        </p:style>
-        <p:txBody>
-          <a:bodyPr rtlCol="0" anchor="ctr"/>
-          <a:lstStyle/>
-          <a:p>
-            <a:pPr algn="ctr"/>
-            <a:endParaRPr lang="en-US"/>
-          </a:p>
-        </p:txBody>
-      </p:sp>
-      <p:sp>
-        <p:nvSpPr>
-          <p:cNvPr id="18" name="Down Arrow 17">
-            <a:extLst>
-              <a:ext uri="{FF2B5EF4-FFF2-40B4-BE49-F238E27FC236}">
-                <a16:creationId xmlns:a16="http://schemas.microsoft.com/office/drawing/2014/main" id="{A8DAD2EC-3E9B-E942-96A2-159C54469EE2}"/>
-              </a:ext>
-            </a:extLst>
-          </p:cNvPr>
-          <p:cNvSpPr/>
-          <p:nvPr/>
-        </p:nvSpPr>
-        <p:spPr>
-          <a:xfrm>
-            <a:off x="2191459" y="3029199"/>
-            <a:ext cx="161365" cy="581892"/>
-          </a:xfrm>
-          <a:prstGeom prst="downArrow">
-            <a:avLst>
-              <a:gd name="adj1" fmla="val 50000"/>
-              <a:gd name="adj2" fmla="val 129998"/>
-            </a:avLst>
-          </a:prstGeom>
-          <a:solidFill>
-            <a:schemeClr val="bg1">
-              <a:lumMod val="95000"/>
-            </a:schemeClr>
-          </a:solidFill>
-          <a:ln>
-            <a:solidFill>
-              <a:schemeClr val="bg2">
-                <a:lumMod val="50000"/>
-                <a:alpha val="80030"/>
-              </a:schemeClr>
-            </a:solidFill>
-          </a:ln>
-        </p:spPr>
-        <p:style>
-          <a:lnRef idx="2">
-            <a:schemeClr val="accent1">
-              <a:shade val="50000"/>
-            </a:schemeClr>
-          </a:lnRef>
-          <a:fillRef idx="1">
-            <a:schemeClr val="accent1"/>
-          </a:fillRef>
-          <a:effectRef idx="0">
-            <a:schemeClr val="accent1"/>
-          </a:effectRef>
-          <a:fontRef idx="minor">
-            <a:schemeClr val="lt1"/>
-          </a:fontRef>
-        </p:style>
-        <p:txBody>
-          <a:bodyPr rtlCol="0" anchor="ctr"/>
-          <a:lstStyle/>
-          <a:p>
-            <a:pPr algn="ctr"/>
-            <a:endParaRPr lang="en-US"/>
           </a:p>
         </p:txBody>
       </p:sp>
@@ -4134,10 +3744,10 @@
       </p:grpSpPr>
       <p:sp>
         <p:nvSpPr>
-          <p:cNvPr id="11" name="Rectangle 10">
-            <a:extLst>
-              <a:ext uri="{FF2B5EF4-FFF2-40B4-BE49-F238E27FC236}">
-                <a16:creationId xmlns:a16="http://schemas.microsoft.com/office/drawing/2014/main" id="{F5DFF4CB-98E1-FF48-A069-97B4154B328B}"/>
+          <p:cNvPr id="6" name="Rectangle 5">
+            <a:extLst>
+              <a:ext uri="{FF2B5EF4-FFF2-40B4-BE49-F238E27FC236}">
+                <a16:creationId xmlns:a16="http://schemas.microsoft.com/office/drawing/2014/main" id="{292A8187-D086-6241-BD43-8F4A54EACBD1}"/>
               </a:ext>
             </a:extLst>
           </p:cNvPr>
@@ -4146,7 +3756,7 @@
         </p:nvSpPr>
         <p:spPr>
           <a:xfrm>
-            <a:off x="1752176" y="2632947"/>
+            <a:off x="1510142" y="3616039"/>
             <a:ext cx="1524001" cy="665018"/>
           </a:xfrm>
           <a:prstGeom prst="rect">
@@ -4155,606 +3765,13 @@
           <a:solidFill>
             <a:schemeClr val="bg1">
               <a:lumMod val="95000"/>
-              <a:alpha val="79584"/>
             </a:schemeClr>
           </a:solidFill>
           <a:ln w="38100">
             <a:solidFill>
               <a:schemeClr val="bg2">
                 <a:lumMod val="50000"/>
-              </a:schemeClr>
-            </a:solidFill>
-          </a:ln>
-        </p:spPr>
-        <p:style>
-          <a:lnRef idx="2">
-            <a:schemeClr val="accent1">
-              <a:shade val="50000"/>
-            </a:schemeClr>
-          </a:lnRef>
-          <a:fillRef idx="1">
-            <a:schemeClr val="accent1"/>
-          </a:fillRef>
-          <a:effectRef idx="0">
-            <a:schemeClr val="accent1"/>
-          </a:effectRef>
-          <a:fontRef idx="minor">
-            <a:schemeClr val="lt1"/>
-          </a:fontRef>
-        </p:style>
-        <p:txBody>
-          <a:bodyPr rtlCol="0" anchor="ctr"/>
-          <a:lstStyle/>
-          <a:p>
-            <a:pPr algn="ctr"/>
-            <a:r>
-              <a:rPr lang="en-US" sz="2000" dirty="0">
-                <a:solidFill>
-                  <a:schemeClr val="tx1">
-                    <a:lumMod val="85000"/>
-                    <a:lumOff val="15000"/>
-                  </a:schemeClr>
-                </a:solidFill>
-              </a:rPr>
-              <a:t>Role</a:t>
-            </a:r>
-          </a:p>
-        </p:txBody>
-      </p:sp>
-      <p:sp>
-        <p:nvSpPr>
-          <p:cNvPr id="14" name="Down Arrow 13">
-            <a:extLst>
-              <a:ext uri="{FF2B5EF4-FFF2-40B4-BE49-F238E27FC236}">
-                <a16:creationId xmlns:a16="http://schemas.microsoft.com/office/drawing/2014/main" id="{7401979E-EFD4-3B4A-B5AE-34BF68CA615C}"/>
-              </a:ext>
-            </a:extLst>
-          </p:cNvPr>
-          <p:cNvSpPr/>
-          <p:nvPr/>
-        </p:nvSpPr>
-        <p:spPr>
-          <a:xfrm rot="20675198">
-            <a:off x="2302962" y="1764165"/>
-            <a:ext cx="161365" cy="888316"/>
-          </a:xfrm>
-          <a:prstGeom prst="downArrow">
-            <a:avLst>
-              <a:gd name="adj1" fmla="val 50000"/>
-              <a:gd name="adj2" fmla="val 129998"/>
-            </a:avLst>
-          </a:prstGeom>
-          <a:solidFill>
-            <a:schemeClr val="bg1">
-              <a:lumMod val="95000"/>
-              <a:alpha val="79584"/>
-            </a:schemeClr>
-          </a:solidFill>
-          <a:ln>
-            <a:solidFill>
-              <a:schemeClr val="bg2">
-                <a:lumMod val="50000"/>
-              </a:schemeClr>
-            </a:solidFill>
-          </a:ln>
-        </p:spPr>
-        <p:style>
-          <a:lnRef idx="2">
-            <a:schemeClr val="accent1">
-              <a:shade val="50000"/>
-            </a:schemeClr>
-          </a:lnRef>
-          <a:fillRef idx="1">
-            <a:schemeClr val="accent1"/>
-          </a:fillRef>
-          <a:effectRef idx="0">
-            <a:schemeClr val="accent1"/>
-          </a:effectRef>
-          <a:fontRef idx="minor">
-            <a:schemeClr val="lt1"/>
-          </a:fontRef>
-        </p:style>
-        <p:txBody>
-          <a:bodyPr rtlCol="0" anchor="ctr"/>
-          <a:lstStyle/>
-          <a:p>
-            <a:pPr algn="ctr"/>
-            <a:endParaRPr lang="en-US"/>
-          </a:p>
-        </p:txBody>
-      </p:sp>
-      <p:sp>
-        <p:nvSpPr>
-          <p:cNvPr id="10" name="Rectangle 9">
-            <a:extLst>
-              <a:ext uri="{FF2B5EF4-FFF2-40B4-BE49-F238E27FC236}">
-                <a16:creationId xmlns:a16="http://schemas.microsoft.com/office/drawing/2014/main" id="{B7F1EEC2-724B-1848-91A6-1DFD50EBDEE6}"/>
-              </a:ext>
-            </a:extLst>
-          </p:cNvPr>
-          <p:cNvSpPr/>
-          <p:nvPr/>
-        </p:nvSpPr>
-        <p:spPr>
-          <a:xfrm>
-            <a:off x="1671499" y="2545007"/>
-            <a:ext cx="1524001" cy="665018"/>
-          </a:xfrm>
-          <a:prstGeom prst="rect">
-            <a:avLst/>
-          </a:prstGeom>
-          <a:solidFill>
-            <a:schemeClr val="bg1">
-              <a:lumMod val="95000"/>
-              <a:alpha val="79584"/>
-            </a:schemeClr>
-          </a:solidFill>
-          <a:ln w="38100">
-            <a:solidFill>
-              <a:schemeClr val="bg2">
-                <a:lumMod val="50000"/>
-              </a:schemeClr>
-            </a:solidFill>
-          </a:ln>
-        </p:spPr>
-        <p:style>
-          <a:lnRef idx="2">
-            <a:schemeClr val="accent1">
-              <a:shade val="50000"/>
-            </a:schemeClr>
-          </a:lnRef>
-          <a:fillRef idx="1">
-            <a:schemeClr val="accent1"/>
-          </a:fillRef>
-          <a:effectRef idx="0">
-            <a:schemeClr val="accent1"/>
-          </a:effectRef>
-          <a:fontRef idx="minor">
-            <a:schemeClr val="lt1"/>
-          </a:fontRef>
-        </p:style>
-        <p:txBody>
-          <a:bodyPr rtlCol="0" anchor="ctr"/>
-          <a:lstStyle/>
-          <a:p>
-            <a:pPr algn="ctr"/>
-            <a:r>
-              <a:rPr lang="en-US" sz="2000" dirty="0">
-                <a:solidFill>
-                  <a:schemeClr val="tx1">
-                    <a:lumMod val="85000"/>
-                    <a:lumOff val="15000"/>
-                  </a:schemeClr>
-                </a:solidFill>
-              </a:rPr>
-              <a:t>Role</a:t>
-            </a:r>
-          </a:p>
-        </p:txBody>
-      </p:sp>
-      <p:sp>
-        <p:nvSpPr>
-          <p:cNvPr id="13" name="Down Arrow 12">
-            <a:extLst>
-              <a:ext uri="{FF2B5EF4-FFF2-40B4-BE49-F238E27FC236}">
-                <a16:creationId xmlns:a16="http://schemas.microsoft.com/office/drawing/2014/main" id="{B4CDB232-AE9B-3D4F-B146-8B666553560E}"/>
-              </a:ext>
-            </a:extLst>
-          </p:cNvPr>
-          <p:cNvSpPr/>
-          <p:nvPr/>
-        </p:nvSpPr>
-        <p:spPr>
-          <a:xfrm rot="21000000">
-            <a:off x="2264270" y="1772155"/>
-            <a:ext cx="161365" cy="772627"/>
-          </a:xfrm>
-          <a:prstGeom prst="downArrow">
-            <a:avLst>
-              <a:gd name="adj1" fmla="val 50000"/>
-              <a:gd name="adj2" fmla="val 129998"/>
-            </a:avLst>
-          </a:prstGeom>
-          <a:solidFill>
-            <a:schemeClr val="bg1">
-              <a:lumMod val="95000"/>
-              <a:alpha val="79584"/>
-            </a:schemeClr>
-          </a:solidFill>
-          <a:ln>
-            <a:solidFill>
-              <a:schemeClr val="bg2">
-                <a:lumMod val="50000"/>
-              </a:schemeClr>
-            </a:solidFill>
-          </a:ln>
-        </p:spPr>
-        <p:style>
-          <a:lnRef idx="2">
-            <a:schemeClr val="accent1">
-              <a:shade val="50000"/>
-            </a:schemeClr>
-          </a:lnRef>
-          <a:fillRef idx="1">
-            <a:schemeClr val="accent1"/>
-          </a:fillRef>
-          <a:effectRef idx="0">
-            <a:schemeClr val="accent1"/>
-          </a:effectRef>
-          <a:fontRef idx="minor">
-            <a:schemeClr val="lt1"/>
-          </a:fontRef>
-        </p:style>
-        <p:txBody>
-          <a:bodyPr rtlCol="0" anchor="ctr"/>
-          <a:lstStyle/>
-          <a:p>
-            <a:pPr algn="ctr"/>
-            <a:endParaRPr lang="en-US"/>
-          </a:p>
-        </p:txBody>
-      </p:sp>
-      <p:sp>
-        <p:nvSpPr>
-          <p:cNvPr id="9" name="Rectangle 8">
-            <a:extLst>
-              <a:ext uri="{FF2B5EF4-FFF2-40B4-BE49-F238E27FC236}">
-                <a16:creationId xmlns:a16="http://schemas.microsoft.com/office/drawing/2014/main" id="{6F7D0253-8737-834F-8F03-1696179FCA7C}"/>
-              </a:ext>
-            </a:extLst>
-          </p:cNvPr>
-          <p:cNvSpPr/>
-          <p:nvPr/>
-        </p:nvSpPr>
-        <p:spPr>
-          <a:xfrm>
-            <a:off x="1590822" y="2457068"/>
-            <a:ext cx="1524001" cy="665018"/>
-          </a:xfrm>
-          <a:prstGeom prst="rect">
-            <a:avLst/>
-          </a:prstGeom>
-          <a:solidFill>
-            <a:schemeClr val="bg1">
-              <a:lumMod val="95000"/>
-              <a:alpha val="79584"/>
-            </a:schemeClr>
-          </a:solidFill>
-          <a:ln w="38100">
-            <a:solidFill>
-              <a:schemeClr val="bg2">
-                <a:lumMod val="50000"/>
-              </a:schemeClr>
-            </a:solidFill>
-          </a:ln>
-        </p:spPr>
-        <p:style>
-          <a:lnRef idx="2">
-            <a:schemeClr val="accent1">
-              <a:shade val="50000"/>
-            </a:schemeClr>
-          </a:lnRef>
-          <a:fillRef idx="1">
-            <a:schemeClr val="accent1"/>
-          </a:fillRef>
-          <a:effectRef idx="0">
-            <a:schemeClr val="accent1"/>
-          </a:effectRef>
-          <a:fontRef idx="minor">
-            <a:schemeClr val="lt1"/>
-          </a:fontRef>
-        </p:style>
-        <p:txBody>
-          <a:bodyPr rtlCol="0" anchor="ctr"/>
-          <a:lstStyle/>
-          <a:p>
-            <a:pPr algn="ctr"/>
-            <a:r>
-              <a:rPr lang="en-US" sz="2000" dirty="0">
-                <a:solidFill>
-                  <a:schemeClr val="tx1">
-                    <a:lumMod val="85000"/>
-                    <a:lumOff val="15000"/>
-                  </a:schemeClr>
-                </a:solidFill>
-              </a:rPr>
-              <a:t>Role</a:t>
-            </a:r>
-          </a:p>
-        </p:txBody>
-      </p:sp>
-      <p:sp>
-        <p:nvSpPr>
-          <p:cNvPr id="12" name="Down Arrow 11">
-            <a:extLst>
-              <a:ext uri="{FF2B5EF4-FFF2-40B4-BE49-F238E27FC236}">
-                <a16:creationId xmlns:a16="http://schemas.microsoft.com/office/drawing/2014/main" id="{6CFDBBEA-1C60-B94C-BA5B-0530357207B3}"/>
-              </a:ext>
-            </a:extLst>
-          </p:cNvPr>
-          <p:cNvSpPr/>
-          <p:nvPr/>
-        </p:nvSpPr>
-        <p:spPr>
-          <a:xfrm rot="21300000">
-            <a:off x="2216826" y="1778094"/>
-            <a:ext cx="161365" cy="672768"/>
-          </a:xfrm>
-          <a:prstGeom prst="downArrow">
-            <a:avLst>
-              <a:gd name="adj1" fmla="val 50000"/>
-              <a:gd name="adj2" fmla="val 129998"/>
-            </a:avLst>
-          </a:prstGeom>
-          <a:solidFill>
-            <a:schemeClr val="bg1">
-              <a:lumMod val="95000"/>
-              <a:alpha val="79584"/>
-            </a:schemeClr>
-          </a:solidFill>
-          <a:ln>
-            <a:solidFill>
-              <a:schemeClr val="bg2">
-                <a:lumMod val="50000"/>
-              </a:schemeClr>
-            </a:solidFill>
-          </a:ln>
-        </p:spPr>
-        <p:style>
-          <a:lnRef idx="2">
-            <a:schemeClr val="accent1">
-              <a:shade val="50000"/>
-            </a:schemeClr>
-          </a:lnRef>
-          <a:fillRef idx="1">
-            <a:schemeClr val="accent1"/>
-          </a:fillRef>
-          <a:effectRef idx="0">
-            <a:schemeClr val="accent1"/>
-          </a:effectRef>
-          <a:fontRef idx="minor">
-            <a:schemeClr val="lt1"/>
-          </a:fontRef>
-        </p:style>
-        <p:txBody>
-          <a:bodyPr rtlCol="0" anchor="ctr"/>
-          <a:lstStyle/>
-          <a:p>
-            <a:pPr algn="ctr"/>
-            <a:endParaRPr lang="en-US"/>
-          </a:p>
-        </p:txBody>
-      </p:sp>
-      <p:sp>
-        <p:nvSpPr>
-          <p:cNvPr id="2" name="Rectangle 1">
-            <a:extLst>
-              <a:ext uri="{FF2B5EF4-FFF2-40B4-BE49-F238E27FC236}">
-                <a16:creationId xmlns:a16="http://schemas.microsoft.com/office/drawing/2014/main" id="{9B7387F5-ACA9-7141-97D3-A62F3221BA74}"/>
-              </a:ext>
-            </a:extLst>
-          </p:cNvPr>
-          <p:cNvSpPr/>
-          <p:nvPr/>
-        </p:nvSpPr>
-        <p:spPr>
-          <a:xfrm>
-            <a:off x="1510145" y="1122219"/>
-            <a:ext cx="1524001" cy="665018"/>
-          </a:xfrm>
-          <a:prstGeom prst="rect">
-            <a:avLst/>
-          </a:prstGeom>
-          <a:solidFill>
-            <a:schemeClr val="bg1">
-              <a:lumMod val="95000"/>
-              <a:alpha val="79584"/>
-            </a:schemeClr>
-          </a:solidFill>
-          <a:ln w="38100">
-            <a:solidFill>
-              <a:schemeClr val="bg2">
-                <a:lumMod val="50000"/>
-              </a:schemeClr>
-            </a:solidFill>
-          </a:ln>
-        </p:spPr>
-        <p:style>
-          <a:lnRef idx="2">
-            <a:schemeClr val="accent1">
-              <a:shade val="50000"/>
-            </a:schemeClr>
-          </a:lnRef>
-          <a:fillRef idx="1">
-            <a:schemeClr val="accent1"/>
-          </a:fillRef>
-          <a:effectRef idx="0">
-            <a:schemeClr val="accent1"/>
-          </a:effectRef>
-          <a:fontRef idx="minor">
-            <a:schemeClr val="lt1"/>
-          </a:fontRef>
-        </p:style>
-        <p:txBody>
-          <a:bodyPr rtlCol="0" anchor="ctr"/>
-          <a:lstStyle/>
-          <a:p>
-            <a:pPr algn="ctr"/>
-            <a:r>
-              <a:rPr lang="en-US" sz="2000" dirty="0">
-                <a:solidFill>
-                  <a:schemeClr val="tx1">
-                    <a:lumMod val="85000"/>
-                    <a:lumOff val="15000"/>
-                  </a:schemeClr>
-                </a:solidFill>
-              </a:rPr>
-              <a:t>User</a:t>
-            </a:r>
-          </a:p>
-        </p:txBody>
-      </p:sp>
-      <p:sp>
-        <p:nvSpPr>
-          <p:cNvPr id="5" name="Rectangle 4">
-            <a:extLst>
-              <a:ext uri="{FF2B5EF4-FFF2-40B4-BE49-F238E27FC236}">
-                <a16:creationId xmlns:a16="http://schemas.microsoft.com/office/drawing/2014/main" id="{D1CCEEB6-0FB9-4C4E-A7F2-C6729B9FC8EA}"/>
-              </a:ext>
-            </a:extLst>
-          </p:cNvPr>
-          <p:cNvSpPr/>
-          <p:nvPr/>
-        </p:nvSpPr>
-        <p:spPr>
-          <a:xfrm>
-            <a:off x="1510145" y="2369129"/>
-            <a:ext cx="1524001" cy="665018"/>
-          </a:xfrm>
-          <a:prstGeom prst="rect">
-            <a:avLst/>
-          </a:prstGeom>
-          <a:solidFill>
-            <a:schemeClr val="bg1">
-              <a:lumMod val="95000"/>
-              <a:alpha val="79584"/>
-            </a:schemeClr>
-          </a:solidFill>
-          <a:ln w="38100">
-            <a:solidFill>
-              <a:schemeClr val="bg2">
-                <a:lumMod val="50000"/>
-              </a:schemeClr>
-            </a:solidFill>
-          </a:ln>
-        </p:spPr>
-        <p:style>
-          <a:lnRef idx="2">
-            <a:schemeClr val="accent1">
-              <a:shade val="50000"/>
-            </a:schemeClr>
-          </a:lnRef>
-          <a:fillRef idx="1">
-            <a:schemeClr val="accent1"/>
-          </a:fillRef>
-          <a:effectRef idx="0">
-            <a:schemeClr val="accent1"/>
-          </a:effectRef>
-          <a:fontRef idx="minor">
-            <a:schemeClr val="lt1"/>
-          </a:fontRef>
-        </p:style>
-        <p:txBody>
-          <a:bodyPr rtlCol="0" anchor="ctr"/>
-          <a:lstStyle/>
-          <a:p>
-            <a:pPr algn="ctr"/>
-            <a:r>
-              <a:rPr lang="en-US" sz="2000" dirty="0">
-                <a:solidFill>
-                  <a:schemeClr val="tx1">
-                    <a:lumMod val="85000"/>
-                    <a:lumOff val="15000"/>
-                  </a:schemeClr>
-                </a:solidFill>
-              </a:rPr>
-              <a:t>Role</a:t>
-            </a:r>
-          </a:p>
-        </p:txBody>
-      </p:sp>
-      <p:sp>
-        <p:nvSpPr>
-          <p:cNvPr id="15" name="Down Arrow 14">
-            <a:extLst>
-              <a:ext uri="{FF2B5EF4-FFF2-40B4-BE49-F238E27FC236}">
-                <a16:creationId xmlns:a16="http://schemas.microsoft.com/office/drawing/2014/main" id="{03FE2F9B-D768-9846-AF7E-C97F162AF435}"/>
-              </a:ext>
-            </a:extLst>
-          </p:cNvPr>
-          <p:cNvSpPr/>
-          <p:nvPr/>
-        </p:nvSpPr>
-        <p:spPr>
-          <a:xfrm>
-            <a:off x="2191459" y="1787237"/>
-            <a:ext cx="161365" cy="581892"/>
-          </a:xfrm>
-          <a:prstGeom prst="downArrow">
-            <a:avLst>
-              <a:gd name="adj1" fmla="val 50000"/>
-              <a:gd name="adj2" fmla="val 129998"/>
-            </a:avLst>
-          </a:prstGeom>
-          <a:solidFill>
-            <a:schemeClr val="bg1">
-              <a:lumMod val="95000"/>
-              <a:alpha val="79584"/>
-            </a:schemeClr>
-          </a:solidFill>
-          <a:ln>
-            <a:solidFill>
-              <a:schemeClr val="bg2">
-                <a:lumMod val="50000"/>
-              </a:schemeClr>
-            </a:solidFill>
-          </a:ln>
-        </p:spPr>
-        <p:style>
-          <a:lnRef idx="2">
-            <a:schemeClr val="accent1">
-              <a:shade val="50000"/>
-            </a:schemeClr>
-          </a:lnRef>
-          <a:fillRef idx="1">
-            <a:schemeClr val="accent1"/>
-          </a:fillRef>
-          <a:effectRef idx="0">
-            <a:schemeClr val="accent1"/>
-          </a:effectRef>
-          <a:fontRef idx="minor">
-            <a:schemeClr val="lt1"/>
-          </a:fontRef>
-        </p:style>
-        <p:txBody>
-          <a:bodyPr rtlCol="0" anchor="ctr"/>
-          <a:lstStyle/>
-          <a:p>
-            <a:pPr algn="ctr"/>
-            <a:endParaRPr lang="en-US"/>
-          </a:p>
-        </p:txBody>
-      </p:sp>
-      <p:sp>
-        <p:nvSpPr>
-          <p:cNvPr id="6" name="Rectangle 5">
-            <a:extLst>
-              <a:ext uri="{FF2B5EF4-FFF2-40B4-BE49-F238E27FC236}">
-                <a16:creationId xmlns:a16="http://schemas.microsoft.com/office/drawing/2014/main" id="{292A8187-D086-6241-BD43-8F4A54EACBD1}"/>
-              </a:ext>
-            </a:extLst>
-          </p:cNvPr>
-          <p:cNvSpPr/>
-          <p:nvPr/>
-        </p:nvSpPr>
-        <p:spPr>
-          <a:xfrm>
-            <a:off x="1510142" y="3616039"/>
-            <a:ext cx="1524001" cy="665018"/>
-          </a:xfrm>
-          <a:prstGeom prst="rect">
-            <a:avLst/>
-          </a:prstGeom>
-          <a:solidFill>
-            <a:schemeClr val="bg1">
-              <a:lumMod val="95000"/>
-              <a:alpha val="79584"/>
-            </a:schemeClr>
-          </a:solidFill>
-          <a:ln w="38100">
-            <a:solidFill>
-              <a:schemeClr val="bg2">
-                <a:lumMod val="50000"/>
+                <a:alpha val="80030"/>
               </a:schemeClr>
             </a:solidFill>
           </a:ln>
@@ -4796,68 +3813,6 @@
       </p:sp>
       <p:sp>
         <p:nvSpPr>
-          <p:cNvPr id="18" name="Down Arrow 17">
-            <a:extLst>
-              <a:ext uri="{FF2B5EF4-FFF2-40B4-BE49-F238E27FC236}">
-                <a16:creationId xmlns:a16="http://schemas.microsoft.com/office/drawing/2014/main" id="{A8DAD2EC-3E9B-E942-96A2-159C54469EE2}"/>
-              </a:ext>
-            </a:extLst>
-          </p:cNvPr>
-          <p:cNvSpPr/>
-          <p:nvPr/>
-        </p:nvSpPr>
-        <p:spPr>
-          <a:xfrm>
-            <a:off x="2191459" y="3029199"/>
-            <a:ext cx="161365" cy="581892"/>
-          </a:xfrm>
-          <a:prstGeom prst="downArrow">
-            <a:avLst>
-              <a:gd name="adj1" fmla="val 50000"/>
-              <a:gd name="adj2" fmla="val 129998"/>
-            </a:avLst>
-          </a:prstGeom>
-          <a:solidFill>
-            <a:schemeClr val="bg1">
-              <a:lumMod val="95000"/>
-              <a:alpha val="79584"/>
-            </a:schemeClr>
-          </a:solidFill>
-          <a:ln>
-            <a:solidFill>
-              <a:schemeClr val="bg2">
-                <a:lumMod val="50000"/>
-              </a:schemeClr>
-            </a:solidFill>
-          </a:ln>
-        </p:spPr>
-        <p:style>
-          <a:lnRef idx="2">
-            <a:schemeClr val="accent1">
-              <a:shade val="50000"/>
-            </a:schemeClr>
-          </a:lnRef>
-          <a:fillRef idx="1">
-            <a:schemeClr val="accent1"/>
-          </a:fillRef>
-          <a:effectRef idx="0">
-            <a:schemeClr val="accent1"/>
-          </a:effectRef>
-          <a:fontRef idx="minor">
-            <a:schemeClr val="lt1"/>
-          </a:fontRef>
-        </p:style>
-        <p:txBody>
-          <a:bodyPr rtlCol="0" anchor="ctr"/>
-          <a:lstStyle/>
-          <a:p>
-            <a:pPr algn="ctr"/>
-            <a:endParaRPr lang="en-US"/>
-          </a:p>
-        </p:txBody>
-      </p:sp>
-      <p:sp>
-        <p:nvSpPr>
           <p:cNvPr id="7" name="Rectangle 6">
             <a:extLst>
               <a:ext uri="{FF2B5EF4-FFF2-40B4-BE49-F238E27FC236}">
@@ -4879,13 +3834,13 @@
           <a:solidFill>
             <a:schemeClr val="bg1">
               <a:lumMod val="95000"/>
-              <a:alpha val="79584"/>
             </a:schemeClr>
           </a:solidFill>
           <a:ln w="38100">
             <a:solidFill>
               <a:schemeClr val="bg2">
                 <a:lumMod val="50000"/>
+                <a:alpha val="80030"/>
               </a:schemeClr>
             </a:solidFill>
           </a:ln>
@@ -4951,13 +3906,13 @@
           <a:solidFill>
             <a:schemeClr val="bg1">
               <a:lumMod val="95000"/>
-              <a:alpha val="79584"/>
             </a:schemeClr>
           </a:solidFill>
           <a:ln>
             <a:solidFill>
               <a:schemeClr val="bg2">
                 <a:lumMod val="50000"/>
+                <a:alpha val="80030"/>
               </a:schemeClr>
             </a:solidFill>
           </a:ln>
@@ -4990,7 +3945,7 @@
     </p:spTree>
     <p:extLst>
       <p:ext uri="{BB962C8B-B14F-4D97-AF65-F5344CB8AC3E}">
-        <p14:creationId xmlns:p14="http://schemas.microsoft.com/office/powerpoint/2010/main" val="3840253160"/>
+        <p14:creationId xmlns:p14="http://schemas.microsoft.com/office/powerpoint/2010/main" val="674908156"/>
       </p:ext>
     </p:extLst>
   </p:cSld>
@@ -5019,6 +3974,1744 @@
       </p:grpSpPr>
       <p:sp>
         <p:nvSpPr>
+          <p:cNvPr id="5" name="Rectangle 4">
+            <a:extLst>
+              <a:ext uri="{FF2B5EF4-FFF2-40B4-BE49-F238E27FC236}">
+                <a16:creationId xmlns:a16="http://schemas.microsoft.com/office/drawing/2014/main" id="{D1CCEEB6-0FB9-4C4E-A7F2-C6729B9FC8EA}"/>
+              </a:ext>
+            </a:extLst>
+          </p:cNvPr>
+          <p:cNvSpPr/>
+          <p:nvPr/>
+        </p:nvSpPr>
+        <p:spPr>
+          <a:xfrm>
+            <a:off x="1510145" y="2369129"/>
+            <a:ext cx="1524001" cy="665018"/>
+          </a:xfrm>
+          <a:prstGeom prst="rect">
+            <a:avLst/>
+          </a:prstGeom>
+          <a:solidFill>
+            <a:schemeClr val="bg1">
+              <a:lumMod val="95000"/>
+            </a:schemeClr>
+          </a:solidFill>
+          <a:ln w="38100">
+            <a:solidFill>
+              <a:schemeClr val="bg2">
+                <a:lumMod val="50000"/>
+                <a:alpha val="80030"/>
+              </a:schemeClr>
+            </a:solidFill>
+          </a:ln>
+        </p:spPr>
+        <p:style>
+          <a:lnRef idx="2">
+            <a:schemeClr val="accent1">
+              <a:shade val="50000"/>
+            </a:schemeClr>
+          </a:lnRef>
+          <a:fillRef idx="1">
+            <a:schemeClr val="accent1"/>
+          </a:fillRef>
+          <a:effectRef idx="0">
+            <a:schemeClr val="accent1"/>
+          </a:effectRef>
+          <a:fontRef idx="minor">
+            <a:schemeClr val="lt1"/>
+          </a:fontRef>
+        </p:style>
+        <p:txBody>
+          <a:bodyPr rtlCol="0" anchor="ctr"/>
+          <a:lstStyle/>
+          <a:p>
+            <a:pPr algn="ctr"/>
+            <a:r>
+              <a:rPr lang="en-US" sz="2000" dirty="0">
+                <a:solidFill>
+                  <a:schemeClr val="tx1">
+                    <a:lumMod val="85000"/>
+                    <a:lumOff val="15000"/>
+                  </a:schemeClr>
+                </a:solidFill>
+              </a:rPr>
+              <a:t>Role</a:t>
+            </a:r>
+          </a:p>
+        </p:txBody>
+      </p:sp>
+      <p:sp>
+        <p:nvSpPr>
+          <p:cNvPr id="6" name="Rectangle 5">
+            <a:extLst>
+              <a:ext uri="{FF2B5EF4-FFF2-40B4-BE49-F238E27FC236}">
+                <a16:creationId xmlns:a16="http://schemas.microsoft.com/office/drawing/2014/main" id="{292A8187-D086-6241-BD43-8F4A54EACBD1}"/>
+              </a:ext>
+            </a:extLst>
+          </p:cNvPr>
+          <p:cNvSpPr/>
+          <p:nvPr/>
+        </p:nvSpPr>
+        <p:spPr>
+          <a:xfrm>
+            <a:off x="1510142" y="3616039"/>
+            <a:ext cx="1524001" cy="665018"/>
+          </a:xfrm>
+          <a:prstGeom prst="rect">
+            <a:avLst/>
+          </a:prstGeom>
+          <a:solidFill>
+            <a:schemeClr val="bg1">
+              <a:lumMod val="95000"/>
+            </a:schemeClr>
+          </a:solidFill>
+          <a:ln w="38100">
+            <a:solidFill>
+              <a:schemeClr val="bg2">
+                <a:lumMod val="50000"/>
+                <a:alpha val="80030"/>
+              </a:schemeClr>
+            </a:solidFill>
+          </a:ln>
+        </p:spPr>
+        <p:style>
+          <a:lnRef idx="2">
+            <a:schemeClr val="accent1">
+              <a:shade val="50000"/>
+            </a:schemeClr>
+          </a:lnRef>
+          <a:fillRef idx="1">
+            <a:schemeClr val="accent1"/>
+          </a:fillRef>
+          <a:effectRef idx="0">
+            <a:schemeClr val="accent1"/>
+          </a:effectRef>
+          <a:fontRef idx="minor">
+            <a:schemeClr val="lt1"/>
+          </a:fontRef>
+        </p:style>
+        <p:txBody>
+          <a:bodyPr rtlCol="0" anchor="ctr"/>
+          <a:lstStyle/>
+          <a:p>
+            <a:pPr algn="ctr"/>
+            <a:r>
+              <a:rPr lang="en-US" sz="2000" dirty="0">
+                <a:solidFill>
+                  <a:schemeClr val="tx1">
+                    <a:lumMod val="85000"/>
+                    <a:lumOff val="15000"/>
+                  </a:schemeClr>
+                </a:solidFill>
+              </a:rPr>
+              <a:t>Permission</a:t>
+            </a:r>
+          </a:p>
+        </p:txBody>
+      </p:sp>
+      <p:sp>
+        <p:nvSpPr>
+          <p:cNvPr id="7" name="Rectangle 6">
+            <a:extLst>
+              <a:ext uri="{FF2B5EF4-FFF2-40B4-BE49-F238E27FC236}">
+                <a16:creationId xmlns:a16="http://schemas.microsoft.com/office/drawing/2014/main" id="{084195EB-CEC7-3642-9E4F-07763E9EF4CC}"/>
+              </a:ext>
+            </a:extLst>
+          </p:cNvPr>
+          <p:cNvSpPr/>
+          <p:nvPr/>
+        </p:nvSpPr>
+        <p:spPr>
+          <a:xfrm>
+            <a:off x="1510142" y="4862949"/>
+            <a:ext cx="1524001" cy="665018"/>
+          </a:xfrm>
+          <a:prstGeom prst="rect">
+            <a:avLst/>
+          </a:prstGeom>
+          <a:solidFill>
+            <a:schemeClr val="bg1">
+              <a:lumMod val="95000"/>
+            </a:schemeClr>
+          </a:solidFill>
+          <a:ln w="38100">
+            <a:solidFill>
+              <a:schemeClr val="bg2">
+                <a:lumMod val="50000"/>
+                <a:alpha val="80030"/>
+              </a:schemeClr>
+            </a:solidFill>
+          </a:ln>
+        </p:spPr>
+        <p:style>
+          <a:lnRef idx="2">
+            <a:schemeClr val="accent1">
+              <a:shade val="50000"/>
+            </a:schemeClr>
+          </a:lnRef>
+          <a:fillRef idx="1">
+            <a:schemeClr val="accent1"/>
+          </a:fillRef>
+          <a:effectRef idx="0">
+            <a:schemeClr val="accent1"/>
+          </a:effectRef>
+          <a:fontRef idx="minor">
+            <a:schemeClr val="lt1"/>
+          </a:fontRef>
+        </p:style>
+        <p:txBody>
+          <a:bodyPr rtlCol="0" anchor="ctr"/>
+          <a:lstStyle/>
+          <a:p>
+            <a:pPr algn="ctr"/>
+            <a:r>
+              <a:rPr lang="en-US" sz="2000" dirty="0">
+                <a:solidFill>
+                  <a:schemeClr val="tx1">
+                    <a:lumMod val="85000"/>
+                    <a:lumOff val="15000"/>
+                  </a:schemeClr>
+                </a:solidFill>
+              </a:rPr>
+              <a:t>Capability</a:t>
+            </a:r>
+          </a:p>
+        </p:txBody>
+      </p:sp>
+      <p:sp>
+        <p:nvSpPr>
+          <p:cNvPr id="17" name="Down Arrow 16">
+            <a:extLst>
+              <a:ext uri="{FF2B5EF4-FFF2-40B4-BE49-F238E27FC236}">
+                <a16:creationId xmlns:a16="http://schemas.microsoft.com/office/drawing/2014/main" id="{79138125-78FD-2843-9EDB-DB6D8C3820EA}"/>
+              </a:ext>
+            </a:extLst>
+          </p:cNvPr>
+          <p:cNvSpPr/>
+          <p:nvPr/>
+        </p:nvSpPr>
+        <p:spPr>
+          <a:xfrm>
+            <a:off x="2191458" y="4281057"/>
+            <a:ext cx="161365" cy="581892"/>
+          </a:xfrm>
+          <a:prstGeom prst="downArrow">
+            <a:avLst>
+              <a:gd name="adj1" fmla="val 50000"/>
+              <a:gd name="adj2" fmla="val 129998"/>
+            </a:avLst>
+          </a:prstGeom>
+          <a:solidFill>
+            <a:schemeClr val="bg1">
+              <a:lumMod val="95000"/>
+            </a:schemeClr>
+          </a:solidFill>
+          <a:ln>
+            <a:solidFill>
+              <a:schemeClr val="bg2">
+                <a:lumMod val="50000"/>
+                <a:alpha val="80030"/>
+              </a:schemeClr>
+            </a:solidFill>
+          </a:ln>
+        </p:spPr>
+        <p:style>
+          <a:lnRef idx="2">
+            <a:schemeClr val="accent1">
+              <a:shade val="50000"/>
+            </a:schemeClr>
+          </a:lnRef>
+          <a:fillRef idx="1">
+            <a:schemeClr val="accent1"/>
+          </a:fillRef>
+          <a:effectRef idx="0">
+            <a:schemeClr val="accent1"/>
+          </a:effectRef>
+          <a:fontRef idx="minor">
+            <a:schemeClr val="lt1"/>
+          </a:fontRef>
+        </p:style>
+        <p:txBody>
+          <a:bodyPr rtlCol="0" anchor="ctr"/>
+          <a:lstStyle/>
+          <a:p>
+            <a:pPr algn="ctr"/>
+            <a:endParaRPr lang="en-US"/>
+          </a:p>
+        </p:txBody>
+      </p:sp>
+      <p:sp>
+        <p:nvSpPr>
+          <p:cNvPr id="18" name="Down Arrow 17">
+            <a:extLst>
+              <a:ext uri="{FF2B5EF4-FFF2-40B4-BE49-F238E27FC236}">
+                <a16:creationId xmlns:a16="http://schemas.microsoft.com/office/drawing/2014/main" id="{A8DAD2EC-3E9B-E942-96A2-159C54469EE2}"/>
+              </a:ext>
+            </a:extLst>
+          </p:cNvPr>
+          <p:cNvSpPr/>
+          <p:nvPr/>
+        </p:nvSpPr>
+        <p:spPr>
+          <a:xfrm>
+            <a:off x="2191459" y="3029199"/>
+            <a:ext cx="161365" cy="581892"/>
+          </a:xfrm>
+          <a:prstGeom prst="downArrow">
+            <a:avLst>
+              <a:gd name="adj1" fmla="val 50000"/>
+              <a:gd name="adj2" fmla="val 129998"/>
+            </a:avLst>
+          </a:prstGeom>
+          <a:solidFill>
+            <a:schemeClr val="bg1">
+              <a:lumMod val="95000"/>
+            </a:schemeClr>
+          </a:solidFill>
+          <a:ln>
+            <a:solidFill>
+              <a:schemeClr val="bg2">
+                <a:lumMod val="50000"/>
+                <a:alpha val="80030"/>
+              </a:schemeClr>
+            </a:solidFill>
+          </a:ln>
+        </p:spPr>
+        <p:style>
+          <a:lnRef idx="2">
+            <a:schemeClr val="accent1">
+              <a:shade val="50000"/>
+            </a:schemeClr>
+          </a:lnRef>
+          <a:fillRef idx="1">
+            <a:schemeClr val="accent1"/>
+          </a:fillRef>
+          <a:effectRef idx="0">
+            <a:schemeClr val="accent1"/>
+          </a:effectRef>
+          <a:fontRef idx="minor">
+            <a:schemeClr val="lt1"/>
+          </a:fontRef>
+        </p:style>
+        <p:txBody>
+          <a:bodyPr rtlCol="0" anchor="ctr"/>
+          <a:lstStyle/>
+          <a:p>
+            <a:pPr algn="ctr"/>
+            <a:endParaRPr lang="en-US"/>
+          </a:p>
+        </p:txBody>
+      </p:sp>
+    </p:spTree>
+    <p:extLst>
+      <p:ext uri="{BB962C8B-B14F-4D97-AF65-F5344CB8AC3E}">
+        <p14:creationId xmlns:p14="http://schemas.microsoft.com/office/powerpoint/2010/main" val="2002102711"/>
+      </p:ext>
+    </p:extLst>
+  </p:cSld>
+  <p:clrMapOvr>
+    <a:masterClrMapping/>
+  </p:clrMapOvr>
+</p:sld>
+</file>
+
+<file path=ppt/slides/slide5.xml><?xml version="1.0" encoding="utf-8"?>
+<p:sld xmlns:a="http://schemas.openxmlformats.org/drawingml/2006/main" xmlns:r="http://schemas.openxmlformats.org/officeDocument/2006/relationships" xmlns:p="http://schemas.openxmlformats.org/presentationml/2006/main">
+  <p:cSld>
+    <p:spTree>
+      <p:nvGrpSpPr>
+        <p:cNvPr id="1" name=""/>
+        <p:cNvGrpSpPr/>
+        <p:nvPr/>
+      </p:nvGrpSpPr>
+      <p:grpSpPr>
+        <a:xfrm>
+          <a:off x="0" y="0"/>
+          <a:ext cx="0" cy="0"/>
+          <a:chOff x="0" y="0"/>
+          <a:chExt cx="0" cy="0"/>
+        </a:xfrm>
+      </p:grpSpPr>
+      <p:sp>
+        <p:nvSpPr>
+          <p:cNvPr id="2" name="Rectangle 1">
+            <a:extLst>
+              <a:ext uri="{FF2B5EF4-FFF2-40B4-BE49-F238E27FC236}">
+                <a16:creationId xmlns:a16="http://schemas.microsoft.com/office/drawing/2014/main" id="{9B7387F5-ACA9-7141-97D3-A62F3221BA74}"/>
+              </a:ext>
+            </a:extLst>
+          </p:cNvPr>
+          <p:cNvSpPr/>
+          <p:nvPr/>
+        </p:nvSpPr>
+        <p:spPr>
+          <a:xfrm>
+            <a:off x="1510145" y="1122219"/>
+            <a:ext cx="1524001" cy="665018"/>
+          </a:xfrm>
+          <a:prstGeom prst="rect">
+            <a:avLst/>
+          </a:prstGeom>
+          <a:solidFill>
+            <a:schemeClr val="bg1">
+              <a:lumMod val="95000"/>
+            </a:schemeClr>
+          </a:solidFill>
+          <a:ln w="38100">
+            <a:solidFill>
+              <a:schemeClr val="bg2">
+                <a:lumMod val="50000"/>
+                <a:alpha val="80030"/>
+              </a:schemeClr>
+            </a:solidFill>
+          </a:ln>
+        </p:spPr>
+        <p:style>
+          <a:lnRef idx="2">
+            <a:schemeClr val="accent1">
+              <a:shade val="50000"/>
+            </a:schemeClr>
+          </a:lnRef>
+          <a:fillRef idx="1">
+            <a:schemeClr val="accent1"/>
+          </a:fillRef>
+          <a:effectRef idx="0">
+            <a:schemeClr val="accent1"/>
+          </a:effectRef>
+          <a:fontRef idx="minor">
+            <a:schemeClr val="lt1"/>
+          </a:fontRef>
+        </p:style>
+        <p:txBody>
+          <a:bodyPr rtlCol="0" anchor="ctr"/>
+          <a:lstStyle/>
+          <a:p>
+            <a:pPr algn="ctr"/>
+            <a:r>
+              <a:rPr lang="en-US" sz="2000" dirty="0">
+                <a:solidFill>
+                  <a:schemeClr val="tx1">
+                    <a:lumMod val="85000"/>
+                    <a:lumOff val="15000"/>
+                  </a:schemeClr>
+                </a:solidFill>
+              </a:rPr>
+              <a:t>User</a:t>
+            </a:r>
+          </a:p>
+        </p:txBody>
+      </p:sp>
+      <p:sp>
+        <p:nvSpPr>
+          <p:cNvPr id="5" name="Rectangle 4">
+            <a:extLst>
+              <a:ext uri="{FF2B5EF4-FFF2-40B4-BE49-F238E27FC236}">
+                <a16:creationId xmlns:a16="http://schemas.microsoft.com/office/drawing/2014/main" id="{D1CCEEB6-0FB9-4C4E-A7F2-C6729B9FC8EA}"/>
+              </a:ext>
+            </a:extLst>
+          </p:cNvPr>
+          <p:cNvSpPr/>
+          <p:nvPr/>
+        </p:nvSpPr>
+        <p:spPr>
+          <a:xfrm>
+            <a:off x="1510145" y="2369129"/>
+            <a:ext cx="1524001" cy="665018"/>
+          </a:xfrm>
+          <a:prstGeom prst="rect">
+            <a:avLst/>
+          </a:prstGeom>
+          <a:solidFill>
+            <a:schemeClr val="bg1">
+              <a:lumMod val="95000"/>
+            </a:schemeClr>
+          </a:solidFill>
+          <a:ln w="38100">
+            <a:solidFill>
+              <a:schemeClr val="bg2">
+                <a:lumMod val="50000"/>
+                <a:alpha val="80030"/>
+              </a:schemeClr>
+            </a:solidFill>
+          </a:ln>
+        </p:spPr>
+        <p:style>
+          <a:lnRef idx="2">
+            <a:schemeClr val="accent1">
+              <a:shade val="50000"/>
+            </a:schemeClr>
+          </a:lnRef>
+          <a:fillRef idx="1">
+            <a:schemeClr val="accent1"/>
+          </a:fillRef>
+          <a:effectRef idx="0">
+            <a:schemeClr val="accent1"/>
+          </a:effectRef>
+          <a:fontRef idx="minor">
+            <a:schemeClr val="lt1"/>
+          </a:fontRef>
+        </p:style>
+        <p:txBody>
+          <a:bodyPr rtlCol="0" anchor="ctr"/>
+          <a:lstStyle/>
+          <a:p>
+            <a:pPr algn="ctr"/>
+            <a:r>
+              <a:rPr lang="en-US" sz="2000" dirty="0">
+                <a:solidFill>
+                  <a:schemeClr val="tx1">
+                    <a:lumMod val="85000"/>
+                    <a:lumOff val="15000"/>
+                  </a:schemeClr>
+                </a:solidFill>
+              </a:rPr>
+              <a:t>Role</a:t>
+            </a:r>
+          </a:p>
+        </p:txBody>
+      </p:sp>
+      <p:sp>
+        <p:nvSpPr>
+          <p:cNvPr id="6" name="Rectangle 5">
+            <a:extLst>
+              <a:ext uri="{FF2B5EF4-FFF2-40B4-BE49-F238E27FC236}">
+                <a16:creationId xmlns:a16="http://schemas.microsoft.com/office/drawing/2014/main" id="{292A8187-D086-6241-BD43-8F4A54EACBD1}"/>
+              </a:ext>
+            </a:extLst>
+          </p:cNvPr>
+          <p:cNvSpPr/>
+          <p:nvPr/>
+        </p:nvSpPr>
+        <p:spPr>
+          <a:xfrm>
+            <a:off x="1510142" y="3616039"/>
+            <a:ext cx="1524001" cy="665018"/>
+          </a:xfrm>
+          <a:prstGeom prst="rect">
+            <a:avLst/>
+          </a:prstGeom>
+          <a:solidFill>
+            <a:schemeClr val="bg1">
+              <a:lumMod val="95000"/>
+            </a:schemeClr>
+          </a:solidFill>
+          <a:ln w="38100">
+            <a:solidFill>
+              <a:schemeClr val="bg2">
+                <a:lumMod val="50000"/>
+                <a:alpha val="80030"/>
+              </a:schemeClr>
+            </a:solidFill>
+          </a:ln>
+        </p:spPr>
+        <p:style>
+          <a:lnRef idx="2">
+            <a:schemeClr val="accent1">
+              <a:shade val="50000"/>
+            </a:schemeClr>
+          </a:lnRef>
+          <a:fillRef idx="1">
+            <a:schemeClr val="accent1"/>
+          </a:fillRef>
+          <a:effectRef idx="0">
+            <a:schemeClr val="accent1"/>
+          </a:effectRef>
+          <a:fontRef idx="minor">
+            <a:schemeClr val="lt1"/>
+          </a:fontRef>
+        </p:style>
+        <p:txBody>
+          <a:bodyPr rtlCol="0" anchor="ctr"/>
+          <a:lstStyle/>
+          <a:p>
+            <a:pPr algn="ctr"/>
+            <a:r>
+              <a:rPr lang="en-US" sz="2000" dirty="0">
+                <a:solidFill>
+                  <a:schemeClr val="tx1">
+                    <a:lumMod val="85000"/>
+                    <a:lumOff val="15000"/>
+                  </a:schemeClr>
+                </a:solidFill>
+              </a:rPr>
+              <a:t>Permission</a:t>
+            </a:r>
+          </a:p>
+        </p:txBody>
+      </p:sp>
+      <p:sp>
+        <p:nvSpPr>
+          <p:cNvPr id="7" name="Rectangle 6">
+            <a:extLst>
+              <a:ext uri="{FF2B5EF4-FFF2-40B4-BE49-F238E27FC236}">
+                <a16:creationId xmlns:a16="http://schemas.microsoft.com/office/drawing/2014/main" id="{084195EB-CEC7-3642-9E4F-07763E9EF4CC}"/>
+              </a:ext>
+            </a:extLst>
+          </p:cNvPr>
+          <p:cNvSpPr/>
+          <p:nvPr/>
+        </p:nvSpPr>
+        <p:spPr>
+          <a:xfrm>
+            <a:off x="1510142" y="4862949"/>
+            <a:ext cx="1524001" cy="665018"/>
+          </a:xfrm>
+          <a:prstGeom prst="rect">
+            <a:avLst/>
+          </a:prstGeom>
+          <a:solidFill>
+            <a:schemeClr val="bg1">
+              <a:lumMod val="95000"/>
+            </a:schemeClr>
+          </a:solidFill>
+          <a:ln w="38100">
+            <a:solidFill>
+              <a:schemeClr val="bg2">
+                <a:lumMod val="50000"/>
+                <a:alpha val="80030"/>
+              </a:schemeClr>
+            </a:solidFill>
+          </a:ln>
+        </p:spPr>
+        <p:style>
+          <a:lnRef idx="2">
+            <a:schemeClr val="accent1">
+              <a:shade val="50000"/>
+            </a:schemeClr>
+          </a:lnRef>
+          <a:fillRef idx="1">
+            <a:schemeClr val="accent1"/>
+          </a:fillRef>
+          <a:effectRef idx="0">
+            <a:schemeClr val="accent1"/>
+          </a:effectRef>
+          <a:fontRef idx="minor">
+            <a:schemeClr val="lt1"/>
+          </a:fontRef>
+        </p:style>
+        <p:txBody>
+          <a:bodyPr rtlCol="0" anchor="ctr"/>
+          <a:lstStyle/>
+          <a:p>
+            <a:pPr algn="ctr"/>
+            <a:r>
+              <a:rPr lang="en-US" sz="2000" dirty="0">
+                <a:solidFill>
+                  <a:schemeClr val="tx1">
+                    <a:lumMod val="85000"/>
+                    <a:lumOff val="15000"/>
+                  </a:schemeClr>
+                </a:solidFill>
+              </a:rPr>
+              <a:t>Capability</a:t>
+            </a:r>
+          </a:p>
+        </p:txBody>
+      </p:sp>
+      <p:sp>
+        <p:nvSpPr>
+          <p:cNvPr id="15" name="Down Arrow 14">
+            <a:extLst>
+              <a:ext uri="{FF2B5EF4-FFF2-40B4-BE49-F238E27FC236}">
+                <a16:creationId xmlns:a16="http://schemas.microsoft.com/office/drawing/2014/main" id="{03FE2F9B-D768-9846-AF7E-C97F162AF435}"/>
+              </a:ext>
+            </a:extLst>
+          </p:cNvPr>
+          <p:cNvSpPr/>
+          <p:nvPr/>
+        </p:nvSpPr>
+        <p:spPr>
+          <a:xfrm>
+            <a:off x="2191459" y="1787237"/>
+            <a:ext cx="161365" cy="581892"/>
+          </a:xfrm>
+          <a:prstGeom prst="downArrow">
+            <a:avLst>
+              <a:gd name="adj1" fmla="val 50000"/>
+              <a:gd name="adj2" fmla="val 129998"/>
+            </a:avLst>
+          </a:prstGeom>
+          <a:solidFill>
+            <a:schemeClr val="bg1">
+              <a:lumMod val="95000"/>
+            </a:schemeClr>
+          </a:solidFill>
+          <a:ln>
+            <a:solidFill>
+              <a:schemeClr val="bg2">
+                <a:lumMod val="50000"/>
+                <a:alpha val="80030"/>
+              </a:schemeClr>
+            </a:solidFill>
+          </a:ln>
+        </p:spPr>
+        <p:style>
+          <a:lnRef idx="2">
+            <a:schemeClr val="accent1">
+              <a:shade val="50000"/>
+            </a:schemeClr>
+          </a:lnRef>
+          <a:fillRef idx="1">
+            <a:schemeClr val="accent1"/>
+          </a:fillRef>
+          <a:effectRef idx="0">
+            <a:schemeClr val="accent1"/>
+          </a:effectRef>
+          <a:fontRef idx="minor">
+            <a:schemeClr val="lt1"/>
+          </a:fontRef>
+        </p:style>
+        <p:txBody>
+          <a:bodyPr rtlCol="0" anchor="ctr"/>
+          <a:lstStyle/>
+          <a:p>
+            <a:pPr algn="ctr"/>
+            <a:endParaRPr lang="en-US"/>
+          </a:p>
+        </p:txBody>
+      </p:sp>
+      <p:sp>
+        <p:nvSpPr>
+          <p:cNvPr id="17" name="Down Arrow 16">
+            <a:extLst>
+              <a:ext uri="{FF2B5EF4-FFF2-40B4-BE49-F238E27FC236}">
+                <a16:creationId xmlns:a16="http://schemas.microsoft.com/office/drawing/2014/main" id="{79138125-78FD-2843-9EDB-DB6D8C3820EA}"/>
+              </a:ext>
+            </a:extLst>
+          </p:cNvPr>
+          <p:cNvSpPr/>
+          <p:nvPr/>
+        </p:nvSpPr>
+        <p:spPr>
+          <a:xfrm>
+            <a:off x="2191458" y="4281057"/>
+            <a:ext cx="161365" cy="581892"/>
+          </a:xfrm>
+          <a:prstGeom prst="downArrow">
+            <a:avLst>
+              <a:gd name="adj1" fmla="val 50000"/>
+              <a:gd name="adj2" fmla="val 129998"/>
+            </a:avLst>
+          </a:prstGeom>
+          <a:solidFill>
+            <a:schemeClr val="bg1">
+              <a:lumMod val="95000"/>
+            </a:schemeClr>
+          </a:solidFill>
+          <a:ln>
+            <a:solidFill>
+              <a:schemeClr val="bg2">
+                <a:lumMod val="50000"/>
+                <a:alpha val="80030"/>
+              </a:schemeClr>
+            </a:solidFill>
+          </a:ln>
+        </p:spPr>
+        <p:style>
+          <a:lnRef idx="2">
+            <a:schemeClr val="accent1">
+              <a:shade val="50000"/>
+            </a:schemeClr>
+          </a:lnRef>
+          <a:fillRef idx="1">
+            <a:schemeClr val="accent1"/>
+          </a:fillRef>
+          <a:effectRef idx="0">
+            <a:schemeClr val="accent1"/>
+          </a:effectRef>
+          <a:fontRef idx="minor">
+            <a:schemeClr val="lt1"/>
+          </a:fontRef>
+        </p:style>
+        <p:txBody>
+          <a:bodyPr rtlCol="0" anchor="ctr"/>
+          <a:lstStyle/>
+          <a:p>
+            <a:pPr algn="ctr"/>
+            <a:endParaRPr lang="en-US"/>
+          </a:p>
+        </p:txBody>
+      </p:sp>
+      <p:sp>
+        <p:nvSpPr>
+          <p:cNvPr id="18" name="Down Arrow 17">
+            <a:extLst>
+              <a:ext uri="{FF2B5EF4-FFF2-40B4-BE49-F238E27FC236}">
+                <a16:creationId xmlns:a16="http://schemas.microsoft.com/office/drawing/2014/main" id="{A8DAD2EC-3E9B-E942-96A2-159C54469EE2}"/>
+              </a:ext>
+            </a:extLst>
+          </p:cNvPr>
+          <p:cNvSpPr/>
+          <p:nvPr/>
+        </p:nvSpPr>
+        <p:spPr>
+          <a:xfrm>
+            <a:off x="2191459" y="3029199"/>
+            <a:ext cx="161365" cy="581892"/>
+          </a:xfrm>
+          <a:prstGeom prst="downArrow">
+            <a:avLst>
+              <a:gd name="adj1" fmla="val 50000"/>
+              <a:gd name="adj2" fmla="val 129998"/>
+            </a:avLst>
+          </a:prstGeom>
+          <a:solidFill>
+            <a:schemeClr val="bg1">
+              <a:lumMod val="95000"/>
+            </a:schemeClr>
+          </a:solidFill>
+          <a:ln>
+            <a:solidFill>
+              <a:schemeClr val="bg2">
+                <a:lumMod val="50000"/>
+                <a:alpha val="80030"/>
+              </a:schemeClr>
+            </a:solidFill>
+          </a:ln>
+        </p:spPr>
+        <p:style>
+          <a:lnRef idx="2">
+            <a:schemeClr val="accent1">
+              <a:shade val="50000"/>
+            </a:schemeClr>
+          </a:lnRef>
+          <a:fillRef idx="1">
+            <a:schemeClr val="accent1"/>
+          </a:fillRef>
+          <a:effectRef idx="0">
+            <a:schemeClr val="accent1"/>
+          </a:effectRef>
+          <a:fontRef idx="minor">
+            <a:schemeClr val="lt1"/>
+          </a:fontRef>
+        </p:style>
+        <p:txBody>
+          <a:bodyPr rtlCol="0" anchor="ctr"/>
+          <a:lstStyle/>
+          <a:p>
+            <a:pPr algn="ctr"/>
+            <a:endParaRPr lang="en-US"/>
+          </a:p>
+        </p:txBody>
+      </p:sp>
+    </p:spTree>
+    <p:extLst>
+      <p:ext uri="{BB962C8B-B14F-4D97-AF65-F5344CB8AC3E}">
+        <p14:creationId xmlns:p14="http://schemas.microsoft.com/office/powerpoint/2010/main" val="315599626"/>
+      </p:ext>
+    </p:extLst>
+  </p:cSld>
+  <p:clrMapOvr>
+    <a:masterClrMapping/>
+  </p:clrMapOvr>
+</p:sld>
+</file>
+
+<file path=ppt/slides/slide6.xml><?xml version="1.0" encoding="utf-8"?>
+<p:sld xmlns:a="http://schemas.openxmlformats.org/drawingml/2006/main" xmlns:r="http://schemas.openxmlformats.org/officeDocument/2006/relationships" xmlns:p="http://schemas.openxmlformats.org/presentationml/2006/main">
+  <p:cSld>
+    <p:spTree>
+      <p:nvGrpSpPr>
+        <p:cNvPr id="1" name=""/>
+        <p:cNvGrpSpPr/>
+        <p:nvPr/>
+      </p:nvGrpSpPr>
+      <p:grpSpPr>
+        <a:xfrm>
+          <a:off x="0" y="0"/>
+          <a:ext cx="0" cy="0"/>
+          <a:chOff x="0" y="0"/>
+          <a:chExt cx="0" cy="0"/>
+        </a:xfrm>
+      </p:grpSpPr>
+      <p:sp>
+        <p:nvSpPr>
+          <p:cNvPr id="11" name="Rectangle 10">
+            <a:extLst>
+              <a:ext uri="{FF2B5EF4-FFF2-40B4-BE49-F238E27FC236}">
+                <a16:creationId xmlns:a16="http://schemas.microsoft.com/office/drawing/2014/main" id="{F5DFF4CB-98E1-FF48-A069-97B4154B328B}"/>
+              </a:ext>
+            </a:extLst>
+          </p:cNvPr>
+          <p:cNvSpPr/>
+          <p:nvPr/>
+        </p:nvSpPr>
+        <p:spPr>
+          <a:xfrm>
+            <a:off x="1752176" y="2632947"/>
+            <a:ext cx="1524001" cy="665018"/>
+          </a:xfrm>
+          <a:prstGeom prst="rect">
+            <a:avLst/>
+          </a:prstGeom>
+          <a:solidFill>
+            <a:schemeClr val="bg1">
+              <a:lumMod val="95000"/>
+              <a:alpha val="79584"/>
+            </a:schemeClr>
+          </a:solidFill>
+          <a:ln w="38100">
+            <a:solidFill>
+              <a:schemeClr val="bg2">
+                <a:lumMod val="50000"/>
+              </a:schemeClr>
+            </a:solidFill>
+          </a:ln>
+        </p:spPr>
+        <p:style>
+          <a:lnRef idx="2">
+            <a:schemeClr val="accent1">
+              <a:shade val="50000"/>
+            </a:schemeClr>
+          </a:lnRef>
+          <a:fillRef idx="1">
+            <a:schemeClr val="accent1"/>
+          </a:fillRef>
+          <a:effectRef idx="0">
+            <a:schemeClr val="accent1"/>
+          </a:effectRef>
+          <a:fontRef idx="minor">
+            <a:schemeClr val="lt1"/>
+          </a:fontRef>
+        </p:style>
+        <p:txBody>
+          <a:bodyPr rtlCol="0" anchor="ctr"/>
+          <a:lstStyle/>
+          <a:p>
+            <a:pPr algn="ctr"/>
+            <a:r>
+              <a:rPr lang="en-US" sz="2000" dirty="0">
+                <a:solidFill>
+                  <a:schemeClr val="tx1">
+                    <a:lumMod val="85000"/>
+                    <a:lumOff val="15000"/>
+                  </a:schemeClr>
+                </a:solidFill>
+              </a:rPr>
+              <a:t>Role</a:t>
+            </a:r>
+          </a:p>
+        </p:txBody>
+      </p:sp>
+      <p:sp>
+        <p:nvSpPr>
+          <p:cNvPr id="14" name="Down Arrow 13">
+            <a:extLst>
+              <a:ext uri="{FF2B5EF4-FFF2-40B4-BE49-F238E27FC236}">
+                <a16:creationId xmlns:a16="http://schemas.microsoft.com/office/drawing/2014/main" id="{7401979E-EFD4-3B4A-B5AE-34BF68CA615C}"/>
+              </a:ext>
+            </a:extLst>
+          </p:cNvPr>
+          <p:cNvSpPr/>
+          <p:nvPr/>
+        </p:nvSpPr>
+        <p:spPr>
+          <a:xfrm rot="20675198">
+            <a:off x="2302962" y="1764165"/>
+            <a:ext cx="161365" cy="888316"/>
+          </a:xfrm>
+          <a:prstGeom prst="downArrow">
+            <a:avLst>
+              <a:gd name="adj1" fmla="val 50000"/>
+              <a:gd name="adj2" fmla="val 129998"/>
+            </a:avLst>
+          </a:prstGeom>
+          <a:solidFill>
+            <a:schemeClr val="bg1">
+              <a:lumMod val="95000"/>
+              <a:alpha val="79584"/>
+            </a:schemeClr>
+          </a:solidFill>
+          <a:ln>
+            <a:solidFill>
+              <a:schemeClr val="bg2">
+                <a:lumMod val="50000"/>
+              </a:schemeClr>
+            </a:solidFill>
+          </a:ln>
+        </p:spPr>
+        <p:style>
+          <a:lnRef idx="2">
+            <a:schemeClr val="accent1">
+              <a:shade val="50000"/>
+            </a:schemeClr>
+          </a:lnRef>
+          <a:fillRef idx="1">
+            <a:schemeClr val="accent1"/>
+          </a:fillRef>
+          <a:effectRef idx="0">
+            <a:schemeClr val="accent1"/>
+          </a:effectRef>
+          <a:fontRef idx="minor">
+            <a:schemeClr val="lt1"/>
+          </a:fontRef>
+        </p:style>
+        <p:txBody>
+          <a:bodyPr rtlCol="0" anchor="ctr"/>
+          <a:lstStyle/>
+          <a:p>
+            <a:pPr algn="ctr"/>
+            <a:endParaRPr lang="en-US"/>
+          </a:p>
+        </p:txBody>
+      </p:sp>
+      <p:sp>
+        <p:nvSpPr>
+          <p:cNvPr id="10" name="Rectangle 9">
+            <a:extLst>
+              <a:ext uri="{FF2B5EF4-FFF2-40B4-BE49-F238E27FC236}">
+                <a16:creationId xmlns:a16="http://schemas.microsoft.com/office/drawing/2014/main" id="{B7F1EEC2-724B-1848-91A6-1DFD50EBDEE6}"/>
+              </a:ext>
+            </a:extLst>
+          </p:cNvPr>
+          <p:cNvSpPr/>
+          <p:nvPr/>
+        </p:nvSpPr>
+        <p:spPr>
+          <a:xfrm>
+            <a:off x="1671499" y="2545007"/>
+            <a:ext cx="1524001" cy="665018"/>
+          </a:xfrm>
+          <a:prstGeom prst="rect">
+            <a:avLst/>
+          </a:prstGeom>
+          <a:solidFill>
+            <a:schemeClr val="bg1">
+              <a:lumMod val="95000"/>
+              <a:alpha val="79584"/>
+            </a:schemeClr>
+          </a:solidFill>
+          <a:ln w="38100">
+            <a:solidFill>
+              <a:schemeClr val="bg2">
+                <a:lumMod val="50000"/>
+              </a:schemeClr>
+            </a:solidFill>
+          </a:ln>
+        </p:spPr>
+        <p:style>
+          <a:lnRef idx="2">
+            <a:schemeClr val="accent1">
+              <a:shade val="50000"/>
+            </a:schemeClr>
+          </a:lnRef>
+          <a:fillRef idx="1">
+            <a:schemeClr val="accent1"/>
+          </a:fillRef>
+          <a:effectRef idx="0">
+            <a:schemeClr val="accent1"/>
+          </a:effectRef>
+          <a:fontRef idx="minor">
+            <a:schemeClr val="lt1"/>
+          </a:fontRef>
+        </p:style>
+        <p:txBody>
+          <a:bodyPr rtlCol="0" anchor="ctr"/>
+          <a:lstStyle/>
+          <a:p>
+            <a:pPr algn="ctr"/>
+            <a:r>
+              <a:rPr lang="en-US" sz="2000" dirty="0">
+                <a:solidFill>
+                  <a:schemeClr val="tx1">
+                    <a:lumMod val="85000"/>
+                    <a:lumOff val="15000"/>
+                  </a:schemeClr>
+                </a:solidFill>
+              </a:rPr>
+              <a:t>Role</a:t>
+            </a:r>
+          </a:p>
+        </p:txBody>
+      </p:sp>
+      <p:sp>
+        <p:nvSpPr>
+          <p:cNvPr id="13" name="Down Arrow 12">
+            <a:extLst>
+              <a:ext uri="{FF2B5EF4-FFF2-40B4-BE49-F238E27FC236}">
+                <a16:creationId xmlns:a16="http://schemas.microsoft.com/office/drawing/2014/main" id="{B4CDB232-AE9B-3D4F-B146-8B666553560E}"/>
+              </a:ext>
+            </a:extLst>
+          </p:cNvPr>
+          <p:cNvSpPr/>
+          <p:nvPr/>
+        </p:nvSpPr>
+        <p:spPr>
+          <a:xfrm rot="21000000">
+            <a:off x="2264270" y="1772155"/>
+            <a:ext cx="161365" cy="772627"/>
+          </a:xfrm>
+          <a:prstGeom prst="downArrow">
+            <a:avLst>
+              <a:gd name="adj1" fmla="val 50000"/>
+              <a:gd name="adj2" fmla="val 129998"/>
+            </a:avLst>
+          </a:prstGeom>
+          <a:solidFill>
+            <a:schemeClr val="bg1">
+              <a:lumMod val="95000"/>
+              <a:alpha val="79584"/>
+            </a:schemeClr>
+          </a:solidFill>
+          <a:ln>
+            <a:solidFill>
+              <a:schemeClr val="bg2">
+                <a:lumMod val="50000"/>
+              </a:schemeClr>
+            </a:solidFill>
+          </a:ln>
+        </p:spPr>
+        <p:style>
+          <a:lnRef idx="2">
+            <a:schemeClr val="accent1">
+              <a:shade val="50000"/>
+            </a:schemeClr>
+          </a:lnRef>
+          <a:fillRef idx="1">
+            <a:schemeClr val="accent1"/>
+          </a:fillRef>
+          <a:effectRef idx="0">
+            <a:schemeClr val="accent1"/>
+          </a:effectRef>
+          <a:fontRef idx="minor">
+            <a:schemeClr val="lt1"/>
+          </a:fontRef>
+        </p:style>
+        <p:txBody>
+          <a:bodyPr rtlCol="0" anchor="ctr"/>
+          <a:lstStyle/>
+          <a:p>
+            <a:pPr algn="ctr"/>
+            <a:endParaRPr lang="en-US"/>
+          </a:p>
+        </p:txBody>
+      </p:sp>
+      <p:sp>
+        <p:nvSpPr>
+          <p:cNvPr id="9" name="Rectangle 8">
+            <a:extLst>
+              <a:ext uri="{FF2B5EF4-FFF2-40B4-BE49-F238E27FC236}">
+                <a16:creationId xmlns:a16="http://schemas.microsoft.com/office/drawing/2014/main" id="{6F7D0253-8737-834F-8F03-1696179FCA7C}"/>
+              </a:ext>
+            </a:extLst>
+          </p:cNvPr>
+          <p:cNvSpPr/>
+          <p:nvPr/>
+        </p:nvSpPr>
+        <p:spPr>
+          <a:xfrm>
+            <a:off x="1590822" y="2457068"/>
+            <a:ext cx="1524001" cy="665018"/>
+          </a:xfrm>
+          <a:prstGeom prst="rect">
+            <a:avLst/>
+          </a:prstGeom>
+          <a:solidFill>
+            <a:schemeClr val="bg1">
+              <a:lumMod val="95000"/>
+              <a:alpha val="79584"/>
+            </a:schemeClr>
+          </a:solidFill>
+          <a:ln w="38100">
+            <a:solidFill>
+              <a:schemeClr val="bg2">
+                <a:lumMod val="50000"/>
+              </a:schemeClr>
+            </a:solidFill>
+          </a:ln>
+        </p:spPr>
+        <p:style>
+          <a:lnRef idx="2">
+            <a:schemeClr val="accent1">
+              <a:shade val="50000"/>
+            </a:schemeClr>
+          </a:lnRef>
+          <a:fillRef idx="1">
+            <a:schemeClr val="accent1"/>
+          </a:fillRef>
+          <a:effectRef idx="0">
+            <a:schemeClr val="accent1"/>
+          </a:effectRef>
+          <a:fontRef idx="minor">
+            <a:schemeClr val="lt1"/>
+          </a:fontRef>
+        </p:style>
+        <p:txBody>
+          <a:bodyPr rtlCol="0" anchor="ctr"/>
+          <a:lstStyle/>
+          <a:p>
+            <a:pPr algn="ctr"/>
+            <a:r>
+              <a:rPr lang="en-US" sz="2000" dirty="0">
+                <a:solidFill>
+                  <a:schemeClr val="tx1">
+                    <a:lumMod val="85000"/>
+                    <a:lumOff val="15000"/>
+                  </a:schemeClr>
+                </a:solidFill>
+              </a:rPr>
+              <a:t>Role</a:t>
+            </a:r>
+          </a:p>
+        </p:txBody>
+      </p:sp>
+      <p:sp>
+        <p:nvSpPr>
+          <p:cNvPr id="12" name="Down Arrow 11">
+            <a:extLst>
+              <a:ext uri="{FF2B5EF4-FFF2-40B4-BE49-F238E27FC236}">
+                <a16:creationId xmlns:a16="http://schemas.microsoft.com/office/drawing/2014/main" id="{6CFDBBEA-1C60-B94C-BA5B-0530357207B3}"/>
+              </a:ext>
+            </a:extLst>
+          </p:cNvPr>
+          <p:cNvSpPr/>
+          <p:nvPr/>
+        </p:nvSpPr>
+        <p:spPr>
+          <a:xfrm rot="21300000">
+            <a:off x="2216826" y="1778094"/>
+            <a:ext cx="161365" cy="672768"/>
+          </a:xfrm>
+          <a:prstGeom prst="downArrow">
+            <a:avLst>
+              <a:gd name="adj1" fmla="val 50000"/>
+              <a:gd name="adj2" fmla="val 129998"/>
+            </a:avLst>
+          </a:prstGeom>
+          <a:solidFill>
+            <a:schemeClr val="bg1">
+              <a:lumMod val="95000"/>
+              <a:alpha val="79584"/>
+            </a:schemeClr>
+          </a:solidFill>
+          <a:ln>
+            <a:solidFill>
+              <a:schemeClr val="bg2">
+                <a:lumMod val="50000"/>
+              </a:schemeClr>
+            </a:solidFill>
+          </a:ln>
+        </p:spPr>
+        <p:style>
+          <a:lnRef idx="2">
+            <a:schemeClr val="accent1">
+              <a:shade val="50000"/>
+            </a:schemeClr>
+          </a:lnRef>
+          <a:fillRef idx="1">
+            <a:schemeClr val="accent1"/>
+          </a:fillRef>
+          <a:effectRef idx="0">
+            <a:schemeClr val="accent1"/>
+          </a:effectRef>
+          <a:fontRef idx="minor">
+            <a:schemeClr val="lt1"/>
+          </a:fontRef>
+        </p:style>
+        <p:txBody>
+          <a:bodyPr rtlCol="0" anchor="ctr"/>
+          <a:lstStyle/>
+          <a:p>
+            <a:pPr algn="ctr"/>
+            <a:endParaRPr lang="en-US"/>
+          </a:p>
+        </p:txBody>
+      </p:sp>
+      <p:sp>
+        <p:nvSpPr>
+          <p:cNvPr id="2" name="Rectangle 1">
+            <a:extLst>
+              <a:ext uri="{FF2B5EF4-FFF2-40B4-BE49-F238E27FC236}">
+                <a16:creationId xmlns:a16="http://schemas.microsoft.com/office/drawing/2014/main" id="{9B7387F5-ACA9-7141-97D3-A62F3221BA74}"/>
+              </a:ext>
+            </a:extLst>
+          </p:cNvPr>
+          <p:cNvSpPr/>
+          <p:nvPr/>
+        </p:nvSpPr>
+        <p:spPr>
+          <a:xfrm>
+            <a:off x="1510145" y="1122219"/>
+            <a:ext cx="1524001" cy="665018"/>
+          </a:xfrm>
+          <a:prstGeom prst="rect">
+            <a:avLst/>
+          </a:prstGeom>
+          <a:solidFill>
+            <a:schemeClr val="bg1">
+              <a:lumMod val="95000"/>
+              <a:alpha val="79584"/>
+            </a:schemeClr>
+          </a:solidFill>
+          <a:ln w="38100">
+            <a:solidFill>
+              <a:schemeClr val="bg2">
+                <a:lumMod val="50000"/>
+              </a:schemeClr>
+            </a:solidFill>
+          </a:ln>
+        </p:spPr>
+        <p:style>
+          <a:lnRef idx="2">
+            <a:schemeClr val="accent1">
+              <a:shade val="50000"/>
+            </a:schemeClr>
+          </a:lnRef>
+          <a:fillRef idx="1">
+            <a:schemeClr val="accent1"/>
+          </a:fillRef>
+          <a:effectRef idx="0">
+            <a:schemeClr val="accent1"/>
+          </a:effectRef>
+          <a:fontRef idx="minor">
+            <a:schemeClr val="lt1"/>
+          </a:fontRef>
+        </p:style>
+        <p:txBody>
+          <a:bodyPr rtlCol="0" anchor="ctr"/>
+          <a:lstStyle/>
+          <a:p>
+            <a:pPr algn="ctr"/>
+            <a:r>
+              <a:rPr lang="en-US" sz="2000" dirty="0">
+                <a:solidFill>
+                  <a:schemeClr val="tx1">
+                    <a:lumMod val="85000"/>
+                    <a:lumOff val="15000"/>
+                  </a:schemeClr>
+                </a:solidFill>
+              </a:rPr>
+              <a:t>User</a:t>
+            </a:r>
+          </a:p>
+        </p:txBody>
+      </p:sp>
+      <p:sp>
+        <p:nvSpPr>
+          <p:cNvPr id="5" name="Rectangle 4">
+            <a:extLst>
+              <a:ext uri="{FF2B5EF4-FFF2-40B4-BE49-F238E27FC236}">
+                <a16:creationId xmlns:a16="http://schemas.microsoft.com/office/drawing/2014/main" id="{D1CCEEB6-0FB9-4C4E-A7F2-C6729B9FC8EA}"/>
+              </a:ext>
+            </a:extLst>
+          </p:cNvPr>
+          <p:cNvSpPr/>
+          <p:nvPr/>
+        </p:nvSpPr>
+        <p:spPr>
+          <a:xfrm>
+            <a:off x="1510145" y="2369129"/>
+            <a:ext cx="1524001" cy="665018"/>
+          </a:xfrm>
+          <a:prstGeom prst="rect">
+            <a:avLst/>
+          </a:prstGeom>
+          <a:solidFill>
+            <a:schemeClr val="bg1">
+              <a:lumMod val="95000"/>
+              <a:alpha val="79584"/>
+            </a:schemeClr>
+          </a:solidFill>
+          <a:ln w="38100">
+            <a:solidFill>
+              <a:schemeClr val="bg2">
+                <a:lumMod val="50000"/>
+              </a:schemeClr>
+            </a:solidFill>
+          </a:ln>
+        </p:spPr>
+        <p:style>
+          <a:lnRef idx="2">
+            <a:schemeClr val="accent1">
+              <a:shade val="50000"/>
+            </a:schemeClr>
+          </a:lnRef>
+          <a:fillRef idx="1">
+            <a:schemeClr val="accent1"/>
+          </a:fillRef>
+          <a:effectRef idx="0">
+            <a:schemeClr val="accent1"/>
+          </a:effectRef>
+          <a:fontRef idx="minor">
+            <a:schemeClr val="lt1"/>
+          </a:fontRef>
+        </p:style>
+        <p:txBody>
+          <a:bodyPr rtlCol="0" anchor="ctr"/>
+          <a:lstStyle/>
+          <a:p>
+            <a:pPr algn="ctr"/>
+            <a:r>
+              <a:rPr lang="en-US" sz="2000" dirty="0">
+                <a:solidFill>
+                  <a:schemeClr val="tx1">
+                    <a:lumMod val="85000"/>
+                    <a:lumOff val="15000"/>
+                  </a:schemeClr>
+                </a:solidFill>
+              </a:rPr>
+              <a:t>Role</a:t>
+            </a:r>
+          </a:p>
+        </p:txBody>
+      </p:sp>
+      <p:sp>
+        <p:nvSpPr>
+          <p:cNvPr id="15" name="Down Arrow 14">
+            <a:extLst>
+              <a:ext uri="{FF2B5EF4-FFF2-40B4-BE49-F238E27FC236}">
+                <a16:creationId xmlns:a16="http://schemas.microsoft.com/office/drawing/2014/main" id="{03FE2F9B-D768-9846-AF7E-C97F162AF435}"/>
+              </a:ext>
+            </a:extLst>
+          </p:cNvPr>
+          <p:cNvSpPr/>
+          <p:nvPr/>
+        </p:nvSpPr>
+        <p:spPr>
+          <a:xfrm>
+            <a:off x="2191459" y="1787237"/>
+            <a:ext cx="161365" cy="581892"/>
+          </a:xfrm>
+          <a:prstGeom prst="downArrow">
+            <a:avLst>
+              <a:gd name="adj1" fmla="val 50000"/>
+              <a:gd name="adj2" fmla="val 129998"/>
+            </a:avLst>
+          </a:prstGeom>
+          <a:solidFill>
+            <a:schemeClr val="bg1">
+              <a:lumMod val="95000"/>
+              <a:alpha val="79584"/>
+            </a:schemeClr>
+          </a:solidFill>
+          <a:ln>
+            <a:solidFill>
+              <a:schemeClr val="bg2">
+                <a:lumMod val="50000"/>
+              </a:schemeClr>
+            </a:solidFill>
+          </a:ln>
+        </p:spPr>
+        <p:style>
+          <a:lnRef idx="2">
+            <a:schemeClr val="accent1">
+              <a:shade val="50000"/>
+            </a:schemeClr>
+          </a:lnRef>
+          <a:fillRef idx="1">
+            <a:schemeClr val="accent1"/>
+          </a:fillRef>
+          <a:effectRef idx="0">
+            <a:schemeClr val="accent1"/>
+          </a:effectRef>
+          <a:fontRef idx="minor">
+            <a:schemeClr val="lt1"/>
+          </a:fontRef>
+        </p:style>
+        <p:txBody>
+          <a:bodyPr rtlCol="0" anchor="ctr"/>
+          <a:lstStyle/>
+          <a:p>
+            <a:pPr algn="ctr"/>
+            <a:endParaRPr lang="en-US"/>
+          </a:p>
+        </p:txBody>
+      </p:sp>
+      <p:sp>
+        <p:nvSpPr>
+          <p:cNvPr id="6" name="Rectangle 5">
+            <a:extLst>
+              <a:ext uri="{FF2B5EF4-FFF2-40B4-BE49-F238E27FC236}">
+                <a16:creationId xmlns:a16="http://schemas.microsoft.com/office/drawing/2014/main" id="{292A8187-D086-6241-BD43-8F4A54EACBD1}"/>
+              </a:ext>
+            </a:extLst>
+          </p:cNvPr>
+          <p:cNvSpPr/>
+          <p:nvPr/>
+        </p:nvSpPr>
+        <p:spPr>
+          <a:xfrm>
+            <a:off x="1510142" y="3616039"/>
+            <a:ext cx="1524001" cy="665018"/>
+          </a:xfrm>
+          <a:prstGeom prst="rect">
+            <a:avLst/>
+          </a:prstGeom>
+          <a:solidFill>
+            <a:schemeClr val="bg1">
+              <a:lumMod val="95000"/>
+              <a:alpha val="79584"/>
+            </a:schemeClr>
+          </a:solidFill>
+          <a:ln w="38100">
+            <a:solidFill>
+              <a:schemeClr val="bg2">
+                <a:lumMod val="50000"/>
+              </a:schemeClr>
+            </a:solidFill>
+          </a:ln>
+        </p:spPr>
+        <p:style>
+          <a:lnRef idx="2">
+            <a:schemeClr val="accent1">
+              <a:shade val="50000"/>
+            </a:schemeClr>
+          </a:lnRef>
+          <a:fillRef idx="1">
+            <a:schemeClr val="accent1"/>
+          </a:fillRef>
+          <a:effectRef idx="0">
+            <a:schemeClr val="accent1"/>
+          </a:effectRef>
+          <a:fontRef idx="minor">
+            <a:schemeClr val="lt1"/>
+          </a:fontRef>
+        </p:style>
+        <p:txBody>
+          <a:bodyPr rtlCol="0" anchor="ctr"/>
+          <a:lstStyle/>
+          <a:p>
+            <a:pPr algn="ctr"/>
+            <a:r>
+              <a:rPr lang="en-US" sz="2000" dirty="0">
+                <a:solidFill>
+                  <a:schemeClr val="tx1">
+                    <a:lumMod val="85000"/>
+                    <a:lumOff val="15000"/>
+                  </a:schemeClr>
+                </a:solidFill>
+              </a:rPr>
+              <a:t>Permission</a:t>
+            </a:r>
+          </a:p>
+        </p:txBody>
+      </p:sp>
+      <p:sp>
+        <p:nvSpPr>
+          <p:cNvPr id="18" name="Down Arrow 17">
+            <a:extLst>
+              <a:ext uri="{FF2B5EF4-FFF2-40B4-BE49-F238E27FC236}">
+                <a16:creationId xmlns:a16="http://schemas.microsoft.com/office/drawing/2014/main" id="{A8DAD2EC-3E9B-E942-96A2-159C54469EE2}"/>
+              </a:ext>
+            </a:extLst>
+          </p:cNvPr>
+          <p:cNvSpPr/>
+          <p:nvPr/>
+        </p:nvSpPr>
+        <p:spPr>
+          <a:xfrm>
+            <a:off x="2191459" y="3029199"/>
+            <a:ext cx="161365" cy="581892"/>
+          </a:xfrm>
+          <a:prstGeom prst="downArrow">
+            <a:avLst>
+              <a:gd name="adj1" fmla="val 50000"/>
+              <a:gd name="adj2" fmla="val 129998"/>
+            </a:avLst>
+          </a:prstGeom>
+          <a:solidFill>
+            <a:schemeClr val="bg1">
+              <a:lumMod val="95000"/>
+              <a:alpha val="79584"/>
+            </a:schemeClr>
+          </a:solidFill>
+          <a:ln>
+            <a:solidFill>
+              <a:schemeClr val="bg2">
+                <a:lumMod val="50000"/>
+              </a:schemeClr>
+            </a:solidFill>
+          </a:ln>
+        </p:spPr>
+        <p:style>
+          <a:lnRef idx="2">
+            <a:schemeClr val="accent1">
+              <a:shade val="50000"/>
+            </a:schemeClr>
+          </a:lnRef>
+          <a:fillRef idx="1">
+            <a:schemeClr val="accent1"/>
+          </a:fillRef>
+          <a:effectRef idx="0">
+            <a:schemeClr val="accent1"/>
+          </a:effectRef>
+          <a:fontRef idx="minor">
+            <a:schemeClr val="lt1"/>
+          </a:fontRef>
+        </p:style>
+        <p:txBody>
+          <a:bodyPr rtlCol="0" anchor="ctr"/>
+          <a:lstStyle/>
+          <a:p>
+            <a:pPr algn="ctr"/>
+            <a:endParaRPr lang="en-US"/>
+          </a:p>
+        </p:txBody>
+      </p:sp>
+      <p:sp>
+        <p:nvSpPr>
+          <p:cNvPr id="7" name="Rectangle 6">
+            <a:extLst>
+              <a:ext uri="{FF2B5EF4-FFF2-40B4-BE49-F238E27FC236}">
+                <a16:creationId xmlns:a16="http://schemas.microsoft.com/office/drawing/2014/main" id="{084195EB-CEC7-3642-9E4F-07763E9EF4CC}"/>
+              </a:ext>
+            </a:extLst>
+          </p:cNvPr>
+          <p:cNvSpPr/>
+          <p:nvPr/>
+        </p:nvSpPr>
+        <p:spPr>
+          <a:xfrm>
+            <a:off x="1510142" y="4862949"/>
+            <a:ext cx="1524001" cy="665018"/>
+          </a:xfrm>
+          <a:prstGeom prst="rect">
+            <a:avLst/>
+          </a:prstGeom>
+          <a:solidFill>
+            <a:schemeClr val="bg1">
+              <a:lumMod val="95000"/>
+              <a:alpha val="79584"/>
+            </a:schemeClr>
+          </a:solidFill>
+          <a:ln w="38100">
+            <a:solidFill>
+              <a:schemeClr val="bg2">
+                <a:lumMod val="50000"/>
+              </a:schemeClr>
+            </a:solidFill>
+          </a:ln>
+        </p:spPr>
+        <p:style>
+          <a:lnRef idx="2">
+            <a:schemeClr val="accent1">
+              <a:shade val="50000"/>
+            </a:schemeClr>
+          </a:lnRef>
+          <a:fillRef idx="1">
+            <a:schemeClr val="accent1"/>
+          </a:fillRef>
+          <a:effectRef idx="0">
+            <a:schemeClr val="accent1"/>
+          </a:effectRef>
+          <a:fontRef idx="minor">
+            <a:schemeClr val="lt1"/>
+          </a:fontRef>
+        </p:style>
+        <p:txBody>
+          <a:bodyPr rtlCol="0" anchor="ctr"/>
+          <a:lstStyle/>
+          <a:p>
+            <a:pPr algn="ctr"/>
+            <a:r>
+              <a:rPr lang="en-US" sz="2000" dirty="0">
+                <a:solidFill>
+                  <a:schemeClr val="tx1">
+                    <a:lumMod val="85000"/>
+                    <a:lumOff val="15000"/>
+                  </a:schemeClr>
+                </a:solidFill>
+              </a:rPr>
+              <a:t>Capability</a:t>
+            </a:r>
+          </a:p>
+        </p:txBody>
+      </p:sp>
+      <p:sp>
+        <p:nvSpPr>
+          <p:cNvPr id="17" name="Down Arrow 16">
+            <a:extLst>
+              <a:ext uri="{FF2B5EF4-FFF2-40B4-BE49-F238E27FC236}">
+                <a16:creationId xmlns:a16="http://schemas.microsoft.com/office/drawing/2014/main" id="{79138125-78FD-2843-9EDB-DB6D8C3820EA}"/>
+              </a:ext>
+            </a:extLst>
+          </p:cNvPr>
+          <p:cNvSpPr/>
+          <p:nvPr/>
+        </p:nvSpPr>
+        <p:spPr>
+          <a:xfrm>
+            <a:off x="2191458" y="4281057"/>
+            <a:ext cx="161365" cy="581892"/>
+          </a:xfrm>
+          <a:prstGeom prst="downArrow">
+            <a:avLst>
+              <a:gd name="adj1" fmla="val 50000"/>
+              <a:gd name="adj2" fmla="val 129998"/>
+            </a:avLst>
+          </a:prstGeom>
+          <a:solidFill>
+            <a:schemeClr val="bg1">
+              <a:lumMod val="95000"/>
+              <a:alpha val="79584"/>
+            </a:schemeClr>
+          </a:solidFill>
+          <a:ln>
+            <a:solidFill>
+              <a:schemeClr val="bg2">
+                <a:lumMod val="50000"/>
+              </a:schemeClr>
+            </a:solidFill>
+          </a:ln>
+        </p:spPr>
+        <p:style>
+          <a:lnRef idx="2">
+            <a:schemeClr val="accent1">
+              <a:shade val="50000"/>
+            </a:schemeClr>
+          </a:lnRef>
+          <a:fillRef idx="1">
+            <a:schemeClr val="accent1"/>
+          </a:fillRef>
+          <a:effectRef idx="0">
+            <a:schemeClr val="accent1"/>
+          </a:effectRef>
+          <a:fontRef idx="minor">
+            <a:schemeClr val="lt1"/>
+          </a:fontRef>
+        </p:style>
+        <p:txBody>
+          <a:bodyPr rtlCol="0" anchor="ctr"/>
+          <a:lstStyle/>
+          <a:p>
+            <a:pPr algn="ctr"/>
+            <a:endParaRPr lang="en-US"/>
+          </a:p>
+        </p:txBody>
+      </p:sp>
+    </p:spTree>
+    <p:extLst>
+      <p:ext uri="{BB962C8B-B14F-4D97-AF65-F5344CB8AC3E}">
+        <p14:creationId xmlns:p14="http://schemas.microsoft.com/office/powerpoint/2010/main" val="3840253160"/>
+      </p:ext>
+    </p:extLst>
+  </p:cSld>
+  <p:clrMapOvr>
+    <a:masterClrMapping/>
+  </p:clrMapOvr>
+</p:sld>
+</file>
+
+<file path=ppt/slides/slide7.xml><?xml version="1.0" encoding="utf-8"?>
+<p:sld xmlns:a="http://schemas.openxmlformats.org/drawingml/2006/main" xmlns:r="http://schemas.openxmlformats.org/officeDocument/2006/relationships" xmlns:p="http://schemas.openxmlformats.org/presentationml/2006/main">
+  <p:cSld>
+    <p:spTree>
+      <p:nvGrpSpPr>
+        <p:cNvPr id="1" name=""/>
+        <p:cNvGrpSpPr/>
+        <p:nvPr/>
+      </p:nvGrpSpPr>
+      <p:grpSpPr>
+        <a:xfrm>
+          <a:off x="0" y="0"/>
+          <a:ext cx="0" cy="0"/>
+          <a:chOff x="0" y="0"/>
+          <a:chExt cx="0" cy="0"/>
+        </a:xfrm>
+      </p:grpSpPr>
+      <p:sp>
+        <p:nvSpPr>
           <p:cNvPr id="11" name="Rectangle 10">
             <a:extLst>
               <a:ext uri="{FF2B5EF4-FFF2-40B4-BE49-F238E27FC236}">
@@ -6278,7 +6971,7 @@
 </p:sld>
 </file>
 
-<file path=ppt/slides/slide5.xml><?xml version="1.0" encoding="utf-8"?>
+<file path=ppt/slides/slide8.xml><?xml version="1.0" encoding="utf-8"?>
 <p:sld xmlns:a="http://schemas.openxmlformats.org/drawingml/2006/main" xmlns:r="http://schemas.openxmlformats.org/officeDocument/2006/relationships" xmlns:p="http://schemas.openxmlformats.org/presentationml/2006/main">
   <p:cSld>
     <p:spTree>

--- a/getting-apis-to-work-2021/img/RBAC.pptx
+++ b/getting-apis-to-work-2021/img/RBAC.pptx
@@ -6,13 +6,7 @@
   </p:sldMasterIdLst>
   <p:sldIdLst>
     <p:sldId id="256" r:id="rId2"/>
-    <p:sldId id="257" r:id="rId3"/>
-    <p:sldId id="264" r:id="rId4"/>
-    <p:sldId id="265" r:id="rId5"/>
-    <p:sldId id="266" r:id="rId6"/>
-    <p:sldId id="261" r:id="rId7"/>
-    <p:sldId id="263" r:id="rId8"/>
-    <p:sldId id="262" r:id="rId9"/>
+    <p:sldId id="262" r:id="rId3"/>
   </p:sldIdLst>
   <p:sldSz cx="12192000" cy="6858000"/>
   <p:notesSz cx="6858000" cy="9144000"/>
@@ -3645,10 +3639,10 @@
       </p:grpSpPr>
       <p:sp>
         <p:nvSpPr>
-          <p:cNvPr id="7" name="Rectangle 6">
-            <a:extLst>
-              <a:ext uri="{FF2B5EF4-FFF2-40B4-BE49-F238E27FC236}">
-                <a16:creationId xmlns:a16="http://schemas.microsoft.com/office/drawing/2014/main" id="{084195EB-CEC7-3642-9E4F-07763E9EF4CC}"/>
+          <p:cNvPr id="11" name="Rectangle 10">
+            <a:extLst>
+              <a:ext uri="{FF2B5EF4-FFF2-40B4-BE49-F238E27FC236}">
+                <a16:creationId xmlns:a16="http://schemas.microsoft.com/office/drawing/2014/main" id="{F5DFF4CB-98E1-FF48-A069-97B4154B328B}"/>
               </a:ext>
             </a:extLst>
           </p:cNvPr>
@@ -3657,1189 +3651,7 @@
         </p:nvSpPr>
         <p:spPr>
           <a:xfrm>
-            <a:off x="1510142" y="4862949"/>
-            <a:ext cx="1524001" cy="665018"/>
-          </a:xfrm>
-          <a:prstGeom prst="rect">
-            <a:avLst/>
-          </a:prstGeom>
-          <a:solidFill>
-            <a:schemeClr val="bg1">
-              <a:lumMod val="95000"/>
-            </a:schemeClr>
-          </a:solidFill>
-          <a:ln w="38100">
-            <a:solidFill>
-              <a:schemeClr val="bg2">
-                <a:lumMod val="50000"/>
-                <a:alpha val="80030"/>
-              </a:schemeClr>
-            </a:solidFill>
-          </a:ln>
-        </p:spPr>
-        <p:style>
-          <a:lnRef idx="2">
-            <a:schemeClr val="accent1">
-              <a:shade val="50000"/>
-            </a:schemeClr>
-          </a:lnRef>
-          <a:fillRef idx="1">
-            <a:schemeClr val="accent1"/>
-          </a:fillRef>
-          <a:effectRef idx="0">
-            <a:schemeClr val="accent1"/>
-          </a:effectRef>
-          <a:fontRef idx="minor">
-            <a:schemeClr val="lt1"/>
-          </a:fontRef>
-        </p:style>
-        <p:txBody>
-          <a:bodyPr rtlCol="0" anchor="ctr"/>
-          <a:lstStyle/>
-          <a:p>
-            <a:pPr algn="ctr"/>
-            <a:r>
-              <a:rPr lang="en-US" sz="2000" dirty="0">
-                <a:solidFill>
-                  <a:schemeClr val="tx1">
-                    <a:lumMod val="85000"/>
-                    <a:lumOff val="15000"/>
-                  </a:schemeClr>
-                </a:solidFill>
-              </a:rPr>
-              <a:t>Capability</a:t>
-            </a:r>
-          </a:p>
-        </p:txBody>
-      </p:sp>
-    </p:spTree>
-    <p:extLst>
-      <p:ext uri="{BB962C8B-B14F-4D97-AF65-F5344CB8AC3E}">
-        <p14:creationId xmlns:p14="http://schemas.microsoft.com/office/powerpoint/2010/main" val="1458879343"/>
-      </p:ext>
-    </p:extLst>
-  </p:cSld>
-  <p:clrMapOvr>
-    <a:masterClrMapping/>
-  </p:clrMapOvr>
-</p:sld>
-</file>
-
-<file path=ppt/slides/slide3.xml><?xml version="1.0" encoding="utf-8"?>
-<p:sld xmlns:a="http://schemas.openxmlformats.org/drawingml/2006/main" xmlns:r="http://schemas.openxmlformats.org/officeDocument/2006/relationships" xmlns:p="http://schemas.openxmlformats.org/presentationml/2006/main">
-  <p:cSld>
-    <p:spTree>
-      <p:nvGrpSpPr>
-        <p:cNvPr id="1" name=""/>
-        <p:cNvGrpSpPr/>
-        <p:nvPr/>
-      </p:nvGrpSpPr>
-      <p:grpSpPr>
-        <a:xfrm>
-          <a:off x="0" y="0"/>
-          <a:ext cx="0" cy="0"/>
-          <a:chOff x="0" y="0"/>
-          <a:chExt cx="0" cy="0"/>
-        </a:xfrm>
-      </p:grpSpPr>
-      <p:sp>
-        <p:nvSpPr>
-          <p:cNvPr id="6" name="Rectangle 5">
-            <a:extLst>
-              <a:ext uri="{FF2B5EF4-FFF2-40B4-BE49-F238E27FC236}">
-                <a16:creationId xmlns:a16="http://schemas.microsoft.com/office/drawing/2014/main" id="{292A8187-D086-6241-BD43-8F4A54EACBD1}"/>
-              </a:ext>
-            </a:extLst>
-          </p:cNvPr>
-          <p:cNvSpPr/>
-          <p:nvPr/>
-        </p:nvSpPr>
-        <p:spPr>
-          <a:xfrm>
-            <a:off x="1510142" y="3616039"/>
-            <a:ext cx="1524001" cy="665018"/>
-          </a:xfrm>
-          <a:prstGeom prst="rect">
-            <a:avLst/>
-          </a:prstGeom>
-          <a:solidFill>
-            <a:schemeClr val="bg1">
-              <a:lumMod val="95000"/>
-            </a:schemeClr>
-          </a:solidFill>
-          <a:ln w="38100">
-            <a:solidFill>
-              <a:schemeClr val="bg2">
-                <a:lumMod val="50000"/>
-                <a:alpha val="80030"/>
-              </a:schemeClr>
-            </a:solidFill>
-          </a:ln>
-        </p:spPr>
-        <p:style>
-          <a:lnRef idx="2">
-            <a:schemeClr val="accent1">
-              <a:shade val="50000"/>
-            </a:schemeClr>
-          </a:lnRef>
-          <a:fillRef idx="1">
-            <a:schemeClr val="accent1"/>
-          </a:fillRef>
-          <a:effectRef idx="0">
-            <a:schemeClr val="accent1"/>
-          </a:effectRef>
-          <a:fontRef idx="minor">
-            <a:schemeClr val="lt1"/>
-          </a:fontRef>
-        </p:style>
-        <p:txBody>
-          <a:bodyPr rtlCol="0" anchor="ctr"/>
-          <a:lstStyle/>
-          <a:p>
-            <a:pPr algn="ctr"/>
-            <a:r>
-              <a:rPr lang="en-US" sz="2000" dirty="0">
-                <a:solidFill>
-                  <a:schemeClr val="tx1">
-                    <a:lumMod val="85000"/>
-                    <a:lumOff val="15000"/>
-                  </a:schemeClr>
-                </a:solidFill>
-              </a:rPr>
-              <a:t>Permission</a:t>
-            </a:r>
-          </a:p>
-        </p:txBody>
-      </p:sp>
-      <p:sp>
-        <p:nvSpPr>
-          <p:cNvPr id="7" name="Rectangle 6">
-            <a:extLst>
-              <a:ext uri="{FF2B5EF4-FFF2-40B4-BE49-F238E27FC236}">
-                <a16:creationId xmlns:a16="http://schemas.microsoft.com/office/drawing/2014/main" id="{084195EB-CEC7-3642-9E4F-07763E9EF4CC}"/>
-              </a:ext>
-            </a:extLst>
-          </p:cNvPr>
-          <p:cNvSpPr/>
-          <p:nvPr/>
-        </p:nvSpPr>
-        <p:spPr>
-          <a:xfrm>
-            <a:off x="1510142" y="4862949"/>
-            <a:ext cx="1524001" cy="665018"/>
-          </a:xfrm>
-          <a:prstGeom prst="rect">
-            <a:avLst/>
-          </a:prstGeom>
-          <a:solidFill>
-            <a:schemeClr val="bg1">
-              <a:lumMod val="95000"/>
-            </a:schemeClr>
-          </a:solidFill>
-          <a:ln w="38100">
-            <a:solidFill>
-              <a:schemeClr val="bg2">
-                <a:lumMod val="50000"/>
-                <a:alpha val="80030"/>
-              </a:schemeClr>
-            </a:solidFill>
-          </a:ln>
-        </p:spPr>
-        <p:style>
-          <a:lnRef idx="2">
-            <a:schemeClr val="accent1">
-              <a:shade val="50000"/>
-            </a:schemeClr>
-          </a:lnRef>
-          <a:fillRef idx="1">
-            <a:schemeClr val="accent1"/>
-          </a:fillRef>
-          <a:effectRef idx="0">
-            <a:schemeClr val="accent1"/>
-          </a:effectRef>
-          <a:fontRef idx="minor">
-            <a:schemeClr val="lt1"/>
-          </a:fontRef>
-        </p:style>
-        <p:txBody>
-          <a:bodyPr rtlCol="0" anchor="ctr"/>
-          <a:lstStyle/>
-          <a:p>
-            <a:pPr algn="ctr"/>
-            <a:r>
-              <a:rPr lang="en-US" sz="2000" dirty="0">
-                <a:solidFill>
-                  <a:schemeClr val="tx1">
-                    <a:lumMod val="85000"/>
-                    <a:lumOff val="15000"/>
-                  </a:schemeClr>
-                </a:solidFill>
-              </a:rPr>
-              <a:t>Capability</a:t>
-            </a:r>
-          </a:p>
-        </p:txBody>
-      </p:sp>
-      <p:sp>
-        <p:nvSpPr>
-          <p:cNvPr id="17" name="Down Arrow 16">
-            <a:extLst>
-              <a:ext uri="{FF2B5EF4-FFF2-40B4-BE49-F238E27FC236}">
-                <a16:creationId xmlns:a16="http://schemas.microsoft.com/office/drawing/2014/main" id="{79138125-78FD-2843-9EDB-DB6D8C3820EA}"/>
-              </a:ext>
-            </a:extLst>
-          </p:cNvPr>
-          <p:cNvSpPr/>
-          <p:nvPr/>
-        </p:nvSpPr>
-        <p:spPr>
-          <a:xfrm>
-            <a:off x="2191458" y="4281057"/>
-            <a:ext cx="161365" cy="581892"/>
-          </a:xfrm>
-          <a:prstGeom prst="downArrow">
-            <a:avLst>
-              <a:gd name="adj1" fmla="val 50000"/>
-              <a:gd name="adj2" fmla="val 129998"/>
-            </a:avLst>
-          </a:prstGeom>
-          <a:solidFill>
-            <a:schemeClr val="bg1">
-              <a:lumMod val="95000"/>
-            </a:schemeClr>
-          </a:solidFill>
-          <a:ln>
-            <a:solidFill>
-              <a:schemeClr val="bg2">
-                <a:lumMod val="50000"/>
-                <a:alpha val="80030"/>
-              </a:schemeClr>
-            </a:solidFill>
-          </a:ln>
-        </p:spPr>
-        <p:style>
-          <a:lnRef idx="2">
-            <a:schemeClr val="accent1">
-              <a:shade val="50000"/>
-            </a:schemeClr>
-          </a:lnRef>
-          <a:fillRef idx="1">
-            <a:schemeClr val="accent1"/>
-          </a:fillRef>
-          <a:effectRef idx="0">
-            <a:schemeClr val="accent1"/>
-          </a:effectRef>
-          <a:fontRef idx="minor">
-            <a:schemeClr val="lt1"/>
-          </a:fontRef>
-        </p:style>
-        <p:txBody>
-          <a:bodyPr rtlCol="0" anchor="ctr"/>
-          <a:lstStyle/>
-          <a:p>
-            <a:pPr algn="ctr"/>
-            <a:endParaRPr lang="en-US"/>
-          </a:p>
-        </p:txBody>
-      </p:sp>
-    </p:spTree>
-    <p:extLst>
-      <p:ext uri="{BB962C8B-B14F-4D97-AF65-F5344CB8AC3E}">
-        <p14:creationId xmlns:p14="http://schemas.microsoft.com/office/powerpoint/2010/main" val="674908156"/>
-      </p:ext>
-    </p:extLst>
-  </p:cSld>
-  <p:clrMapOvr>
-    <a:masterClrMapping/>
-  </p:clrMapOvr>
-</p:sld>
-</file>
-
-<file path=ppt/slides/slide4.xml><?xml version="1.0" encoding="utf-8"?>
-<p:sld xmlns:a="http://schemas.openxmlformats.org/drawingml/2006/main" xmlns:r="http://schemas.openxmlformats.org/officeDocument/2006/relationships" xmlns:p="http://schemas.openxmlformats.org/presentationml/2006/main">
-  <p:cSld>
-    <p:spTree>
-      <p:nvGrpSpPr>
-        <p:cNvPr id="1" name=""/>
-        <p:cNvGrpSpPr/>
-        <p:nvPr/>
-      </p:nvGrpSpPr>
-      <p:grpSpPr>
-        <a:xfrm>
-          <a:off x="0" y="0"/>
-          <a:ext cx="0" cy="0"/>
-          <a:chOff x="0" y="0"/>
-          <a:chExt cx="0" cy="0"/>
-        </a:xfrm>
-      </p:grpSpPr>
-      <p:sp>
-        <p:nvSpPr>
-          <p:cNvPr id="5" name="Rectangle 4">
-            <a:extLst>
-              <a:ext uri="{FF2B5EF4-FFF2-40B4-BE49-F238E27FC236}">
-                <a16:creationId xmlns:a16="http://schemas.microsoft.com/office/drawing/2014/main" id="{D1CCEEB6-0FB9-4C4E-A7F2-C6729B9FC8EA}"/>
-              </a:ext>
-            </a:extLst>
-          </p:cNvPr>
-          <p:cNvSpPr/>
-          <p:nvPr/>
-        </p:nvSpPr>
-        <p:spPr>
-          <a:xfrm>
-            <a:off x="1510145" y="2369129"/>
-            <a:ext cx="1524001" cy="665018"/>
-          </a:xfrm>
-          <a:prstGeom prst="rect">
-            <a:avLst/>
-          </a:prstGeom>
-          <a:solidFill>
-            <a:schemeClr val="bg1">
-              <a:lumMod val="95000"/>
-            </a:schemeClr>
-          </a:solidFill>
-          <a:ln w="38100">
-            <a:solidFill>
-              <a:schemeClr val="bg2">
-                <a:lumMod val="50000"/>
-                <a:alpha val="80030"/>
-              </a:schemeClr>
-            </a:solidFill>
-          </a:ln>
-        </p:spPr>
-        <p:style>
-          <a:lnRef idx="2">
-            <a:schemeClr val="accent1">
-              <a:shade val="50000"/>
-            </a:schemeClr>
-          </a:lnRef>
-          <a:fillRef idx="1">
-            <a:schemeClr val="accent1"/>
-          </a:fillRef>
-          <a:effectRef idx="0">
-            <a:schemeClr val="accent1"/>
-          </a:effectRef>
-          <a:fontRef idx="minor">
-            <a:schemeClr val="lt1"/>
-          </a:fontRef>
-        </p:style>
-        <p:txBody>
-          <a:bodyPr rtlCol="0" anchor="ctr"/>
-          <a:lstStyle/>
-          <a:p>
-            <a:pPr algn="ctr"/>
-            <a:r>
-              <a:rPr lang="en-US" sz="2000" dirty="0">
-                <a:solidFill>
-                  <a:schemeClr val="tx1">
-                    <a:lumMod val="85000"/>
-                    <a:lumOff val="15000"/>
-                  </a:schemeClr>
-                </a:solidFill>
-              </a:rPr>
-              <a:t>Role</a:t>
-            </a:r>
-          </a:p>
-        </p:txBody>
-      </p:sp>
-      <p:sp>
-        <p:nvSpPr>
-          <p:cNvPr id="6" name="Rectangle 5">
-            <a:extLst>
-              <a:ext uri="{FF2B5EF4-FFF2-40B4-BE49-F238E27FC236}">
-                <a16:creationId xmlns:a16="http://schemas.microsoft.com/office/drawing/2014/main" id="{292A8187-D086-6241-BD43-8F4A54EACBD1}"/>
-              </a:ext>
-            </a:extLst>
-          </p:cNvPr>
-          <p:cNvSpPr/>
-          <p:nvPr/>
-        </p:nvSpPr>
-        <p:spPr>
-          <a:xfrm>
-            <a:off x="1510142" y="3616039"/>
-            <a:ext cx="1524001" cy="665018"/>
-          </a:xfrm>
-          <a:prstGeom prst="rect">
-            <a:avLst/>
-          </a:prstGeom>
-          <a:solidFill>
-            <a:schemeClr val="bg1">
-              <a:lumMod val="95000"/>
-            </a:schemeClr>
-          </a:solidFill>
-          <a:ln w="38100">
-            <a:solidFill>
-              <a:schemeClr val="bg2">
-                <a:lumMod val="50000"/>
-                <a:alpha val="80030"/>
-              </a:schemeClr>
-            </a:solidFill>
-          </a:ln>
-        </p:spPr>
-        <p:style>
-          <a:lnRef idx="2">
-            <a:schemeClr val="accent1">
-              <a:shade val="50000"/>
-            </a:schemeClr>
-          </a:lnRef>
-          <a:fillRef idx="1">
-            <a:schemeClr val="accent1"/>
-          </a:fillRef>
-          <a:effectRef idx="0">
-            <a:schemeClr val="accent1"/>
-          </a:effectRef>
-          <a:fontRef idx="minor">
-            <a:schemeClr val="lt1"/>
-          </a:fontRef>
-        </p:style>
-        <p:txBody>
-          <a:bodyPr rtlCol="0" anchor="ctr"/>
-          <a:lstStyle/>
-          <a:p>
-            <a:pPr algn="ctr"/>
-            <a:r>
-              <a:rPr lang="en-US" sz="2000" dirty="0">
-                <a:solidFill>
-                  <a:schemeClr val="tx1">
-                    <a:lumMod val="85000"/>
-                    <a:lumOff val="15000"/>
-                  </a:schemeClr>
-                </a:solidFill>
-              </a:rPr>
-              <a:t>Permission</a:t>
-            </a:r>
-          </a:p>
-        </p:txBody>
-      </p:sp>
-      <p:sp>
-        <p:nvSpPr>
-          <p:cNvPr id="7" name="Rectangle 6">
-            <a:extLst>
-              <a:ext uri="{FF2B5EF4-FFF2-40B4-BE49-F238E27FC236}">
-                <a16:creationId xmlns:a16="http://schemas.microsoft.com/office/drawing/2014/main" id="{084195EB-CEC7-3642-9E4F-07763E9EF4CC}"/>
-              </a:ext>
-            </a:extLst>
-          </p:cNvPr>
-          <p:cNvSpPr/>
-          <p:nvPr/>
-        </p:nvSpPr>
-        <p:spPr>
-          <a:xfrm>
-            <a:off x="1510142" y="4862949"/>
-            <a:ext cx="1524001" cy="665018"/>
-          </a:xfrm>
-          <a:prstGeom prst="rect">
-            <a:avLst/>
-          </a:prstGeom>
-          <a:solidFill>
-            <a:schemeClr val="bg1">
-              <a:lumMod val="95000"/>
-            </a:schemeClr>
-          </a:solidFill>
-          <a:ln w="38100">
-            <a:solidFill>
-              <a:schemeClr val="bg2">
-                <a:lumMod val="50000"/>
-                <a:alpha val="80030"/>
-              </a:schemeClr>
-            </a:solidFill>
-          </a:ln>
-        </p:spPr>
-        <p:style>
-          <a:lnRef idx="2">
-            <a:schemeClr val="accent1">
-              <a:shade val="50000"/>
-            </a:schemeClr>
-          </a:lnRef>
-          <a:fillRef idx="1">
-            <a:schemeClr val="accent1"/>
-          </a:fillRef>
-          <a:effectRef idx="0">
-            <a:schemeClr val="accent1"/>
-          </a:effectRef>
-          <a:fontRef idx="minor">
-            <a:schemeClr val="lt1"/>
-          </a:fontRef>
-        </p:style>
-        <p:txBody>
-          <a:bodyPr rtlCol="0" anchor="ctr"/>
-          <a:lstStyle/>
-          <a:p>
-            <a:pPr algn="ctr"/>
-            <a:r>
-              <a:rPr lang="en-US" sz="2000" dirty="0">
-                <a:solidFill>
-                  <a:schemeClr val="tx1">
-                    <a:lumMod val="85000"/>
-                    <a:lumOff val="15000"/>
-                  </a:schemeClr>
-                </a:solidFill>
-              </a:rPr>
-              <a:t>Capability</a:t>
-            </a:r>
-          </a:p>
-        </p:txBody>
-      </p:sp>
-      <p:sp>
-        <p:nvSpPr>
-          <p:cNvPr id="17" name="Down Arrow 16">
-            <a:extLst>
-              <a:ext uri="{FF2B5EF4-FFF2-40B4-BE49-F238E27FC236}">
-                <a16:creationId xmlns:a16="http://schemas.microsoft.com/office/drawing/2014/main" id="{79138125-78FD-2843-9EDB-DB6D8C3820EA}"/>
-              </a:ext>
-            </a:extLst>
-          </p:cNvPr>
-          <p:cNvSpPr/>
-          <p:nvPr/>
-        </p:nvSpPr>
-        <p:spPr>
-          <a:xfrm>
-            <a:off x="2191458" y="4281057"/>
-            <a:ext cx="161365" cy="581892"/>
-          </a:xfrm>
-          <a:prstGeom prst="downArrow">
-            <a:avLst>
-              <a:gd name="adj1" fmla="val 50000"/>
-              <a:gd name="adj2" fmla="val 129998"/>
-            </a:avLst>
-          </a:prstGeom>
-          <a:solidFill>
-            <a:schemeClr val="bg1">
-              <a:lumMod val="95000"/>
-            </a:schemeClr>
-          </a:solidFill>
-          <a:ln>
-            <a:solidFill>
-              <a:schemeClr val="bg2">
-                <a:lumMod val="50000"/>
-                <a:alpha val="80030"/>
-              </a:schemeClr>
-            </a:solidFill>
-          </a:ln>
-        </p:spPr>
-        <p:style>
-          <a:lnRef idx="2">
-            <a:schemeClr val="accent1">
-              <a:shade val="50000"/>
-            </a:schemeClr>
-          </a:lnRef>
-          <a:fillRef idx="1">
-            <a:schemeClr val="accent1"/>
-          </a:fillRef>
-          <a:effectRef idx="0">
-            <a:schemeClr val="accent1"/>
-          </a:effectRef>
-          <a:fontRef idx="minor">
-            <a:schemeClr val="lt1"/>
-          </a:fontRef>
-        </p:style>
-        <p:txBody>
-          <a:bodyPr rtlCol="0" anchor="ctr"/>
-          <a:lstStyle/>
-          <a:p>
-            <a:pPr algn="ctr"/>
-            <a:endParaRPr lang="en-US"/>
-          </a:p>
-        </p:txBody>
-      </p:sp>
-      <p:sp>
-        <p:nvSpPr>
-          <p:cNvPr id="18" name="Down Arrow 17">
-            <a:extLst>
-              <a:ext uri="{FF2B5EF4-FFF2-40B4-BE49-F238E27FC236}">
-                <a16:creationId xmlns:a16="http://schemas.microsoft.com/office/drawing/2014/main" id="{A8DAD2EC-3E9B-E942-96A2-159C54469EE2}"/>
-              </a:ext>
-            </a:extLst>
-          </p:cNvPr>
-          <p:cNvSpPr/>
-          <p:nvPr/>
-        </p:nvSpPr>
-        <p:spPr>
-          <a:xfrm>
-            <a:off x="2191459" y="3029199"/>
-            <a:ext cx="161365" cy="581892"/>
-          </a:xfrm>
-          <a:prstGeom prst="downArrow">
-            <a:avLst>
-              <a:gd name="adj1" fmla="val 50000"/>
-              <a:gd name="adj2" fmla="val 129998"/>
-            </a:avLst>
-          </a:prstGeom>
-          <a:solidFill>
-            <a:schemeClr val="bg1">
-              <a:lumMod val="95000"/>
-            </a:schemeClr>
-          </a:solidFill>
-          <a:ln>
-            <a:solidFill>
-              <a:schemeClr val="bg2">
-                <a:lumMod val="50000"/>
-                <a:alpha val="80030"/>
-              </a:schemeClr>
-            </a:solidFill>
-          </a:ln>
-        </p:spPr>
-        <p:style>
-          <a:lnRef idx="2">
-            <a:schemeClr val="accent1">
-              <a:shade val="50000"/>
-            </a:schemeClr>
-          </a:lnRef>
-          <a:fillRef idx="1">
-            <a:schemeClr val="accent1"/>
-          </a:fillRef>
-          <a:effectRef idx="0">
-            <a:schemeClr val="accent1"/>
-          </a:effectRef>
-          <a:fontRef idx="minor">
-            <a:schemeClr val="lt1"/>
-          </a:fontRef>
-        </p:style>
-        <p:txBody>
-          <a:bodyPr rtlCol="0" anchor="ctr"/>
-          <a:lstStyle/>
-          <a:p>
-            <a:pPr algn="ctr"/>
-            <a:endParaRPr lang="en-US"/>
-          </a:p>
-        </p:txBody>
-      </p:sp>
-    </p:spTree>
-    <p:extLst>
-      <p:ext uri="{BB962C8B-B14F-4D97-AF65-F5344CB8AC3E}">
-        <p14:creationId xmlns:p14="http://schemas.microsoft.com/office/powerpoint/2010/main" val="2002102711"/>
-      </p:ext>
-    </p:extLst>
-  </p:cSld>
-  <p:clrMapOvr>
-    <a:masterClrMapping/>
-  </p:clrMapOvr>
-</p:sld>
-</file>
-
-<file path=ppt/slides/slide5.xml><?xml version="1.0" encoding="utf-8"?>
-<p:sld xmlns:a="http://schemas.openxmlformats.org/drawingml/2006/main" xmlns:r="http://schemas.openxmlformats.org/officeDocument/2006/relationships" xmlns:p="http://schemas.openxmlformats.org/presentationml/2006/main">
-  <p:cSld>
-    <p:spTree>
-      <p:nvGrpSpPr>
-        <p:cNvPr id="1" name=""/>
-        <p:cNvGrpSpPr/>
-        <p:nvPr/>
-      </p:nvGrpSpPr>
-      <p:grpSpPr>
-        <a:xfrm>
-          <a:off x="0" y="0"/>
-          <a:ext cx="0" cy="0"/>
-          <a:chOff x="0" y="0"/>
-          <a:chExt cx="0" cy="0"/>
-        </a:xfrm>
-      </p:grpSpPr>
-      <p:sp>
-        <p:nvSpPr>
-          <p:cNvPr id="2" name="Rectangle 1">
-            <a:extLst>
-              <a:ext uri="{FF2B5EF4-FFF2-40B4-BE49-F238E27FC236}">
-                <a16:creationId xmlns:a16="http://schemas.microsoft.com/office/drawing/2014/main" id="{9B7387F5-ACA9-7141-97D3-A62F3221BA74}"/>
-              </a:ext>
-            </a:extLst>
-          </p:cNvPr>
-          <p:cNvSpPr/>
-          <p:nvPr/>
-        </p:nvSpPr>
-        <p:spPr>
-          <a:xfrm>
-            <a:off x="1510145" y="1122219"/>
-            <a:ext cx="1524001" cy="665018"/>
-          </a:xfrm>
-          <a:prstGeom prst="rect">
-            <a:avLst/>
-          </a:prstGeom>
-          <a:solidFill>
-            <a:schemeClr val="bg1">
-              <a:lumMod val="95000"/>
-            </a:schemeClr>
-          </a:solidFill>
-          <a:ln w="38100">
-            <a:solidFill>
-              <a:schemeClr val="bg2">
-                <a:lumMod val="50000"/>
-                <a:alpha val="80030"/>
-              </a:schemeClr>
-            </a:solidFill>
-          </a:ln>
-        </p:spPr>
-        <p:style>
-          <a:lnRef idx="2">
-            <a:schemeClr val="accent1">
-              <a:shade val="50000"/>
-            </a:schemeClr>
-          </a:lnRef>
-          <a:fillRef idx="1">
-            <a:schemeClr val="accent1"/>
-          </a:fillRef>
-          <a:effectRef idx="0">
-            <a:schemeClr val="accent1"/>
-          </a:effectRef>
-          <a:fontRef idx="minor">
-            <a:schemeClr val="lt1"/>
-          </a:fontRef>
-        </p:style>
-        <p:txBody>
-          <a:bodyPr rtlCol="0" anchor="ctr"/>
-          <a:lstStyle/>
-          <a:p>
-            <a:pPr algn="ctr"/>
-            <a:r>
-              <a:rPr lang="en-US" sz="2000" dirty="0">
-                <a:solidFill>
-                  <a:schemeClr val="tx1">
-                    <a:lumMod val="85000"/>
-                    <a:lumOff val="15000"/>
-                  </a:schemeClr>
-                </a:solidFill>
-              </a:rPr>
-              <a:t>User</a:t>
-            </a:r>
-          </a:p>
-        </p:txBody>
-      </p:sp>
-      <p:sp>
-        <p:nvSpPr>
-          <p:cNvPr id="5" name="Rectangle 4">
-            <a:extLst>
-              <a:ext uri="{FF2B5EF4-FFF2-40B4-BE49-F238E27FC236}">
-                <a16:creationId xmlns:a16="http://schemas.microsoft.com/office/drawing/2014/main" id="{D1CCEEB6-0FB9-4C4E-A7F2-C6729B9FC8EA}"/>
-              </a:ext>
-            </a:extLst>
-          </p:cNvPr>
-          <p:cNvSpPr/>
-          <p:nvPr/>
-        </p:nvSpPr>
-        <p:spPr>
-          <a:xfrm>
-            <a:off x="1510145" y="2369129"/>
-            <a:ext cx="1524001" cy="665018"/>
-          </a:xfrm>
-          <a:prstGeom prst="rect">
-            <a:avLst/>
-          </a:prstGeom>
-          <a:solidFill>
-            <a:schemeClr val="bg1">
-              <a:lumMod val="95000"/>
-            </a:schemeClr>
-          </a:solidFill>
-          <a:ln w="38100">
-            <a:solidFill>
-              <a:schemeClr val="bg2">
-                <a:lumMod val="50000"/>
-                <a:alpha val="80030"/>
-              </a:schemeClr>
-            </a:solidFill>
-          </a:ln>
-        </p:spPr>
-        <p:style>
-          <a:lnRef idx="2">
-            <a:schemeClr val="accent1">
-              <a:shade val="50000"/>
-            </a:schemeClr>
-          </a:lnRef>
-          <a:fillRef idx="1">
-            <a:schemeClr val="accent1"/>
-          </a:fillRef>
-          <a:effectRef idx="0">
-            <a:schemeClr val="accent1"/>
-          </a:effectRef>
-          <a:fontRef idx="minor">
-            <a:schemeClr val="lt1"/>
-          </a:fontRef>
-        </p:style>
-        <p:txBody>
-          <a:bodyPr rtlCol="0" anchor="ctr"/>
-          <a:lstStyle/>
-          <a:p>
-            <a:pPr algn="ctr"/>
-            <a:r>
-              <a:rPr lang="en-US" sz="2000" dirty="0">
-                <a:solidFill>
-                  <a:schemeClr val="tx1">
-                    <a:lumMod val="85000"/>
-                    <a:lumOff val="15000"/>
-                  </a:schemeClr>
-                </a:solidFill>
-              </a:rPr>
-              <a:t>Role</a:t>
-            </a:r>
-          </a:p>
-        </p:txBody>
-      </p:sp>
-      <p:sp>
-        <p:nvSpPr>
-          <p:cNvPr id="6" name="Rectangle 5">
-            <a:extLst>
-              <a:ext uri="{FF2B5EF4-FFF2-40B4-BE49-F238E27FC236}">
-                <a16:creationId xmlns:a16="http://schemas.microsoft.com/office/drawing/2014/main" id="{292A8187-D086-6241-BD43-8F4A54EACBD1}"/>
-              </a:ext>
-            </a:extLst>
-          </p:cNvPr>
-          <p:cNvSpPr/>
-          <p:nvPr/>
-        </p:nvSpPr>
-        <p:spPr>
-          <a:xfrm>
-            <a:off x="1510142" y="3616039"/>
-            <a:ext cx="1524001" cy="665018"/>
-          </a:xfrm>
-          <a:prstGeom prst="rect">
-            <a:avLst/>
-          </a:prstGeom>
-          <a:solidFill>
-            <a:schemeClr val="bg1">
-              <a:lumMod val="95000"/>
-            </a:schemeClr>
-          </a:solidFill>
-          <a:ln w="38100">
-            <a:solidFill>
-              <a:schemeClr val="bg2">
-                <a:lumMod val="50000"/>
-                <a:alpha val="80030"/>
-              </a:schemeClr>
-            </a:solidFill>
-          </a:ln>
-        </p:spPr>
-        <p:style>
-          <a:lnRef idx="2">
-            <a:schemeClr val="accent1">
-              <a:shade val="50000"/>
-            </a:schemeClr>
-          </a:lnRef>
-          <a:fillRef idx="1">
-            <a:schemeClr val="accent1"/>
-          </a:fillRef>
-          <a:effectRef idx="0">
-            <a:schemeClr val="accent1"/>
-          </a:effectRef>
-          <a:fontRef idx="minor">
-            <a:schemeClr val="lt1"/>
-          </a:fontRef>
-        </p:style>
-        <p:txBody>
-          <a:bodyPr rtlCol="0" anchor="ctr"/>
-          <a:lstStyle/>
-          <a:p>
-            <a:pPr algn="ctr"/>
-            <a:r>
-              <a:rPr lang="en-US" sz="2000" dirty="0">
-                <a:solidFill>
-                  <a:schemeClr val="tx1">
-                    <a:lumMod val="85000"/>
-                    <a:lumOff val="15000"/>
-                  </a:schemeClr>
-                </a:solidFill>
-              </a:rPr>
-              <a:t>Permission</a:t>
-            </a:r>
-          </a:p>
-        </p:txBody>
-      </p:sp>
-      <p:sp>
-        <p:nvSpPr>
-          <p:cNvPr id="7" name="Rectangle 6">
-            <a:extLst>
-              <a:ext uri="{FF2B5EF4-FFF2-40B4-BE49-F238E27FC236}">
-                <a16:creationId xmlns:a16="http://schemas.microsoft.com/office/drawing/2014/main" id="{084195EB-CEC7-3642-9E4F-07763E9EF4CC}"/>
-              </a:ext>
-            </a:extLst>
-          </p:cNvPr>
-          <p:cNvSpPr/>
-          <p:nvPr/>
-        </p:nvSpPr>
-        <p:spPr>
-          <a:xfrm>
-            <a:off x="1510142" y="4862949"/>
-            <a:ext cx="1524001" cy="665018"/>
-          </a:xfrm>
-          <a:prstGeom prst="rect">
-            <a:avLst/>
-          </a:prstGeom>
-          <a:solidFill>
-            <a:schemeClr val="bg1">
-              <a:lumMod val="95000"/>
-            </a:schemeClr>
-          </a:solidFill>
-          <a:ln w="38100">
-            <a:solidFill>
-              <a:schemeClr val="bg2">
-                <a:lumMod val="50000"/>
-                <a:alpha val="80030"/>
-              </a:schemeClr>
-            </a:solidFill>
-          </a:ln>
-        </p:spPr>
-        <p:style>
-          <a:lnRef idx="2">
-            <a:schemeClr val="accent1">
-              <a:shade val="50000"/>
-            </a:schemeClr>
-          </a:lnRef>
-          <a:fillRef idx="1">
-            <a:schemeClr val="accent1"/>
-          </a:fillRef>
-          <a:effectRef idx="0">
-            <a:schemeClr val="accent1"/>
-          </a:effectRef>
-          <a:fontRef idx="minor">
-            <a:schemeClr val="lt1"/>
-          </a:fontRef>
-        </p:style>
-        <p:txBody>
-          <a:bodyPr rtlCol="0" anchor="ctr"/>
-          <a:lstStyle/>
-          <a:p>
-            <a:pPr algn="ctr"/>
-            <a:r>
-              <a:rPr lang="en-US" sz="2000" dirty="0">
-                <a:solidFill>
-                  <a:schemeClr val="tx1">
-                    <a:lumMod val="85000"/>
-                    <a:lumOff val="15000"/>
-                  </a:schemeClr>
-                </a:solidFill>
-              </a:rPr>
-              <a:t>Capability</a:t>
-            </a:r>
-          </a:p>
-        </p:txBody>
-      </p:sp>
-      <p:sp>
-        <p:nvSpPr>
-          <p:cNvPr id="15" name="Down Arrow 14">
-            <a:extLst>
-              <a:ext uri="{FF2B5EF4-FFF2-40B4-BE49-F238E27FC236}">
-                <a16:creationId xmlns:a16="http://schemas.microsoft.com/office/drawing/2014/main" id="{03FE2F9B-D768-9846-AF7E-C97F162AF435}"/>
-              </a:ext>
-            </a:extLst>
-          </p:cNvPr>
-          <p:cNvSpPr/>
-          <p:nvPr/>
-        </p:nvSpPr>
-        <p:spPr>
-          <a:xfrm>
-            <a:off x="2191459" y="1787237"/>
-            <a:ext cx="161365" cy="581892"/>
-          </a:xfrm>
-          <a:prstGeom prst="downArrow">
-            <a:avLst>
-              <a:gd name="adj1" fmla="val 50000"/>
-              <a:gd name="adj2" fmla="val 129998"/>
-            </a:avLst>
-          </a:prstGeom>
-          <a:solidFill>
-            <a:schemeClr val="bg1">
-              <a:lumMod val="95000"/>
-            </a:schemeClr>
-          </a:solidFill>
-          <a:ln>
-            <a:solidFill>
-              <a:schemeClr val="bg2">
-                <a:lumMod val="50000"/>
-                <a:alpha val="80030"/>
-              </a:schemeClr>
-            </a:solidFill>
-          </a:ln>
-        </p:spPr>
-        <p:style>
-          <a:lnRef idx="2">
-            <a:schemeClr val="accent1">
-              <a:shade val="50000"/>
-            </a:schemeClr>
-          </a:lnRef>
-          <a:fillRef idx="1">
-            <a:schemeClr val="accent1"/>
-          </a:fillRef>
-          <a:effectRef idx="0">
-            <a:schemeClr val="accent1"/>
-          </a:effectRef>
-          <a:fontRef idx="minor">
-            <a:schemeClr val="lt1"/>
-          </a:fontRef>
-        </p:style>
-        <p:txBody>
-          <a:bodyPr rtlCol="0" anchor="ctr"/>
-          <a:lstStyle/>
-          <a:p>
-            <a:pPr algn="ctr"/>
-            <a:endParaRPr lang="en-US"/>
-          </a:p>
-        </p:txBody>
-      </p:sp>
-      <p:sp>
-        <p:nvSpPr>
-          <p:cNvPr id="17" name="Down Arrow 16">
-            <a:extLst>
-              <a:ext uri="{FF2B5EF4-FFF2-40B4-BE49-F238E27FC236}">
-                <a16:creationId xmlns:a16="http://schemas.microsoft.com/office/drawing/2014/main" id="{79138125-78FD-2843-9EDB-DB6D8C3820EA}"/>
-              </a:ext>
-            </a:extLst>
-          </p:cNvPr>
-          <p:cNvSpPr/>
-          <p:nvPr/>
-        </p:nvSpPr>
-        <p:spPr>
-          <a:xfrm>
-            <a:off x="2191458" y="4281057"/>
-            <a:ext cx="161365" cy="581892"/>
-          </a:xfrm>
-          <a:prstGeom prst="downArrow">
-            <a:avLst>
-              <a:gd name="adj1" fmla="val 50000"/>
-              <a:gd name="adj2" fmla="val 129998"/>
-            </a:avLst>
-          </a:prstGeom>
-          <a:solidFill>
-            <a:schemeClr val="bg1">
-              <a:lumMod val="95000"/>
-            </a:schemeClr>
-          </a:solidFill>
-          <a:ln>
-            <a:solidFill>
-              <a:schemeClr val="bg2">
-                <a:lumMod val="50000"/>
-                <a:alpha val="80030"/>
-              </a:schemeClr>
-            </a:solidFill>
-          </a:ln>
-        </p:spPr>
-        <p:style>
-          <a:lnRef idx="2">
-            <a:schemeClr val="accent1">
-              <a:shade val="50000"/>
-            </a:schemeClr>
-          </a:lnRef>
-          <a:fillRef idx="1">
-            <a:schemeClr val="accent1"/>
-          </a:fillRef>
-          <a:effectRef idx="0">
-            <a:schemeClr val="accent1"/>
-          </a:effectRef>
-          <a:fontRef idx="minor">
-            <a:schemeClr val="lt1"/>
-          </a:fontRef>
-        </p:style>
-        <p:txBody>
-          <a:bodyPr rtlCol="0" anchor="ctr"/>
-          <a:lstStyle/>
-          <a:p>
-            <a:pPr algn="ctr"/>
-            <a:endParaRPr lang="en-US"/>
-          </a:p>
-        </p:txBody>
-      </p:sp>
-      <p:sp>
-        <p:nvSpPr>
-          <p:cNvPr id="18" name="Down Arrow 17">
-            <a:extLst>
-              <a:ext uri="{FF2B5EF4-FFF2-40B4-BE49-F238E27FC236}">
-                <a16:creationId xmlns:a16="http://schemas.microsoft.com/office/drawing/2014/main" id="{A8DAD2EC-3E9B-E942-96A2-159C54469EE2}"/>
-              </a:ext>
-            </a:extLst>
-          </p:cNvPr>
-          <p:cNvSpPr/>
-          <p:nvPr/>
-        </p:nvSpPr>
-        <p:spPr>
-          <a:xfrm>
-            <a:off x="2191459" y="3029199"/>
-            <a:ext cx="161365" cy="581892"/>
-          </a:xfrm>
-          <a:prstGeom prst="downArrow">
-            <a:avLst>
-              <a:gd name="adj1" fmla="val 50000"/>
-              <a:gd name="adj2" fmla="val 129998"/>
-            </a:avLst>
-          </a:prstGeom>
-          <a:solidFill>
-            <a:schemeClr val="bg1">
-              <a:lumMod val="95000"/>
-            </a:schemeClr>
-          </a:solidFill>
-          <a:ln>
-            <a:solidFill>
-              <a:schemeClr val="bg2">
-                <a:lumMod val="50000"/>
-                <a:alpha val="80030"/>
-              </a:schemeClr>
-            </a:solidFill>
-          </a:ln>
-        </p:spPr>
-        <p:style>
-          <a:lnRef idx="2">
-            <a:schemeClr val="accent1">
-              <a:shade val="50000"/>
-            </a:schemeClr>
-          </a:lnRef>
-          <a:fillRef idx="1">
-            <a:schemeClr val="accent1"/>
-          </a:fillRef>
-          <a:effectRef idx="0">
-            <a:schemeClr val="accent1"/>
-          </a:effectRef>
-          <a:fontRef idx="minor">
-            <a:schemeClr val="lt1"/>
-          </a:fontRef>
-        </p:style>
-        <p:txBody>
-          <a:bodyPr rtlCol="0" anchor="ctr"/>
-          <a:lstStyle/>
-          <a:p>
-            <a:pPr algn="ctr"/>
-            <a:endParaRPr lang="en-US"/>
-          </a:p>
-        </p:txBody>
-      </p:sp>
-    </p:spTree>
-    <p:extLst>
-      <p:ext uri="{BB962C8B-B14F-4D97-AF65-F5344CB8AC3E}">
-        <p14:creationId xmlns:p14="http://schemas.microsoft.com/office/powerpoint/2010/main" val="315599626"/>
-      </p:ext>
-    </p:extLst>
-  </p:cSld>
-  <p:clrMapOvr>
-    <a:masterClrMapping/>
-  </p:clrMapOvr>
-</p:sld>
-</file>
-
-<file path=ppt/slides/slide6.xml><?xml version="1.0" encoding="utf-8"?>
-<p:sld xmlns:a="http://schemas.openxmlformats.org/drawingml/2006/main" xmlns:r="http://schemas.openxmlformats.org/officeDocument/2006/relationships" xmlns:p="http://schemas.openxmlformats.org/presentationml/2006/main">
-  <p:cSld>
-    <p:spTree>
-      <p:nvGrpSpPr>
-        <p:cNvPr id="1" name=""/>
-        <p:cNvGrpSpPr/>
-        <p:nvPr/>
-      </p:nvGrpSpPr>
-      <p:grpSpPr>
-        <a:xfrm>
-          <a:off x="0" y="0"/>
-          <a:ext cx="0" cy="0"/>
-          <a:chOff x="0" y="0"/>
-          <a:chExt cx="0" cy="0"/>
-        </a:xfrm>
-      </p:grpSpPr>
-      <p:sp>
-        <p:nvSpPr>
-          <p:cNvPr id="11" name="Rectangle 10">
-            <a:extLst>
-              <a:ext uri="{FF2B5EF4-FFF2-40B4-BE49-F238E27FC236}">
-                <a16:creationId xmlns:a16="http://schemas.microsoft.com/office/drawing/2014/main" id="{F5DFF4CB-98E1-FF48-A069-97B4154B328B}"/>
-              </a:ext>
-            </a:extLst>
-          </p:cNvPr>
-          <p:cNvSpPr/>
-          <p:nvPr/>
-        </p:nvSpPr>
-        <p:spPr>
-          <a:xfrm>
-            <a:off x="1752176" y="2632947"/>
+            <a:off x="4571999" y="2697115"/>
             <a:ext cx="1524001" cy="665018"/>
           </a:xfrm>
           <a:prstGeom prst="rect">
@@ -4908,7 +3720,7 @@
         </p:nvSpPr>
         <p:spPr>
           <a:xfrm rot="20675198">
-            <a:off x="2302962" y="1764165"/>
+            <a:off x="5122785" y="1828333"/>
             <a:ext cx="161365" cy="888316"/>
           </a:xfrm>
           <a:prstGeom prst="downArrow">
@@ -4970,7 +3782,7 @@
         </p:nvSpPr>
         <p:spPr>
           <a:xfrm>
-            <a:off x="1671499" y="2545007"/>
+            <a:off x="4491322" y="2609175"/>
             <a:ext cx="1524001" cy="665018"/>
           </a:xfrm>
           <a:prstGeom prst="rect">
@@ -5039,7 +3851,7 @@
         </p:nvSpPr>
         <p:spPr>
           <a:xfrm rot="21000000">
-            <a:off x="2264270" y="1772155"/>
+            <a:off x="5084093" y="1836323"/>
             <a:ext cx="161365" cy="772627"/>
           </a:xfrm>
           <a:prstGeom prst="downArrow">
@@ -5101,7 +3913,7 @@
         </p:nvSpPr>
         <p:spPr>
           <a:xfrm>
-            <a:off x="1590822" y="2457068"/>
+            <a:off x="4410645" y="2521236"/>
             <a:ext cx="1524001" cy="665018"/>
           </a:xfrm>
           <a:prstGeom prst="rect">
@@ -5170,7 +3982,7 @@
         </p:nvSpPr>
         <p:spPr>
           <a:xfrm rot="21300000">
-            <a:off x="2216826" y="1778094"/>
+            <a:off x="5036649" y="1842262"/>
             <a:ext cx="161365" cy="672768"/>
           </a:xfrm>
           <a:prstGeom prst="downArrow">
@@ -5232,7 +4044,7 @@
         </p:nvSpPr>
         <p:spPr>
           <a:xfrm>
-            <a:off x="1510145" y="1122219"/>
+            <a:off x="4329968" y="1186387"/>
             <a:ext cx="1524001" cy="665018"/>
           </a:xfrm>
           <a:prstGeom prst="rect">
@@ -5301,7 +4113,7 @@
         </p:nvSpPr>
         <p:spPr>
           <a:xfrm>
-            <a:off x="1510145" y="2369129"/>
+            <a:off x="4329968" y="2433297"/>
             <a:ext cx="1524001" cy="665018"/>
           </a:xfrm>
           <a:prstGeom prst="rect">
@@ -5370,7 +4182,7 @@
         </p:nvSpPr>
         <p:spPr>
           <a:xfrm>
-            <a:off x="2191459" y="1787237"/>
+            <a:off x="5011282" y="1851405"/>
             <a:ext cx="161365" cy="581892"/>
           </a:xfrm>
           <a:prstGeom prst="downArrow">
@@ -5420,10 +4232,10 @@
       </p:sp>
       <p:sp>
         <p:nvSpPr>
-          <p:cNvPr id="6" name="Rectangle 5">
-            <a:extLst>
-              <a:ext uri="{FF2B5EF4-FFF2-40B4-BE49-F238E27FC236}">
-                <a16:creationId xmlns:a16="http://schemas.microsoft.com/office/drawing/2014/main" id="{292A8187-D086-6241-BD43-8F4A54EACBD1}"/>
+          <p:cNvPr id="16" name="Rectangle 15">
+            <a:extLst>
+              <a:ext uri="{FF2B5EF4-FFF2-40B4-BE49-F238E27FC236}">
+                <a16:creationId xmlns:a16="http://schemas.microsoft.com/office/drawing/2014/main" id="{A5CA0DB8-57EB-C840-9FDD-2EBAFE84633F}"/>
               </a:ext>
             </a:extLst>
           </p:cNvPr>
@@ -5432,7 +4244,7 @@
         </p:nvSpPr>
         <p:spPr>
           <a:xfrm>
-            <a:off x="1510142" y="3616039"/>
+            <a:off x="4571996" y="3944025"/>
             <a:ext cx="1524001" cy="665018"/>
           </a:xfrm>
           <a:prstGeom prst="rect">
@@ -5489,10 +4301,10 @@
       </p:sp>
       <p:sp>
         <p:nvSpPr>
-          <p:cNvPr id="18" name="Down Arrow 17">
-            <a:extLst>
-              <a:ext uri="{FF2B5EF4-FFF2-40B4-BE49-F238E27FC236}">
-                <a16:creationId xmlns:a16="http://schemas.microsoft.com/office/drawing/2014/main" id="{A8DAD2EC-3E9B-E942-96A2-159C54469EE2}"/>
+          <p:cNvPr id="19" name="Down Arrow 18">
+            <a:extLst>
+              <a:ext uri="{FF2B5EF4-FFF2-40B4-BE49-F238E27FC236}">
+                <a16:creationId xmlns:a16="http://schemas.microsoft.com/office/drawing/2014/main" id="{F937787E-F591-AB4A-AA83-E0EA75AB4B38}"/>
               </a:ext>
             </a:extLst>
           </p:cNvPr>
@@ -5500,8 +4312,401 @@
           <p:nvPr/>
         </p:nvSpPr>
         <p:spPr>
+          <a:xfrm rot="20675198">
+            <a:off x="5122782" y="3075243"/>
+            <a:ext cx="161365" cy="888316"/>
+          </a:xfrm>
+          <a:prstGeom prst="downArrow">
+            <a:avLst>
+              <a:gd name="adj1" fmla="val 50000"/>
+              <a:gd name="adj2" fmla="val 129998"/>
+            </a:avLst>
+          </a:prstGeom>
+          <a:solidFill>
+            <a:schemeClr val="bg1">
+              <a:lumMod val="95000"/>
+              <a:alpha val="79584"/>
+            </a:schemeClr>
+          </a:solidFill>
+          <a:ln>
+            <a:solidFill>
+              <a:schemeClr val="bg2">
+                <a:lumMod val="50000"/>
+              </a:schemeClr>
+            </a:solidFill>
+          </a:ln>
+        </p:spPr>
+        <p:style>
+          <a:lnRef idx="2">
+            <a:schemeClr val="accent1">
+              <a:shade val="50000"/>
+            </a:schemeClr>
+          </a:lnRef>
+          <a:fillRef idx="1">
+            <a:schemeClr val="accent1"/>
+          </a:fillRef>
+          <a:effectRef idx="0">
+            <a:schemeClr val="accent1"/>
+          </a:effectRef>
+          <a:fontRef idx="minor">
+            <a:schemeClr val="lt1"/>
+          </a:fontRef>
+        </p:style>
+        <p:txBody>
+          <a:bodyPr rtlCol="0" anchor="ctr"/>
+          <a:lstStyle/>
+          <a:p>
+            <a:pPr algn="ctr"/>
+            <a:endParaRPr lang="en-US"/>
+          </a:p>
+        </p:txBody>
+      </p:sp>
+      <p:sp>
+        <p:nvSpPr>
+          <p:cNvPr id="20" name="Rectangle 19">
+            <a:extLst>
+              <a:ext uri="{FF2B5EF4-FFF2-40B4-BE49-F238E27FC236}">
+                <a16:creationId xmlns:a16="http://schemas.microsoft.com/office/drawing/2014/main" id="{6BAE310D-B37C-A241-920E-315A7306B033}"/>
+              </a:ext>
+            </a:extLst>
+          </p:cNvPr>
+          <p:cNvSpPr/>
+          <p:nvPr/>
+        </p:nvSpPr>
+        <p:spPr>
           <a:xfrm>
-            <a:off x="2191459" y="3029199"/>
+            <a:off x="4491319" y="3856085"/>
+            <a:ext cx="1524001" cy="665018"/>
+          </a:xfrm>
+          <a:prstGeom prst="rect">
+            <a:avLst/>
+          </a:prstGeom>
+          <a:solidFill>
+            <a:schemeClr val="bg1">
+              <a:lumMod val="95000"/>
+              <a:alpha val="79584"/>
+            </a:schemeClr>
+          </a:solidFill>
+          <a:ln w="38100">
+            <a:solidFill>
+              <a:schemeClr val="bg2">
+                <a:lumMod val="50000"/>
+              </a:schemeClr>
+            </a:solidFill>
+          </a:ln>
+        </p:spPr>
+        <p:style>
+          <a:lnRef idx="2">
+            <a:schemeClr val="accent1">
+              <a:shade val="50000"/>
+            </a:schemeClr>
+          </a:lnRef>
+          <a:fillRef idx="1">
+            <a:schemeClr val="accent1"/>
+          </a:fillRef>
+          <a:effectRef idx="0">
+            <a:schemeClr val="accent1"/>
+          </a:effectRef>
+          <a:fontRef idx="minor">
+            <a:schemeClr val="lt1"/>
+          </a:fontRef>
+        </p:style>
+        <p:txBody>
+          <a:bodyPr rtlCol="0" anchor="ctr"/>
+          <a:lstStyle/>
+          <a:p>
+            <a:pPr algn="ctr"/>
+            <a:r>
+              <a:rPr lang="en-US" sz="2000" dirty="0">
+                <a:solidFill>
+                  <a:schemeClr val="tx1">
+                    <a:lumMod val="85000"/>
+                    <a:lumOff val="15000"/>
+                  </a:schemeClr>
+                </a:solidFill>
+              </a:rPr>
+              <a:t>Permission</a:t>
+            </a:r>
+          </a:p>
+        </p:txBody>
+      </p:sp>
+      <p:sp>
+        <p:nvSpPr>
+          <p:cNvPr id="21" name="Down Arrow 20">
+            <a:extLst>
+              <a:ext uri="{FF2B5EF4-FFF2-40B4-BE49-F238E27FC236}">
+                <a16:creationId xmlns:a16="http://schemas.microsoft.com/office/drawing/2014/main" id="{675138C8-4353-E442-A21C-738EAB141FBE}"/>
+              </a:ext>
+            </a:extLst>
+          </p:cNvPr>
+          <p:cNvSpPr/>
+          <p:nvPr/>
+        </p:nvSpPr>
+        <p:spPr>
+          <a:xfrm rot="21000000">
+            <a:off x="5084090" y="3083233"/>
+            <a:ext cx="161365" cy="772627"/>
+          </a:xfrm>
+          <a:prstGeom prst="downArrow">
+            <a:avLst>
+              <a:gd name="adj1" fmla="val 50000"/>
+              <a:gd name="adj2" fmla="val 129998"/>
+            </a:avLst>
+          </a:prstGeom>
+          <a:solidFill>
+            <a:schemeClr val="bg1">
+              <a:lumMod val="95000"/>
+              <a:alpha val="79584"/>
+            </a:schemeClr>
+          </a:solidFill>
+          <a:ln>
+            <a:solidFill>
+              <a:schemeClr val="bg2">
+                <a:lumMod val="50000"/>
+              </a:schemeClr>
+            </a:solidFill>
+          </a:ln>
+        </p:spPr>
+        <p:style>
+          <a:lnRef idx="2">
+            <a:schemeClr val="accent1">
+              <a:shade val="50000"/>
+            </a:schemeClr>
+          </a:lnRef>
+          <a:fillRef idx="1">
+            <a:schemeClr val="accent1"/>
+          </a:fillRef>
+          <a:effectRef idx="0">
+            <a:schemeClr val="accent1"/>
+          </a:effectRef>
+          <a:fontRef idx="minor">
+            <a:schemeClr val="lt1"/>
+          </a:fontRef>
+        </p:style>
+        <p:txBody>
+          <a:bodyPr rtlCol="0" anchor="ctr"/>
+          <a:lstStyle/>
+          <a:p>
+            <a:pPr algn="ctr"/>
+            <a:endParaRPr lang="en-US"/>
+          </a:p>
+        </p:txBody>
+      </p:sp>
+      <p:sp>
+        <p:nvSpPr>
+          <p:cNvPr id="22" name="Rectangle 21">
+            <a:extLst>
+              <a:ext uri="{FF2B5EF4-FFF2-40B4-BE49-F238E27FC236}">
+                <a16:creationId xmlns:a16="http://schemas.microsoft.com/office/drawing/2014/main" id="{90B2ED0E-B620-C64A-8FFB-6879542442F6}"/>
+              </a:ext>
+            </a:extLst>
+          </p:cNvPr>
+          <p:cNvSpPr/>
+          <p:nvPr/>
+        </p:nvSpPr>
+        <p:spPr>
+          <a:xfrm>
+            <a:off x="4410642" y="3768146"/>
+            <a:ext cx="1524001" cy="665018"/>
+          </a:xfrm>
+          <a:prstGeom prst="rect">
+            <a:avLst/>
+          </a:prstGeom>
+          <a:solidFill>
+            <a:schemeClr val="bg1">
+              <a:lumMod val="95000"/>
+              <a:alpha val="79584"/>
+            </a:schemeClr>
+          </a:solidFill>
+          <a:ln w="38100">
+            <a:solidFill>
+              <a:schemeClr val="bg2">
+                <a:lumMod val="50000"/>
+              </a:schemeClr>
+            </a:solidFill>
+          </a:ln>
+        </p:spPr>
+        <p:style>
+          <a:lnRef idx="2">
+            <a:schemeClr val="accent1">
+              <a:shade val="50000"/>
+            </a:schemeClr>
+          </a:lnRef>
+          <a:fillRef idx="1">
+            <a:schemeClr val="accent1"/>
+          </a:fillRef>
+          <a:effectRef idx="0">
+            <a:schemeClr val="accent1"/>
+          </a:effectRef>
+          <a:fontRef idx="minor">
+            <a:schemeClr val="lt1"/>
+          </a:fontRef>
+        </p:style>
+        <p:txBody>
+          <a:bodyPr rtlCol="0" anchor="ctr"/>
+          <a:lstStyle/>
+          <a:p>
+            <a:pPr algn="ctr"/>
+            <a:r>
+              <a:rPr lang="en-US" sz="2000" dirty="0">
+                <a:solidFill>
+                  <a:schemeClr val="tx1">
+                    <a:lumMod val="85000"/>
+                    <a:lumOff val="15000"/>
+                  </a:schemeClr>
+                </a:solidFill>
+              </a:rPr>
+              <a:t>Permission</a:t>
+            </a:r>
+          </a:p>
+        </p:txBody>
+      </p:sp>
+      <p:sp>
+        <p:nvSpPr>
+          <p:cNvPr id="23" name="Down Arrow 22">
+            <a:extLst>
+              <a:ext uri="{FF2B5EF4-FFF2-40B4-BE49-F238E27FC236}">
+                <a16:creationId xmlns:a16="http://schemas.microsoft.com/office/drawing/2014/main" id="{09C43943-FB10-2F4E-A6DD-A0608F650847}"/>
+              </a:ext>
+            </a:extLst>
+          </p:cNvPr>
+          <p:cNvSpPr/>
+          <p:nvPr/>
+        </p:nvSpPr>
+        <p:spPr>
+          <a:xfrm rot="21300000">
+            <a:off x="5036646" y="3089172"/>
+            <a:ext cx="161365" cy="672768"/>
+          </a:xfrm>
+          <a:prstGeom prst="downArrow">
+            <a:avLst>
+              <a:gd name="adj1" fmla="val 50000"/>
+              <a:gd name="adj2" fmla="val 129998"/>
+            </a:avLst>
+          </a:prstGeom>
+          <a:solidFill>
+            <a:schemeClr val="bg1">
+              <a:lumMod val="95000"/>
+              <a:alpha val="79584"/>
+            </a:schemeClr>
+          </a:solidFill>
+          <a:ln>
+            <a:solidFill>
+              <a:schemeClr val="bg2">
+                <a:lumMod val="50000"/>
+              </a:schemeClr>
+            </a:solidFill>
+          </a:ln>
+        </p:spPr>
+        <p:style>
+          <a:lnRef idx="2">
+            <a:schemeClr val="accent1">
+              <a:shade val="50000"/>
+            </a:schemeClr>
+          </a:lnRef>
+          <a:fillRef idx="1">
+            <a:schemeClr val="accent1"/>
+          </a:fillRef>
+          <a:effectRef idx="0">
+            <a:schemeClr val="accent1"/>
+          </a:effectRef>
+          <a:fontRef idx="minor">
+            <a:schemeClr val="lt1"/>
+          </a:fontRef>
+        </p:style>
+        <p:txBody>
+          <a:bodyPr rtlCol="0" anchor="ctr"/>
+          <a:lstStyle/>
+          <a:p>
+            <a:pPr algn="ctr"/>
+            <a:endParaRPr lang="en-US"/>
+          </a:p>
+        </p:txBody>
+      </p:sp>
+      <p:sp>
+        <p:nvSpPr>
+          <p:cNvPr id="6" name="Rectangle 5">
+            <a:extLst>
+              <a:ext uri="{FF2B5EF4-FFF2-40B4-BE49-F238E27FC236}">
+                <a16:creationId xmlns:a16="http://schemas.microsoft.com/office/drawing/2014/main" id="{292A8187-D086-6241-BD43-8F4A54EACBD1}"/>
+              </a:ext>
+            </a:extLst>
+          </p:cNvPr>
+          <p:cNvSpPr/>
+          <p:nvPr/>
+        </p:nvSpPr>
+        <p:spPr>
+          <a:xfrm>
+            <a:off x="4329965" y="3680207"/>
+            <a:ext cx="1524001" cy="665018"/>
+          </a:xfrm>
+          <a:prstGeom prst="rect">
+            <a:avLst/>
+          </a:prstGeom>
+          <a:solidFill>
+            <a:schemeClr val="bg1">
+              <a:lumMod val="95000"/>
+              <a:alpha val="79584"/>
+            </a:schemeClr>
+          </a:solidFill>
+          <a:ln w="38100">
+            <a:solidFill>
+              <a:schemeClr val="bg2">
+                <a:lumMod val="50000"/>
+              </a:schemeClr>
+            </a:solidFill>
+          </a:ln>
+        </p:spPr>
+        <p:style>
+          <a:lnRef idx="2">
+            <a:schemeClr val="accent1">
+              <a:shade val="50000"/>
+            </a:schemeClr>
+          </a:lnRef>
+          <a:fillRef idx="1">
+            <a:schemeClr val="accent1"/>
+          </a:fillRef>
+          <a:effectRef idx="0">
+            <a:schemeClr val="accent1"/>
+          </a:effectRef>
+          <a:fontRef idx="minor">
+            <a:schemeClr val="lt1"/>
+          </a:fontRef>
+        </p:style>
+        <p:txBody>
+          <a:bodyPr rtlCol="0" anchor="ctr"/>
+          <a:lstStyle/>
+          <a:p>
+            <a:pPr algn="ctr"/>
+            <a:r>
+              <a:rPr lang="en-US" sz="2000" dirty="0">
+                <a:solidFill>
+                  <a:schemeClr val="tx1">
+                    <a:lumMod val="85000"/>
+                    <a:lumOff val="15000"/>
+                  </a:schemeClr>
+                </a:solidFill>
+              </a:rPr>
+              <a:t>Permission</a:t>
+            </a:r>
+          </a:p>
+        </p:txBody>
+      </p:sp>
+      <p:sp>
+        <p:nvSpPr>
+          <p:cNvPr id="18" name="Down Arrow 17">
+            <a:extLst>
+              <a:ext uri="{FF2B5EF4-FFF2-40B4-BE49-F238E27FC236}">
+                <a16:creationId xmlns:a16="http://schemas.microsoft.com/office/drawing/2014/main" id="{A8DAD2EC-3E9B-E942-96A2-159C54469EE2}"/>
+              </a:ext>
+            </a:extLst>
+          </p:cNvPr>
+          <p:cNvSpPr/>
+          <p:nvPr/>
+        </p:nvSpPr>
+        <p:spPr>
+          <a:xfrm>
+            <a:off x="5011282" y="3093367"/>
             <a:ext cx="161365" cy="581892"/>
           </a:xfrm>
           <a:prstGeom prst="downArrow">
@@ -5551,10 +4756,10 @@
       </p:sp>
       <p:sp>
         <p:nvSpPr>
-          <p:cNvPr id="7" name="Rectangle 6">
-            <a:extLst>
-              <a:ext uri="{FF2B5EF4-FFF2-40B4-BE49-F238E27FC236}">
-                <a16:creationId xmlns:a16="http://schemas.microsoft.com/office/drawing/2014/main" id="{084195EB-CEC7-3642-9E4F-07763E9EF4CC}"/>
+          <p:cNvPr id="24" name="Rectangle 23">
+            <a:extLst>
+              <a:ext uri="{FF2B5EF4-FFF2-40B4-BE49-F238E27FC236}">
+                <a16:creationId xmlns:a16="http://schemas.microsoft.com/office/drawing/2014/main" id="{4D48405B-FC50-FE48-9864-E65F44D6BEA9}"/>
               </a:ext>
             </a:extLst>
           </p:cNvPr>
@@ -5563,7 +4768,7 @@
         </p:nvSpPr>
         <p:spPr>
           <a:xfrm>
-            <a:off x="1510142" y="4862949"/>
+            <a:off x="4568712" y="5190935"/>
             <a:ext cx="1524001" cy="665018"/>
           </a:xfrm>
           <a:prstGeom prst="rect">
@@ -5620,10 +4825,10 @@
       </p:sp>
       <p:sp>
         <p:nvSpPr>
-          <p:cNvPr id="17" name="Down Arrow 16">
-            <a:extLst>
-              <a:ext uri="{FF2B5EF4-FFF2-40B4-BE49-F238E27FC236}">
-                <a16:creationId xmlns:a16="http://schemas.microsoft.com/office/drawing/2014/main" id="{79138125-78FD-2843-9EDB-DB6D8C3820EA}"/>
+          <p:cNvPr id="25" name="Down Arrow 24">
+            <a:extLst>
+              <a:ext uri="{FF2B5EF4-FFF2-40B4-BE49-F238E27FC236}">
+                <a16:creationId xmlns:a16="http://schemas.microsoft.com/office/drawing/2014/main" id="{C38E727F-4FE9-4943-9A29-A68D7FE9CB45}"/>
               </a:ext>
             </a:extLst>
           </p:cNvPr>
@@ -5631,169 +4836,8 @@
           <p:nvPr/>
         </p:nvSpPr>
         <p:spPr>
-          <a:xfrm>
-            <a:off x="2191458" y="4281057"/>
-            <a:ext cx="161365" cy="581892"/>
-          </a:xfrm>
-          <a:prstGeom prst="downArrow">
-            <a:avLst>
-              <a:gd name="adj1" fmla="val 50000"/>
-              <a:gd name="adj2" fmla="val 129998"/>
-            </a:avLst>
-          </a:prstGeom>
-          <a:solidFill>
-            <a:schemeClr val="bg1">
-              <a:lumMod val="95000"/>
-              <a:alpha val="79584"/>
-            </a:schemeClr>
-          </a:solidFill>
-          <a:ln>
-            <a:solidFill>
-              <a:schemeClr val="bg2">
-                <a:lumMod val="50000"/>
-              </a:schemeClr>
-            </a:solidFill>
-          </a:ln>
-        </p:spPr>
-        <p:style>
-          <a:lnRef idx="2">
-            <a:schemeClr val="accent1">
-              <a:shade val="50000"/>
-            </a:schemeClr>
-          </a:lnRef>
-          <a:fillRef idx="1">
-            <a:schemeClr val="accent1"/>
-          </a:fillRef>
-          <a:effectRef idx="0">
-            <a:schemeClr val="accent1"/>
-          </a:effectRef>
-          <a:fontRef idx="minor">
-            <a:schemeClr val="lt1"/>
-          </a:fontRef>
-        </p:style>
-        <p:txBody>
-          <a:bodyPr rtlCol="0" anchor="ctr"/>
-          <a:lstStyle/>
-          <a:p>
-            <a:pPr algn="ctr"/>
-            <a:endParaRPr lang="en-US"/>
-          </a:p>
-        </p:txBody>
-      </p:sp>
-    </p:spTree>
-    <p:extLst>
-      <p:ext uri="{BB962C8B-B14F-4D97-AF65-F5344CB8AC3E}">
-        <p14:creationId xmlns:p14="http://schemas.microsoft.com/office/powerpoint/2010/main" val="3840253160"/>
-      </p:ext>
-    </p:extLst>
-  </p:cSld>
-  <p:clrMapOvr>
-    <a:masterClrMapping/>
-  </p:clrMapOvr>
-</p:sld>
-</file>
-
-<file path=ppt/slides/slide7.xml><?xml version="1.0" encoding="utf-8"?>
-<p:sld xmlns:a="http://schemas.openxmlformats.org/drawingml/2006/main" xmlns:r="http://schemas.openxmlformats.org/officeDocument/2006/relationships" xmlns:p="http://schemas.openxmlformats.org/presentationml/2006/main">
-  <p:cSld>
-    <p:spTree>
-      <p:nvGrpSpPr>
-        <p:cNvPr id="1" name=""/>
-        <p:cNvGrpSpPr/>
-        <p:nvPr/>
-      </p:nvGrpSpPr>
-      <p:grpSpPr>
-        <a:xfrm>
-          <a:off x="0" y="0"/>
-          <a:ext cx="0" cy="0"/>
-          <a:chOff x="0" y="0"/>
-          <a:chExt cx="0" cy="0"/>
-        </a:xfrm>
-      </p:grpSpPr>
-      <p:sp>
-        <p:nvSpPr>
-          <p:cNvPr id="11" name="Rectangle 10">
-            <a:extLst>
-              <a:ext uri="{FF2B5EF4-FFF2-40B4-BE49-F238E27FC236}">
-                <a16:creationId xmlns:a16="http://schemas.microsoft.com/office/drawing/2014/main" id="{F5DFF4CB-98E1-FF48-A069-97B4154B328B}"/>
-              </a:ext>
-            </a:extLst>
-          </p:cNvPr>
-          <p:cNvSpPr/>
-          <p:nvPr/>
-        </p:nvSpPr>
-        <p:spPr>
-          <a:xfrm>
-            <a:off x="1752176" y="2632947"/>
-            <a:ext cx="1524001" cy="665018"/>
-          </a:xfrm>
-          <a:prstGeom prst="rect">
-            <a:avLst/>
-          </a:prstGeom>
-          <a:solidFill>
-            <a:schemeClr val="bg1">
-              <a:lumMod val="95000"/>
-              <a:alpha val="79584"/>
-            </a:schemeClr>
-          </a:solidFill>
-          <a:ln w="38100">
-            <a:solidFill>
-              <a:schemeClr val="bg2">
-                <a:lumMod val="50000"/>
-              </a:schemeClr>
-            </a:solidFill>
-          </a:ln>
-        </p:spPr>
-        <p:style>
-          <a:lnRef idx="2">
-            <a:schemeClr val="accent1">
-              <a:shade val="50000"/>
-            </a:schemeClr>
-          </a:lnRef>
-          <a:fillRef idx="1">
-            <a:schemeClr val="accent1"/>
-          </a:fillRef>
-          <a:effectRef idx="0">
-            <a:schemeClr val="accent1"/>
-          </a:effectRef>
-          <a:fontRef idx="minor">
-            <a:schemeClr val="lt1"/>
-          </a:fontRef>
-        </p:style>
-        <p:txBody>
-          <a:bodyPr rtlCol="0" anchor="ctr"/>
-          <a:lstStyle/>
-          <a:p>
-            <a:pPr algn="ctr"/>
-            <a:r>
-              <a:rPr lang="en-US" sz="2000" dirty="0">
-                <a:solidFill>
-                  <a:schemeClr val="tx1">
-                    <a:lumMod val="85000"/>
-                    <a:lumOff val="15000"/>
-                  </a:schemeClr>
-                </a:solidFill>
-              </a:rPr>
-              <a:t>Role</a:t>
-            </a:r>
-          </a:p>
-        </p:txBody>
-      </p:sp>
-      <p:sp>
-        <p:nvSpPr>
-          <p:cNvPr id="14" name="Down Arrow 13">
-            <a:extLst>
-              <a:ext uri="{FF2B5EF4-FFF2-40B4-BE49-F238E27FC236}">
-                <a16:creationId xmlns:a16="http://schemas.microsoft.com/office/drawing/2014/main" id="{7401979E-EFD4-3B4A-B5AE-34BF68CA615C}"/>
-              </a:ext>
-            </a:extLst>
-          </p:cNvPr>
-          <p:cNvSpPr/>
-          <p:nvPr/>
-        </p:nvSpPr>
-        <p:spPr>
           <a:xfrm rot="20675198">
-            <a:off x="2302962" y="1764165"/>
+            <a:off x="5119498" y="4322153"/>
             <a:ext cx="161365" cy="888316"/>
           </a:xfrm>
           <a:prstGeom prst="downArrow">
@@ -5843,10 +4887,10 @@
       </p:sp>
       <p:sp>
         <p:nvSpPr>
-          <p:cNvPr id="10" name="Rectangle 9">
-            <a:extLst>
-              <a:ext uri="{FF2B5EF4-FFF2-40B4-BE49-F238E27FC236}">
-                <a16:creationId xmlns:a16="http://schemas.microsoft.com/office/drawing/2014/main" id="{B7F1EEC2-724B-1848-91A6-1DFD50EBDEE6}"/>
+          <p:cNvPr id="26" name="Rectangle 25">
+            <a:extLst>
+              <a:ext uri="{FF2B5EF4-FFF2-40B4-BE49-F238E27FC236}">
+                <a16:creationId xmlns:a16="http://schemas.microsoft.com/office/drawing/2014/main" id="{6A8C3861-7AA5-7B4D-8171-C7F0BA70A786}"/>
               </a:ext>
             </a:extLst>
           </p:cNvPr>
@@ -5855,7 +4899,7 @@
         </p:nvSpPr>
         <p:spPr>
           <a:xfrm>
-            <a:off x="1671499" y="2545007"/>
+            <a:off x="4489129" y="5102995"/>
             <a:ext cx="1524001" cy="665018"/>
           </a:xfrm>
           <a:prstGeom prst="rect">
@@ -5905,17 +4949,17 @@
                   </a:schemeClr>
                 </a:solidFill>
               </a:rPr>
-              <a:t>Role</a:t>
-            </a:r>
-          </a:p>
-        </p:txBody>
-      </p:sp>
-      <p:sp>
-        <p:nvSpPr>
-          <p:cNvPr id="13" name="Down Arrow 12">
-            <a:extLst>
-              <a:ext uri="{FF2B5EF4-FFF2-40B4-BE49-F238E27FC236}">
-                <a16:creationId xmlns:a16="http://schemas.microsoft.com/office/drawing/2014/main" id="{B4CDB232-AE9B-3D4F-B146-8B666553560E}"/>
+              <a:t>Capability</a:t>
+            </a:r>
+          </a:p>
+        </p:txBody>
+      </p:sp>
+      <p:sp>
+        <p:nvSpPr>
+          <p:cNvPr id="27" name="Down Arrow 26">
+            <a:extLst>
+              <a:ext uri="{FF2B5EF4-FFF2-40B4-BE49-F238E27FC236}">
+                <a16:creationId xmlns:a16="http://schemas.microsoft.com/office/drawing/2014/main" id="{68F6EEB0-BC58-E14D-8679-11B822C5F9D6}"/>
               </a:ext>
             </a:extLst>
           </p:cNvPr>
@@ -5924,7 +4968,7 @@
         </p:nvSpPr>
         <p:spPr>
           <a:xfrm rot="21000000">
-            <a:off x="2264270" y="1772155"/>
+            <a:off x="5080806" y="4330143"/>
             <a:ext cx="161365" cy="772627"/>
           </a:xfrm>
           <a:prstGeom prst="downArrow">
@@ -5974,10 +5018,10 @@
       </p:sp>
       <p:sp>
         <p:nvSpPr>
-          <p:cNvPr id="9" name="Rectangle 8">
-            <a:extLst>
-              <a:ext uri="{FF2B5EF4-FFF2-40B4-BE49-F238E27FC236}">
-                <a16:creationId xmlns:a16="http://schemas.microsoft.com/office/drawing/2014/main" id="{6F7D0253-8737-834F-8F03-1696179FCA7C}"/>
+          <p:cNvPr id="28" name="Rectangle 27">
+            <a:extLst>
+              <a:ext uri="{FF2B5EF4-FFF2-40B4-BE49-F238E27FC236}">
+                <a16:creationId xmlns:a16="http://schemas.microsoft.com/office/drawing/2014/main" id="{EDF4912B-F808-8F44-B8BF-FFF885A64E0C}"/>
               </a:ext>
             </a:extLst>
           </p:cNvPr>
@@ -5986,7 +5030,7 @@
         </p:nvSpPr>
         <p:spPr>
           <a:xfrm>
-            <a:off x="1590822" y="2457068"/>
+            <a:off x="4409547" y="5015056"/>
             <a:ext cx="1524001" cy="665018"/>
           </a:xfrm>
           <a:prstGeom prst="rect">
@@ -6036,17 +5080,17 @@
                   </a:schemeClr>
                 </a:solidFill>
               </a:rPr>
-              <a:t>Role</a:t>
-            </a:r>
-          </a:p>
-        </p:txBody>
-      </p:sp>
-      <p:sp>
-        <p:nvSpPr>
-          <p:cNvPr id="12" name="Down Arrow 11">
-            <a:extLst>
-              <a:ext uri="{FF2B5EF4-FFF2-40B4-BE49-F238E27FC236}">
-                <a16:creationId xmlns:a16="http://schemas.microsoft.com/office/drawing/2014/main" id="{6CFDBBEA-1C60-B94C-BA5B-0530357207B3}"/>
+              <a:t>Capability</a:t>
+            </a:r>
+          </a:p>
+        </p:txBody>
+      </p:sp>
+      <p:sp>
+        <p:nvSpPr>
+          <p:cNvPr id="29" name="Down Arrow 28">
+            <a:extLst>
+              <a:ext uri="{FF2B5EF4-FFF2-40B4-BE49-F238E27FC236}">
+                <a16:creationId xmlns:a16="http://schemas.microsoft.com/office/drawing/2014/main" id="{CC76696C-EEF6-094E-8EBF-656B4960E1DF}"/>
               </a:ext>
             </a:extLst>
           </p:cNvPr>
@@ -6055,7 +5099,7 @@
         </p:nvSpPr>
         <p:spPr>
           <a:xfrm rot="21300000">
-            <a:off x="2216826" y="1778094"/>
+            <a:off x="5033362" y="4336082"/>
             <a:ext cx="161365" cy="672768"/>
           </a:xfrm>
           <a:prstGeom prst="downArrow">
@@ -6105,10 +5149,10 @@
       </p:sp>
       <p:sp>
         <p:nvSpPr>
-          <p:cNvPr id="2" name="Rectangle 1">
-            <a:extLst>
-              <a:ext uri="{FF2B5EF4-FFF2-40B4-BE49-F238E27FC236}">
-                <a16:creationId xmlns:a16="http://schemas.microsoft.com/office/drawing/2014/main" id="{9B7387F5-ACA9-7141-97D3-A62F3221BA74}"/>
+          <p:cNvPr id="7" name="Rectangle 6">
+            <a:extLst>
+              <a:ext uri="{FF2B5EF4-FFF2-40B4-BE49-F238E27FC236}">
+                <a16:creationId xmlns:a16="http://schemas.microsoft.com/office/drawing/2014/main" id="{084195EB-CEC7-3642-9E4F-07763E9EF4CC}"/>
               </a:ext>
             </a:extLst>
           </p:cNvPr>
@@ -6117,7 +5161,7 @@
         </p:nvSpPr>
         <p:spPr>
           <a:xfrm>
-            <a:off x="1510145" y="1122219"/>
+            <a:off x="4329965" y="4927117"/>
             <a:ext cx="1524001" cy="665018"/>
           </a:xfrm>
           <a:prstGeom prst="rect">
@@ -6167,17 +5211,17 @@
                   </a:schemeClr>
                 </a:solidFill>
               </a:rPr>
-              <a:t>User</a:t>
-            </a:r>
-          </a:p>
-        </p:txBody>
-      </p:sp>
-      <p:sp>
-        <p:nvSpPr>
-          <p:cNvPr id="5" name="Rectangle 4">
-            <a:extLst>
-              <a:ext uri="{FF2B5EF4-FFF2-40B4-BE49-F238E27FC236}">
-                <a16:creationId xmlns:a16="http://schemas.microsoft.com/office/drawing/2014/main" id="{D1CCEEB6-0FB9-4C4E-A7F2-C6729B9FC8EA}"/>
+              <a:t>Capability</a:t>
+            </a:r>
+          </a:p>
+        </p:txBody>
+      </p:sp>
+      <p:sp>
+        <p:nvSpPr>
+          <p:cNvPr id="17" name="Down Arrow 16">
+            <a:extLst>
+              <a:ext uri="{FF2B5EF4-FFF2-40B4-BE49-F238E27FC236}">
+                <a16:creationId xmlns:a16="http://schemas.microsoft.com/office/drawing/2014/main" id="{79138125-78FD-2843-9EDB-DB6D8C3820EA}"/>
               </a:ext>
             </a:extLst>
           </p:cNvPr>
@@ -6186,2402 +5230,7 @@
         </p:nvSpPr>
         <p:spPr>
           <a:xfrm>
-            <a:off x="1510145" y="2369129"/>
-            <a:ext cx="1524001" cy="665018"/>
-          </a:xfrm>
-          <a:prstGeom prst="rect">
-            <a:avLst/>
-          </a:prstGeom>
-          <a:solidFill>
-            <a:schemeClr val="bg1">
-              <a:lumMod val="95000"/>
-              <a:alpha val="79584"/>
-            </a:schemeClr>
-          </a:solidFill>
-          <a:ln w="38100">
-            <a:solidFill>
-              <a:schemeClr val="bg2">
-                <a:lumMod val="50000"/>
-              </a:schemeClr>
-            </a:solidFill>
-          </a:ln>
-        </p:spPr>
-        <p:style>
-          <a:lnRef idx="2">
-            <a:schemeClr val="accent1">
-              <a:shade val="50000"/>
-            </a:schemeClr>
-          </a:lnRef>
-          <a:fillRef idx="1">
-            <a:schemeClr val="accent1"/>
-          </a:fillRef>
-          <a:effectRef idx="0">
-            <a:schemeClr val="accent1"/>
-          </a:effectRef>
-          <a:fontRef idx="minor">
-            <a:schemeClr val="lt1"/>
-          </a:fontRef>
-        </p:style>
-        <p:txBody>
-          <a:bodyPr rtlCol="0" anchor="ctr"/>
-          <a:lstStyle/>
-          <a:p>
-            <a:pPr algn="ctr"/>
-            <a:r>
-              <a:rPr lang="en-US" sz="2000" dirty="0">
-                <a:solidFill>
-                  <a:schemeClr val="tx1">
-                    <a:lumMod val="85000"/>
-                    <a:lumOff val="15000"/>
-                  </a:schemeClr>
-                </a:solidFill>
-              </a:rPr>
-              <a:t>Role</a:t>
-            </a:r>
-          </a:p>
-        </p:txBody>
-      </p:sp>
-      <p:sp>
-        <p:nvSpPr>
-          <p:cNvPr id="15" name="Down Arrow 14">
-            <a:extLst>
-              <a:ext uri="{FF2B5EF4-FFF2-40B4-BE49-F238E27FC236}">
-                <a16:creationId xmlns:a16="http://schemas.microsoft.com/office/drawing/2014/main" id="{03FE2F9B-D768-9846-AF7E-C97F162AF435}"/>
-              </a:ext>
-            </a:extLst>
-          </p:cNvPr>
-          <p:cNvSpPr/>
-          <p:nvPr/>
-        </p:nvSpPr>
-        <p:spPr>
-          <a:xfrm>
-            <a:off x="2191459" y="1787237"/>
-            <a:ext cx="161365" cy="581892"/>
-          </a:xfrm>
-          <a:prstGeom prst="downArrow">
-            <a:avLst>
-              <a:gd name="adj1" fmla="val 50000"/>
-              <a:gd name="adj2" fmla="val 129998"/>
-            </a:avLst>
-          </a:prstGeom>
-          <a:solidFill>
-            <a:schemeClr val="bg1">
-              <a:lumMod val="95000"/>
-              <a:alpha val="79584"/>
-            </a:schemeClr>
-          </a:solidFill>
-          <a:ln>
-            <a:solidFill>
-              <a:schemeClr val="bg2">
-                <a:lumMod val="50000"/>
-              </a:schemeClr>
-            </a:solidFill>
-          </a:ln>
-        </p:spPr>
-        <p:style>
-          <a:lnRef idx="2">
-            <a:schemeClr val="accent1">
-              <a:shade val="50000"/>
-            </a:schemeClr>
-          </a:lnRef>
-          <a:fillRef idx="1">
-            <a:schemeClr val="accent1"/>
-          </a:fillRef>
-          <a:effectRef idx="0">
-            <a:schemeClr val="accent1"/>
-          </a:effectRef>
-          <a:fontRef idx="minor">
-            <a:schemeClr val="lt1"/>
-          </a:fontRef>
-        </p:style>
-        <p:txBody>
-          <a:bodyPr rtlCol="0" anchor="ctr"/>
-          <a:lstStyle/>
-          <a:p>
-            <a:pPr algn="ctr"/>
-            <a:endParaRPr lang="en-US"/>
-          </a:p>
-        </p:txBody>
-      </p:sp>
-      <p:sp>
-        <p:nvSpPr>
-          <p:cNvPr id="16" name="Rectangle 15">
-            <a:extLst>
-              <a:ext uri="{FF2B5EF4-FFF2-40B4-BE49-F238E27FC236}">
-                <a16:creationId xmlns:a16="http://schemas.microsoft.com/office/drawing/2014/main" id="{A5CA0DB8-57EB-C840-9FDD-2EBAFE84633F}"/>
-              </a:ext>
-            </a:extLst>
-          </p:cNvPr>
-          <p:cNvSpPr/>
-          <p:nvPr/>
-        </p:nvSpPr>
-        <p:spPr>
-          <a:xfrm>
-            <a:off x="1752173" y="3879857"/>
-            <a:ext cx="1524001" cy="665018"/>
-          </a:xfrm>
-          <a:prstGeom prst="rect">
-            <a:avLst/>
-          </a:prstGeom>
-          <a:solidFill>
-            <a:schemeClr val="bg1">
-              <a:lumMod val="95000"/>
-              <a:alpha val="79584"/>
-            </a:schemeClr>
-          </a:solidFill>
-          <a:ln w="38100">
-            <a:solidFill>
-              <a:schemeClr val="bg2">
-                <a:lumMod val="50000"/>
-              </a:schemeClr>
-            </a:solidFill>
-          </a:ln>
-        </p:spPr>
-        <p:style>
-          <a:lnRef idx="2">
-            <a:schemeClr val="accent1">
-              <a:shade val="50000"/>
-            </a:schemeClr>
-          </a:lnRef>
-          <a:fillRef idx="1">
-            <a:schemeClr val="accent1"/>
-          </a:fillRef>
-          <a:effectRef idx="0">
-            <a:schemeClr val="accent1"/>
-          </a:effectRef>
-          <a:fontRef idx="minor">
-            <a:schemeClr val="lt1"/>
-          </a:fontRef>
-        </p:style>
-        <p:txBody>
-          <a:bodyPr rtlCol="0" anchor="ctr"/>
-          <a:lstStyle/>
-          <a:p>
-            <a:pPr algn="ctr"/>
-            <a:r>
-              <a:rPr lang="en-US" sz="2000" dirty="0">
-                <a:solidFill>
-                  <a:schemeClr val="tx1">
-                    <a:lumMod val="85000"/>
-                    <a:lumOff val="15000"/>
-                  </a:schemeClr>
-                </a:solidFill>
-              </a:rPr>
-              <a:t>Permission</a:t>
-            </a:r>
-          </a:p>
-        </p:txBody>
-      </p:sp>
-      <p:sp>
-        <p:nvSpPr>
-          <p:cNvPr id="19" name="Down Arrow 18">
-            <a:extLst>
-              <a:ext uri="{FF2B5EF4-FFF2-40B4-BE49-F238E27FC236}">
-                <a16:creationId xmlns:a16="http://schemas.microsoft.com/office/drawing/2014/main" id="{F937787E-F591-AB4A-AA83-E0EA75AB4B38}"/>
-              </a:ext>
-            </a:extLst>
-          </p:cNvPr>
-          <p:cNvSpPr/>
-          <p:nvPr/>
-        </p:nvSpPr>
-        <p:spPr>
-          <a:xfrm rot="20675198">
-            <a:off x="2302959" y="3011075"/>
-            <a:ext cx="161365" cy="888316"/>
-          </a:xfrm>
-          <a:prstGeom prst="downArrow">
-            <a:avLst>
-              <a:gd name="adj1" fmla="val 50000"/>
-              <a:gd name="adj2" fmla="val 129998"/>
-            </a:avLst>
-          </a:prstGeom>
-          <a:solidFill>
-            <a:schemeClr val="bg1">
-              <a:lumMod val="95000"/>
-              <a:alpha val="79584"/>
-            </a:schemeClr>
-          </a:solidFill>
-          <a:ln>
-            <a:solidFill>
-              <a:schemeClr val="bg2">
-                <a:lumMod val="50000"/>
-              </a:schemeClr>
-            </a:solidFill>
-          </a:ln>
-        </p:spPr>
-        <p:style>
-          <a:lnRef idx="2">
-            <a:schemeClr val="accent1">
-              <a:shade val="50000"/>
-            </a:schemeClr>
-          </a:lnRef>
-          <a:fillRef idx="1">
-            <a:schemeClr val="accent1"/>
-          </a:fillRef>
-          <a:effectRef idx="0">
-            <a:schemeClr val="accent1"/>
-          </a:effectRef>
-          <a:fontRef idx="minor">
-            <a:schemeClr val="lt1"/>
-          </a:fontRef>
-        </p:style>
-        <p:txBody>
-          <a:bodyPr rtlCol="0" anchor="ctr"/>
-          <a:lstStyle/>
-          <a:p>
-            <a:pPr algn="ctr"/>
-            <a:endParaRPr lang="en-US"/>
-          </a:p>
-        </p:txBody>
-      </p:sp>
-      <p:sp>
-        <p:nvSpPr>
-          <p:cNvPr id="20" name="Rectangle 19">
-            <a:extLst>
-              <a:ext uri="{FF2B5EF4-FFF2-40B4-BE49-F238E27FC236}">
-                <a16:creationId xmlns:a16="http://schemas.microsoft.com/office/drawing/2014/main" id="{6BAE310D-B37C-A241-920E-315A7306B033}"/>
-              </a:ext>
-            </a:extLst>
-          </p:cNvPr>
-          <p:cNvSpPr/>
-          <p:nvPr/>
-        </p:nvSpPr>
-        <p:spPr>
-          <a:xfrm>
-            <a:off x="1671496" y="3791917"/>
-            <a:ext cx="1524001" cy="665018"/>
-          </a:xfrm>
-          <a:prstGeom prst="rect">
-            <a:avLst/>
-          </a:prstGeom>
-          <a:solidFill>
-            <a:schemeClr val="bg1">
-              <a:lumMod val="95000"/>
-              <a:alpha val="79584"/>
-            </a:schemeClr>
-          </a:solidFill>
-          <a:ln w="38100">
-            <a:solidFill>
-              <a:schemeClr val="bg2">
-                <a:lumMod val="50000"/>
-              </a:schemeClr>
-            </a:solidFill>
-          </a:ln>
-        </p:spPr>
-        <p:style>
-          <a:lnRef idx="2">
-            <a:schemeClr val="accent1">
-              <a:shade val="50000"/>
-            </a:schemeClr>
-          </a:lnRef>
-          <a:fillRef idx="1">
-            <a:schemeClr val="accent1"/>
-          </a:fillRef>
-          <a:effectRef idx="0">
-            <a:schemeClr val="accent1"/>
-          </a:effectRef>
-          <a:fontRef idx="minor">
-            <a:schemeClr val="lt1"/>
-          </a:fontRef>
-        </p:style>
-        <p:txBody>
-          <a:bodyPr rtlCol="0" anchor="ctr"/>
-          <a:lstStyle/>
-          <a:p>
-            <a:pPr algn="ctr"/>
-            <a:r>
-              <a:rPr lang="en-US" sz="2000" dirty="0">
-                <a:solidFill>
-                  <a:schemeClr val="tx1">
-                    <a:lumMod val="85000"/>
-                    <a:lumOff val="15000"/>
-                  </a:schemeClr>
-                </a:solidFill>
-              </a:rPr>
-              <a:t>Permission</a:t>
-            </a:r>
-          </a:p>
-        </p:txBody>
-      </p:sp>
-      <p:sp>
-        <p:nvSpPr>
-          <p:cNvPr id="21" name="Down Arrow 20">
-            <a:extLst>
-              <a:ext uri="{FF2B5EF4-FFF2-40B4-BE49-F238E27FC236}">
-                <a16:creationId xmlns:a16="http://schemas.microsoft.com/office/drawing/2014/main" id="{675138C8-4353-E442-A21C-738EAB141FBE}"/>
-              </a:ext>
-            </a:extLst>
-          </p:cNvPr>
-          <p:cNvSpPr/>
-          <p:nvPr/>
-        </p:nvSpPr>
-        <p:spPr>
-          <a:xfrm rot="21000000">
-            <a:off x="2264267" y="3019065"/>
-            <a:ext cx="161365" cy="772627"/>
-          </a:xfrm>
-          <a:prstGeom prst="downArrow">
-            <a:avLst>
-              <a:gd name="adj1" fmla="val 50000"/>
-              <a:gd name="adj2" fmla="val 129998"/>
-            </a:avLst>
-          </a:prstGeom>
-          <a:solidFill>
-            <a:schemeClr val="bg1">
-              <a:lumMod val="95000"/>
-              <a:alpha val="79584"/>
-            </a:schemeClr>
-          </a:solidFill>
-          <a:ln>
-            <a:solidFill>
-              <a:schemeClr val="bg2">
-                <a:lumMod val="50000"/>
-              </a:schemeClr>
-            </a:solidFill>
-          </a:ln>
-        </p:spPr>
-        <p:style>
-          <a:lnRef idx="2">
-            <a:schemeClr val="accent1">
-              <a:shade val="50000"/>
-            </a:schemeClr>
-          </a:lnRef>
-          <a:fillRef idx="1">
-            <a:schemeClr val="accent1"/>
-          </a:fillRef>
-          <a:effectRef idx="0">
-            <a:schemeClr val="accent1"/>
-          </a:effectRef>
-          <a:fontRef idx="minor">
-            <a:schemeClr val="lt1"/>
-          </a:fontRef>
-        </p:style>
-        <p:txBody>
-          <a:bodyPr rtlCol="0" anchor="ctr"/>
-          <a:lstStyle/>
-          <a:p>
-            <a:pPr algn="ctr"/>
-            <a:endParaRPr lang="en-US"/>
-          </a:p>
-        </p:txBody>
-      </p:sp>
-      <p:sp>
-        <p:nvSpPr>
-          <p:cNvPr id="22" name="Rectangle 21">
-            <a:extLst>
-              <a:ext uri="{FF2B5EF4-FFF2-40B4-BE49-F238E27FC236}">
-                <a16:creationId xmlns:a16="http://schemas.microsoft.com/office/drawing/2014/main" id="{90B2ED0E-B620-C64A-8FFB-6879542442F6}"/>
-              </a:ext>
-            </a:extLst>
-          </p:cNvPr>
-          <p:cNvSpPr/>
-          <p:nvPr/>
-        </p:nvSpPr>
-        <p:spPr>
-          <a:xfrm>
-            <a:off x="1590819" y="3703978"/>
-            <a:ext cx="1524001" cy="665018"/>
-          </a:xfrm>
-          <a:prstGeom prst="rect">
-            <a:avLst/>
-          </a:prstGeom>
-          <a:solidFill>
-            <a:schemeClr val="bg1">
-              <a:lumMod val="95000"/>
-              <a:alpha val="79584"/>
-            </a:schemeClr>
-          </a:solidFill>
-          <a:ln w="38100">
-            <a:solidFill>
-              <a:schemeClr val="bg2">
-                <a:lumMod val="50000"/>
-              </a:schemeClr>
-            </a:solidFill>
-          </a:ln>
-        </p:spPr>
-        <p:style>
-          <a:lnRef idx="2">
-            <a:schemeClr val="accent1">
-              <a:shade val="50000"/>
-            </a:schemeClr>
-          </a:lnRef>
-          <a:fillRef idx="1">
-            <a:schemeClr val="accent1"/>
-          </a:fillRef>
-          <a:effectRef idx="0">
-            <a:schemeClr val="accent1"/>
-          </a:effectRef>
-          <a:fontRef idx="minor">
-            <a:schemeClr val="lt1"/>
-          </a:fontRef>
-        </p:style>
-        <p:txBody>
-          <a:bodyPr rtlCol="0" anchor="ctr"/>
-          <a:lstStyle/>
-          <a:p>
-            <a:pPr algn="ctr"/>
-            <a:r>
-              <a:rPr lang="en-US" sz="2000" dirty="0">
-                <a:solidFill>
-                  <a:schemeClr val="tx1">
-                    <a:lumMod val="85000"/>
-                    <a:lumOff val="15000"/>
-                  </a:schemeClr>
-                </a:solidFill>
-              </a:rPr>
-              <a:t>Permission</a:t>
-            </a:r>
-          </a:p>
-        </p:txBody>
-      </p:sp>
-      <p:sp>
-        <p:nvSpPr>
-          <p:cNvPr id="23" name="Down Arrow 22">
-            <a:extLst>
-              <a:ext uri="{FF2B5EF4-FFF2-40B4-BE49-F238E27FC236}">
-                <a16:creationId xmlns:a16="http://schemas.microsoft.com/office/drawing/2014/main" id="{09C43943-FB10-2F4E-A6DD-A0608F650847}"/>
-              </a:ext>
-            </a:extLst>
-          </p:cNvPr>
-          <p:cNvSpPr/>
-          <p:nvPr/>
-        </p:nvSpPr>
-        <p:spPr>
-          <a:xfrm rot="21300000">
-            <a:off x="2216823" y="3025004"/>
-            <a:ext cx="161365" cy="672768"/>
-          </a:xfrm>
-          <a:prstGeom prst="downArrow">
-            <a:avLst>
-              <a:gd name="adj1" fmla="val 50000"/>
-              <a:gd name="adj2" fmla="val 129998"/>
-            </a:avLst>
-          </a:prstGeom>
-          <a:solidFill>
-            <a:schemeClr val="bg1">
-              <a:lumMod val="95000"/>
-              <a:alpha val="79584"/>
-            </a:schemeClr>
-          </a:solidFill>
-          <a:ln>
-            <a:solidFill>
-              <a:schemeClr val="bg2">
-                <a:lumMod val="50000"/>
-              </a:schemeClr>
-            </a:solidFill>
-          </a:ln>
-        </p:spPr>
-        <p:style>
-          <a:lnRef idx="2">
-            <a:schemeClr val="accent1">
-              <a:shade val="50000"/>
-            </a:schemeClr>
-          </a:lnRef>
-          <a:fillRef idx="1">
-            <a:schemeClr val="accent1"/>
-          </a:fillRef>
-          <a:effectRef idx="0">
-            <a:schemeClr val="accent1"/>
-          </a:effectRef>
-          <a:fontRef idx="minor">
-            <a:schemeClr val="lt1"/>
-          </a:fontRef>
-        </p:style>
-        <p:txBody>
-          <a:bodyPr rtlCol="0" anchor="ctr"/>
-          <a:lstStyle/>
-          <a:p>
-            <a:pPr algn="ctr"/>
-            <a:endParaRPr lang="en-US"/>
-          </a:p>
-        </p:txBody>
-      </p:sp>
-      <p:sp>
-        <p:nvSpPr>
-          <p:cNvPr id="6" name="Rectangle 5">
-            <a:extLst>
-              <a:ext uri="{FF2B5EF4-FFF2-40B4-BE49-F238E27FC236}">
-                <a16:creationId xmlns:a16="http://schemas.microsoft.com/office/drawing/2014/main" id="{292A8187-D086-6241-BD43-8F4A54EACBD1}"/>
-              </a:ext>
-            </a:extLst>
-          </p:cNvPr>
-          <p:cNvSpPr/>
-          <p:nvPr/>
-        </p:nvSpPr>
-        <p:spPr>
-          <a:xfrm>
-            <a:off x="1510142" y="3616039"/>
-            <a:ext cx="1524001" cy="665018"/>
-          </a:xfrm>
-          <a:prstGeom prst="rect">
-            <a:avLst/>
-          </a:prstGeom>
-          <a:solidFill>
-            <a:schemeClr val="bg1">
-              <a:lumMod val="95000"/>
-              <a:alpha val="79584"/>
-            </a:schemeClr>
-          </a:solidFill>
-          <a:ln w="38100">
-            <a:solidFill>
-              <a:schemeClr val="bg2">
-                <a:lumMod val="50000"/>
-              </a:schemeClr>
-            </a:solidFill>
-          </a:ln>
-        </p:spPr>
-        <p:style>
-          <a:lnRef idx="2">
-            <a:schemeClr val="accent1">
-              <a:shade val="50000"/>
-            </a:schemeClr>
-          </a:lnRef>
-          <a:fillRef idx="1">
-            <a:schemeClr val="accent1"/>
-          </a:fillRef>
-          <a:effectRef idx="0">
-            <a:schemeClr val="accent1"/>
-          </a:effectRef>
-          <a:fontRef idx="minor">
-            <a:schemeClr val="lt1"/>
-          </a:fontRef>
-        </p:style>
-        <p:txBody>
-          <a:bodyPr rtlCol="0" anchor="ctr"/>
-          <a:lstStyle/>
-          <a:p>
-            <a:pPr algn="ctr"/>
-            <a:r>
-              <a:rPr lang="en-US" sz="2000" dirty="0">
-                <a:solidFill>
-                  <a:schemeClr val="tx1">
-                    <a:lumMod val="85000"/>
-                    <a:lumOff val="15000"/>
-                  </a:schemeClr>
-                </a:solidFill>
-              </a:rPr>
-              <a:t>Permission</a:t>
-            </a:r>
-          </a:p>
-        </p:txBody>
-      </p:sp>
-      <p:sp>
-        <p:nvSpPr>
-          <p:cNvPr id="18" name="Down Arrow 17">
-            <a:extLst>
-              <a:ext uri="{FF2B5EF4-FFF2-40B4-BE49-F238E27FC236}">
-                <a16:creationId xmlns:a16="http://schemas.microsoft.com/office/drawing/2014/main" id="{A8DAD2EC-3E9B-E942-96A2-159C54469EE2}"/>
-              </a:ext>
-            </a:extLst>
-          </p:cNvPr>
-          <p:cNvSpPr/>
-          <p:nvPr/>
-        </p:nvSpPr>
-        <p:spPr>
-          <a:xfrm>
-            <a:off x="2191459" y="3029199"/>
-            <a:ext cx="161365" cy="581892"/>
-          </a:xfrm>
-          <a:prstGeom prst="downArrow">
-            <a:avLst>
-              <a:gd name="adj1" fmla="val 50000"/>
-              <a:gd name="adj2" fmla="val 129998"/>
-            </a:avLst>
-          </a:prstGeom>
-          <a:solidFill>
-            <a:schemeClr val="bg1">
-              <a:lumMod val="95000"/>
-              <a:alpha val="79584"/>
-            </a:schemeClr>
-          </a:solidFill>
-          <a:ln>
-            <a:solidFill>
-              <a:schemeClr val="bg2">
-                <a:lumMod val="50000"/>
-              </a:schemeClr>
-            </a:solidFill>
-          </a:ln>
-        </p:spPr>
-        <p:style>
-          <a:lnRef idx="2">
-            <a:schemeClr val="accent1">
-              <a:shade val="50000"/>
-            </a:schemeClr>
-          </a:lnRef>
-          <a:fillRef idx="1">
-            <a:schemeClr val="accent1"/>
-          </a:fillRef>
-          <a:effectRef idx="0">
-            <a:schemeClr val="accent1"/>
-          </a:effectRef>
-          <a:fontRef idx="minor">
-            <a:schemeClr val="lt1"/>
-          </a:fontRef>
-        </p:style>
-        <p:txBody>
-          <a:bodyPr rtlCol="0" anchor="ctr"/>
-          <a:lstStyle/>
-          <a:p>
-            <a:pPr algn="ctr"/>
-            <a:endParaRPr lang="en-US"/>
-          </a:p>
-        </p:txBody>
-      </p:sp>
-      <p:sp>
-        <p:nvSpPr>
-          <p:cNvPr id="7" name="Rectangle 6">
-            <a:extLst>
-              <a:ext uri="{FF2B5EF4-FFF2-40B4-BE49-F238E27FC236}">
-                <a16:creationId xmlns:a16="http://schemas.microsoft.com/office/drawing/2014/main" id="{084195EB-CEC7-3642-9E4F-07763E9EF4CC}"/>
-              </a:ext>
-            </a:extLst>
-          </p:cNvPr>
-          <p:cNvSpPr/>
-          <p:nvPr/>
-        </p:nvSpPr>
-        <p:spPr>
-          <a:xfrm>
-            <a:off x="1510142" y="4862949"/>
-            <a:ext cx="1524001" cy="665018"/>
-          </a:xfrm>
-          <a:prstGeom prst="rect">
-            <a:avLst/>
-          </a:prstGeom>
-          <a:solidFill>
-            <a:schemeClr val="bg1">
-              <a:lumMod val="95000"/>
-              <a:alpha val="79584"/>
-            </a:schemeClr>
-          </a:solidFill>
-          <a:ln w="38100">
-            <a:solidFill>
-              <a:schemeClr val="bg2">
-                <a:lumMod val="50000"/>
-              </a:schemeClr>
-            </a:solidFill>
-          </a:ln>
-        </p:spPr>
-        <p:style>
-          <a:lnRef idx="2">
-            <a:schemeClr val="accent1">
-              <a:shade val="50000"/>
-            </a:schemeClr>
-          </a:lnRef>
-          <a:fillRef idx="1">
-            <a:schemeClr val="accent1"/>
-          </a:fillRef>
-          <a:effectRef idx="0">
-            <a:schemeClr val="accent1"/>
-          </a:effectRef>
-          <a:fontRef idx="minor">
-            <a:schemeClr val="lt1"/>
-          </a:fontRef>
-        </p:style>
-        <p:txBody>
-          <a:bodyPr rtlCol="0" anchor="ctr"/>
-          <a:lstStyle/>
-          <a:p>
-            <a:pPr algn="ctr"/>
-            <a:r>
-              <a:rPr lang="en-US" sz="2000" dirty="0">
-                <a:solidFill>
-                  <a:schemeClr val="tx1">
-                    <a:lumMod val="85000"/>
-                    <a:lumOff val="15000"/>
-                  </a:schemeClr>
-                </a:solidFill>
-              </a:rPr>
-              <a:t>Capability</a:t>
-            </a:r>
-          </a:p>
-        </p:txBody>
-      </p:sp>
-      <p:sp>
-        <p:nvSpPr>
-          <p:cNvPr id="17" name="Down Arrow 16">
-            <a:extLst>
-              <a:ext uri="{FF2B5EF4-FFF2-40B4-BE49-F238E27FC236}">
-                <a16:creationId xmlns:a16="http://schemas.microsoft.com/office/drawing/2014/main" id="{79138125-78FD-2843-9EDB-DB6D8C3820EA}"/>
-              </a:ext>
-            </a:extLst>
-          </p:cNvPr>
-          <p:cNvSpPr/>
-          <p:nvPr/>
-        </p:nvSpPr>
-        <p:spPr>
-          <a:xfrm>
-            <a:off x="2191458" y="4281057"/>
-            <a:ext cx="161365" cy="581892"/>
-          </a:xfrm>
-          <a:prstGeom prst="downArrow">
-            <a:avLst>
-              <a:gd name="adj1" fmla="val 50000"/>
-              <a:gd name="adj2" fmla="val 129998"/>
-            </a:avLst>
-          </a:prstGeom>
-          <a:solidFill>
-            <a:schemeClr val="bg1">
-              <a:lumMod val="95000"/>
-              <a:alpha val="79584"/>
-            </a:schemeClr>
-          </a:solidFill>
-          <a:ln>
-            <a:solidFill>
-              <a:schemeClr val="bg2">
-                <a:lumMod val="50000"/>
-              </a:schemeClr>
-            </a:solidFill>
-          </a:ln>
-        </p:spPr>
-        <p:style>
-          <a:lnRef idx="2">
-            <a:schemeClr val="accent1">
-              <a:shade val="50000"/>
-            </a:schemeClr>
-          </a:lnRef>
-          <a:fillRef idx="1">
-            <a:schemeClr val="accent1"/>
-          </a:fillRef>
-          <a:effectRef idx="0">
-            <a:schemeClr val="accent1"/>
-          </a:effectRef>
-          <a:fontRef idx="minor">
-            <a:schemeClr val="lt1"/>
-          </a:fontRef>
-        </p:style>
-        <p:txBody>
-          <a:bodyPr rtlCol="0" anchor="ctr"/>
-          <a:lstStyle/>
-          <a:p>
-            <a:pPr algn="ctr"/>
-            <a:endParaRPr lang="en-US"/>
-          </a:p>
-        </p:txBody>
-      </p:sp>
-    </p:spTree>
-    <p:extLst>
-      <p:ext uri="{BB962C8B-B14F-4D97-AF65-F5344CB8AC3E}">
-        <p14:creationId xmlns:p14="http://schemas.microsoft.com/office/powerpoint/2010/main" val="1793701406"/>
-      </p:ext>
-    </p:extLst>
-  </p:cSld>
-  <p:clrMapOvr>
-    <a:masterClrMapping/>
-  </p:clrMapOvr>
-</p:sld>
-</file>
-
-<file path=ppt/slides/slide8.xml><?xml version="1.0" encoding="utf-8"?>
-<p:sld xmlns:a="http://schemas.openxmlformats.org/drawingml/2006/main" xmlns:r="http://schemas.openxmlformats.org/officeDocument/2006/relationships" xmlns:p="http://schemas.openxmlformats.org/presentationml/2006/main">
-  <p:cSld>
-    <p:spTree>
-      <p:nvGrpSpPr>
-        <p:cNvPr id="1" name=""/>
-        <p:cNvGrpSpPr/>
-        <p:nvPr/>
-      </p:nvGrpSpPr>
-      <p:grpSpPr>
-        <a:xfrm>
-          <a:off x="0" y="0"/>
-          <a:ext cx="0" cy="0"/>
-          <a:chOff x="0" y="0"/>
-          <a:chExt cx="0" cy="0"/>
-        </a:xfrm>
-      </p:grpSpPr>
-      <p:sp>
-        <p:nvSpPr>
-          <p:cNvPr id="11" name="Rectangle 10">
-            <a:extLst>
-              <a:ext uri="{FF2B5EF4-FFF2-40B4-BE49-F238E27FC236}">
-                <a16:creationId xmlns:a16="http://schemas.microsoft.com/office/drawing/2014/main" id="{F5DFF4CB-98E1-FF48-A069-97B4154B328B}"/>
-              </a:ext>
-            </a:extLst>
-          </p:cNvPr>
-          <p:cNvSpPr/>
-          <p:nvPr/>
-        </p:nvSpPr>
-        <p:spPr>
-          <a:xfrm>
-            <a:off x="1752176" y="2632947"/>
-            <a:ext cx="1524001" cy="665018"/>
-          </a:xfrm>
-          <a:prstGeom prst="rect">
-            <a:avLst/>
-          </a:prstGeom>
-          <a:solidFill>
-            <a:schemeClr val="bg1">
-              <a:lumMod val="95000"/>
-              <a:alpha val="79584"/>
-            </a:schemeClr>
-          </a:solidFill>
-          <a:ln w="38100">
-            <a:solidFill>
-              <a:schemeClr val="bg2">
-                <a:lumMod val="50000"/>
-              </a:schemeClr>
-            </a:solidFill>
-          </a:ln>
-        </p:spPr>
-        <p:style>
-          <a:lnRef idx="2">
-            <a:schemeClr val="accent1">
-              <a:shade val="50000"/>
-            </a:schemeClr>
-          </a:lnRef>
-          <a:fillRef idx="1">
-            <a:schemeClr val="accent1"/>
-          </a:fillRef>
-          <a:effectRef idx="0">
-            <a:schemeClr val="accent1"/>
-          </a:effectRef>
-          <a:fontRef idx="minor">
-            <a:schemeClr val="lt1"/>
-          </a:fontRef>
-        </p:style>
-        <p:txBody>
-          <a:bodyPr rtlCol="0" anchor="ctr"/>
-          <a:lstStyle/>
-          <a:p>
-            <a:pPr algn="ctr"/>
-            <a:r>
-              <a:rPr lang="en-US" sz="2000" dirty="0">
-                <a:solidFill>
-                  <a:schemeClr val="tx1">
-                    <a:lumMod val="85000"/>
-                    <a:lumOff val="15000"/>
-                  </a:schemeClr>
-                </a:solidFill>
-              </a:rPr>
-              <a:t>Role</a:t>
-            </a:r>
-          </a:p>
-        </p:txBody>
-      </p:sp>
-      <p:sp>
-        <p:nvSpPr>
-          <p:cNvPr id="14" name="Down Arrow 13">
-            <a:extLst>
-              <a:ext uri="{FF2B5EF4-FFF2-40B4-BE49-F238E27FC236}">
-                <a16:creationId xmlns:a16="http://schemas.microsoft.com/office/drawing/2014/main" id="{7401979E-EFD4-3B4A-B5AE-34BF68CA615C}"/>
-              </a:ext>
-            </a:extLst>
-          </p:cNvPr>
-          <p:cNvSpPr/>
-          <p:nvPr/>
-        </p:nvSpPr>
-        <p:spPr>
-          <a:xfrm rot="20675198">
-            <a:off x="2302962" y="1764165"/>
-            <a:ext cx="161365" cy="888316"/>
-          </a:xfrm>
-          <a:prstGeom prst="downArrow">
-            <a:avLst>
-              <a:gd name="adj1" fmla="val 50000"/>
-              <a:gd name="adj2" fmla="val 129998"/>
-            </a:avLst>
-          </a:prstGeom>
-          <a:solidFill>
-            <a:schemeClr val="bg1">
-              <a:lumMod val="95000"/>
-              <a:alpha val="79584"/>
-            </a:schemeClr>
-          </a:solidFill>
-          <a:ln>
-            <a:solidFill>
-              <a:schemeClr val="bg2">
-                <a:lumMod val="50000"/>
-              </a:schemeClr>
-            </a:solidFill>
-          </a:ln>
-        </p:spPr>
-        <p:style>
-          <a:lnRef idx="2">
-            <a:schemeClr val="accent1">
-              <a:shade val="50000"/>
-            </a:schemeClr>
-          </a:lnRef>
-          <a:fillRef idx="1">
-            <a:schemeClr val="accent1"/>
-          </a:fillRef>
-          <a:effectRef idx="0">
-            <a:schemeClr val="accent1"/>
-          </a:effectRef>
-          <a:fontRef idx="minor">
-            <a:schemeClr val="lt1"/>
-          </a:fontRef>
-        </p:style>
-        <p:txBody>
-          <a:bodyPr rtlCol="0" anchor="ctr"/>
-          <a:lstStyle/>
-          <a:p>
-            <a:pPr algn="ctr"/>
-            <a:endParaRPr lang="en-US"/>
-          </a:p>
-        </p:txBody>
-      </p:sp>
-      <p:sp>
-        <p:nvSpPr>
-          <p:cNvPr id="10" name="Rectangle 9">
-            <a:extLst>
-              <a:ext uri="{FF2B5EF4-FFF2-40B4-BE49-F238E27FC236}">
-                <a16:creationId xmlns:a16="http://schemas.microsoft.com/office/drawing/2014/main" id="{B7F1EEC2-724B-1848-91A6-1DFD50EBDEE6}"/>
-              </a:ext>
-            </a:extLst>
-          </p:cNvPr>
-          <p:cNvSpPr/>
-          <p:nvPr/>
-        </p:nvSpPr>
-        <p:spPr>
-          <a:xfrm>
-            <a:off x="1671499" y="2545007"/>
-            <a:ext cx="1524001" cy="665018"/>
-          </a:xfrm>
-          <a:prstGeom prst="rect">
-            <a:avLst/>
-          </a:prstGeom>
-          <a:solidFill>
-            <a:schemeClr val="bg1">
-              <a:lumMod val="95000"/>
-              <a:alpha val="79584"/>
-            </a:schemeClr>
-          </a:solidFill>
-          <a:ln w="38100">
-            <a:solidFill>
-              <a:schemeClr val="bg2">
-                <a:lumMod val="50000"/>
-              </a:schemeClr>
-            </a:solidFill>
-          </a:ln>
-        </p:spPr>
-        <p:style>
-          <a:lnRef idx="2">
-            <a:schemeClr val="accent1">
-              <a:shade val="50000"/>
-            </a:schemeClr>
-          </a:lnRef>
-          <a:fillRef idx="1">
-            <a:schemeClr val="accent1"/>
-          </a:fillRef>
-          <a:effectRef idx="0">
-            <a:schemeClr val="accent1"/>
-          </a:effectRef>
-          <a:fontRef idx="minor">
-            <a:schemeClr val="lt1"/>
-          </a:fontRef>
-        </p:style>
-        <p:txBody>
-          <a:bodyPr rtlCol="0" anchor="ctr"/>
-          <a:lstStyle/>
-          <a:p>
-            <a:pPr algn="ctr"/>
-            <a:r>
-              <a:rPr lang="en-US" sz="2000" dirty="0">
-                <a:solidFill>
-                  <a:schemeClr val="tx1">
-                    <a:lumMod val="85000"/>
-                    <a:lumOff val="15000"/>
-                  </a:schemeClr>
-                </a:solidFill>
-              </a:rPr>
-              <a:t>Role</a:t>
-            </a:r>
-          </a:p>
-        </p:txBody>
-      </p:sp>
-      <p:sp>
-        <p:nvSpPr>
-          <p:cNvPr id="13" name="Down Arrow 12">
-            <a:extLst>
-              <a:ext uri="{FF2B5EF4-FFF2-40B4-BE49-F238E27FC236}">
-                <a16:creationId xmlns:a16="http://schemas.microsoft.com/office/drawing/2014/main" id="{B4CDB232-AE9B-3D4F-B146-8B666553560E}"/>
-              </a:ext>
-            </a:extLst>
-          </p:cNvPr>
-          <p:cNvSpPr/>
-          <p:nvPr/>
-        </p:nvSpPr>
-        <p:spPr>
-          <a:xfrm rot="21000000">
-            <a:off x="2264270" y="1772155"/>
-            <a:ext cx="161365" cy="772627"/>
-          </a:xfrm>
-          <a:prstGeom prst="downArrow">
-            <a:avLst>
-              <a:gd name="adj1" fmla="val 50000"/>
-              <a:gd name="adj2" fmla="val 129998"/>
-            </a:avLst>
-          </a:prstGeom>
-          <a:solidFill>
-            <a:schemeClr val="bg1">
-              <a:lumMod val="95000"/>
-              <a:alpha val="79584"/>
-            </a:schemeClr>
-          </a:solidFill>
-          <a:ln>
-            <a:solidFill>
-              <a:schemeClr val="bg2">
-                <a:lumMod val="50000"/>
-              </a:schemeClr>
-            </a:solidFill>
-          </a:ln>
-        </p:spPr>
-        <p:style>
-          <a:lnRef idx="2">
-            <a:schemeClr val="accent1">
-              <a:shade val="50000"/>
-            </a:schemeClr>
-          </a:lnRef>
-          <a:fillRef idx="1">
-            <a:schemeClr val="accent1"/>
-          </a:fillRef>
-          <a:effectRef idx="0">
-            <a:schemeClr val="accent1"/>
-          </a:effectRef>
-          <a:fontRef idx="minor">
-            <a:schemeClr val="lt1"/>
-          </a:fontRef>
-        </p:style>
-        <p:txBody>
-          <a:bodyPr rtlCol="0" anchor="ctr"/>
-          <a:lstStyle/>
-          <a:p>
-            <a:pPr algn="ctr"/>
-            <a:endParaRPr lang="en-US"/>
-          </a:p>
-        </p:txBody>
-      </p:sp>
-      <p:sp>
-        <p:nvSpPr>
-          <p:cNvPr id="9" name="Rectangle 8">
-            <a:extLst>
-              <a:ext uri="{FF2B5EF4-FFF2-40B4-BE49-F238E27FC236}">
-                <a16:creationId xmlns:a16="http://schemas.microsoft.com/office/drawing/2014/main" id="{6F7D0253-8737-834F-8F03-1696179FCA7C}"/>
-              </a:ext>
-            </a:extLst>
-          </p:cNvPr>
-          <p:cNvSpPr/>
-          <p:nvPr/>
-        </p:nvSpPr>
-        <p:spPr>
-          <a:xfrm>
-            <a:off x="1590822" y="2457068"/>
-            <a:ext cx="1524001" cy="665018"/>
-          </a:xfrm>
-          <a:prstGeom prst="rect">
-            <a:avLst/>
-          </a:prstGeom>
-          <a:solidFill>
-            <a:schemeClr val="bg1">
-              <a:lumMod val="95000"/>
-              <a:alpha val="79584"/>
-            </a:schemeClr>
-          </a:solidFill>
-          <a:ln w="38100">
-            <a:solidFill>
-              <a:schemeClr val="bg2">
-                <a:lumMod val="50000"/>
-              </a:schemeClr>
-            </a:solidFill>
-          </a:ln>
-        </p:spPr>
-        <p:style>
-          <a:lnRef idx="2">
-            <a:schemeClr val="accent1">
-              <a:shade val="50000"/>
-            </a:schemeClr>
-          </a:lnRef>
-          <a:fillRef idx="1">
-            <a:schemeClr val="accent1"/>
-          </a:fillRef>
-          <a:effectRef idx="0">
-            <a:schemeClr val="accent1"/>
-          </a:effectRef>
-          <a:fontRef idx="minor">
-            <a:schemeClr val="lt1"/>
-          </a:fontRef>
-        </p:style>
-        <p:txBody>
-          <a:bodyPr rtlCol="0" anchor="ctr"/>
-          <a:lstStyle/>
-          <a:p>
-            <a:pPr algn="ctr"/>
-            <a:r>
-              <a:rPr lang="en-US" sz="2000" dirty="0">
-                <a:solidFill>
-                  <a:schemeClr val="tx1">
-                    <a:lumMod val="85000"/>
-                    <a:lumOff val="15000"/>
-                  </a:schemeClr>
-                </a:solidFill>
-              </a:rPr>
-              <a:t>Role</a:t>
-            </a:r>
-          </a:p>
-        </p:txBody>
-      </p:sp>
-      <p:sp>
-        <p:nvSpPr>
-          <p:cNvPr id="12" name="Down Arrow 11">
-            <a:extLst>
-              <a:ext uri="{FF2B5EF4-FFF2-40B4-BE49-F238E27FC236}">
-                <a16:creationId xmlns:a16="http://schemas.microsoft.com/office/drawing/2014/main" id="{6CFDBBEA-1C60-B94C-BA5B-0530357207B3}"/>
-              </a:ext>
-            </a:extLst>
-          </p:cNvPr>
-          <p:cNvSpPr/>
-          <p:nvPr/>
-        </p:nvSpPr>
-        <p:spPr>
-          <a:xfrm rot="21300000">
-            <a:off x="2216826" y="1778094"/>
-            <a:ext cx="161365" cy="672768"/>
-          </a:xfrm>
-          <a:prstGeom prst="downArrow">
-            <a:avLst>
-              <a:gd name="adj1" fmla="val 50000"/>
-              <a:gd name="adj2" fmla="val 129998"/>
-            </a:avLst>
-          </a:prstGeom>
-          <a:solidFill>
-            <a:schemeClr val="bg1">
-              <a:lumMod val="95000"/>
-              <a:alpha val="79584"/>
-            </a:schemeClr>
-          </a:solidFill>
-          <a:ln>
-            <a:solidFill>
-              <a:schemeClr val="bg2">
-                <a:lumMod val="50000"/>
-              </a:schemeClr>
-            </a:solidFill>
-          </a:ln>
-        </p:spPr>
-        <p:style>
-          <a:lnRef idx="2">
-            <a:schemeClr val="accent1">
-              <a:shade val="50000"/>
-            </a:schemeClr>
-          </a:lnRef>
-          <a:fillRef idx="1">
-            <a:schemeClr val="accent1"/>
-          </a:fillRef>
-          <a:effectRef idx="0">
-            <a:schemeClr val="accent1"/>
-          </a:effectRef>
-          <a:fontRef idx="minor">
-            <a:schemeClr val="lt1"/>
-          </a:fontRef>
-        </p:style>
-        <p:txBody>
-          <a:bodyPr rtlCol="0" anchor="ctr"/>
-          <a:lstStyle/>
-          <a:p>
-            <a:pPr algn="ctr"/>
-            <a:endParaRPr lang="en-US"/>
-          </a:p>
-        </p:txBody>
-      </p:sp>
-      <p:sp>
-        <p:nvSpPr>
-          <p:cNvPr id="2" name="Rectangle 1">
-            <a:extLst>
-              <a:ext uri="{FF2B5EF4-FFF2-40B4-BE49-F238E27FC236}">
-                <a16:creationId xmlns:a16="http://schemas.microsoft.com/office/drawing/2014/main" id="{9B7387F5-ACA9-7141-97D3-A62F3221BA74}"/>
-              </a:ext>
-            </a:extLst>
-          </p:cNvPr>
-          <p:cNvSpPr/>
-          <p:nvPr/>
-        </p:nvSpPr>
-        <p:spPr>
-          <a:xfrm>
-            <a:off x="1510145" y="1122219"/>
-            <a:ext cx="1524001" cy="665018"/>
-          </a:xfrm>
-          <a:prstGeom prst="rect">
-            <a:avLst/>
-          </a:prstGeom>
-          <a:solidFill>
-            <a:schemeClr val="bg1">
-              <a:lumMod val="95000"/>
-              <a:alpha val="79584"/>
-            </a:schemeClr>
-          </a:solidFill>
-          <a:ln w="38100">
-            <a:solidFill>
-              <a:schemeClr val="bg2">
-                <a:lumMod val="50000"/>
-              </a:schemeClr>
-            </a:solidFill>
-          </a:ln>
-        </p:spPr>
-        <p:style>
-          <a:lnRef idx="2">
-            <a:schemeClr val="accent1">
-              <a:shade val="50000"/>
-            </a:schemeClr>
-          </a:lnRef>
-          <a:fillRef idx="1">
-            <a:schemeClr val="accent1"/>
-          </a:fillRef>
-          <a:effectRef idx="0">
-            <a:schemeClr val="accent1"/>
-          </a:effectRef>
-          <a:fontRef idx="minor">
-            <a:schemeClr val="lt1"/>
-          </a:fontRef>
-        </p:style>
-        <p:txBody>
-          <a:bodyPr rtlCol="0" anchor="ctr"/>
-          <a:lstStyle/>
-          <a:p>
-            <a:pPr algn="ctr"/>
-            <a:r>
-              <a:rPr lang="en-US" sz="2000" dirty="0">
-                <a:solidFill>
-                  <a:schemeClr val="tx1">
-                    <a:lumMod val="85000"/>
-                    <a:lumOff val="15000"/>
-                  </a:schemeClr>
-                </a:solidFill>
-              </a:rPr>
-              <a:t>User</a:t>
-            </a:r>
-          </a:p>
-        </p:txBody>
-      </p:sp>
-      <p:sp>
-        <p:nvSpPr>
-          <p:cNvPr id="5" name="Rectangle 4">
-            <a:extLst>
-              <a:ext uri="{FF2B5EF4-FFF2-40B4-BE49-F238E27FC236}">
-                <a16:creationId xmlns:a16="http://schemas.microsoft.com/office/drawing/2014/main" id="{D1CCEEB6-0FB9-4C4E-A7F2-C6729B9FC8EA}"/>
-              </a:ext>
-            </a:extLst>
-          </p:cNvPr>
-          <p:cNvSpPr/>
-          <p:nvPr/>
-        </p:nvSpPr>
-        <p:spPr>
-          <a:xfrm>
-            <a:off x="1510145" y="2369129"/>
-            <a:ext cx="1524001" cy="665018"/>
-          </a:xfrm>
-          <a:prstGeom prst="rect">
-            <a:avLst/>
-          </a:prstGeom>
-          <a:solidFill>
-            <a:schemeClr val="bg1">
-              <a:lumMod val="95000"/>
-              <a:alpha val="79584"/>
-            </a:schemeClr>
-          </a:solidFill>
-          <a:ln w="38100">
-            <a:solidFill>
-              <a:schemeClr val="bg2">
-                <a:lumMod val="50000"/>
-              </a:schemeClr>
-            </a:solidFill>
-          </a:ln>
-        </p:spPr>
-        <p:style>
-          <a:lnRef idx="2">
-            <a:schemeClr val="accent1">
-              <a:shade val="50000"/>
-            </a:schemeClr>
-          </a:lnRef>
-          <a:fillRef idx="1">
-            <a:schemeClr val="accent1"/>
-          </a:fillRef>
-          <a:effectRef idx="0">
-            <a:schemeClr val="accent1"/>
-          </a:effectRef>
-          <a:fontRef idx="minor">
-            <a:schemeClr val="lt1"/>
-          </a:fontRef>
-        </p:style>
-        <p:txBody>
-          <a:bodyPr rtlCol="0" anchor="ctr"/>
-          <a:lstStyle/>
-          <a:p>
-            <a:pPr algn="ctr"/>
-            <a:r>
-              <a:rPr lang="en-US" sz="2000" dirty="0">
-                <a:solidFill>
-                  <a:schemeClr val="tx1">
-                    <a:lumMod val="85000"/>
-                    <a:lumOff val="15000"/>
-                  </a:schemeClr>
-                </a:solidFill>
-              </a:rPr>
-              <a:t>Role</a:t>
-            </a:r>
-          </a:p>
-        </p:txBody>
-      </p:sp>
-      <p:sp>
-        <p:nvSpPr>
-          <p:cNvPr id="15" name="Down Arrow 14">
-            <a:extLst>
-              <a:ext uri="{FF2B5EF4-FFF2-40B4-BE49-F238E27FC236}">
-                <a16:creationId xmlns:a16="http://schemas.microsoft.com/office/drawing/2014/main" id="{03FE2F9B-D768-9846-AF7E-C97F162AF435}"/>
-              </a:ext>
-            </a:extLst>
-          </p:cNvPr>
-          <p:cNvSpPr/>
-          <p:nvPr/>
-        </p:nvSpPr>
-        <p:spPr>
-          <a:xfrm>
-            <a:off x="2191459" y="1787237"/>
-            <a:ext cx="161365" cy="581892"/>
-          </a:xfrm>
-          <a:prstGeom prst="downArrow">
-            <a:avLst>
-              <a:gd name="adj1" fmla="val 50000"/>
-              <a:gd name="adj2" fmla="val 129998"/>
-            </a:avLst>
-          </a:prstGeom>
-          <a:solidFill>
-            <a:schemeClr val="bg1">
-              <a:lumMod val="95000"/>
-              <a:alpha val="79584"/>
-            </a:schemeClr>
-          </a:solidFill>
-          <a:ln>
-            <a:solidFill>
-              <a:schemeClr val="bg2">
-                <a:lumMod val="50000"/>
-              </a:schemeClr>
-            </a:solidFill>
-          </a:ln>
-        </p:spPr>
-        <p:style>
-          <a:lnRef idx="2">
-            <a:schemeClr val="accent1">
-              <a:shade val="50000"/>
-            </a:schemeClr>
-          </a:lnRef>
-          <a:fillRef idx="1">
-            <a:schemeClr val="accent1"/>
-          </a:fillRef>
-          <a:effectRef idx="0">
-            <a:schemeClr val="accent1"/>
-          </a:effectRef>
-          <a:fontRef idx="minor">
-            <a:schemeClr val="lt1"/>
-          </a:fontRef>
-        </p:style>
-        <p:txBody>
-          <a:bodyPr rtlCol="0" anchor="ctr"/>
-          <a:lstStyle/>
-          <a:p>
-            <a:pPr algn="ctr"/>
-            <a:endParaRPr lang="en-US"/>
-          </a:p>
-        </p:txBody>
-      </p:sp>
-      <p:sp>
-        <p:nvSpPr>
-          <p:cNvPr id="16" name="Rectangle 15">
-            <a:extLst>
-              <a:ext uri="{FF2B5EF4-FFF2-40B4-BE49-F238E27FC236}">
-                <a16:creationId xmlns:a16="http://schemas.microsoft.com/office/drawing/2014/main" id="{A5CA0DB8-57EB-C840-9FDD-2EBAFE84633F}"/>
-              </a:ext>
-            </a:extLst>
-          </p:cNvPr>
-          <p:cNvSpPr/>
-          <p:nvPr/>
-        </p:nvSpPr>
-        <p:spPr>
-          <a:xfrm>
-            <a:off x="1752173" y="3879857"/>
-            <a:ext cx="1524001" cy="665018"/>
-          </a:xfrm>
-          <a:prstGeom prst="rect">
-            <a:avLst/>
-          </a:prstGeom>
-          <a:solidFill>
-            <a:schemeClr val="bg1">
-              <a:lumMod val="95000"/>
-              <a:alpha val="79584"/>
-            </a:schemeClr>
-          </a:solidFill>
-          <a:ln w="38100">
-            <a:solidFill>
-              <a:schemeClr val="bg2">
-                <a:lumMod val="50000"/>
-              </a:schemeClr>
-            </a:solidFill>
-          </a:ln>
-        </p:spPr>
-        <p:style>
-          <a:lnRef idx="2">
-            <a:schemeClr val="accent1">
-              <a:shade val="50000"/>
-            </a:schemeClr>
-          </a:lnRef>
-          <a:fillRef idx="1">
-            <a:schemeClr val="accent1"/>
-          </a:fillRef>
-          <a:effectRef idx="0">
-            <a:schemeClr val="accent1"/>
-          </a:effectRef>
-          <a:fontRef idx="minor">
-            <a:schemeClr val="lt1"/>
-          </a:fontRef>
-        </p:style>
-        <p:txBody>
-          <a:bodyPr rtlCol="0" anchor="ctr"/>
-          <a:lstStyle/>
-          <a:p>
-            <a:pPr algn="ctr"/>
-            <a:r>
-              <a:rPr lang="en-US" sz="2000" dirty="0">
-                <a:solidFill>
-                  <a:schemeClr val="tx1">
-                    <a:lumMod val="85000"/>
-                    <a:lumOff val="15000"/>
-                  </a:schemeClr>
-                </a:solidFill>
-              </a:rPr>
-              <a:t>Permission</a:t>
-            </a:r>
-          </a:p>
-        </p:txBody>
-      </p:sp>
-      <p:sp>
-        <p:nvSpPr>
-          <p:cNvPr id="19" name="Down Arrow 18">
-            <a:extLst>
-              <a:ext uri="{FF2B5EF4-FFF2-40B4-BE49-F238E27FC236}">
-                <a16:creationId xmlns:a16="http://schemas.microsoft.com/office/drawing/2014/main" id="{F937787E-F591-AB4A-AA83-E0EA75AB4B38}"/>
-              </a:ext>
-            </a:extLst>
-          </p:cNvPr>
-          <p:cNvSpPr/>
-          <p:nvPr/>
-        </p:nvSpPr>
-        <p:spPr>
-          <a:xfrm rot="20675198">
-            <a:off x="2302959" y="3011075"/>
-            <a:ext cx="161365" cy="888316"/>
-          </a:xfrm>
-          <a:prstGeom prst="downArrow">
-            <a:avLst>
-              <a:gd name="adj1" fmla="val 50000"/>
-              <a:gd name="adj2" fmla="val 129998"/>
-            </a:avLst>
-          </a:prstGeom>
-          <a:solidFill>
-            <a:schemeClr val="bg1">
-              <a:lumMod val="95000"/>
-              <a:alpha val="79584"/>
-            </a:schemeClr>
-          </a:solidFill>
-          <a:ln>
-            <a:solidFill>
-              <a:schemeClr val="bg2">
-                <a:lumMod val="50000"/>
-              </a:schemeClr>
-            </a:solidFill>
-          </a:ln>
-        </p:spPr>
-        <p:style>
-          <a:lnRef idx="2">
-            <a:schemeClr val="accent1">
-              <a:shade val="50000"/>
-            </a:schemeClr>
-          </a:lnRef>
-          <a:fillRef idx="1">
-            <a:schemeClr val="accent1"/>
-          </a:fillRef>
-          <a:effectRef idx="0">
-            <a:schemeClr val="accent1"/>
-          </a:effectRef>
-          <a:fontRef idx="minor">
-            <a:schemeClr val="lt1"/>
-          </a:fontRef>
-        </p:style>
-        <p:txBody>
-          <a:bodyPr rtlCol="0" anchor="ctr"/>
-          <a:lstStyle/>
-          <a:p>
-            <a:pPr algn="ctr"/>
-            <a:endParaRPr lang="en-US"/>
-          </a:p>
-        </p:txBody>
-      </p:sp>
-      <p:sp>
-        <p:nvSpPr>
-          <p:cNvPr id="20" name="Rectangle 19">
-            <a:extLst>
-              <a:ext uri="{FF2B5EF4-FFF2-40B4-BE49-F238E27FC236}">
-                <a16:creationId xmlns:a16="http://schemas.microsoft.com/office/drawing/2014/main" id="{6BAE310D-B37C-A241-920E-315A7306B033}"/>
-              </a:ext>
-            </a:extLst>
-          </p:cNvPr>
-          <p:cNvSpPr/>
-          <p:nvPr/>
-        </p:nvSpPr>
-        <p:spPr>
-          <a:xfrm>
-            <a:off x="1671496" y="3791917"/>
-            <a:ext cx="1524001" cy="665018"/>
-          </a:xfrm>
-          <a:prstGeom prst="rect">
-            <a:avLst/>
-          </a:prstGeom>
-          <a:solidFill>
-            <a:schemeClr val="bg1">
-              <a:lumMod val="95000"/>
-              <a:alpha val="79584"/>
-            </a:schemeClr>
-          </a:solidFill>
-          <a:ln w="38100">
-            <a:solidFill>
-              <a:schemeClr val="bg2">
-                <a:lumMod val="50000"/>
-              </a:schemeClr>
-            </a:solidFill>
-          </a:ln>
-        </p:spPr>
-        <p:style>
-          <a:lnRef idx="2">
-            <a:schemeClr val="accent1">
-              <a:shade val="50000"/>
-            </a:schemeClr>
-          </a:lnRef>
-          <a:fillRef idx="1">
-            <a:schemeClr val="accent1"/>
-          </a:fillRef>
-          <a:effectRef idx="0">
-            <a:schemeClr val="accent1"/>
-          </a:effectRef>
-          <a:fontRef idx="minor">
-            <a:schemeClr val="lt1"/>
-          </a:fontRef>
-        </p:style>
-        <p:txBody>
-          <a:bodyPr rtlCol="0" anchor="ctr"/>
-          <a:lstStyle/>
-          <a:p>
-            <a:pPr algn="ctr"/>
-            <a:r>
-              <a:rPr lang="en-US" sz="2000" dirty="0">
-                <a:solidFill>
-                  <a:schemeClr val="tx1">
-                    <a:lumMod val="85000"/>
-                    <a:lumOff val="15000"/>
-                  </a:schemeClr>
-                </a:solidFill>
-              </a:rPr>
-              <a:t>Permission</a:t>
-            </a:r>
-          </a:p>
-        </p:txBody>
-      </p:sp>
-      <p:sp>
-        <p:nvSpPr>
-          <p:cNvPr id="21" name="Down Arrow 20">
-            <a:extLst>
-              <a:ext uri="{FF2B5EF4-FFF2-40B4-BE49-F238E27FC236}">
-                <a16:creationId xmlns:a16="http://schemas.microsoft.com/office/drawing/2014/main" id="{675138C8-4353-E442-A21C-738EAB141FBE}"/>
-              </a:ext>
-            </a:extLst>
-          </p:cNvPr>
-          <p:cNvSpPr/>
-          <p:nvPr/>
-        </p:nvSpPr>
-        <p:spPr>
-          <a:xfrm rot="21000000">
-            <a:off x="2264267" y="3019065"/>
-            <a:ext cx="161365" cy="772627"/>
-          </a:xfrm>
-          <a:prstGeom prst="downArrow">
-            <a:avLst>
-              <a:gd name="adj1" fmla="val 50000"/>
-              <a:gd name="adj2" fmla="val 129998"/>
-            </a:avLst>
-          </a:prstGeom>
-          <a:solidFill>
-            <a:schemeClr val="bg1">
-              <a:lumMod val="95000"/>
-              <a:alpha val="79584"/>
-            </a:schemeClr>
-          </a:solidFill>
-          <a:ln>
-            <a:solidFill>
-              <a:schemeClr val="bg2">
-                <a:lumMod val="50000"/>
-              </a:schemeClr>
-            </a:solidFill>
-          </a:ln>
-        </p:spPr>
-        <p:style>
-          <a:lnRef idx="2">
-            <a:schemeClr val="accent1">
-              <a:shade val="50000"/>
-            </a:schemeClr>
-          </a:lnRef>
-          <a:fillRef idx="1">
-            <a:schemeClr val="accent1"/>
-          </a:fillRef>
-          <a:effectRef idx="0">
-            <a:schemeClr val="accent1"/>
-          </a:effectRef>
-          <a:fontRef idx="minor">
-            <a:schemeClr val="lt1"/>
-          </a:fontRef>
-        </p:style>
-        <p:txBody>
-          <a:bodyPr rtlCol="0" anchor="ctr"/>
-          <a:lstStyle/>
-          <a:p>
-            <a:pPr algn="ctr"/>
-            <a:endParaRPr lang="en-US"/>
-          </a:p>
-        </p:txBody>
-      </p:sp>
-      <p:sp>
-        <p:nvSpPr>
-          <p:cNvPr id="22" name="Rectangle 21">
-            <a:extLst>
-              <a:ext uri="{FF2B5EF4-FFF2-40B4-BE49-F238E27FC236}">
-                <a16:creationId xmlns:a16="http://schemas.microsoft.com/office/drawing/2014/main" id="{90B2ED0E-B620-C64A-8FFB-6879542442F6}"/>
-              </a:ext>
-            </a:extLst>
-          </p:cNvPr>
-          <p:cNvSpPr/>
-          <p:nvPr/>
-        </p:nvSpPr>
-        <p:spPr>
-          <a:xfrm>
-            <a:off x="1590819" y="3703978"/>
-            <a:ext cx="1524001" cy="665018"/>
-          </a:xfrm>
-          <a:prstGeom prst="rect">
-            <a:avLst/>
-          </a:prstGeom>
-          <a:solidFill>
-            <a:schemeClr val="bg1">
-              <a:lumMod val="95000"/>
-              <a:alpha val="79584"/>
-            </a:schemeClr>
-          </a:solidFill>
-          <a:ln w="38100">
-            <a:solidFill>
-              <a:schemeClr val="bg2">
-                <a:lumMod val="50000"/>
-              </a:schemeClr>
-            </a:solidFill>
-          </a:ln>
-        </p:spPr>
-        <p:style>
-          <a:lnRef idx="2">
-            <a:schemeClr val="accent1">
-              <a:shade val="50000"/>
-            </a:schemeClr>
-          </a:lnRef>
-          <a:fillRef idx="1">
-            <a:schemeClr val="accent1"/>
-          </a:fillRef>
-          <a:effectRef idx="0">
-            <a:schemeClr val="accent1"/>
-          </a:effectRef>
-          <a:fontRef idx="minor">
-            <a:schemeClr val="lt1"/>
-          </a:fontRef>
-        </p:style>
-        <p:txBody>
-          <a:bodyPr rtlCol="0" anchor="ctr"/>
-          <a:lstStyle/>
-          <a:p>
-            <a:pPr algn="ctr"/>
-            <a:r>
-              <a:rPr lang="en-US" sz="2000" dirty="0">
-                <a:solidFill>
-                  <a:schemeClr val="tx1">
-                    <a:lumMod val="85000"/>
-                    <a:lumOff val="15000"/>
-                  </a:schemeClr>
-                </a:solidFill>
-              </a:rPr>
-              <a:t>Permission</a:t>
-            </a:r>
-          </a:p>
-        </p:txBody>
-      </p:sp>
-      <p:sp>
-        <p:nvSpPr>
-          <p:cNvPr id="23" name="Down Arrow 22">
-            <a:extLst>
-              <a:ext uri="{FF2B5EF4-FFF2-40B4-BE49-F238E27FC236}">
-                <a16:creationId xmlns:a16="http://schemas.microsoft.com/office/drawing/2014/main" id="{09C43943-FB10-2F4E-A6DD-A0608F650847}"/>
-              </a:ext>
-            </a:extLst>
-          </p:cNvPr>
-          <p:cNvSpPr/>
-          <p:nvPr/>
-        </p:nvSpPr>
-        <p:spPr>
-          <a:xfrm rot="21300000">
-            <a:off x="2216823" y="3025004"/>
-            <a:ext cx="161365" cy="672768"/>
-          </a:xfrm>
-          <a:prstGeom prst="downArrow">
-            <a:avLst>
-              <a:gd name="adj1" fmla="val 50000"/>
-              <a:gd name="adj2" fmla="val 129998"/>
-            </a:avLst>
-          </a:prstGeom>
-          <a:solidFill>
-            <a:schemeClr val="bg1">
-              <a:lumMod val="95000"/>
-              <a:alpha val="79584"/>
-            </a:schemeClr>
-          </a:solidFill>
-          <a:ln>
-            <a:solidFill>
-              <a:schemeClr val="bg2">
-                <a:lumMod val="50000"/>
-              </a:schemeClr>
-            </a:solidFill>
-          </a:ln>
-        </p:spPr>
-        <p:style>
-          <a:lnRef idx="2">
-            <a:schemeClr val="accent1">
-              <a:shade val="50000"/>
-            </a:schemeClr>
-          </a:lnRef>
-          <a:fillRef idx="1">
-            <a:schemeClr val="accent1"/>
-          </a:fillRef>
-          <a:effectRef idx="0">
-            <a:schemeClr val="accent1"/>
-          </a:effectRef>
-          <a:fontRef idx="minor">
-            <a:schemeClr val="lt1"/>
-          </a:fontRef>
-        </p:style>
-        <p:txBody>
-          <a:bodyPr rtlCol="0" anchor="ctr"/>
-          <a:lstStyle/>
-          <a:p>
-            <a:pPr algn="ctr"/>
-            <a:endParaRPr lang="en-US"/>
-          </a:p>
-        </p:txBody>
-      </p:sp>
-      <p:sp>
-        <p:nvSpPr>
-          <p:cNvPr id="6" name="Rectangle 5">
-            <a:extLst>
-              <a:ext uri="{FF2B5EF4-FFF2-40B4-BE49-F238E27FC236}">
-                <a16:creationId xmlns:a16="http://schemas.microsoft.com/office/drawing/2014/main" id="{292A8187-D086-6241-BD43-8F4A54EACBD1}"/>
-              </a:ext>
-            </a:extLst>
-          </p:cNvPr>
-          <p:cNvSpPr/>
-          <p:nvPr/>
-        </p:nvSpPr>
-        <p:spPr>
-          <a:xfrm>
-            <a:off x="1510142" y="3616039"/>
-            <a:ext cx="1524001" cy="665018"/>
-          </a:xfrm>
-          <a:prstGeom prst="rect">
-            <a:avLst/>
-          </a:prstGeom>
-          <a:solidFill>
-            <a:schemeClr val="bg1">
-              <a:lumMod val="95000"/>
-              <a:alpha val="79584"/>
-            </a:schemeClr>
-          </a:solidFill>
-          <a:ln w="38100">
-            <a:solidFill>
-              <a:schemeClr val="bg2">
-                <a:lumMod val="50000"/>
-              </a:schemeClr>
-            </a:solidFill>
-          </a:ln>
-        </p:spPr>
-        <p:style>
-          <a:lnRef idx="2">
-            <a:schemeClr val="accent1">
-              <a:shade val="50000"/>
-            </a:schemeClr>
-          </a:lnRef>
-          <a:fillRef idx="1">
-            <a:schemeClr val="accent1"/>
-          </a:fillRef>
-          <a:effectRef idx="0">
-            <a:schemeClr val="accent1"/>
-          </a:effectRef>
-          <a:fontRef idx="minor">
-            <a:schemeClr val="lt1"/>
-          </a:fontRef>
-        </p:style>
-        <p:txBody>
-          <a:bodyPr rtlCol="0" anchor="ctr"/>
-          <a:lstStyle/>
-          <a:p>
-            <a:pPr algn="ctr"/>
-            <a:r>
-              <a:rPr lang="en-US" sz="2000" dirty="0">
-                <a:solidFill>
-                  <a:schemeClr val="tx1">
-                    <a:lumMod val="85000"/>
-                    <a:lumOff val="15000"/>
-                  </a:schemeClr>
-                </a:solidFill>
-              </a:rPr>
-              <a:t>Permission</a:t>
-            </a:r>
-          </a:p>
-        </p:txBody>
-      </p:sp>
-      <p:sp>
-        <p:nvSpPr>
-          <p:cNvPr id="18" name="Down Arrow 17">
-            <a:extLst>
-              <a:ext uri="{FF2B5EF4-FFF2-40B4-BE49-F238E27FC236}">
-                <a16:creationId xmlns:a16="http://schemas.microsoft.com/office/drawing/2014/main" id="{A8DAD2EC-3E9B-E942-96A2-159C54469EE2}"/>
-              </a:ext>
-            </a:extLst>
-          </p:cNvPr>
-          <p:cNvSpPr/>
-          <p:nvPr/>
-        </p:nvSpPr>
-        <p:spPr>
-          <a:xfrm>
-            <a:off x="2191459" y="3029199"/>
-            <a:ext cx="161365" cy="581892"/>
-          </a:xfrm>
-          <a:prstGeom prst="downArrow">
-            <a:avLst>
-              <a:gd name="adj1" fmla="val 50000"/>
-              <a:gd name="adj2" fmla="val 129998"/>
-            </a:avLst>
-          </a:prstGeom>
-          <a:solidFill>
-            <a:schemeClr val="bg1">
-              <a:lumMod val="95000"/>
-              <a:alpha val="79584"/>
-            </a:schemeClr>
-          </a:solidFill>
-          <a:ln>
-            <a:solidFill>
-              <a:schemeClr val="bg2">
-                <a:lumMod val="50000"/>
-              </a:schemeClr>
-            </a:solidFill>
-          </a:ln>
-        </p:spPr>
-        <p:style>
-          <a:lnRef idx="2">
-            <a:schemeClr val="accent1">
-              <a:shade val="50000"/>
-            </a:schemeClr>
-          </a:lnRef>
-          <a:fillRef idx="1">
-            <a:schemeClr val="accent1"/>
-          </a:fillRef>
-          <a:effectRef idx="0">
-            <a:schemeClr val="accent1"/>
-          </a:effectRef>
-          <a:fontRef idx="minor">
-            <a:schemeClr val="lt1"/>
-          </a:fontRef>
-        </p:style>
-        <p:txBody>
-          <a:bodyPr rtlCol="0" anchor="ctr"/>
-          <a:lstStyle/>
-          <a:p>
-            <a:pPr algn="ctr"/>
-            <a:endParaRPr lang="en-US"/>
-          </a:p>
-        </p:txBody>
-      </p:sp>
-      <p:sp>
-        <p:nvSpPr>
-          <p:cNvPr id="24" name="Rectangle 23">
-            <a:extLst>
-              <a:ext uri="{FF2B5EF4-FFF2-40B4-BE49-F238E27FC236}">
-                <a16:creationId xmlns:a16="http://schemas.microsoft.com/office/drawing/2014/main" id="{4D48405B-FC50-FE48-9864-E65F44D6BEA9}"/>
-              </a:ext>
-            </a:extLst>
-          </p:cNvPr>
-          <p:cNvSpPr/>
-          <p:nvPr/>
-        </p:nvSpPr>
-        <p:spPr>
-          <a:xfrm>
-            <a:off x="1748889" y="5126767"/>
-            <a:ext cx="1524001" cy="665018"/>
-          </a:xfrm>
-          <a:prstGeom prst="rect">
-            <a:avLst/>
-          </a:prstGeom>
-          <a:solidFill>
-            <a:schemeClr val="bg1">
-              <a:lumMod val="95000"/>
-              <a:alpha val="79584"/>
-            </a:schemeClr>
-          </a:solidFill>
-          <a:ln w="38100">
-            <a:solidFill>
-              <a:schemeClr val="bg2">
-                <a:lumMod val="50000"/>
-              </a:schemeClr>
-            </a:solidFill>
-          </a:ln>
-        </p:spPr>
-        <p:style>
-          <a:lnRef idx="2">
-            <a:schemeClr val="accent1">
-              <a:shade val="50000"/>
-            </a:schemeClr>
-          </a:lnRef>
-          <a:fillRef idx="1">
-            <a:schemeClr val="accent1"/>
-          </a:fillRef>
-          <a:effectRef idx="0">
-            <a:schemeClr val="accent1"/>
-          </a:effectRef>
-          <a:fontRef idx="minor">
-            <a:schemeClr val="lt1"/>
-          </a:fontRef>
-        </p:style>
-        <p:txBody>
-          <a:bodyPr rtlCol="0" anchor="ctr"/>
-          <a:lstStyle/>
-          <a:p>
-            <a:pPr algn="ctr"/>
-            <a:r>
-              <a:rPr lang="en-US" sz="2000" dirty="0">
-                <a:solidFill>
-                  <a:schemeClr val="tx1">
-                    <a:lumMod val="85000"/>
-                    <a:lumOff val="15000"/>
-                  </a:schemeClr>
-                </a:solidFill>
-              </a:rPr>
-              <a:t>Capability</a:t>
-            </a:r>
-          </a:p>
-        </p:txBody>
-      </p:sp>
-      <p:sp>
-        <p:nvSpPr>
-          <p:cNvPr id="25" name="Down Arrow 24">
-            <a:extLst>
-              <a:ext uri="{FF2B5EF4-FFF2-40B4-BE49-F238E27FC236}">
-                <a16:creationId xmlns:a16="http://schemas.microsoft.com/office/drawing/2014/main" id="{C38E727F-4FE9-4943-9A29-A68D7FE9CB45}"/>
-              </a:ext>
-            </a:extLst>
-          </p:cNvPr>
-          <p:cNvSpPr/>
-          <p:nvPr/>
-        </p:nvSpPr>
-        <p:spPr>
-          <a:xfrm rot="20675198">
-            <a:off x="2299675" y="4257985"/>
-            <a:ext cx="161365" cy="888316"/>
-          </a:xfrm>
-          <a:prstGeom prst="downArrow">
-            <a:avLst>
-              <a:gd name="adj1" fmla="val 50000"/>
-              <a:gd name="adj2" fmla="val 129998"/>
-            </a:avLst>
-          </a:prstGeom>
-          <a:solidFill>
-            <a:schemeClr val="bg1">
-              <a:lumMod val="95000"/>
-              <a:alpha val="79584"/>
-            </a:schemeClr>
-          </a:solidFill>
-          <a:ln>
-            <a:solidFill>
-              <a:schemeClr val="bg2">
-                <a:lumMod val="50000"/>
-              </a:schemeClr>
-            </a:solidFill>
-          </a:ln>
-        </p:spPr>
-        <p:style>
-          <a:lnRef idx="2">
-            <a:schemeClr val="accent1">
-              <a:shade val="50000"/>
-            </a:schemeClr>
-          </a:lnRef>
-          <a:fillRef idx="1">
-            <a:schemeClr val="accent1"/>
-          </a:fillRef>
-          <a:effectRef idx="0">
-            <a:schemeClr val="accent1"/>
-          </a:effectRef>
-          <a:fontRef idx="minor">
-            <a:schemeClr val="lt1"/>
-          </a:fontRef>
-        </p:style>
-        <p:txBody>
-          <a:bodyPr rtlCol="0" anchor="ctr"/>
-          <a:lstStyle/>
-          <a:p>
-            <a:pPr algn="ctr"/>
-            <a:endParaRPr lang="en-US"/>
-          </a:p>
-        </p:txBody>
-      </p:sp>
-      <p:sp>
-        <p:nvSpPr>
-          <p:cNvPr id="26" name="Rectangle 25">
-            <a:extLst>
-              <a:ext uri="{FF2B5EF4-FFF2-40B4-BE49-F238E27FC236}">
-                <a16:creationId xmlns:a16="http://schemas.microsoft.com/office/drawing/2014/main" id="{6A8C3861-7AA5-7B4D-8171-C7F0BA70A786}"/>
-              </a:ext>
-            </a:extLst>
-          </p:cNvPr>
-          <p:cNvSpPr/>
-          <p:nvPr/>
-        </p:nvSpPr>
-        <p:spPr>
-          <a:xfrm>
-            <a:off x="1669306" y="5038827"/>
-            <a:ext cx="1524001" cy="665018"/>
-          </a:xfrm>
-          <a:prstGeom prst="rect">
-            <a:avLst/>
-          </a:prstGeom>
-          <a:solidFill>
-            <a:schemeClr val="bg1">
-              <a:lumMod val="95000"/>
-              <a:alpha val="79584"/>
-            </a:schemeClr>
-          </a:solidFill>
-          <a:ln w="38100">
-            <a:solidFill>
-              <a:schemeClr val="bg2">
-                <a:lumMod val="50000"/>
-              </a:schemeClr>
-            </a:solidFill>
-          </a:ln>
-        </p:spPr>
-        <p:style>
-          <a:lnRef idx="2">
-            <a:schemeClr val="accent1">
-              <a:shade val="50000"/>
-            </a:schemeClr>
-          </a:lnRef>
-          <a:fillRef idx="1">
-            <a:schemeClr val="accent1"/>
-          </a:fillRef>
-          <a:effectRef idx="0">
-            <a:schemeClr val="accent1"/>
-          </a:effectRef>
-          <a:fontRef idx="minor">
-            <a:schemeClr val="lt1"/>
-          </a:fontRef>
-        </p:style>
-        <p:txBody>
-          <a:bodyPr rtlCol="0" anchor="ctr"/>
-          <a:lstStyle/>
-          <a:p>
-            <a:pPr algn="ctr"/>
-            <a:r>
-              <a:rPr lang="en-US" sz="2000" dirty="0">
-                <a:solidFill>
-                  <a:schemeClr val="tx1">
-                    <a:lumMod val="85000"/>
-                    <a:lumOff val="15000"/>
-                  </a:schemeClr>
-                </a:solidFill>
-              </a:rPr>
-              <a:t>Capability</a:t>
-            </a:r>
-          </a:p>
-        </p:txBody>
-      </p:sp>
-      <p:sp>
-        <p:nvSpPr>
-          <p:cNvPr id="27" name="Down Arrow 26">
-            <a:extLst>
-              <a:ext uri="{FF2B5EF4-FFF2-40B4-BE49-F238E27FC236}">
-                <a16:creationId xmlns:a16="http://schemas.microsoft.com/office/drawing/2014/main" id="{68F6EEB0-BC58-E14D-8679-11B822C5F9D6}"/>
-              </a:ext>
-            </a:extLst>
-          </p:cNvPr>
-          <p:cNvSpPr/>
-          <p:nvPr/>
-        </p:nvSpPr>
-        <p:spPr>
-          <a:xfrm rot="21000000">
-            <a:off x="2260983" y="4265975"/>
-            <a:ext cx="161365" cy="772627"/>
-          </a:xfrm>
-          <a:prstGeom prst="downArrow">
-            <a:avLst>
-              <a:gd name="adj1" fmla="val 50000"/>
-              <a:gd name="adj2" fmla="val 129998"/>
-            </a:avLst>
-          </a:prstGeom>
-          <a:solidFill>
-            <a:schemeClr val="bg1">
-              <a:lumMod val="95000"/>
-              <a:alpha val="79584"/>
-            </a:schemeClr>
-          </a:solidFill>
-          <a:ln>
-            <a:solidFill>
-              <a:schemeClr val="bg2">
-                <a:lumMod val="50000"/>
-              </a:schemeClr>
-            </a:solidFill>
-          </a:ln>
-        </p:spPr>
-        <p:style>
-          <a:lnRef idx="2">
-            <a:schemeClr val="accent1">
-              <a:shade val="50000"/>
-            </a:schemeClr>
-          </a:lnRef>
-          <a:fillRef idx="1">
-            <a:schemeClr val="accent1"/>
-          </a:fillRef>
-          <a:effectRef idx="0">
-            <a:schemeClr val="accent1"/>
-          </a:effectRef>
-          <a:fontRef idx="minor">
-            <a:schemeClr val="lt1"/>
-          </a:fontRef>
-        </p:style>
-        <p:txBody>
-          <a:bodyPr rtlCol="0" anchor="ctr"/>
-          <a:lstStyle/>
-          <a:p>
-            <a:pPr algn="ctr"/>
-            <a:endParaRPr lang="en-US"/>
-          </a:p>
-        </p:txBody>
-      </p:sp>
-      <p:sp>
-        <p:nvSpPr>
-          <p:cNvPr id="28" name="Rectangle 27">
-            <a:extLst>
-              <a:ext uri="{FF2B5EF4-FFF2-40B4-BE49-F238E27FC236}">
-                <a16:creationId xmlns:a16="http://schemas.microsoft.com/office/drawing/2014/main" id="{EDF4912B-F808-8F44-B8BF-FFF885A64E0C}"/>
-              </a:ext>
-            </a:extLst>
-          </p:cNvPr>
-          <p:cNvSpPr/>
-          <p:nvPr/>
-        </p:nvSpPr>
-        <p:spPr>
-          <a:xfrm>
-            <a:off x="1589724" y="4950888"/>
-            <a:ext cx="1524001" cy="665018"/>
-          </a:xfrm>
-          <a:prstGeom prst="rect">
-            <a:avLst/>
-          </a:prstGeom>
-          <a:solidFill>
-            <a:schemeClr val="bg1">
-              <a:lumMod val="95000"/>
-              <a:alpha val="79584"/>
-            </a:schemeClr>
-          </a:solidFill>
-          <a:ln w="38100">
-            <a:solidFill>
-              <a:schemeClr val="bg2">
-                <a:lumMod val="50000"/>
-              </a:schemeClr>
-            </a:solidFill>
-          </a:ln>
-        </p:spPr>
-        <p:style>
-          <a:lnRef idx="2">
-            <a:schemeClr val="accent1">
-              <a:shade val="50000"/>
-            </a:schemeClr>
-          </a:lnRef>
-          <a:fillRef idx="1">
-            <a:schemeClr val="accent1"/>
-          </a:fillRef>
-          <a:effectRef idx="0">
-            <a:schemeClr val="accent1"/>
-          </a:effectRef>
-          <a:fontRef idx="minor">
-            <a:schemeClr val="lt1"/>
-          </a:fontRef>
-        </p:style>
-        <p:txBody>
-          <a:bodyPr rtlCol="0" anchor="ctr"/>
-          <a:lstStyle/>
-          <a:p>
-            <a:pPr algn="ctr"/>
-            <a:r>
-              <a:rPr lang="en-US" sz="2000" dirty="0">
-                <a:solidFill>
-                  <a:schemeClr val="tx1">
-                    <a:lumMod val="85000"/>
-                    <a:lumOff val="15000"/>
-                  </a:schemeClr>
-                </a:solidFill>
-              </a:rPr>
-              <a:t>Capability</a:t>
-            </a:r>
-          </a:p>
-        </p:txBody>
-      </p:sp>
-      <p:sp>
-        <p:nvSpPr>
-          <p:cNvPr id="29" name="Down Arrow 28">
-            <a:extLst>
-              <a:ext uri="{FF2B5EF4-FFF2-40B4-BE49-F238E27FC236}">
-                <a16:creationId xmlns:a16="http://schemas.microsoft.com/office/drawing/2014/main" id="{CC76696C-EEF6-094E-8EBF-656B4960E1DF}"/>
-              </a:ext>
-            </a:extLst>
-          </p:cNvPr>
-          <p:cNvSpPr/>
-          <p:nvPr/>
-        </p:nvSpPr>
-        <p:spPr>
-          <a:xfrm rot="21300000">
-            <a:off x="2213539" y="4271914"/>
-            <a:ext cx="161365" cy="672768"/>
-          </a:xfrm>
-          <a:prstGeom prst="downArrow">
-            <a:avLst>
-              <a:gd name="adj1" fmla="val 50000"/>
-              <a:gd name="adj2" fmla="val 129998"/>
-            </a:avLst>
-          </a:prstGeom>
-          <a:solidFill>
-            <a:schemeClr val="bg1">
-              <a:lumMod val="95000"/>
-              <a:alpha val="79584"/>
-            </a:schemeClr>
-          </a:solidFill>
-          <a:ln>
-            <a:solidFill>
-              <a:schemeClr val="bg2">
-                <a:lumMod val="50000"/>
-              </a:schemeClr>
-            </a:solidFill>
-          </a:ln>
-        </p:spPr>
-        <p:style>
-          <a:lnRef idx="2">
-            <a:schemeClr val="accent1">
-              <a:shade val="50000"/>
-            </a:schemeClr>
-          </a:lnRef>
-          <a:fillRef idx="1">
-            <a:schemeClr val="accent1"/>
-          </a:fillRef>
-          <a:effectRef idx="0">
-            <a:schemeClr val="accent1"/>
-          </a:effectRef>
-          <a:fontRef idx="minor">
-            <a:schemeClr val="lt1"/>
-          </a:fontRef>
-        </p:style>
-        <p:txBody>
-          <a:bodyPr rtlCol="0" anchor="ctr"/>
-          <a:lstStyle/>
-          <a:p>
-            <a:pPr algn="ctr"/>
-            <a:endParaRPr lang="en-US"/>
-          </a:p>
-        </p:txBody>
-      </p:sp>
-      <p:sp>
-        <p:nvSpPr>
-          <p:cNvPr id="7" name="Rectangle 6">
-            <a:extLst>
-              <a:ext uri="{FF2B5EF4-FFF2-40B4-BE49-F238E27FC236}">
-                <a16:creationId xmlns:a16="http://schemas.microsoft.com/office/drawing/2014/main" id="{084195EB-CEC7-3642-9E4F-07763E9EF4CC}"/>
-              </a:ext>
-            </a:extLst>
-          </p:cNvPr>
-          <p:cNvSpPr/>
-          <p:nvPr/>
-        </p:nvSpPr>
-        <p:spPr>
-          <a:xfrm>
-            <a:off x="1510142" y="4862949"/>
-            <a:ext cx="1524001" cy="665018"/>
-          </a:xfrm>
-          <a:prstGeom prst="rect">
-            <a:avLst/>
-          </a:prstGeom>
-          <a:solidFill>
-            <a:schemeClr val="bg1">
-              <a:lumMod val="95000"/>
-              <a:alpha val="79584"/>
-            </a:schemeClr>
-          </a:solidFill>
-          <a:ln w="38100">
-            <a:solidFill>
-              <a:schemeClr val="bg2">
-                <a:lumMod val="50000"/>
-              </a:schemeClr>
-            </a:solidFill>
-          </a:ln>
-        </p:spPr>
-        <p:style>
-          <a:lnRef idx="2">
-            <a:schemeClr val="accent1">
-              <a:shade val="50000"/>
-            </a:schemeClr>
-          </a:lnRef>
-          <a:fillRef idx="1">
-            <a:schemeClr val="accent1"/>
-          </a:fillRef>
-          <a:effectRef idx="0">
-            <a:schemeClr val="accent1"/>
-          </a:effectRef>
-          <a:fontRef idx="minor">
-            <a:schemeClr val="lt1"/>
-          </a:fontRef>
-        </p:style>
-        <p:txBody>
-          <a:bodyPr rtlCol="0" anchor="ctr"/>
-          <a:lstStyle/>
-          <a:p>
-            <a:pPr algn="ctr"/>
-            <a:r>
-              <a:rPr lang="en-US" sz="2000" dirty="0">
-                <a:solidFill>
-                  <a:schemeClr val="tx1">
-                    <a:lumMod val="85000"/>
-                    <a:lumOff val="15000"/>
-                  </a:schemeClr>
-                </a:solidFill>
-              </a:rPr>
-              <a:t>Capability</a:t>
-            </a:r>
-          </a:p>
-        </p:txBody>
-      </p:sp>
-      <p:sp>
-        <p:nvSpPr>
-          <p:cNvPr id="17" name="Down Arrow 16">
-            <a:extLst>
-              <a:ext uri="{FF2B5EF4-FFF2-40B4-BE49-F238E27FC236}">
-                <a16:creationId xmlns:a16="http://schemas.microsoft.com/office/drawing/2014/main" id="{79138125-78FD-2843-9EDB-DB6D8C3820EA}"/>
-              </a:ext>
-            </a:extLst>
-          </p:cNvPr>
-          <p:cNvSpPr/>
-          <p:nvPr/>
-        </p:nvSpPr>
-        <p:spPr>
-          <a:xfrm>
-            <a:off x="2191458" y="4281057"/>
+            <a:off x="5011281" y="4345225"/>
             <a:ext cx="161365" cy="581892"/>
           </a:xfrm>
           <a:prstGeom prst="downArrow">

--- a/getting-apis-to-work-2021/img/RBAC.pptx
+++ b/getting-apis-to-work-2021/img/RBAC.pptx
@@ -260,7 +260,7 @@
           <a:p>
             <a:fld id="{ECE09280-3139-264F-8D17-EA79BB57EDA8}" type="datetimeFigureOut">
               <a:rPr lang="en-US" smtClean="0"/>
-              <a:t>10/17/21</a:t>
+              <a:t>10/18/21</a:t>
             </a:fld>
             <a:endParaRPr lang="en-US"/>
           </a:p>
@@ -458,7 +458,7 @@
           <a:p>
             <a:fld id="{ECE09280-3139-264F-8D17-EA79BB57EDA8}" type="datetimeFigureOut">
               <a:rPr lang="en-US" smtClean="0"/>
-              <a:t>10/17/21</a:t>
+              <a:t>10/18/21</a:t>
             </a:fld>
             <a:endParaRPr lang="en-US"/>
           </a:p>
@@ -666,7 +666,7 @@
           <a:p>
             <a:fld id="{ECE09280-3139-264F-8D17-EA79BB57EDA8}" type="datetimeFigureOut">
               <a:rPr lang="en-US" smtClean="0"/>
-              <a:t>10/17/21</a:t>
+              <a:t>10/18/21</a:t>
             </a:fld>
             <a:endParaRPr lang="en-US"/>
           </a:p>
@@ -864,7 +864,7 @@
           <a:p>
             <a:fld id="{ECE09280-3139-264F-8D17-EA79BB57EDA8}" type="datetimeFigureOut">
               <a:rPr lang="en-US" smtClean="0"/>
-              <a:t>10/17/21</a:t>
+              <a:t>10/18/21</a:t>
             </a:fld>
             <a:endParaRPr lang="en-US"/>
           </a:p>
@@ -1139,7 +1139,7 @@
           <a:p>
             <a:fld id="{ECE09280-3139-264F-8D17-EA79BB57EDA8}" type="datetimeFigureOut">
               <a:rPr lang="en-US" smtClean="0"/>
-              <a:t>10/17/21</a:t>
+              <a:t>10/18/21</a:t>
             </a:fld>
             <a:endParaRPr lang="en-US"/>
           </a:p>
@@ -1404,7 +1404,7 @@
           <a:p>
             <a:fld id="{ECE09280-3139-264F-8D17-EA79BB57EDA8}" type="datetimeFigureOut">
               <a:rPr lang="en-US" smtClean="0"/>
-              <a:t>10/17/21</a:t>
+              <a:t>10/18/21</a:t>
             </a:fld>
             <a:endParaRPr lang="en-US"/>
           </a:p>
@@ -1816,7 +1816,7 @@
           <a:p>
             <a:fld id="{ECE09280-3139-264F-8D17-EA79BB57EDA8}" type="datetimeFigureOut">
               <a:rPr lang="en-US" smtClean="0"/>
-              <a:t>10/17/21</a:t>
+              <a:t>10/18/21</a:t>
             </a:fld>
             <a:endParaRPr lang="en-US"/>
           </a:p>
@@ -1957,7 +1957,7 @@
           <a:p>
             <a:fld id="{ECE09280-3139-264F-8D17-EA79BB57EDA8}" type="datetimeFigureOut">
               <a:rPr lang="en-US" smtClean="0"/>
-              <a:t>10/17/21</a:t>
+              <a:t>10/18/21</a:t>
             </a:fld>
             <a:endParaRPr lang="en-US"/>
           </a:p>
@@ -2070,7 +2070,7 @@
           <a:p>
             <a:fld id="{ECE09280-3139-264F-8D17-EA79BB57EDA8}" type="datetimeFigureOut">
               <a:rPr lang="en-US" smtClean="0"/>
-              <a:t>10/17/21</a:t>
+              <a:t>10/18/21</a:t>
             </a:fld>
             <a:endParaRPr lang="en-US"/>
           </a:p>
@@ -2381,7 +2381,7 @@
           <a:p>
             <a:fld id="{ECE09280-3139-264F-8D17-EA79BB57EDA8}" type="datetimeFigureOut">
               <a:rPr lang="en-US" smtClean="0"/>
-              <a:t>10/17/21</a:t>
+              <a:t>10/18/21</a:t>
             </a:fld>
             <a:endParaRPr lang="en-US"/>
           </a:p>
@@ -2669,7 +2669,7 @@
           <a:p>
             <a:fld id="{ECE09280-3139-264F-8D17-EA79BB57EDA8}" type="datetimeFigureOut">
               <a:rPr lang="en-US" smtClean="0"/>
-              <a:t>10/17/21</a:t>
+              <a:t>10/18/21</a:t>
             </a:fld>
             <a:endParaRPr lang="en-US"/>
           </a:p>
@@ -2910,7 +2910,7 @@
           <a:p>
             <a:fld id="{ECE09280-3139-264F-8D17-EA79BB57EDA8}" type="datetimeFigureOut">
               <a:rPr lang="en-US" smtClean="0"/>
-              <a:t>10/17/21</a:t>
+              <a:t>10/18/21</a:t>
             </a:fld>
             <a:endParaRPr lang="en-US"/>
           </a:p>
@@ -5278,6 +5278,150 @@
           </a:p>
         </p:txBody>
       </p:sp>
+      <p:pic>
+        <p:nvPicPr>
+          <p:cNvPr id="4" name="Graphic 3" descr="Factory">
+            <a:extLst>
+              <a:ext uri="{FF2B5EF4-FFF2-40B4-BE49-F238E27FC236}">
+                <a16:creationId xmlns:a16="http://schemas.microsoft.com/office/drawing/2014/main" id="{4339258B-6A37-1C4C-93F0-EC6C0EAC5BF2}"/>
+              </a:ext>
+            </a:extLst>
+          </p:cNvPr>
+          <p:cNvPicPr>
+            <a:picLocks noChangeAspect="1"/>
+          </p:cNvPicPr>
+          <p:nvPr/>
+        </p:nvPicPr>
+        <p:blipFill>
+          <a:blip r:embed="rId2">
+            <a:extLst>
+              <a:ext uri="{96DAC541-7B7A-43D3-8B79-37D633B846F1}">
+                <asvg:svgBlip xmlns:asvg="http://schemas.microsoft.com/office/drawing/2016/SVG/main" r:embed="rId3"/>
+              </a:ext>
+            </a:extLst>
+          </a:blip>
+          <a:stretch>
+            <a:fillRect/>
+          </a:stretch>
+        </p:blipFill>
+        <p:spPr>
+          <a:xfrm>
+            <a:off x="2664158" y="4864771"/>
+            <a:ext cx="789709" cy="789709"/>
+          </a:xfrm>
+          <a:prstGeom prst="rect">
+            <a:avLst/>
+          </a:prstGeom>
+        </p:spPr>
+      </p:pic>
+      <p:pic>
+        <p:nvPicPr>
+          <p:cNvPr id="30" name="Graphic 29" descr="Lock">
+            <a:extLst>
+              <a:ext uri="{FF2B5EF4-FFF2-40B4-BE49-F238E27FC236}">
+                <a16:creationId xmlns:a16="http://schemas.microsoft.com/office/drawing/2014/main" id="{095E5783-F371-6944-A0FE-FBCB184A8C0A}"/>
+              </a:ext>
+            </a:extLst>
+          </p:cNvPr>
+          <p:cNvPicPr>
+            <a:picLocks noChangeAspect="1"/>
+          </p:cNvPicPr>
+          <p:nvPr/>
+        </p:nvPicPr>
+        <p:blipFill>
+          <a:blip r:embed="rId4">
+            <a:extLst>
+              <a:ext uri="{96DAC541-7B7A-43D3-8B79-37D633B846F1}">
+                <asvg:svgBlip xmlns:asvg="http://schemas.microsoft.com/office/drawing/2016/SVG/main" r:embed="rId5"/>
+              </a:ext>
+            </a:extLst>
+          </a:blip>
+          <a:stretch>
+            <a:fillRect/>
+          </a:stretch>
+        </p:blipFill>
+        <p:spPr>
+          <a:xfrm>
+            <a:off x="2664157" y="3617861"/>
+            <a:ext cx="789709" cy="789709"/>
+          </a:xfrm>
+          <a:prstGeom prst="rect">
+            <a:avLst/>
+          </a:prstGeom>
+        </p:spPr>
+      </p:pic>
+      <p:pic>
+        <p:nvPicPr>
+          <p:cNvPr id="32" name="Graphic 31" descr="User">
+            <a:extLst>
+              <a:ext uri="{FF2B5EF4-FFF2-40B4-BE49-F238E27FC236}">
+                <a16:creationId xmlns:a16="http://schemas.microsoft.com/office/drawing/2014/main" id="{59051463-0B20-5F4F-ACC4-CA126E37A240}"/>
+              </a:ext>
+            </a:extLst>
+          </p:cNvPr>
+          <p:cNvPicPr>
+            <a:picLocks noChangeAspect="1"/>
+          </p:cNvPicPr>
+          <p:nvPr/>
+        </p:nvPicPr>
+        <p:blipFill>
+          <a:blip r:embed="rId6">
+            <a:extLst>
+              <a:ext uri="{96DAC541-7B7A-43D3-8B79-37D633B846F1}">
+                <asvg:svgBlip xmlns:asvg="http://schemas.microsoft.com/office/drawing/2016/SVG/main" r:embed="rId7"/>
+              </a:ext>
+            </a:extLst>
+          </a:blip>
+          <a:stretch>
+            <a:fillRect/>
+          </a:stretch>
+        </p:blipFill>
+        <p:spPr>
+          <a:xfrm>
+            <a:off x="2664156" y="1133190"/>
+            <a:ext cx="789709" cy="789709"/>
+          </a:xfrm>
+          <a:prstGeom prst="rect">
+            <a:avLst/>
+          </a:prstGeom>
+        </p:spPr>
+      </p:pic>
+      <p:pic>
+        <p:nvPicPr>
+          <p:cNvPr id="34" name="Graphic 33" descr="Programmer">
+            <a:extLst>
+              <a:ext uri="{FF2B5EF4-FFF2-40B4-BE49-F238E27FC236}">
+                <a16:creationId xmlns:a16="http://schemas.microsoft.com/office/drawing/2014/main" id="{DDF632A5-3E2D-FE42-B7E0-0CC008F586AE}"/>
+              </a:ext>
+            </a:extLst>
+          </p:cNvPr>
+          <p:cNvPicPr>
+            <a:picLocks noChangeAspect="1"/>
+          </p:cNvPicPr>
+          <p:nvPr/>
+        </p:nvPicPr>
+        <p:blipFill>
+          <a:blip r:embed="rId8">
+            <a:extLst>
+              <a:ext uri="{96DAC541-7B7A-43D3-8B79-37D633B846F1}">
+                <asvg:svgBlip xmlns:asvg="http://schemas.microsoft.com/office/drawing/2016/SVG/main" r:embed="rId9"/>
+              </a:ext>
+            </a:extLst>
+          </a:blip>
+          <a:stretch>
+            <a:fillRect/>
+          </a:stretch>
+        </p:blipFill>
+        <p:spPr>
+          <a:xfrm>
+            <a:off x="2664157" y="2326525"/>
+            <a:ext cx="789709" cy="789709"/>
+          </a:xfrm>
+          <a:prstGeom prst="rect">
+            <a:avLst/>
+          </a:prstGeom>
+        </p:spPr>
+      </p:pic>
     </p:spTree>
     <p:extLst>
       <p:ext uri="{BB962C8B-B14F-4D97-AF65-F5344CB8AC3E}">

--- a/getting-apis-to-work-2021/img/RBAC.pptx
+++ b/getting-apis-to-work-2021/img/RBAC.pptx
@@ -7,6 +7,12 @@
   <p:sldIdLst>
     <p:sldId id="256" r:id="rId2"/>
     <p:sldId id="262" r:id="rId3"/>
+    <p:sldId id="266" r:id="rId4"/>
+    <p:sldId id="265" r:id="rId5"/>
+    <p:sldId id="264" r:id="rId6"/>
+    <p:sldId id="268" r:id="rId7"/>
+    <p:sldId id="269" r:id="rId8"/>
+    <p:sldId id="267" r:id="rId9"/>
   </p:sldIdLst>
   <p:sldSz cx="12192000" cy="6858000"/>
   <p:notesSz cx="6858000" cy="9144000"/>
@@ -3639,10 +3645,10 @@
       </p:grpSpPr>
       <p:sp>
         <p:nvSpPr>
-          <p:cNvPr id="11" name="Rectangle 10">
-            <a:extLst>
-              <a:ext uri="{FF2B5EF4-FFF2-40B4-BE49-F238E27FC236}">
-                <a16:creationId xmlns:a16="http://schemas.microsoft.com/office/drawing/2014/main" id="{F5DFF4CB-98E1-FF48-A069-97B4154B328B}"/>
+          <p:cNvPr id="7" name="Rectangle 6">
+            <a:extLst>
+              <a:ext uri="{FF2B5EF4-FFF2-40B4-BE49-F238E27FC236}">
+                <a16:creationId xmlns:a16="http://schemas.microsoft.com/office/drawing/2014/main" id="{084195EB-CEC7-3642-9E4F-07763E9EF4CC}"/>
               </a:ext>
             </a:extLst>
           </p:cNvPr>
@@ -3651,7 +3657,444 @@
         </p:nvSpPr>
         <p:spPr>
           <a:xfrm>
-            <a:off x="4571999" y="2697115"/>
+            <a:off x="4329965" y="4927117"/>
+            <a:ext cx="1524001" cy="665018"/>
+          </a:xfrm>
+          <a:prstGeom prst="rect">
+            <a:avLst/>
+          </a:prstGeom>
+          <a:solidFill>
+            <a:schemeClr val="bg1">
+              <a:lumMod val="95000"/>
+              <a:alpha val="79584"/>
+            </a:schemeClr>
+          </a:solidFill>
+          <a:ln w="38100">
+            <a:solidFill>
+              <a:schemeClr val="bg2">
+                <a:lumMod val="50000"/>
+              </a:schemeClr>
+            </a:solidFill>
+          </a:ln>
+        </p:spPr>
+        <p:style>
+          <a:lnRef idx="2">
+            <a:schemeClr val="accent1">
+              <a:shade val="50000"/>
+            </a:schemeClr>
+          </a:lnRef>
+          <a:fillRef idx="1">
+            <a:schemeClr val="accent1"/>
+          </a:fillRef>
+          <a:effectRef idx="0">
+            <a:schemeClr val="accent1"/>
+          </a:effectRef>
+          <a:fontRef idx="minor">
+            <a:schemeClr val="lt1"/>
+          </a:fontRef>
+        </p:style>
+        <p:txBody>
+          <a:bodyPr rtlCol="0" anchor="ctr"/>
+          <a:lstStyle/>
+          <a:p>
+            <a:pPr algn="ctr"/>
+            <a:r>
+              <a:rPr lang="en-US" sz="2000" dirty="0">
+                <a:solidFill>
+                  <a:schemeClr val="tx1">
+                    <a:lumMod val="85000"/>
+                    <a:lumOff val="15000"/>
+                  </a:schemeClr>
+                </a:solidFill>
+              </a:rPr>
+              <a:t>Capability</a:t>
+            </a:r>
+          </a:p>
+        </p:txBody>
+      </p:sp>
+      <p:pic>
+        <p:nvPicPr>
+          <p:cNvPr id="4" name="Graphic 3" descr="Factory">
+            <a:extLst>
+              <a:ext uri="{FF2B5EF4-FFF2-40B4-BE49-F238E27FC236}">
+                <a16:creationId xmlns:a16="http://schemas.microsoft.com/office/drawing/2014/main" id="{4339258B-6A37-1C4C-93F0-EC6C0EAC5BF2}"/>
+              </a:ext>
+            </a:extLst>
+          </p:cNvPr>
+          <p:cNvPicPr>
+            <a:picLocks noChangeAspect="1"/>
+          </p:cNvPicPr>
+          <p:nvPr/>
+        </p:nvPicPr>
+        <p:blipFill>
+          <a:blip r:embed="rId2">
+            <a:extLst>
+              <a:ext uri="{96DAC541-7B7A-43D3-8B79-37D633B846F1}">
+                <asvg:svgBlip xmlns:asvg="http://schemas.microsoft.com/office/drawing/2016/SVG/main" r:embed="rId3"/>
+              </a:ext>
+            </a:extLst>
+          </a:blip>
+          <a:stretch>
+            <a:fillRect/>
+          </a:stretch>
+        </p:blipFill>
+        <p:spPr>
+          <a:xfrm>
+            <a:off x="2664158" y="4864771"/>
+            <a:ext cx="789709" cy="789709"/>
+          </a:xfrm>
+          <a:prstGeom prst="rect">
+            <a:avLst/>
+          </a:prstGeom>
+        </p:spPr>
+      </p:pic>
+    </p:spTree>
+    <p:extLst>
+      <p:ext uri="{BB962C8B-B14F-4D97-AF65-F5344CB8AC3E}">
+        <p14:creationId xmlns:p14="http://schemas.microsoft.com/office/powerpoint/2010/main" val="1367795088"/>
+      </p:ext>
+    </p:extLst>
+  </p:cSld>
+  <p:clrMapOvr>
+    <a:masterClrMapping/>
+  </p:clrMapOvr>
+</p:sld>
+</file>
+
+<file path=ppt/slides/slide3.xml><?xml version="1.0" encoding="utf-8"?>
+<p:sld xmlns:a="http://schemas.openxmlformats.org/drawingml/2006/main" xmlns:r="http://schemas.openxmlformats.org/officeDocument/2006/relationships" xmlns:p="http://schemas.openxmlformats.org/presentationml/2006/main">
+  <p:cSld>
+    <p:spTree>
+      <p:nvGrpSpPr>
+        <p:cNvPr id="1" name=""/>
+        <p:cNvGrpSpPr/>
+        <p:nvPr/>
+      </p:nvGrpSpPr>
+      <p:grpSpPr>
+        <a:xfrm>
+          <a:off x="0" y="0"/>
+          <a:ext cx="0" cy="0"/>
+          <a:chOff x="0" y="0"/>
+          <a:chExt cx="0" cy="0"/>
+        </a:xfrm>
+      </p:grpSpPr>
+      <p:sp>
+        <p:nvSpPr>
+          <p:cNvPr id="6" name="Rectangle 5">
+            <a:extLst>
+              <a:ext uri="{FF2B5EF4-FFF2-40B4-BE49-F238E27FC236}">
+                <a16:creationId xmlns:a16="http://schemas.microsoft.com/office/drawing/2014/main" id="{292A8187-D086-6241-BD43-8F4A54EACBD1}"/>
+              </a:ext>
+            </a:extLst>
+          </p:cNvPr>
+          <p:cNvSpPr/>
+          <p:nvPr/>
+        </p:nvSpPr>
+        <p:spPr>
+          <a:xfrm>
+            <a:off x="4329965" y="3680207"/>
+            <a:ext cx="1524001" cy="665018"/>
+          </a:xfrm>
+          <a:prstGeom prst="rect">
+            <a:avLst/>
+          </a:prstGeom>
+          <a:solidFill>
+            <a:schemeClr val="bg1">
+              <a:lumMod val="95000"/>
+              <a:alpha val="79584"/>
+            </a:schemeClr>
+          </a:solidFill>
+          <a:ln w="38100">
+            <a:solidFill>
+              <a:schemeClr val="bg2">
+                <a:lumMod val="50000"/>
+              </a:schemeClr>
+            </a:solidFill>
+          </a:ln>
+        </p:spPr>
+        <p:style>
+          <a:lnRef idx="2">
+            <a:schemeClr val="accent1">
+              <a:shade val="50000"/>
+            </a:schemeClr>
+          </a:lnRef>
+          <a:fillRef idx="1">
+            <a:schemeClr val="accent1"/>
+          </a:fillRef>
+          <a:effectRef idx="0">
+            <a:schemeClr val="accent1"/>
+          </a:effectRef>
+          <a:fontRef idx="minor">
+            <a:schemeClr val="lt1"/>
+          </a:fontRef>
+        </p:style>
+        <p:txBody>
+          <a:bodyPr rtlCol="0" anchor="ctr"/>
+          <a:lstStyle/>
+          <a:p>
+            <a:pPr algn="ctr"/>
+            <a:r>
+              <a:rPr lang="en-US" sz="2000" dirty="0">
+                <a:solidFill>
+                  <a:schemeClr val="tx1">
+                    <a:lumMod val="85000"/>
+                    <a:lumOff val="15000"/>
+                  </a:schemeClr>
+                </a:solidFill>
+              </a:rPr>
+              <a:t>Permission</a:t>
+            </a:r>
+          </a:p>
+        </p:txBody>
+      </p:sp>
+      <p:sp>
+        <p:nvSpPr>
+          <p:cNvPr id="7" name="Rectangle 6">
+            <a:extLst>
+              <a:ext uri="{FF2B5EF4-FFF2-40B4-BE49-F238E27FC236}">
+                <a16:creationId xmlns:a16="http://schemas.microsoft.com/office/drawing/2014/main" id="{084195EB-CEC7-3642-9E4F-07763E9EF4CC}"/>
+              </a:ext>
+            </a:extLst>
+          </p:cNvPr>
+          <p:cNvSpPr/>
+          <p:nvPr/>
+        </p:nvSpPr>
+        <p:spPr>
+          <a:xfrm>
+            <a:off x="4329965" y="4927117"/>
+            <a:ext cx="1524001" cy="665018"/>
+          </a:xfrm>
+          <a:prstGeom prst="rect">
+            <a:avLst/>
+          </a:prstGeom>
+          <a:solidFill>
+            <a:schemeClr val="bg1">
+              <a:lumMod val="95000"/>
+              <a:alpha val="79584"/>
+            </a:schemeClr>
+          </a:solidFill>
+          <a:ln w="38100">
+            <a:solidFill>
+              <a:schemeClr val="bg2">
+                <a:lumMod val="50000"/>
+              </a:schemeClr>
+            </a:solidFill>
+          </a:ln>
+        </p:spPr>
+        <p:style>
+          <a:lnRef idx="2">
+            <a:schemeClr val="accent1">
+              <a:shade val="50000"/>
+            </a:schemeClr>
+          </a:lnRef>
+          <a:fillRef idx="1">
+            <a:schemeClr val="accent1"/>
+          </a:fillRef>
+          <a:effectRef idx="0">
+            <a:schemeClr val="accent1"/>
+          </a:effectRef>
+          <a:fontRef idx="minor">
+            <a:schemeClr val="lt1"/>
+          </a:fontRef>
+        </p:style>
+        <p:txBody>
+          <a:bodyPr rtlCol="0" anchor="ctr"/>
+          <a:lstStyle/>
+          <a:p>
+            <a:pPr algn="ctr"/>
+            <a:r>
+              <a:rPr lang="en-US" sz="2000" dirty="0">
+                <a:solidFill>
+                  <a:schemeClr val="tx1">
+                    <a:lumMod val="85000"/>
+                    <a:lumOff val="15000"/>
+                  </a:schemeClr>
+                </a:solidFill>
+              </a:rPr>
+              <a:t>Capability</a:t>
+            </a:r>
+          </a:p>
+        </p:txBody>
+      </p:sp>
+      <p:sp>
+        <p:nvSpPr>
+          <p:cNvPr id="17" name="Down Arrow 16">
+            <a:extLst>
+              <a:ext uri="{FF2B5EF4-FFF2-40B4-BE49-F238E27FC236}">
+                <a16:creationId xmlns:a16="http://schemas.microsoft.com/office/drawing/2014/main" id="{79138125-78FD-2843-9EDB-DB6D8C3820EA}"/>
+              </a:ext>
+            </a:extLst>
+          </p:cNvPr>
+          <p:cNvSpPr/>
+          <p:nvPr/>
+        </p:nvSpPr>
+        <p:spPr>
+          <a:xfrm>
+            <a:off x="5011281" y="4345225"/>
+            <a:ext cx="161365" cy="581892"/>
+          </a:xfrm>
+          <a:prstGeom prst="downArrow">
+            <a:avLst>
+              <a:gd name="adj1" fmla="val 50000"/>
+              <a:gd name="adj2" fmla="val 129998"/>
+            </a:avLst>
+          </a:prstGeom>
+          <a:solidFill>
+            <a:schemeClr val="bg1">
+              <a:lumMod val="95000"/>
+              <a:alpha val="79584"/>
+            </a:schemeClr>
+          </a:solidFill>
+          <a:ln>
+            <a:solidFill>
+              <a:schemeClr val="bg2">
+                <a:lumMod val="50000"/>
+              </a:schemeClr>
+            </a:solidFill>
+          </a:ln>
+        </p:spPr>
+        <p:style>
+          <a:lnRef idx="2">
+            <a:schemeClr val="accent1">
+              <a:shade val="50000"/>
+            </a:schemeClr>
+          </a:lnRef>
+          <a:fillRef idx="1">
+            <a:schemeClr val="accent1"/>
+          </a:fillRef>
+          <a:effectRef idx="0">
+            <a:schemeClr val="accent1"/>
+          </a:effectRef>
+          <a:fontRef idx="minor">
+            <a:schemeClr val="lt1"/>
+          </a:fontRef>
+        </p:style>
+        <p:txBody>
+          <a:bodyPr rtlCol="0" anchor="ctr"/>
+          <a:lstStyle/>
+          <a:p>
+            <a:pPr algn="ctr"/>
+            <a:endParaRPr lang="en-US"/>
+          </a:p>
+        </p:txBody>
+      </p:sp>
+      <p:pic>
+        <p:nvPicPr>
+          <p:cNvPr id="4" name="Graphic 3" descr="Factory">
+            <a:extLst>
+              <a:ext uri="{FF2B5EF4-FFF2-40B4-BE49-F238E27FC236}">
+                <a16:creationId xmlns:a16="http://schemas.microsoft.com/office/drawing/2014/main" id="{4339258B-6A37-1C4C-93F0-EC6C0EAC5BF2}"/>
+              </a:ext>
+            </a:extLst>
+          </p:cNvPr>
+          <p:cNvPicPr>
+            <a:picLocks noChangeAspect="1"/>
+          </p:cNvPicPr>
+          <p:nvPr/>
+        </p:nvPicPr>
+        <p:blipFill>
+          <a:blip r:embed="rId2">
+            <a:extLst>
+              <a:ext uri="{96DAC541-7B7A-43D3-8B79-37D633B846F1}">
+                <asvg:svgBlip xmlns:asvg="http://schemas.microsoft.com/office/drawing/2016/SVG/main" r:embed="rId3"/>
+              </a:ext>
+            </a:extLst>
+          </a:blip>
+          <a:stretch>
+            <a:fillRect/>
+          </a:stretch>
+        </p:blipFill>
+        <p:spPr>
+          <a:xfrm>
+            <a:off x="2664158" y="4864771"/>
+            <a:ext cx="789709" cy="789709"/>
+          </a:xfrm>
+          <a:prstGeom prst="rect">
+            <a:avLst/>
+          </a:prstGeom>
+        </p:spPr>
+      </p:pic>
+      <p:pic>
+        <p:nvPicPr>
+          <p:cNvPr id="30" name="Graphic 29" descr="Lock">
+            <a:extLst>
+              <a:ext uri="{FF2B5EF4-FFF2-40B4-BE49-F238E27FC236}">
+                <a16:creationId xmlns:a16="http://schemas.microsoft.com/office/drawing/2014/main" id="{095E5783-F371-6944-A0FE-FBCB184A8C0A}"/>
+              </a:ext>
+            </a:extLst>
+          </p:cNvPr>
+          <p:cNvPicPr>
+            <a:picLocks noChangeAspect="1"/>
+          </p:cNvPicPr>
+          <p:nvPr/>
+        </p:nvPicPr>
+        <p:blipFill>
+          <a:blip r:embed="rId4">
+            <a:extLst>
+              <a:ext uri="{96DAC541-7B7A-43D3-8B79-37D633B846F1}">
+                <asvg:svgBlip xmlns:asvg="http://schemas.microsoft.com/office/drawing/2016/SVG/main" r:embed="rId5"/>
+              </a:ext>
+            </a:extLst>
+          </a:blip>
+          <a:stretch>
+            <a:fillRect/>
+          </a:stretch>
+        </p:blipFill>
+        <p:spPr>
+          <a:xfrm>
+            <a:off x="2664157" y="3617861"/>
+            <a:ext cx="789709" cy="789709"/>
+          </a:xfrm>
+          <a:prstGeom prst="rect">
+            <a:avLst/>
+          </a:prstGeom>
+        </p:spPr>
+      </p:pic>
+    </p:spTree>
+    <p:extLst>
+      <p:ext uri="{BB962C8B-B14F-4D97-AF65-F5344CB8AC3E}">
+        <p14:creationId xmlns:p14="http://schemas.microsoft.com/office/powerpoint/2010/main" val="3378144670"/>
+      </p:ext>
+    </p:extLst>
+  </p:cSld>
+  <p:clrMapOvr>
+    <a:masterClrMapping/>
+  </p:clrMapOvr>
+</p:sld>
+</file>
+
+<file path=ppt/slides/slide4.xml><?xml version="1.0" encoding="utf-8"?>
+<p:sld xmlns:a="http://schemas.openxmlformats.org/drawingml/2006/main" xmlns:r="http://schemas.openxmlformats.org/officeDocument/2006/relationships" xmlns:p="http://schemas.openxmlformats.org/presentationml/2006/main">
+  <p:cSld>
+    <p:spTree>
+      <p:nvGrpSpPr>
+        <p:cNvPr id="1" name=""/>
+        <p:cNvGrpSpPr/>
+        <p:nvPr/>
+      </p:nvGrpSpPr>
+      <p:grpSpPr>
+        <a:xfrm>
+          <a:off x="0" y="0"/>
+          <a:ext cx="0" cy="0"/>
+          <a:chOff x="0" y="0"/>
+          <a:chExt cx="0" cy="0"/>
+        </a:xfrm>
+      </p:grpSpPr>
+      <p:sp>
+        <p:nvSpPr>
+          <p:cNvPr id="5" name="Rectangle 4">
+            <a:extLst>
+              <a:ext uri="{FF2B5EF4-FFF2-40B4-BE49-F238E27FC236}">
+                <a16:creationId xmlns:a16="http://schemas.microsoft.com/office/drawing/2014/main" id="{D1CCEEB6-0FB9-4C4E-A7F2-C6729B9FC8EA}"/>
+              </a:ext>
+            </a:extLst>
+          </p:cNvPr>
+          <p:cNvSpPr/>
+          <p:nvPr/>
+        </p:nvSpPr>
+        <p:spPr>
+          <a:xfrm>
+            <a:off x="4329968" y="2433297"/>
             <a:ext cx="1524001" cy="665018"/>
           </a:xfrm>
           <a:prstGeom prst="rect">
@@ -3708,10 +4151,10 @@
       </p:sp>
       <p:sp>
         <p:nvSpPr>
-          <p:cNvPr id="14" name="Down Arrow 13">
-            <a:extLst>
-              <a:ext uri="{FF2B5EF4-FFF2-40B4-BE49-F238E27FC236}">
-                <a16:creationId xmlns:a16="http://schemas.microsoft.com/office/drawing/2014/main" id="{7401979E-EFD4-3B4A-B5AE-34BF68CA615C}"/>
+          <p:cNvPr id="6" name="Rectangle 5">
+            <a:extLst>
+              <a:ext uri="{FF2B5EF4-FFF2-40B4-BE49-F238E27FC236}">
+                <a16:creationId xmlns:a16="http://schemas.microsoft.com/office/drawing/2014/main" id="{292A8187-D086-6241-BD43-8F4A54EACBD1}"/>
               </a:ext>
             </a:extLst>
           </p:cNvPr>
@@ -3719,9 +4162,78 @@
           <p:nvPr/>
         </p:nvSpPr>
         <p:spPr>
-          <a:xfrm rot="20675198">
-            <a:off x="5122785" y="1828333"/>
-            <a:ext cx="161365" cy="888316"/>
+          <a:xfrm>
+            <a:off x="4329965" y="3680207"/>
+            <a:ext cx="1524001" cy="665018"/>
+          </a:xfrm>
+          <a:prstGeom prst="rect">
+            <a:avLst/>
+          </a:prstGeom>
+          <a:solidFill>
+            <a:schemeClr val="bg1">
+              <a:lumMod val="95000"/>
+              <a:alpha val="79584"/>
+            </a:schemeClr>
+          </a:solidFill>
+          <a:ln w="38100">
+            <a:solidFill>
+              <a:schemeClr val="bg2">
+                <a:lumMod val="50000"/>
+              </a:schemeClr>
+            </a:solidFill>
+          </a:ln>
+        </p:spPr>
+        <p:style>
+          <a:lnRef idx="2">
+            <a:schemeClr val="accent1">
+              <a:shade val="50000"/>
+            </a:schemeClr>
+          </a:lnRef>
+          <a:fillRef idx="1">
+            <a:schemeClr val="accent1"/>
+          </a:fillRef>
+          <a:effectRef idx="0">
+            <a:schemeClr val="accent1"/>
+          </a:effectRef>
+          <a:fontRef idx="minor">
+            <a:schemeClr val="lt1"/>
+          </a:fontRef>
+        </p:style>
+        <p:txBody>
+          <a:bodyPr rtlCol="0" anchor="ctr"/>
+          <a:lstStyle/>
+          <a:p>
+            <a:pPr algn="ctr"/>
+            <a:r>
+              <a:rPr lang="en-US" sz="2000" dirty="0">
+                <a:solidFill>
+                  <a:schemeClr val="tx1">
+                    <a:lumMod val="85000"/>
+                    <a:lumOff val="15000"/>
+                  </a:schemeClr>
+                </a:solidFill>
+              </a:rPr>
+              <a:t>Permission</a:t>
+            </a:r>
+          </a:p>
+        </p:txBody>
+      </p:sp>
+      <p:sp>
+        <p:nvSpPr>
+          <p:cNvPr id="18" name="Down Arrow 17">
+            <a:extLst>
+              <a:ext uri="{FF2B5EF4-FFF2-40B4-BE49-F238E27FC236}">
+                <a16:creationId xmlns:a16="http://schemas.microsoft.com/office/drawing/2014/main" id="{A8DAD2EC-3E9B-E942-96A2-159C54469EE2}"/>
+              </a:ext>
+            </a:extLst>
+          </p:cNvPr>
+          <p:cNvSpPr/>
+          <p:nvPr/>
+        </p:nvSpPr>
+        <p:spPr>
+          <a:xfrm>
+            <a:off x="5011282" y="3093367"/>
+            <a:ext cx="161365" cy="581892"/>
           </a:xfrm>
           <a:prstGeom prst="downArrow">
             <a:avLst>
@@ -3770,10 +4282,10 @@
       </p:sp>
       <p:sp>
         <p:nvSpPr>
-          <p:cNvPr id="10" name="Rectangle 9">
-            <a:extLst>
-              <a:ext uri="{FF2B5EF4-FFF2-40B4-BE49-F238E27FC236}">
-                <a16:creationId xmlns:a16="http://schemas.microsoft.com/office/drawing/2014/main" id="{B7F1EEC2-724B-1848-91A6-1DFD50EBDEE6}"/>
+          <p:cNvPr id="7" name="Rectangle 6">
+            <a:extLst>
+              <a:ext uri="{FF2B5EF4-FFF2-40B4-BE49-F238E27FC236}">
+                <a16:creationId xmlns:a16="http://schemas.microsoft.com/office/drawing/2014/main" id="{084195EB-CEC7-3642-9E4F-07763E9EF4CC}"/>
               </a:ext>
             </a:extLst>
           </p:cNvPr>
@@ -3782,7 +4294,345 @@
         </p:nvSpPr>
         <p:spPr>
           <a:xfrm>
-            <a:off x="4491322" y="2609175"/>
+            <a:off x="4329965" y="4927117"/>
+            <a:ext cx="1524001" cy="665018"/>
+          </a:xfrm>
+          <a:prstGeom prst="rect">
+            <a:avLst/>
+          </a:prstGeom>
+          <a:solidFill>
+            <a:schemeClr val="bg1">
+              <a:lumMod val="95000"/>
+              <a:alpha val="79584"/>
+            </a:schemeClr>
+          </a:solidFill>
+          <a:ln w="38100">
+            <a:solidFill>
+              <a:schemeClr val="bg2">
+                <a:lumMod val="50000"/>
+              </a:schemeClr>
+            </a:solidFill>
+          </a:ln>
+        </p:spPr>
+        <p:style>
+          <a:lnRef idx="2">
+            <a:schemeClr val="accent1">
+              <a:shade val="50000"/>
+            </a:schemeClr>
+          </a:lnRef>
+          <a:fillRef idx="1">
+            <a:schemeClr val="accent1"/>
+          </a:fillRef>
+          <a:effectRef idx="0">
+            <a:schemeClr val="accent1"/>
+          </a:effectRef>
+          <a:fontRef idx="minor">
+            <a:schemeClr val="lt1"/>
+          </a:fontRef>
+        </p:style>
+        <p:txBody>
+          <a:bodyPr rtlCol="0" anchor="ctr"/>
+          <a:lstStyle/>
+          <a:p>
+            <a:pPr algn="ctr"/>
+            <a:r>
+              <a:rPr lang="en-US" sz="2000" dirty="0">
+                <a:solidFill>
+                  <a:schemeClr val="tx1">
+                    <a:lumMod val="85000"/>
+                    <a:lumOff val="15000"/>
+                  </a:schemeClr>
+                </a:solidFill>
+              </a:rPr>
+              <a:t>Capability</a:t>
+            </a:r>
+          </a:p>
+        </p:txBody>
+      </p:sp>
+      <p:sp>
+        <p:nvSpPr>
+          <p:cNvPr id="17" name="Down Arrow 16">
+            <a:extLst>
+              <a:ext uri="{FF2B5EF4-FFF2-40B4-BE49-F238E27FC236}">
+                <a16:creationId xmlns:a16="http://schemas.microsoft.com/office/drawing/2014/main" id="{79138125-78FD-2843-9EDB-DB6D8C3820EA}"/>
+              </a:ext>
+            </a:extLst>
+          </p:cNvPr>
+          <p:cNvSpPr/>
+          <p:nvPr/>
+        </p:nvSpPr>
+        <p:spPr>
+          <a:xfrm>
+            <a:off x="5011281" y="4345225"/>
+            <a:ext cx="161365" cy="581892"/>
+          </a:xfrm>
+          <a:prstGeom prst="downArrow">
+            <a:avLst>
+              <a:gd name="adj1" fmla="val 50000"/>
+              <a:gd name="adj2" fmla="val 129998"/>
+            </a:avLst>
+          </a:prstGeom>
+          <a:solidFill>
+            <a:schemeClr val="bg1">
+              <a:lumMod val="95000"/>
+              <a:alpha val="79584"/>
+            </a:schemeClr>
+          </a:solidFill>
+          <a:ln>
+            <a:solidFill>
+              <a:schemeClr val="bg2">
+                <a:lumMod val="50000"/>
+              </a:schemeClr>
+            </a:solidFill>
+          </a:ln>
+        </p:spPr>
+        <p:style>
+          <a:lnRef idx="2">
+            <a:schemeClr val="accent1">
+              <a:shade val="50000"/>
+            </a:schemeClr>
+          </a:lnRef>
+          <a:fillRef idx="1">
+            <a:schemeClr val="accent1"/>
+          </a:fillRef>
+          <a:effectRef idx="0">
+            <a:schemeClr val="accent1"/>
+          </a:effectRef>
+          <a:fontRef idx="minor">
+            <a:schemeClr val="lt1"/>
+          </a:fontRef>
+        </p:style>
+        <p:txBody>
+          <a:bodyPr rtlCol="0" anchor="ctr"/>
+          <a:lstStyle/>
+          <a:p>
+            <a:pPr algn="ctr"/>
+            <a:endParaRPr lang="en-US"/>
+          </a:p>
+        </p:txBody>
+      </p:sp>
+      <p:pic>
+        <p:nvPicPr>
+          <p:cNvPr id="4" name="Graphic 3" descr="Factory">
+            <a:extLst>
+              <a:ext uri="{FF2B5EF4-FFF2-40B4-BE49-F238E27FC236}">
+                <a16:creationId xmlns:a16="http://schemas.microsoft.com/office/drawing/2014/main" id="{4339258B-6A37-1C4C-93F0-EC6C0EAC5BF2}"/>
+              </a:ext>
+            </a:extLst>
+          </p:cNvPr>
+          <p:cNvPicPr>
+            <a:picLocks noChangeAspect="1"/>
+          </p:cNvPicPr>
+          <p:nvPr/>
+        </p:nvPicPr>
+        <p:blipFill>
+          <a:blip r:embed="rId2">
+            <a:extLst>
+              <a:ext uri="{96DAC541-7B7A-43D3-8B79-37D633B846F1}">
+                <asvg:svgBlip xmlns:asvg="http://schemas.microsoft.com/office/drawing/2016/SVG/main" r:embed="rId3"/>
+              </a:ext>
+            </a:extLst>
+          </a:blip>
+          <a:stretch>
+            <a:fillRect/>
+          </a:stretch>
+        </p:blipFill>
+        <p:spPr>
+          <a:xfrm>
+            <a:off x="2664158" y="4864771"/>
+            <a:ext cx="789709" cy="789709"/>
+          </a:xfrm>
+          <a:prstGeom prst="rect">
+            <a:avLst/>
+          </a:prstGeom>
+        </p:spPr>
+      </p:pic>
+      <p:pic>
+        <p:nvPicPr>
+          <p:cNvPr id="30" name="Graphic 29" descr="Lock">
+            <a:extLst>
+              <a:ext uri="{FF2B5EF4-FFF2-40B4-BE49-F238E27FC236}">
+                <a16:creationId xmlns:a16="http://schemas.microsoft.com/office/drawing/2014/main" id="{095E5783-F371-6944-A0FE-FBCB184A8C0A}"/>
+              </a:ext>
+            </a:extLst>
+          </p:cNvPr>
+          <p:cNvPicPr>
+            <a:picLocks noChangeAspect="1"/>
+          </p:cNvPicPr>
+          <p:nvPr/>
+        </p:nvPicPr>
+        <p:blipFill>
+          <a:blip r:embed="rId4">
+            <a:extLst>
+              <a:ext uri="{96DAC541-7B7A-43D3-8B79-37D633B846F1}">
+                <asvg:svgBlip xmlns:asvg="http://schemas.microsoft.com/office/drawing/2016/SVG/main" r:embed="rId5"/>
+              </a:ext>
+            </a:extLst>
+          </a:blip>
+          <a:stretch>
+            <a:fillRect/>
+          </a:stretch>
+        </p:blipFill>
+        <p:spPr>
+          <a:xfrm>
+            <a:off x="2664157" y="3617861"/>
+            <a:ext cx="789709" cy="789709"/>
+          </a:xfrm>
+          <a:prstGeom prst="rect">
+            <a:avLst/>
+          </a:prstGeom>
+        </p:spPr>
+      </p:pic>
+      <p:pic>
+        <p:nvPicPr>
+          <p:cNvPr id="34" name="Graphic 33" descr="Programmer">
+            <a:extLst>
+              <a:ext uri="{FF2B5EF4-FFF2-40B4-BE49-F238E27FC236}">
+                <a16:creationId xmlns:a16="http://schemas.microsoft.com/office/drawing/2014/main" id="{DDF632A5-3E2D-FE42-B7E0-0CC008F586AE}"/>
+              </a:ext>
+            </a:extLst>
+          </p:cNvPr>
+          <p:cNvPicPr>
+            <a:picLocks noChangeAspect="1"/>
+          </p:cNvPicPr>
+          <p:nvPr/>
+        </p:nvPicPr>
+        <p:blipFill>
+          <a:blip r:embed="rId6">
+            <a:extLst>
+              <a:ext uri="{96DAC541-7B7A-43D3-8B79-37D633B846F1}">
+                <asvg:svgBlip xmlns:asvg="http://schemas.microsoft.com/office/drawing/2016/SVG/main" r:embed="rId7"/>
+              </a:ext>
+            </a:extLst>
+          </a:blip>
+          <a:stretch>
+            <a:fillRect/>
+          </a:stretch>
+        </p:blipFill>
+        <p:spPr>
+          <a:xfrm>
+            <a:off x="2664157" y="2326525"/>
+            <a:ext cx="789709" cy="789709"/>
+          </a:xfrm>
+          <a:prstGeom prst="rect">
+            <a:avLst/>
+          </a:prstGeom>
+        </p:spPr>
+      </p:pic>
+    </p:spTree>
+    <p:extLst>
+      <p:ext uri="{BB962C8B-B14F-4D97-AF65-F5344CB8AC3E}">
+        <p14:creationId xmlns:p14="http://schemas.microsoft.com/office/powerpoint/2010/main" val="2141035749"/>
+      </p:ext>
+    </p:extLst>
+  </p:cSld>
+  <p:clrMapOvr>
+    <a:masterClrMapping/>
+  </p:clrMapOvr>
+</p:sld>
+</file>
+
+<file path=ppt/slides/slide5.xml><?xml version="1.0" encoding="utf-8"?>
+<p:sld xmlns:a="http://schemas.openxmlformats.org/drawingml/2006/main" xmlns:r="http://schemas.openxmlformats.org/officeDocument/2006/relationships" xmlns:p="http://schemas.openxmlformats.org/presentationml/2006/main">
+  <p:cSld>
+    <p:spTree>
+      <p:nvGrpSpPr>
+        <p:cNvPr id="1" name=""/>
+        <p:cNvGrpSpPr/>
+        <p:nvPr/>
+      </p:nvGrpSpPr>
+      <p:grpSpPr>
+        <a:xfrm>
+          <a:off x="0" y="0"/>
+          <a:ext cx="0" cy="0"/>
+          <a:chOff x="0" y="0"/>
+          <a:chExt cx="0" cy="0"/>
+        </a:xfrm>
+      </p:grpSpPr>
+      <p:sp>
+        <p:nvSpPr>
+          <p:cNvPr id="2" name="Rectangle 1">
+            <a:extLst>
+              <a:ext uri="{FF2B5EF4-FFF2-40B4-BE49-F238E27FC236}">
+                <a16:creationId xmlns:a16="http://schemas.microsoft.com/office/drawing/2014/main" id="{9B7387F5-ACA9-7141-97D3-A62F3221BA74}"/>
+              </a:ext>
+            </a:extLst>
+          </p:cNvPr>
+          <p:cNvSpPr/>
+          <p:nvPr/>
+        </p:nvSpPr>
+        <p:spPr>
+          <a:xfrm>
+            <a:off x="4329968" y="1186387"/>
+            <a:ext cx="1524001" cy="665018"/>
+          </a:xfrm>
+          <a:prstGeom prst="rect">
+            <a:avLst/>
+          </a:prstGeom>
+          <a:solidFill>
+            <a:schemeClr val="bg1">
+              <a:lumMod val="95000"/>
+              <a:alpha val="79584"/>
+            </a:schemeClr>
+          </a:solidFill>
+          <a:ln w="38100">
+            <a:solidFill>
+              <a:schemeClr val="bg2">
+                <a:lumMod val="50000"/>
+              </a:schemeClr>
+            </a:solidFill>
+          </a:ln>
+        </p:spPr>
+        <p:style>
+          <a:lnRef idx="2">
+            <a:schemeClr val="accent1">
+              <a:shade val="50000"/>
+            </a:schemeClr>
+          </a:lnRef>
+          <a:fillRef idx="1">
+            <a:schemeClr val="accent1"/>
+          </a:fillRef>
+          <a:effectRef idx="0">
+            <a:schemeClr val="accent1"/>
+          </a:effectRef>
+          <a:fontRef idx="minor">
+            <a:schemeClr val="lt1"/>
+          </a:fontRef>
+        </p:style>
+        <p:txBody>
+          <a:bodyPr rtlCol="0" anchor="ctr"/>
+          <a:lstStyle/>
+          <a:p>
+            <a:pPr algn="ctr"/>
+            <a:r>
+              <a:rPr lang="en-US" sz="2000" dirty="0">
+                <a:solidFill>
+                  <a:schemeClr val="tx1">
+                    <a:lumMod val="85000"/>
+                    <a:lumOff val="15000"/>
+                  </a:schemeClr>
+                </a:solidFill>
+              </a:rPr>
+              <a:t>User</a:t>
+            </a:r>
+          </a:p>
+        </p:txBody>
+      </p:sp>
+      <p:sp>
+        <p:nvSpPr>
+          <p:cNvPr id="5" name="Rectangle 4">
+            <a:extLst>
+              <a:ext uri="{FF2B5EF4-FFF2-40B4-BE49-F238E27FC236}">
+                <a16:creationId xmlns:a16="http://schemas.microsoft.com/office/drawing/2014/main" id="{D1CCEEB6-0FB9-4C4E-A7F2-C6729B9FC8EA}"/>
+              </a:ext>
+            </a:extLst>
+          </p:cNvPr>
+          <p:cNvSpPr/>
+          <p:nvPr/>
+        </p:nvSpPr>
+        <p:spPr>
+          <a:xfrm>
+            <a:off x="4329968" y="2433297"/>
             <a:ext cx="1524001" cy="665018"/>
           </a:xfrm>
           <a:prstGeom prst="rect">
@@ -3839,10 +4689,10 @@
       </p:sp>
       <p:sp>
         <p:nvSpPr>
-          <p:cNvPr id="13" name="Down Arrow 12">
-            <a:extLst>
-              <a:ext uri="{FF2B5EF4-FFF2-40B4-BE49-F238E27FC236}">
-                <a16:creationId xmlns:a16="http://schemas.microsoft.com/office/drawing/2014/main" id="{B4CDB232-AE9B-3D4F-B146-8B666553560E}"/>
+          <p:cNvPr id="15" name="Down Arrow 14">
+            <a:extLst>
+              <a:ext uri="{FF2B5EF4-FFF2-40B4-BE49-F238E27FC236}">
+                <a16:creationId xmlns:a16="http://schemas.microsoft.com/office/drawing/2014/main" id="{03FE2F9B-D768-9846-AF7E-C97F162AF435}"/>
               </a:ext>
             </a:extLst>
           </p:cNvPr>
@@ -3850,9 +4700,9 @@
           <p:nvPr/>
         </p:nvSpPr>
         <p:spPr>
-          <a:xfrm rot="21000000">
-            <a:off x="5084093" y="1836323"/>
-            <a:ext cx="161365" cy="772627"/>
+          <a:xfrm>
+            <a:off x="5011282" y="1851405"/>
+            <a:ext cx="161365" cy="581892"/>
           </a:xfrm>
           <a:prstGeom prst="downArrow">
             <a:avLst>
@@ -3901,10 +4751,10 @@
       </p:sp>
       <p:sp>
         <p:nvSpPr>
-          <p:cNvPr id="9" name="Rectangle 8">
-            <a:extLst>
-              <a:ext uri="{FF2B5EF4-FFF2-40B4-BE49-F238E27FC236}">
-                <a16:creationId xmlns:a16="http://schemas.microsoft.com/office/drawing/2014/main" id="{6F7D0253-8737-834F-8F03-1696179FCA7C}"/>
+          <p:cNvPr id="6" name="Rectangle 5">
+            <a:extLst>
+              <a:ext uri="{FF2B5EF4-FFF2-40B4-BE49-F238E27FC236}">
+                <a16:creationId xmlns:a16="http://schemas.microsoft.com/office/drawing/2014/main" id="{292A8187-D086-6241-BD43-8F4A54EACBD1}"/>
               </a:ext>
             </a:extLst>
           </p:cNvPr>
@@ -3913,7 +4763,443 @@
         </p:nvSpPr>
         <p:spPr>
           <a:xfrm>
-            <a:off x="4410645" y="2521236"/>
+            <a:off x="4329965" y="3680207"/>
+            <a:ext cx="1524001" cy="665018"/>
+          </a:xfrm>
+          <a:prstGeom prst="rect">
+            <a:avLst/>
+          </a:prstGeom>
+          <a:solidFill>
+            <a:schemeClr val="bg1">
+              <a:lumMod val="95000"/>
+              <a:alpha val="79584"/>
+            </a:schemeClr>
+          </a:solidFill>
+          <a:ln w="38100">
+            <a:solidFill>
+              <a:schemeClr val="bg2">
+                <a:lumMod val="50000"/>
+              </a:schemeClr>
+            </a:solidFill>
+          </a:ln>
+        </p:spPr>
+        <p:style>
+          <a:lnRef idx="2">
+            <a:schemeClr val="accent1">
+              <a:shade val="50000"/>
+            </a:schemeClr>
+          </a:lnRef>
+          <a:fillRef idx="1">
+            <a:schemeClr val="accent1"/>
+          </a:fillRef>
+          <a:effectRef idx="0">
+            <a:schemeClr val="accent1"/>
+          </a:effectRef>
+          <a:fontRef idx="minor">
+            <a:schemeClr val="lt1"/>
+          </a:fontRef>
+        </p:style>
+        <p:txBody>
+          <a:bodyPr rtlCol="0" anchor="ctr"/>
+          <a:lstStyle/>
+          <a:p>
+            <a:pPr algn="ctr"/>
+            <a:r>
+              <a:rPr lang="en-US" sz="2000" dirty="0">
+                <a:solidFill>
+                  <a:schemeClr val="tx1">
+                    <a:lumMod val="85000"/>
+                    <a:lumOff val="15000"/>
+                  </a:schemeClr>
+                </a:solidFill>
+              </a:rPr>
+              <a:t>Permission</a:t>
+            </a:r>
+          </a:p>
+        </p:txBody>
+      </p:sp>
+      <p:sp>
+        <p:nvSpPr>
+          <p:cNvPr id="18" name="Down Arrow 17">
+            <a:extLst>
+              <a:ext uri="{FF2B5EF4-FFF2-40B4-BE49-F238E27FC236}">
+                <a16:creationId xmlns:a16="http://schemas.microsoft.com/office/drawing/2014/main" id="{A8DAD2EC-3E9B-E942-96A2-159C54469EE2}"/>
+              </a:ext>
+            </a:extLst>
+          </p:cNvPr>
+          <p:cNvSpPr/>
+          <p:nvPr/>
+        </p:nvSpPr>
+        <p:spPr>
+          <a:xfrm>
+            <a:off x="5011282" y="3093367"/>
+            <a:ext cx="161365" cy="581892"/>
+          </a:xfrm>
+          <a:prstGeom prst="downArrow">
+            <a:avLst>
+              <a:gd name="adj1" fmla="val 50000"/>
+              <a:gd name="adj2" fmla="val 129998"/>
+            </a:avLst>
+          </a:prstGeom>
+          <a:solidFill>
+            <a:schemeClr val="bg1">
+              <a:lumMod val="95000"/>
+              <a:alpha val="79584"/>
+            </a:schemeClr>
+          </a:solidFill>
+          <a:ln>
+            <a:solidFill>
+              <a:schemeClr val="bg2">
+                <a:lumMod val="50000"/>
+              </a:schemeClr>
+            </a:solidFill>
+          </a:ln>
+        </p:spPr>
+        <p:style>
+          <a:lnRef idx="2">
+            <a:schemeClr val="accent1">
+              <a:shade val="50000"/>
+            </a:schemeClr>
+          </a:lnRef>
+          <a:fillRef idx="1">
+            <a:schemeClr val="accent1"/>
+          </a:fillRef>
+          <a:effectRef idx="0">
+            <a:schemeClr val="accent1"/>
+          </a:effectRef>
+          <a:fontRef idx="minor">
+            <a:schemeClr val="lt1"/>
+          </a:fontRef>
+        </p:style>
+        <p:txBody>
+          <a:bodyPr rtlCol="0" anchor="ctr"/>
+          <a:lstStyle/>
+          <a:p>
+            <a:pPr algn="ctr"/>
+            <a:endParaRPr lang="en-US"/>
+          </a:p>
+        </p:txBody>
+      </p:sp>
+      <p:sp>
+        <p:nvSpPr>
+          <p:cNvPr id="7" name="Rectangle 6">
+            <a:extLst>
+              <a:ext uri="{FF2B5EF4-FFF2-40B4-BE49-F238E27FC236}">
+                <a16:creationId xmlns:a16="http://schemas.microsoft.com/office/drawing/2014/main" id="{084195EB-CEC7-3642-9E4F-07763E9EF4CC}"/>
+              </a:ext>
+            </a:extLst>
+          </p:cNvPr>
+          <p:cNvSpPr/>
+          <p:nvPr/>
+        </p:nvSpPr>
+        <p:spPr>
+          <a:xfrm>
+            <a:off x="4329965" y="4927117"/>
+            <a:ext cx="1524001" cy="665018"/>
+          </a:xfrm>
+          <a:prstGeom prst="rect">
+            <a:avLst/>
+          </a:prstGeom>
+          <a:solidFill>
+            <a:schemeClr val="bg1">
+              <a:lumMod val="95000"/>
+              <a:alpha val="79584"/>
+            </a:schemeClr>
+          </a:solidFill>
+          <a:ln w="38100">
+            <a:solidFill>
+              <a:schemeClr val="bg2">
+                <a:lumMod val="50000"/>
+              </a:schemeClr>
+            </a:solidFill>
+          </a:ln>
+        </p:spPr>
+        <p:style>
+          <a:lnRef idx="2">
+            <a:schemeClr val="accent1">
+              <a:shade val="50000"/>
+            </a:schemeClr>
+          </a:lnRef>
+          <a:fillRef idx="1">
+            <a:schemeClr val="accent1"/>
+          </a:fillRef>
+          <a:effectRef idx="0">
+            <a:schemeClr val="accent1"/>
+          </a:effectRef>
+          <a:fontRef idx="minor">
+            <a:schemeClr val="lt1"/>
+          </a:fontRef>
+        </p:style>
+        <p:txBody>
+          <a:bodyPr rtlCol="0" anchor="ctr"/>
+          <a:lstStyle/>
+          <a:p>
+            <a:pPr algn="ctr"/>
+            <a:r>
+              <a:rPr lang="en-US" sz="2000" dirty="0">
+                <a:solidFill>
+                  <a:schemeClr val="tx1">
+                    <a:lumMod val="85000"/>
+                    <a:lumOff val="15000"/>
+                  </a:schemeClr>
+                </a:solidFill>
+              </a:rPr>
+              <a:t>Capability</a:t>
+            </a:r>
+          </a:p>
+        </p:txBody>
+      </p:sp>
+      <p:sp>
+        <p:nvSpPr>
+          <p:cNvPr id="17" name="Down Arrow 16">
+            <a:extLst>
+              <a:ext uri="{FF2B5EF4-FFF2-40B4-BE49-F238E27FC236}">
+                <a16:creationId xmlns:a16="http://schemas.microsoft.com/office/drawing/2014/main" id="{79138125-78FD-2843-9EDB-DB6D8C3820EA}"/>
+              </a:ext>
+            </a:extLst>
+          </p:cNvPr>
+          <p:cNvSpPr/>
+          <p:nvPr/>
+        </p:nvSpPr>
+        <p:spPr>
+          <a:xfrm>
+            <a:off x="5011281" y="4345225"/>
+            <a:ext cx="161365" cy="581892"/>
+          </a:xfrm>
+          <a:prstGeom prst="downArrow">
+            <a:avLst>
+              <a:gd name="adj1" fmla="val 50000"/>
+              <a:gd name="adj2" fmla="val 129998"/>
+            </a:avLst>
+          </a:prstGeom>
+          <a:solidFill>
+            <a:schemeClr val="bg1">
+              <a:lumMod val="95000"/>
+              <a:alpha val="79584"/>
+            </a:schemeClr>
+          </a:solidFill>
+          <a:ln>
+            <a:solidFill>
+              <a:schemeClr val="bg2">
+                <a:lumMod val="50000"/>
+              </a:schemeClr>
+            </a:solidFill>
+          </a:ln>
+        </p:spPr>
+        <p:style>
+          <a:lnRef idx="2">
+            <a:schemeClr val="accent1">
+              <a:shade val="50000"/>
+            </a:schemeClr>
+          </a:lnRef>
+          <a:fillRef idx="1">
+            <a:schemeClr val="accent1"/>
+          </a:fillRef>
+          <a:effectRef idx="0">
+            <a:schemeClr val="accent1"/>
+          </a:effectRef>
+          <a:fontRef idx="minor">
+            <a:schemeClr val="lt1"/>
+          </a:fontRef>
+        </p:style>
+        <p:txBody>
+          <a:bodyPr rtlCol="0" anchor="ctr"/>
+          <a:lstStyle/>
+          <a:p>
+            <a:pPr algn="ctr"/>
+            <a:endParaRPr lang="en-US"/>
+          </a:p>
+        </p:txBody>
+      </p:sp>
+      <p:pic>
+        <p:nvPicPr>
+          <p:cNvPr id="4" name="Graphic 3" descr="Factory">
+            <a:extLst>
+              <a:ext uri="{FF2B5EF4-FFF2-40B4-BE49-F238E27FC236}">
+                <a16:creationId xmlns:a16="http://schemas.microsoft.com/office/drawing/2014/main" id="{4339258B-6A37-1C4C-93F0-EC6C0EAC5BF2}"/>
+              </a:ext>
+            </a:extLst>
+          </p:cNvPr>
+          <p:cNvPicPr>
+            <a:picLocks noChangeAspect="1"/>
+          </p:cNvPicPr>
+          <p:nvPr/>
+        </p:nvPicPr>
+        <p:blipFill>
+          <a:blip r:embed="rId2">
+            <a:extLst>
+              <a:ext uri="{96DAC541-7B7A-43D3-8B79-37D633B846F1}">
+                <asvg:svgBlip xmlns:asvg="http://schemas.microsoft.com/office/drawing/2016/SVG/main" r:embed="rId3"/>
+              </a:ext>
+            </a:extLst>
+          </a:blip>
+          <a:stretch>
+            <a:fillRect/>
+          </a:stretch>
+        </p:blipFill>
+        <p:spPr>
+          <a:xfrm>
+            <a:off x="2664158" y="4864771"/>
+            <a:ext cx="789709" cy="789709"/>
+          </a:xfrm>
+          <a:prstGeom prst="rect">
+            <a:avLst/>
+          </a:prstGeom>
+        </p:spPr>
+      </p:pic>
+      <p:pic>
+        <p:nvPicPr>
+          <p:cNvPr id="30" name="Graphic 29" descr="Lock">
+            <a:extLst>
+              <a:ext uri="{FF2B5EF4-FFF2-40B4-BE49-F238E27FC236}">
+                <a16:creationId xmlns:a16="http://schemas.microsoft.com/office/drawing/2014/main" id="{095E5783-F371-6944-A0FE-FBCB184A8C0A}"/>
+              </a:ext>
+            </a:extLst>
+          </p:cNvPr>
+          <p:cNvPicPr>
+            <a:picLocks noChangeAspect="1"/>
+          </p:cNvPicPr>
+          <p:nvPr/>
+        </p:nvPicPr>
+        <p:blipFill>
+          <a:blip r:embed="rId4">
+            <a:extLst>
+              <a:ext uri="{96DAC541-7B7A-43D3-8B79-37D633B846F1}">
+                <asvg:svgBlip xmlns:asvg="http://schemas.microsoft.com/office/drawing/2016/SVG/main" r:embed="rId5"/>
+              </a:ext>
+            </a:extLst>
+          </a:blip>
+          <a:stretch>
+            <a:fillRect/>
+          </a:stretch>
+        </p:blipFill>
+        <p:spPr>
+          <a:xfrm>
+            <a:off x="2664157" y="3617861"/>
+            <a:ext cx="789709" cy="789709"/>
+          </a:xfrm>
+          <a:prstGeom prst="rect">
+            <a:avLst/>
+          </a:prstGeom>
+        </p:spPr>
+      </p:pic>
+      <p:pic>
+        <p:nvPicPr>
+          <p:cNvPr id="32" name="Graphic 31" descr="User">
+            <a:extLst>
+              <a:ext uri="{FF2B5EF4-FFF2-40B4-BE49-F238E27FC236}">
+                <a16:creationId xmlns:a16="http://schemas.microsoft.com/office/drawing/2014/main" id="{59051463-0B20-5F4F-ACC4-CA126E37A240}"/>
+              </a:ext>
+            </a:extLst>
+          </p:cNvPr>
+          <p:cNvPicPr>
+            <a:picLocks noChangeAspect="1"/>
+          </p:cNvPicPr>
+          <p:nvPr/>
+        </p:nvPicPr>
+        <p:blipFill>
+          <a:blip r:embed="rId6">
+            <a:extLst>
+              <a:ext uri="{96DAC541-7B7A-43D3-8B79-37D633B846F1}">
+                <asvg:svgBlip xmlns:asvg="http://schemas.microsoft.com/office/drawing/2016/SVG/main" r:embed="rId7"/>
+              </a:ext>
+            </a:extLst>
+          </a:blip>
+          <a:stretch>
+            <a:fillRect/>
+          </a:stretch>
+        </p:blipFill>
+        <p:spPr>
+          <a:xfrm>
+            <a:off x="2664156" y="1133190"/>
+            <a:ext cx="789709" cy="789709"/>
+          </a:xfrm>
+          <a:prstGeom prst="rect">
+            <a:avLst/>
+          </a:prstGeom>
+        </p:spPr>
+      </p:pic>
+      <p:pic>
+        <p:nvPicPr>
+          <p:cNvPr id="34" name="Graphic 33" descr="Programmer">
+            <a:extLst>
+              <a:ext uri="{FF2B5EF4-FFF2-40B4-BE49-F238E27FC236}">
+                <a16:creationId xmlns:a16="http://schemas.microsoft.com/office/drawing/2014/main" id="{DDF632A5-3E2D-FE42-B7E0-0CC008F586AE}"/>
+              </a:ext>
+            </a:extLst>
+          </p:cNvPr>
+          <p:cNvPicPr>
+            <a:picLocks noChangeAspect="1"/>
+          </p:cNvPicPr>
+          <p:nvPr/>
+        </p:nvPicPr>
+        <p:blipFill>
+          <a:blip r:embed="rId8">
+            <a:extLst>
+              <a:ext uri="{96DAC541-7B7A-43D3-8B79-37D633B846F1}">
+                <asvg:svgBlip xmlns:asvg="http://schemas.microsoft.com/office/drawing/2016/SVG/main" r:embed="rId9"/>
+              </a:ext>
+            </a:extLst>
+          </a:blip>
+          <a:stretch>
+            <a:fillRect/>
+          </a:stretch>
+        </p:blipFill>
+        <p:spPr>
+          <a:xfrm>
+            <a:off x="2664157" y="2326525"/>
+            <a:ext cx="789709" cy="789709"/>
+          </a:xfrm>
+          <a:prstGeom prst="rect">
+            <a:avLst/>
+          </a:prstGeom>
+        </p:spPr>
+      </p:pic>
+    </p:spTree>
+    <p:extLst>
+      <p:ext uri="{BB962C8B-B14F-4D97-AF65-F5344CB8AC3E}">
+        <p14:creationId xmlns:p14="http://schemas.microsoft.com/office/powerpoint/2010/main" val="1776174539"/>
+      </p:ext>
+    </p:extLst>
+  </p:cSld>
+  <p:clrMapOvr>
+    <a:masterClrMapping/>
+  </p:clrMapOvr>
+</p:sld>
+</file>
+
+<file path=ppt/slides/slide6.xml><?xml version="1.0" encoding="utf-8"?>
+<p:sld xmlns:a="http://schemas.openxmlformats.org/drawingml/2006/main" xmlns:r="http://schemas.openxmlformats.org/officeDocument/2006/relationships" xmlns:p="http://schemas.openxmlformats.org/presentationml/2006/main">
+  <p:cSld>
+    <p:spTree>
+      <p:nvGrpSpPr>
+        <p:cNvPr id="1" name=""/>
+        <p:cNvGrpSpPr/>
+        <p:nvPr/>
+      </p:nvGrpSpPr>
+      <p:grpSpPr>
+        <a:xfrm>
+          <a:off x="0" y="0"/>
+          <a:ext cx="0" cy="0"/>
+          <a:chOff x="0" y="0"/>
+          <a:chExt cx="0" cy="0"/>
+        </a:xfrm>
+      </p:grpSpPr>
+      <p:sp>
+        <p:nvSpPr>
+          <p:cNvPr id="11" name="Rectangle 10">
+            <a:extLst>
+              <a:ext uri="{FF2B5EF4-FFF2-40B4-BE49-F238E27FC236}">
+                <a16:creationId xmlns:a16="http://schemas.microsoft.com/office/drawing/2014/main" id="{F5DFF4CB-98E1-FF48-A069-97B4154B328B}"/>
+              </a:ext>
+            </a:extLst>
+          </p:cNvPr>
+          <p:cNvSpPr/>
+          <p:nvPr/>
+        </p:nvSpPr>
+        <p:spPr>
+          <a:xfrm>
+            <a:off x="4571999" y="2697115"/>
             <a:ext cx="1524001" cy="665018"/>
           </a:xfrm>
           <a:prstGeom prst="rect">
@@ -3970,6 +5256,268 @@
       </p:sp>
       <p:sp>
         <p:nvSpPr>
+          <p:cNvPr id="14" name="Down Arrow 13">
+            <a:extLst>
+              <a:ext uri="{FF2B5EF4-FFF2-40B4-BE49-F238E27FC236}">
+                <a16:creationId xmlns:a16="http://schemas.microsoft.com/office/drawing/2014/main" id="{7401979E-EFD4-3B4A-B5AE-34BF68CA615C}"/>
+              </a:ext>
+            </a:extLst>
+          </p:cNvPr>
+          <p:cNvSpPr/>
+          <p:nvPr/>
+        </p:nvSpPr>
+        <p:spPr>
+          <a:xfrm rot="20675198">
+            <a:off x="5122785" y="1828333"/>
+            <a:ext cx="161365" cy="888316"/>
+          </a:xfrm>
+          <a:prstGeom prst="downArrow">
+            <a:avLst>
+              <a:gd name="adj1" fmla="val 50000"/>
+              <a:gd name="adj2" fmla="val 129998"/>
+            </a:avLst>
+          </a:prstGeom>
+          <a:solidFill>
+            <a:schemeClr val="bg1">
+              <a:lumMod val="95000"/>
+              <a:alpha val="79584"/>
+            </a:schemeClr>
+          </a:solidFill>
+          <a:ln>
+            <a:solidFill>
+              <a:schemeClr val="bg2">
+                <a:lumMod val="50000"/>
+              </a:schemeClr>
+            </a:solidFill>
+          </a:ln>
+        </p:spPr>
+        <p:style>
+          <a:lnRef idx="2">
+            <a:schemeClr val="accent1">
+              <a:shade val="50000"/>
+            </a:schemeClr>
+          </a:lnRef>
+          <a:fillRef idx="1">
+            <a:schemeClr val="accent1"/>
+          </a:fillRef>
+          <a:effectRef idx="0">
+            <a:schemeClr val="accent1"/>
+          </a:effectRef>
+          <a:fontRef idx="minor">
+            <a:schemeClr val="lt1"/>
+          </a:fontRef>
+        </p:style>
+        <p:txBody>
+          <a:bodyPr rtlCol="0" anchor="ctr"/>
+          <a:lstStyle/>
+          <a:p>
+            <a:pPr algn="ctr"/>
+            <a:endParaRPr lang="en-US"/>
+          </a:p>
+        </p:txBody>
+      </p:sp>
+      <p:sp>
+        <p:nvSpPr>
+          <p:cNvPr id="10" name="Rectangle 9">
+            <a:extLst>
+              <a:ext uri="{FF2B5EF4-FFF2-40B4-BE49-F238E27FC236}">
+                <a16:creationId xmlns:a16="http://schemas.microsoft.com/office/drawing/2014/main" id="{B7F1EEC2-724B-1848-91A6-1DFD50EBDEE6}"/>
+              </a:ext>
+            </a:extLst>
+          </p:cNvPr>
+          <p:cNvSpPr/>
+          <p:nvPr/>
+        </p:nvSpPr>
+        <p:spPr>
+          <a:xfrm>
+            <a:off x="4491322" y="2609175"/>
+            <a:ext cx="1524001" cy="665018"/>
+          </a:xfrm>
+          <a:prstGeom prst="rect">
+            <a:avLst/>
+          </a:prstGeom>
+          <a:solidFill>
+            <a:schemeClr val="bg1">
+              <a:lumMod val="95000"/>
+              <a:alpha val="79584"/>
+            </a:schemeClr>
+          </a:solidFill>
+          <a:ln w="38100">
+            <a:solidFill>
+              <a:schemeClr val="bg2">
+                <a:lumMod val="50000"/>
+              </a:schemeClr>
+            </a:solidFill>
+          </a:ln>
+        </p:spPr>
+        <p:style>
+          <a:lnRef idx="2">
+            <a:schemeClr val="accent1">
+              <a:shade val="50000"/>
+            </a:schemeClr>
+          </a:lnRef>
+          <a:fillRef idx="1">
+            <a:schemeClr val="accent1"/>
+          </a:fillRef>
+          <a:effectRef idx="0">
+            <a:schemeClr val="accent1"/>
+          </a:effectRef>
+          <a:fontRef idx="minor">
+            <a:schemeClr val="lt1"/>
+          </a:fontRef>
+        </p:style>
+        <p:txBody>
+          <a:bodyPr rtlCol="0" anchor="ctr"/>
+          <a:lstStyle/>
+          <a:p>
+            <a:pPr algn="ctr"/>
+            <a:r>
+              <a:rPr lang="en-US" sz="2000" dirty="0">
+                <a:solidFill>
+                  <a:schemeClr val="tx1">
+                    <a:lumMod val="85000"/>
+                    <a:lumOff val="15000"/>
+                  </a:schemeClr>
+                </a:solidFill>
+              </a:rPr>
+              <a:t>Role</a:t>
+            </a:r>
+          </a:p>
+        </p:txBody>
+      </p:sp>
+      <p:sp>
+        <p:nvSpPr>
+          <p:cNvPr id="13" name="Down Arrow 12">
+            <a:extLst>
+              <a:ext uri="{FF2B5EF4-FFF2-40B4-BE49-F238E27FC236}">
+                <a16:creationId xmlns:a16="http://schemas.microsoft.com/office/drawing/2014/main" id="{B4CDB232-AE9B-3D4F-B146-8B666553560E}"/>
+              </a:ext>
+            </a:extLst>
+          </p:cNvPr>
+          <p:cNvSpPr/>
+          <p:nvPr/>
+        </p:nvSpPr>
+        <p:spPr>
+          <a:xfrm rot="21000000">
+            <a:off x="5084093" y="1836323"/>
+            <a:ext cx="161365" cy="772627"/>
+          </a:xfrm>
+          <a:prstGeom prst="downArrow">
+            <a:avLst>
+              <a:gd name="adj1" fmla="val 50000"/>
+              <a:gd name="adj2" fmla="val 129998"/>
+            </a:avLst>
+          </a:prstGeom>
+          <a:solidFill>
+            <a:schemeClr val="bg1">
+              <a:lumMod val="95000"/>
+              <a:alpha val="79584"/>
+            </a:schemeClr>
+          </a:solidFill>
+          <a:ln>
+            <a:solidFill>
+              <a:schemeClr val="bg2">
+                <a:lumMod val="50000"/>
+              </a:schemeClr>
+            </a:solidFill>
+          </a:ln>
+        </p:spPr>
+        <p:style>
+          <a:lnRef idx="2">
+            <a:schemeClr val="accent1">
+              <a:shade val="50000"/>
+            </a:schemeClr>
+          </a:lnRef>
+          <a:fillRef idx="1">
+            <a:schemeClr val="accent1"/>
+          </a:fillRef>
+          <a:effectRef idx="0">
+            <a:schemeClr val="accent1"/>
+          </a:effectRef>
+          <a:fontRef idx="minor">
+            <a:schemeClr val="lt1"/>
+          </a:fontRef>
+        </p:style>
+        <p:txBody>
+          <a:bodyPr rtlCol="0" anchor="ctr"/>
+          <a:lstStyle/>
+          <a:p>
+            <a:pPr algn="ctr"/>
+            <a:endParaRPr lang="en-US"/>
+          </a:p>
+        </p:txBody>
+      </p:sp>
+      <p:sp>
+        <p:nvSpPr>
+          <p:cNvPr id="9" name="Rectangle 8">
+            <a:extLst>
+              <a:ext uri="{FF2B5EF4-FFF2-40B4-BE49-F238E27FC236}">
+                <a16:creationId xmlns:a16="http://schemas.microsoft.com/office/drawing/2014/main" id="{6F7D0253-8737-834F-8F03-1696179FCA7C}"/>
+              </a:ext>
+            </a:extLst>
+          </p:cNvPr>
+          <p:cNvSpPr/>
+          <p:nvPr/>
+        </p:nvSpPr>
+        <p:spPr>
+          <a:xfrm>
+            <a:off x="4410645" y="2521236"/>
+            <a:ext cx="1524001" cy="665018"/>
+          </a:xfrm>
+          <a:prstGeom prst="rect">
+            <a:avLst/>
+          </a:prstGeom>
+          <a:solidFill>
+            <a:schemeClr val="bg1">
+              <a:lumMod val="95000"/>
+              <a:alpha val="79584"/>
+            </a:schemeClr>
+          </a:solidFill>
+          <a:ln w="38100">
+            <a:solidFill>
+              <a:schemeClr val="bg2">
+                <a:lumMod val="50000"/>
+              </a:schemeClr>
+            </a:solidFill>
+          </a:ln>
+        </p:spPr>
+        <p:style>
+          <a:lnRef idx="2">
+            <a:schemeClr val="accent1">
+              <a:shade val="50000"/>
+            </a:schemeClr>
+          </a:lnRef>
+          <a:fillRef idx="1">
+            <a:schemeClr val="accent1"/>
+          </a:fillRef>
+          <a:effectRef idx="0">
+            <a:schemeClr val="accent1"/>
+          </a:effectRef>
+          <a:fontRef idx="minor">
+            <a:schemeClr val="lt1"/>
+          </a:fontRef>
+        </p:style>
+        <p:txBody>
+          <a:bodyPr rtlCol="0" anchor="ctr"/>
+          <a:lstStyle/>
+          <a:p>
+            <a:pPr algn="ctr"/>
+            <a:r>
+              <a:rPr lang="en-US" sz="2000" dirty="0">
+                <a:solidFill>
+                  <a:schemeClr val="tx1">
+                    <a:lumMod val="85000"/>
+                    <a:lumOff val="15000"/>
+                  </a:schemeClr>
+                </a:solidFill>
+              </a:rPr>
+              <a:t>Role</a:t>
+            </a:r>
+          </a:p>
+        </p:txBody>
+      </p:sp>
+      <p:sp>
+        <p:nvSpPr>
           <p:cNvPr id="12" name="Down Arrow 11">
             <a:extLst>
               <a:ext uri="{FF2B5EF4-FFF2-40B4-BE49-F238E27FC236}">
@@ -4232,10 +5780,10 @@
       </p:sp>
       <p:sp>
         <p:nvSpPr>
-          <p:cNvPr id="16" name="Rectangle 15">
-            <a:extLst>
-              <a:ext uri="{FF2B5EF4-FFF2-40B4-BE49-F238E27FC236}">
-                <a16:creationId xmlns:a16="http://schemas.microsoft.com/office/drawing/2014/main" id="{A5CA0DB8-57EB-C840-9FDD-2EBAFE84633F}"/>
+          <p:cNvPr id="6" name="Rectangle 5">
+            <a:extLst>
+              <a:ext uri="{FF2B5EF4-FFF2-40B4-BE49-F238E27FC236}">
+                <a16:creationId xmlns:a16="http://schemas.microsoft.com/office/drawing/2014/main" id="{292A8187-D086-6241-BD43-8F4A54EACBD1}"/>
               </a:ext>
             </a:extLst>
           </p:cNvPr>
@@ -4244,7 +5792,7 @@
         </p:nvSpPr>
         <p:spPr>
           <a:xfrm>
-            <a:off x="4571996" y="3944025"/>
+            <a:off x="4329965" y="3680207"/>
             <a:ext cx="1524001" cy="665018"/>
           </a:xfrm>
           <a:prstGeom prst="rect">
@@ -4301,10 +5849,10 @@
       </p:sp>
       <p:sp>
         <p:nvSpPr>
-          <p:cNvPr id="19" name="Down Arrow 18">
-            <a:extLst>
-              <a:ext uri="{FF2B5EF4-FFF2-40B4-BE49-F238E27FC236}">
-                <a16:creationId xmlns:a16="http://schemas.microsoft.com/office/drawing/2014/main" id="{F937787E-F591-AB4A-AA83-E0EA75AB4B38}"/>
+          <p:cNvPr id="18" name="Down Arrow 17">
+            <a:extLst>
+              <a:ext uri="{FF2B5EF4-FFF2-40B4-BE49-F238E27FC236}">
+                <a16:creationId xmlns:a16="http://schemas.microsoft.com/office/drawing/2014/main" id="{A8DAD2EC-3E9B-E942-96A2-159C54469EE2}"/>
               </a:ext>
             </a:extLst>
           </p:cNvPr>
@@ -4312,9 +5860,9 @@
           <p:nvPr/>
         </p:nvSpPr>
         <p:spPr>
-          <a:xfrm rot="20675198">
-            <a:off x="5122782" y="3075243"/>
-            <a:ext cx="161365" cy="888316"/>
+          <a:xfrm>
+            <a:off x="5011282" y="3093367"/>
+            <a:ext cx="161365" cy="581892"/>
           </a:xfrm>
           <a:prstGeom prst="downArrow">
             <a:avLst>
@@ -4363,10 +5911,10 @@
       </p:sp>
       <p:sp>
         <p:nvSpPr>
-          <p:cNvPr id="20" name="Rectangle 19">
-            <a:extLst>
-              <a:ext uri="{FF2B5EF4-FFF2-40B4-BE49-F238E27FC236}">
-                <a16:creationId xmlns:a16="http://schemas.microsoft.com/office/drawing/2014/main" id="{6BAE310D-B37C-A241-920E-315A7306B033}"/>
+          <p:cNvPr id="7" name="Rectangle 6">
+            <a:extLst>
+              <a:ext uri="{FF2B5EF4-FFF2-40B4-BE49-F238E27FC236}">
+                <a16:creationId xmlns:a16="http://schemas.microsoft.com/office/drawing/2014/main" id="{084195EB-CEC7-3642-9E4F-07763E9EF4CC}"/>
               </a:ext>
             </a:extLst>
           </p:cNvPr>
@@ -4375,7 +5923,905 @@
         </p:nvSpPr>
         <p:spPr>
           <a:xfrm>
-            <a:off x="4491319" y="3856085"/>
+            <a:off x="4329965" y="4927117"/>
+            <a:ext cx="1524001" cy="665018"/>
+          </a:xfrm>
+          <a:prstGeom prst="rect">
+            <a:avLst/>
+          </a:prstGeom>
+          <a:solidFill>
+            <a:schemeClr val="bg1">
+              <a:lumMod val="95000"/>
+              <a:alpha val="79584"/>
+            </a:schemeClr>
+          </a:solidFill>
+          <a:ln w="38100">
+            <a:solidFill>
+              <a:schemeClr val="bg2">
+                <a:lumMod val="50000"/>
+              </a:schemeClr>
+            </a:solidFill>
+          </a:ln>
+        </p:spPr>
+        <p:style>
+          <a:lnRef idx="2">
+            <a:schemeClr val="accent1">
+              <a:shade val="50000"/>
+            </a:schemeClr>
+          </a:lnRef>
+          <a:fillRef idx="1">
+            <a:schemeClr val="accent1"/>
+          </a:fillRef>
+          <a:effectRef idx="0">
+            <a:schemeClr val="accent1"/>
+          </a:effectRef>
+          <a:fontRef idx="minor">
+            <a:schemeClr val="lt1"/>
+          </a:fontRef>
+        </p:style>
+        <p:txBody>
+          <a:bodyPr rtlCol="0" anchor="ctr"/>
+          <a:lstStyle/>
+          <a:p>
+            <a:pPr algn="ctr"/>
+            <a:r>
+              <a:rPr lang="en-US" sz="2000" dirty="0">
+                <a:solidFill>
+                  <a:schemeClr val="tx1">
+                    <a:lumMod val="85000"/>
+                    <a:lumOff val="15000"/>
+                  </a:schemeClr>
+                </a:solidFill>
+              </a:rPr>
+              <a:t>Capability</a:t>
+            </a:r>
+          </a:p>
+        </p:txBody>
+      </p:sp>
+      <p:sp>
+        <p:nvSpPr>
+          <p:cNvPr id="17" name="Down Arrow 16">
+            <a:extLst>
+              <a:ext uri="{FF2B5EF4-FFF2-40B4-BE49-F238E27FC236}">
+                <a16:creationId xmlns:a16="http://schemas.microsoft.com/office/drawing/2014/main" id="{79138125-78FD-2843-9EDB-DB6D8C3820EA}"/>
+              </a:ext>
+            </a:extLst>
+          </p:cNvPr>
+          <p:cNvSpPr/>
+          <p:nvPr/>
+        </p:nvSpPr>
+        <p:spPr>
+          <a:xfrm>
+            <a:off x="5011281" y="4345225"/>
+            <a:ext cx="161365" cy="581892"/>
+          </a:xfrm>
+          <a:prstGeom prst="downArrow">
+            <a:avLst>
+              <a:gd name="adj1" fmla="val 50000"/>
+              <a:gd name="adj2" fmla="val 129998"/>
+            </a:avLst>
+          </a:prstGeom>
+          <a:solidFill>
+            <a:schemeClr val="bg1">
+              <a:lumMod val="95000"/>
+              <a:alpha val="79584"/>
+            </a:schemeClr>
+          </a:solidFill>
+          <a:ln>
+            <a:solidFill>
+              <a:schemeClr val="bg2">
+                <a:lumMod val="50000"/>
+              </a:schemeClr>
+            </a:solidFill>
+          </a:ln>
+        </p:spPr>
+        <p:style>
+          <a:lnRef idx="2">
+            <a:schemeClr val="accent1">
+              <a:shade val="50000"/>
+            </a:schemeClr>
+          </a:lnRef>
+          <a:fillRef idx="1">
+            <a:schemeClr val="accent1"/>
+          </a:fillRef>
+          <a:effectRef idx="0">
+            <a:schemeClr val="accent1"/>
+          </a:effectRef>
+          <a:fontRef idx="minor">
+            <a:schemeClr val="lt1"/>
+          </a:fontRef>
+        </p:style>
+        <p:txBody>
+          <a:bodyPr rtlCol="0" anchor="ctr"/>
+          <a:lstStyle/>
+          <a:p>
+            <a:pPr algn="ctr"/>
+            <a:endParaRPr lang="en-US"/>
+          </a:p>
+        </p:txBody>
+      </p:sp>
+      <p:pic>
+        <p:nvPicPr>
+          <p:cNvPr id="4" name="Graphic 3" descr="Factory">
+            <a:extLst>
+              <a:ext uri="{FF2B5EF4-FFF2-40B4-BE49-F238E27FC236}">
+                <a16:creationId xmlns:a16="http://schemas.microsoft.com/office/drawing/2014/main" id="{4339258B-6A37-1C4C-93F0-EC6C0EAC5BF2}"/>
+              </a:ext>
+            </a:extLst>
+          </p:cNvPr>
+          <p:cNvPicPr>
+            <a:picLocks noChangeAspect="1"/>
+          </p:cNvPicPr>
+          <p:nvPr/>
+        </p:nvPicPr>
+        <p:blipFill>
+          <a:blip r:embed="rId2">
+            <a:extLst>
+              <a:ext uri="{96DAC541-7B7A-43D3-8B79-37D633B846F1}">
+                <asvg:svgBlip xmlns:asvg="http://schemas.microsoft.com/office/drawing/2016/SVG/main" r:embed="rId3"/>
+              </a:ext>
+            </a:extLst>
+          </a:blip>
+          <a:stretch>
+            <a:fillRect/>
+          </a:stretch>
+        </p:blipFill>
+        <p:spPr>
+          <a:xfrm>
+            <a:off x="2664158" y="4864771"/>
+            <a:ext cx="789709" cy="789709"/>
+          </a:xfrm>
+          <a:prstGeom prst="rect">
+            <a:avLst/>
+          </a:prstGeom>
+        </p:spPr>
+      </p:pic>
+      <p:pic>
+        <p:nvPicPr>
+          <p:cNvPr id="30" name="Graphic 29" descr="Lock">
+            <a:extLst>
+              <a:ext uri="{FF2B5EF4-FFF2-40B4-BE49-F238E27FC236}">
+                <a16:creationId xmlns:a16="http://schemas.microsoft.com/office/drawing/2014/main" id="{095E5783-F371-6944-A0FE-FBCB184A8C0A}"/>
+              </a:ext>
+            </a:extLst>
+          </p:cNvPr>
+          <p:cNvPicPr>
+            <a:picLocks noChangeAspect="1"/>
+          </p:cNvPicPr>
+          <p:nvPr/>
+        </p:nvPicPr>
+        <p:blipFill>
+          <a:blip r:embed="rId4">
+            <a:extLst>
+              <a:ext uri="{96DAC541-7B7A-43D3-8B79-37D633B846F1}">
+                <asvg:svgBlip xmlns:asvg="http://schemas.microsoft.com/office/drawing/2016/SVG/main" r:embed="rId5"/>
+              </a:ext>
+            </a:extLst>
+          </a:blip>
+          <a:stretch>
+            <a:fillRect/>
+          </a:stretch>
+        </p:blipFill>
+        <p:spPr>
+          <a:xfrm>
+            <a:off x="2664157" y="3617861"/>
+            <a:ext cx="789709" cy="789709"/>
+          </a:xfrm>
+          <a:prstGeom prst="rect">
+            <a:avLst/>
+          </a:prstGeom>
+        </p:spPr>
+      </p:pic>
+      <p:pic>
+        <p:nvPicPr>
+          <p:cNvPr id="32" name="Graphic 31" descr="User">
+            <a:extLst>
+              <a:ext uri="{FF2B5EF4-FFF2-40B4-BE49-F238E27FC236}">
+                <a16:creationId xmlns:a16="http://schemas.microsoft.com/office/drawing/2014/main" id="{59051463-0B20-5F4F-ACC4-CA126E37A240}"/>
+              </a:ext>
+            </a:extLst>
+          </p:cNvPr>
+          <p:cNvPicPr>
+            <a:picLocks noChangeAspect="1"/>
+          </p:cNvPicPr>
+          <p:nvPr/>
+        </p:nvPicPr>
+        <p:blipFill>
+          <a:blip r:embed="rId6">
+            <a:extLst>
+              <a:ext uri="{96DAC541-7B7A-43D3-8B79-37D633B846F1}">
+                <asvg:svgBlip xmlns:asvg="http://schemas.microsoft.com/office/drawing/2016/SVG/main" r:embed="rId7"/>
+              </a:ext>
+            </a:extLst>
+          </a:blip>
+          <a:stretch>
+            <a:fillRect/>
+          </a:stretch>
+        </p:blipFill>
+        <p:spPr>
+          <a:xfrm>
+            <a:off x="2664156" y="1133190"/>
+            <a:ext cx="789709" cy="789709"/>
+          </a:xfrm>
+          <a:prstGeom prst="rect">
+            <a:avLst/>
+          </a:prstGeom>
+        </p:spPr>
+      </p:pic>
+      <p:pic>
+        <p:nvPicPr>
+          <p:cNvPr id="34" name="Graphic 33" descr="Programmer">
+            <a:extLst>
+              <a:ext uri="{FF2B5EF4-FFF2-40B4-BE49-F238E27FC236}">
+                <a16:creationId xmlns:a16="http://schemas.microsoft.com/office/drawing/2014/main" id="{DDF632A5-3E2D-FE42-B7E0-0CC008F586AE}"/>
+              </a:ext>
+            </a:extLst>
+          </p:cNvPr>
+          <p:cNvPicPr>
+            <a:picLocks noChangeAspect="1"/>
+          </p:cNvPicPr>
+          <p:nvPr/>
+        </p:nvPicPr>
+        <p:blipFill>
+          <a:blip r:embed="rId8">
+            <a:extLst>
+              <a:ext uri="{96DAC541-7B7A-43D3-8B79-37D633B846F1}">
+                <asvg:svgBlip xmlns:asvg="http://schemas.microsoft.com/office/drawing/2016/SVG/main" r:embed="rId9"/>
+              </a:ext>
+            </a:extLst>
+          </a:blip>
+          <a:stretch>
+            <a:fillRect/>
+          </a:stretch>
+        </p:blipFill>
+        <p:spPr>
+          <a:xfrm>
+            <a:off x="2664157" y="2326525"/>
+            <a:ext cx="789709" cy="789709"/>
+          </a:xfrm>
+          <a:prstGeom prst="rect">
+            <a:avLst/>
+          </a:prstGeom>
+        </p:spPr>
+      </p:pic>
+    </p:spTree>
+    <p:extLst>
+      <p:ext uri="{BB962C8B-B14F-4D97-AF65-F5344CB8AC3E}">
+        <p14:creationId xmlns:p14="http://schemas.microsoft.com/office/powerpoint/2010/main" val="4119365431"/>
+      </p:ext>
+    </p:extLst>
+  </p:cSld>
+  <p:clrMapOvr>
+    <a:masterClrMapping/>
+  </p:clrMapOvr>
+</p:sld>
+</file>
+
+<file path=ppt/slides/slide7.xml><?xml version="1.0" encoding="utf-8"?>
+<p:sld xmlns:a="http://schemas.openxmlformats.org/drawingml/2006/main" xmlns:r="http://schemas.openxmlformats.org/officeDocument/2006/relationships" xmlns:p="http://schemas.openxmlformats.org/presentationml/2006/main">
+  <p:cSld>
+    <p:spTree>
+      <p:nvGrpSpPr>
+        <p:cNvPr id="1" name=""/>
+        <p:cNvGrpSpPr/>
+        <p:nvPr/>
+      </p:nvGrpSpPr>
+      <p:grpSpPr>
+        <a:xfrm>
+          <a:off x="0" y="0"/>
+          <a:ext cx="0" cy="0"/>
+          <a:chOff x="0" y="0"/>
+          <a:chExt cx="0" cy="0"/>
+        </a:xfrm>
+      </p:grpSpPr>
+      <p:sp>
+        <p:nvSpPr>
+          <p:cNvPr id="11" name="Rectangle 10">
+            <a:extLst>
+              <a:ext uri="{FF2B5EF4-FFF2-40B4-BE49-F238E27FC236}">
+                <a16:creationId xmlns:a16="http://schemas.microsoft.com/office/drawing/2014/main" id="{F5DFF4CB-98E1-FF48-A069-97B4154B328B}"/>
+              </a:ext>
+            </a:extLst>
+          </p:cNvPr>
+          <p:cNvSpPr/>
+          <p:nvPr/>
+        </p:nvSpPr>
+        <p:spPr>
+          <a:xfrm>
+            <a:off x="4571999" y="2697115"/>
+            <a:ext cx="1524001" cy="665018"/>
+          </a:xfrm>
+          <a:prstGeom prst="rect">
+            <a:avLst/>
+          </a:prstGeom>
+          <a:solidFill>
+            <a:schemeClr val="bg1">
+              <a:lumMod val="95000"/>
+              <a:alpha val="79584"/>
+            </a:schemeClr>
+          </a:solidFill>
+          <a:ln w="38100">
+            <a:solidFill>
+              <a:schemeClr val="bg2">
+                <a:lumMod val="50000"/>
+              </a:schemeClr>
+            </a:solidFill>
+          </a:ln>
+        </p:spPr>
+        <p:style>
+          <a:lnRef idx="2">
+            <a:schemeClr val="accent1">
+              <a:shade val="50000"/>
+            </a:schemeClr>
+          </a:lnRef>
+          <a:fillRef idx="1">
+            <a:schemeClr val="accent1"/>
+          </a:fillRef>
+          <a:effectRef idx="0">
+            <a:schemeClr val="accent1"/>
+          </a:effectRef>
+          <a:fontRef idx="minor">
+            <a:schemeClr val="lt1"/>
+          </a:fontRef>
+        </p:style>
+        <p:txBody>
+          <a:bodyPr rtlCol="0" anchor="ctr"/>
+          <a:lstStyle/>
+          <a:p>
+            <a:pPr algn="ctr"/>
+            <a:r>
+              <a:rPr lang="en-US" sz="2000" dirty="0">
+                <a:solidFill>
+                  <a:schemeClr val="tx1">
+                    <a:lumMod val="85000"/>
+                    <a:lumOff val="15000"/>
+                  </a:schemeClr>
+                </a:solidFill>
+              </a:rPr>
+              <a:t>Role</a:t>
+            </a:r>
+          </a:p>
+        </p:txBody>
+      </p:sp>
+      <p:sp>
+        <p:nvSpPr>
+          <p:cNvPr id="14" name="Down Arrow 13">
+            <a:extLst>
+              <a:ext uri="{FF2B5EF4-FFF2-40B4-BE49-F238E27FC236}">
+                <a16:creationId xmlns:a16="http://schemas.microsoft.com/office/drawing/2014/main" id="{7401979E-EFD4-3B4A-B5AE-34BF68CA615C}"/>
+              </a:ext>
+            </a:extLst>
+          </p:cNvPr>
+          <p:cNvSpPr/>
+          <p:nvPr/>
+        </p:nvSpPr>
+        <p:spPr>
+          <a:xfrm rot="20675198">
+            <a:off x="5122785" y="1828333"/>
+            <a:ext cx="161365" cy="888316"/>
+          </a:xfrm>
+          <a:prstGeom prst="downArrow">
+            <a:avLst>
+              <a:gd name="adj1" fmla="val 50000"/>
+              <a:gd name="adj2" fmla="val 129998"/>
+            </a:avLst>
+          </a:prstGeom>
+          <a:solidFill>
+            <a:schemeClr val="bg1">
+              <a:lumMod val="95000"/>
+              <a:alpha val="79584"/>
+            </a:schemeClr>
+          </a:solidFill>
+          <a:ln>
+            <a:solidFill>
+              <a:schemeClr val="bg2">
+                <a:lumMod val="50000"/>
+              </a:schemeClr>
+            </a:solidFill>
+          </a:ln>
+        </p:spPr>
+        <p:style>
+          <a:lnRef idx="2">
+            <a:schemeClr val="accent1">
+              <a:shade val="50000"/>
+            </a:schemeClr>
+          </a:lnRef>
+          <a:fillRef idx="1">
+            <a:schemeClr val="accent1"/>
+          </a:fillRef>
+          <a:effectRef idx="0">
+            <a:schemeClr val="accent1"/>
+          </a:effectRef>
+          <a:fontRef idx="minor">
+            <a:schemeClr val="lt1"/>
+          </a:fontRef>
+        </p:style>
+        <p:txBody>
+          <a:bodyPr rtlCol="0" anchor="ctr"/>
+          <a:lstStyle/>
+          <a:p>
+            <a:pPr algn="ctr"/>
+            <a:endParaRPr lang="en-US"/>
+          </a:p>
+        </p:txBody>
+      </p:sp>
+      <p:sp>
+        <p:nvSpPr>
+          <p:cNvPr id="10" name="Rectangle 9">
+            <a:extLst>
+              <a:ext uri="{FF2B5EF4-FFF2-40B4-BE49-F238E27FC236}">
+                <a16:creationId xmlns:a16="http://schemas.microsoft.com/office/drawing/2014/main" id="{B7F1EEC2-724B-1848-91A6-1DFD50EBDEE6}"/>
+              </a:ext>
+            </a:extLst>
+          </p:cNvPr>
+          <p:cNvSpPr/>
+          <p:nvPr/>
+        </p:nvSpPr>
+        <p:spPr>
+          <a:xfrm>
+            <a:off x="4491322" y="2609175"/>
+            <a:ext cx="1524001" cy="665018"/>
+          </a:xfrm>
+          <a:prstGeom prst="rect">
+            <a:avLst/>
+          </a:prstGeom>
+          <a:solidFill>
+            <a:schemeClr val="bg1">
+              <a:lumMod val="95000"/>
+              <a:alpha val="79584"/>
+            </a:schemeClr>
+          </a:solidFill>
+          <a:ln w="38100">
+            <a:solidFill>
+              <a:schemeClr val="bg2">
+                <a:lumMod val="50000"/>
+              </a:schemeClr>
+            </a:solidFill>
+          </a:ln>
+        </p:spPr>
+        <p:style>
+          <a:lnRef idx="2">
+            <a:schemeClr val="accent1">
+              <a:shade val="50000"/>
+            </a:schemeClr>
+          </a:lnRef>
+          <a:fillRef idx="1">
+            <a:schemeClr val="accent1"/>
+          </a:fillRef>
+          <a:effectRef idx="0">
+            <a:schemeClr val="accent1"/>
+          </a:effectRef>
+          <a:fontRef idx="minor">
+            <a:schemeClr val="lt1"/>
+          </a:fontRef>
+        </p:style>
+        <p:txBody>
+          <a:bodyPr rtlCol="0" anchor="ctr"/>
+          <a:lstStyle/>
+          <a:p>
+            <a:pPr algn="ctr"/>
+            <a:r>
+              <a:rPr lang="en-US" sz="2000" dirty="0">
+                <a:solidFill>
+                  <a:schemeClr val="tx1">
+                    <a:lumMod val="85000"/>
+                    <a:lumOff val="15000"/>
+                  </a:schemeClr>
+                </a:solidFill>
+              </a:rPr>
+              <a:t>Role</a:t>
+            </a:r>
+          </a:p>
+        </p:txBody>
+      </p:sp>
+      <p:sp>
+        <p:nvSpPr>
+          <p:cNvPr id="13" name="Down Arrow 12">
+            <a:extLst>
+              <a:ext uri="{FF2B5EF4-FFF2-40B4-BE49-F238E27FC236}">
+                <a16:creationId xmlns:a16="http://schemas.microsoft.com/office/drawing/2014/main" id="{B4CDB232-AE9B-3D4F-B146-8B666553560E}"/>
+              </a:ext>
+            </a:extLst>
+          </p:cNvPr>
+          <p:cNvSpPr/>
+          <p:nvPr/>
+        </p:nvSpPr>
+        <p:spPr>
+          <a:xfrm rot="21000000">
+            <a:off x="5084093" y="1836323"/>
+            <a:ext cx="161365" cy="772627"/>
+          </a:xfrm>
+          <a:prstGeom prst="downArrow">
+            <a:avLst>
+              <a:gd name="adj1" fmla="val 50000"/>
+              <a:gd name="adj2" fmla="val 129998"/>
+            </a:avLst>
+          </a:prstGeom>
+          <a:solidFill>
+            <a:schemeClr val="bg1">
+              <a:lumMod val="95000"/>
+              <a:alpha val="79584"/>
+            </a:schemeClr>
+          </a:solidFill>
+          <a:ln>
+            <a:solidFill>
+              <a:schemeClr val="bg2">
+                <a:lumMod val="50000"/>
+              </a:schemeClr>
+            </a:solidFill>
+          </a:ln>
+        </p:spPr>
+        <p:style>
+          <a:lnRef idx="2">
+            <a:schemeClr val="accent1">
+              <a:shade val="50000"/>
+            </a:schemeClr>
+          </a:lnRef>
+          <a:fillRef idx="1">
+            <a:schemeClr val="accent1"/>
+          </a:fillRef>
+          <a:effectRef idx="0">
+            <a:schemeClr val="accent1"/>
+          </a:effectRef>
+          <a:fontRef idx="minor">
+            <a:schemeClr val="lt1"/>
+          </a:fontRef>
+        </p:style>
+        <p:txBody>
+          <a:bodyPr rtlCol="0" anchor="ctr"/>
+          <a:lstStyle/>
+          <a:p>
+            <a:pPr algn="ctr"/>
+            <a:endParaRPr lang="en-US"/>
+          </a:p>
+        </p:txBody>
+      </p:sp>
+      <p:sp>
+        <p:nvSpPr>
+          <p:cNvPr id="9" name="Rectangle 8">
+            <a:extLst>
+              <a:ext uri="{FF2B5EF4-FFF2-40B4-BE49-F238E27FC236}">
+                <a16:creationId xmlns:a16="http://schemas.microsoft.com/office/drawing/2014/main" id="{6F7D0253-8737-834F-8F03-1696179FCA7C}"/>
+              </a:ext>
+            </a:extLst>
+          </p:cNvPr>
+          <p:cNvSpPr/>
+          <p:nvPr/>
+        </p:nvSpPr>
+        <p:spPr>
+          <a:xfrm>
+            <a:off x="4410645" y="2521236"/>
+            <a:ext cx="1524001" cy="665018"/>
+          </a:xfrm>
+          <a:prstGeom prst="rect">
+            <a:avLst/>
+          </a:prstGeom>
+          <a:solidFill>
+            <a:schemeClr val="bg1">
+              <a:lumMod val="95000"/>
+              <a:alpha val="79584"/>
+            </a:schemeClr>
+          </a:solidFill>
+          <a:ln w="38100">
+            <a:solidFill>
+              <a:schemeClr val="bg2">
+                <a:lumMod val="50000"/>
+              </a:schemeClr>
+            </a:solidFill>
+          </a:ln>
+        </p:spPr>
+        <p:style>
+          <a:lnRef idx="2">
+            <a:schemeClr val="accent1">
+              <a:shade val="50000"/>
+            </a:schemeClr>
+          </a:lnRef>
+          <a:fillRef idx="1">
+            <a:schemeClr val="accent1"/>
+          </a:fillRef>
+          <a:effectRef idx="0">
+            <a:schemeClr val="accent1"/>
+          </a:effectRef>
+          <a:fontRef idx="minor">
+            <a:schemeClr val="lt1"/>
+          </a:fontRef>
+        </p:style>
+        <p:txBody>
+          <a:bodyPr rtlCol="0" anchor="ctr"/>
+          <a:lstStyle/>
+          <a:p>
+            <a:pPr algn="ctr"/>
+            <a:r>
+              <a:rPr lang="en-US" sz="2000" dirty="0">
+                <a:solidFill>
+                  <a:schemeClr val="tx1">
+                    <a:lumMod val="85000"/>
+                    <a:lumOff val="15000"/>
+                  </a:schemeClr>
+                </a:solidFill>
+              </a:rPr>
+              <a:t>Role</a:t>
+            </a:r>
+          </a:p>
+        </p:txBody>
+      </p:sp>
+      <p:sp>
+        <p:nvSpPr>
+          <p:cNvPr id="12" name="Down Arrow 11">
+            <a:extLst>
+              <a:ext uri="{FF2B5EF4-FFF2-40B4-BE49-F238E27FC236}">
+                <a16:creationId xmlns:a16="http://schemas.microsoft.com/office/drawing/2014/main" id="{6CFDBBEA-1C60-B94C-BA5B-0530357207B3}"/>
+              </a:ext>
+            </a:extLst>
+          </p:cNvPr>
+          <p:cNvSpPr/>
+          <p:nvPr/>
+        </p:nvSpPr>
+        <p:spPr>
+          <a:xfrm rot="21300000">
+            <a:off x="5036649" y="1842262"/>
+            <a:ext cx="161365" cy="672768"/>
+          </a:xfrm>
+          <a:prstGeom prst="downArrow">
+            <a:avLst>
+              <a:gd name="adj1" fmla="val 50000"/>
+              <a:gd name="adj2" fmla="val 129998"/>
+            </a:avLst>
+          </a:prstGeom>
+          <a:solidFill>
+            <a:schemeClr val="bg1">
+              <a:lumMod val="95000"/>
+              <a:alpha val="79584"/>
+            </a:schemeClr>
+          </a:solidFill>
+          <a:ln>
+            <a:solidFill>
+              <a:schemeClr val="bg2">
+                <a:lumMod val="50000"/>
+              </a:schemeClr>
+            </a:solidFill>
+          </a:ln>
+        </p:spPr>
+        <p:style>
+          <a:lnRef idx="2">
+            <a:schemeClr val="accent1">
+              <a:shade val="50000"/>
+            </a:schemeClr>
+          </a:lnRef>
+          <a:fillRef idx="1">
+            <a:schemeClr val="accent1"/>
+          </a:fillRef>
+          <a:effectRef idx="0">
+            <a:schemeClr val="accent1"/>
+          </a:effectRef>
+          <a:fontRef idx="minor">
+            <a:schemeClr val="lt1"/>
+          </a:fontRef>
+        </p:style>
+        <p:txBody>
+          <a:bodyPr rtlCol="0" anchor="ctr"/>
+          <a:lstStyle/>
+          <a:p>
+            <a:pPr algn="ctr"/>
+            <a:endParaRPr lang="en-US"/>
+          </a:p>
+        </p:txBody>
+      </p:sp>
+      <p:sp>
+        <p:nvSpPr>
+          <p:cNvPr id="2" name="Rectangle 1">
+            <a:extLst>
+              <a:ext uri="{FF2B5EF4-FFF2-40B4-BE49-F238E27FC236}">
+                <a16:creationId xmlns:a16="http://schemas.microsoft.com/office/drawing/2014/main" id="{9B7387F5-ACA9-7141-97D3-A62F3221BA74}"/>
+              </a:ext>
+            </a:extLst>
+          </p:cNvPr>
+          <p:cNvSpPr/>
+          <p:nvPr/>
+        </p:nvSpPr>
+        <p:spPr>
+          <a:xfrm>
+            <a:off x="4329968" y="1186387"/>
+            <a:ext cx="1524001" cy="665018"/>
+          </a:xfrm>
+          <a:prstGeom prst="rect">
+            <a:avLst/>
+          </a:prstGeom>
+          <a:solidFill>
+            <a:schemeClr val="bg1">
+              <a:lumMod val="95000"/>
+              <a:alpha val="79584"/>
+            </a:schemeClr>
+          </a:solidFill>
+          <a:ln w="38100">
+            <a:solidFill>
+              <a:schemeClr val="bg2">
+                <a:lumMod val="50000"/>
+              </a:schemeClr>
+            </a:solidFill>
+          </a:ln>
+        </p:spPr>
+        <p:style>
+          <a:lnRef idx="2">
+            <a:schemeClr val="accent1">
+              <a:shade val="50000"/>
+            </a:schemeClr>
+          </a:lnRef>
+          <a:fillRef idx="1">
+            <a:schemeClr val="accent1"/>
+          </a:fillRef>
+          <a:effectRef idx="0">
+            <a:schemeClr val="accent1"/>
+          </a:effectRef>
+          <a:fontRef idx="minor">
+            <a:schemeClr val="lt1"/>
+          </a:fontRef>
+        </p:style>
+        <p:txBody>
+          <a:bodyPr rtlCol="0" anchor="ctr"/>
+          <a:lstStyle/>
+          <a:p>
+            <a:pPr algn="ctr"/>
+            <a:r>
+              <a:rPr lang="en-US" sz="2000" dirty="0">
+                <a:solidFill>
+                  <a:schemeClr val="tx1">
+                    <a:lumMod val="85000"/>
+                    <a:lumOff val="15000"/>
+                  </a:schemeClr>
+                </a:solidFill>
+              </a:rPr>
+              <a:t>User</a:t>
+            </a:r>
+          </a:p>
+        </p:txBody>
+      </p:sp>
+      <p:sp>
+        <p:nvSpPr>
+          <p:cNvPr id="5" name="Rectangle 4">
+            <a:extLst>
+              <a:ext uri="{FF2B5EF4-FFF2-40B4-BE49-F238E27FC236}">
+                <a16:creationId xmlns:a16="http://schemas.microsoft.com/office/drawing/2014/main" id="{D1CCEEB6-0FB9-4C4E-A7F2-C6729B9FC8EA}"/>
+              </a:ext>
+            </a:extLst>
+          </p:cNvPr>
+          <p:cNvSpPr/>
+          <p:nvPr/>
+        </p:nvSpPr>
+        <p:spPr>
+          <a:xfrm>
+            <a:off x="4329968" y="2433297"/>
+            <a:ext cx="1524001" cy="665018"/>
+          </a:xfrm>
+          <a:prstGeom prst="rect">
+            <a:avLst/>
+          </a:prstGeom>
+          <a:solidFill>
+            <a:schemeClr val="bg1">
+              <a:lumMod val="95000"/>
+              <a:alpha val="79584"/>
+            </a:schemeClr>
+          </a:solidFill>
+          <a:ln w="38100">
+            <a:solidFill>
+              <a:schemeClr val="bg2">
+                <a:lumMod val="50000"/>
+              </a:schemeClr>
+            </a:solidFill>
+          </a:ln>
+        </p:spPr>
+        <p:style>
+          <a:lnRef idx="2">
+            <a:schemeClr val="accent1">
+              <a:shade val="50000"/>
+            </a:schemeClr>
+          </a:lnRef>
+          <a:fillRef idx="1">
+            <a:schemeClr val="accent1"/>
+          </a:fillRef>
+          <a:effectRef idx="0">
+            <a:schemeClr val="accent1"/>
+          </a:effectRef>
+          <a:fontRef idx="minor">
+            <a:schemeClr val="lt1"/>
+          </a:fontRef>
+        </p:style>
+        <p:txBody>
+          <a:bodyPr rtlCol="0" anchor="ctr"/>
+          <a:lstStyle/>
+          <a:p>
+            <a:pPr algn="ctr"/>
+            <a:r>
+              <a:rPr lang="en-US" sz="2000" dirty="0">
+                <a:solidFill>
+                  <a:schemeClr val="tx1">
+                    <a:lumMod val="85000"/>
+                    <a:lumOff val="15000"/>
+                  </a:schemeClr>
+                </a:solidFill>
+              </a:rPr>
+              <a:t>Role</a:t>
+            </a:r>
+          </a:p>
+        </p:txBody>
+      </p:sp>
+      <p:sp>
+        <p:nvSpPr>
+          <p:cNvPr id="15" name="Down Arrow 14">
+            <a:extLst>
+              <a:ext uri="{FF2B5EF4-FFF2-40B4-BE49-F238E27FC236}">
+                <a16:creationId xmlns:a16="http://schemas.microsoft.com/office/drawing/2014/main" id="{03FE2F9B-D768-9846-AF7E-C97F162AF435}"/>
+              </a:ext>
+            </a:extLst>
+          </p:cNvPr>
+          <p:cNvSpPr/>
+          <p:nvPr/>
+        </p:nvSpPr>
+        <p:spPr>
+          <a:xfrm>
+            <a:off x="5011282" y="1851405"/>
+            <a:ext cx="161365" cy="581892"/>
+          </a:xfrm>
+          <a:prstGeom prst="downArrow">
+            <a:avLst>
+              <a:gd name="adj1" fmla="val 50000"/>
+              <a:gd name="adj2" fmla="val 129998"/>
+            </a:avLst>
+          </a:prstGeom>
+          <a:solidFill>
+            <a:schemeClr val="bg1">
+              <a:lumMod val="95000"/>
+              <a:alpha val="79584"/>
+            </a:schemeClr>
+          </a:solidFill>
+          <a:ln>
+            <a:solidFill>
+              <a:schemeClr val="bg2">
+                <a:lumMod val="50000"/>
+              </a:schemeClr>
+            </a:solidFill>
+          </a:ln>
+        </p:spPr>
+        <p:style>
+          <a:lnRef idx="2">
+            <a:schemeClr val="accent1">
+              <a:shade val="50000"/>
+            </a:schemeClr>
+          </a:lnRef>
+          <a:fillRef idx="1">
+            <a:schemeClr val="accent1"/>
+          </a:fillRef>
+          <a:effectRef idx="0">
+            <a:schemeClr val="accent1"/>
+          </a:effectRef>
+          <a:fontRef idx="minor">
+            <a:schemeClr val="lt1"/>
+          </a:fontRef>
+        </p:style>
+        <p:txBody>
+          <a:bodyPr rtlCol="0" anchor="ctr"/>
+          <a:lstStyle/>
+          <a:p>
+            <a:pPr algn="ctr"/>
+            <a:endParaRPr lang="en-US"/>
+          </a:p>
+        </p:txBody>
+      </p:sp>
+      <p:sp>
+        <p:nvSpPr>
+          <p:cNvPr id="16" name="Rectangle 15">
+            <a:extLst>
+              <a:ext uri="{FF2B5EF4-FFF2-40B4-BE49-F238E27FC236}">
+                <a16:creationId xmlns:a16="http://schemas.microsoft.com/office/drawing/2014/main" id="{A5CA0DB8-57EB-C840-9FDD-2EBAFE84633F}"/>
+              </a:ext>
+            </a:extLst>
+          </p:cNvPr>
+          <p:cNvSpPr/>
+          <p:nvPr/>
+        </p:nvSpPr>
+        <p:spPr>
+          <a:xfrm>
+            <a:off x="4571996" y="3944025"/>
             <a:ext cx="1524001" cy="665018"/>
           </a:xfrm>
           <a:prstGeom prst="rect">
@@ -4432,10 +6878,10 @@
       </p:sp>
       <p:sp>
         <p:nvSpPr>
-          <p:cNvPr id="21" name="Down Arrow 20">
-            <a:extLst>
-              <a:ext uri="{FF2B5EF4-FFF2-40B4-BE49-F238E27FC236}">
-                <a16:creationId xmlns:a16="http://schemas.microsoft.com/office/drawing/2014/main" id="{675138C8-4353-E442-A21C-738EAB141FBE}"/>
+          <p:cNvPr id="19" name="Down Arrow 18">
+            <a:extLst>
+              <a:ext uri="{FF2B5EF4-FFF2-40B4-BE49-F238E27FC236}">
+                <a16:creationId xmlns:a16="http://schemas.microsoft.com/office/drawing/2014/main" id="{F937787E-F591-AB4A-AA83-E0EA75AB4B38}"/>
               </a:ext>
             </a:extLst>
           </p:cNvPr>
@@ -4443,9 +6889,9 @@
           <p:nvPr/>
         </p:nvSpPr>
         <p:spPr>
-          <a:xfrm rot="21000000">
-            <a:off x="5084090" y="3083233"/>
-            <a:ext cx="161365" cy="772627"/>
+          <a:xfrm rot="20675198">
+            <a:off x="5122782" y="3075243"/>
+            <a:ext cx="161365" cy="888316"/>
           </a:xfrm>
           <a:prstGeom prst="downArrow">
             <a:avLst>
@@ -4494,10 +6940,10 @@
       </p:sp>
       <p:sp>
         <p:nvSpPr>
-          <p:cNvPr id="22" name="Rectangle 21">
-            <a:extLst>
-              <a:ext uri="{FF2B5EF4-FFF2-40B4-BE49-F238E27FC236}">
-                <a16:creationId xmlns:a16="http://schemas.microsoft.com/office/drawing/2014/main" id="{90B2ED0E-B620-C64A-8FFB-6879542442F6}"/>
+          <p:cNvPr id="20" name="Rectangle 19">
+            <a:extLst>
+              <a:ext uri="{FF2B5EF4-FFF2-40B4-BE49-F238E27FC236}">
+                <a16:creationId xmlns:a16="http://schemas.microsoft.com/office/drawing/2014/main" id="{6BAE310D-B37C-A241-920E-315A7306B033}"/>
               </a:ext>
             </a:extLst>
           </p:cNvPr>
@@ -4506,7 +6952,7 @@
         </p:nvSpPr>
         <p:spPr>
           <a:xfrm>
-            <a:off x="4410642" y="3768146"/>
+            <a:off x="4491319" y="3856085"/>
             <a:ext cx="1524001" cy="665018"/>
           </a:xfrm>
           <a:prstGeom prst="rect">
@@ -4563,10 +7009,10 @@
       </p:sp>
       <p:sp>
         <p:nvSpPr>
-          <p:cNvPr id="23" name="Down Arrow 22">
-            <a:extLst>
-              <a:ext uri="{FF2B5EF4-FFF2-40B4-BE49-F238E27FC236}">
-                <a16:creationId xmlns:a16="http://schemas.microsoft.com/office/drawing/2014/main" id="{09C43943-FB10-2F4E-A6DD-A0608F650847}"/>
+          <p:cNvPr id="21" name="Down Arrow 20">
+            <a:extLst>
+              <a:ext uri="{FF2B5EF4-FFF2-40B4-BE49-F238E27FC236}">
+                <a16:creationId xmlns:a16="http://schemas.microsoft.com/office/drawing/2014/main" id="{675138C8-4353-E442-A21C-738EAB141FBE}"/>
               </a:ext>
             </a:extLst>
           </p:cNvPr>
@@ -4574,9 +7020,9 @@
           <p:nvPr/>
         </p:nvSpPr>
         <p:spPr>
-          <a:xfrm rot="21300000">
-            <a:off x="5036646" y="3089172"/>
-            <a:ext cx="161365" cy="672768"/>
+          <a:xfrm rot="21000000">
+            <a:off x="5084090" y="3083233"/>
+            <a:ext cx="161365" cy="772627"/>
           </a:xfrm>
           <a:prstGeom prst="downArrow">
             <a:avLst>
@@ -4625,10 +7071,10 @@
       </p:sp>
       <p:sp>
         <p:nvSpPr>
-          <p:cNvPr id="6" name="Rectangle 5">
-            <a:extLst>
-              <a:ext uri="{FF2B5EF4-FFF2-40B4-BE49-F238E27FC236}">
-                <a16:creationId xmlns:a16="http://schemas.microsoft.com/office/drawing/2014/main" id="{292A8187-D086-6241-BD43-8F4A54EACBD1}"/>
+          <p:cNvPr id="22" name="Rectangle 21">
+            <a:extLst>
+              <a:ext uri="{FF2B5EF4-FFF2-40B4-BE49-F238E27FC236}">
+                <a16:creationId xmlns:a16="http://schemas.microsoft.com/office/drawing/2014/main" id="{90B2ED0E-B620-C64A-8FFB-6879542442F6}"/>
               </a:ext>
             </a:extLst>
           </p:cNvPr>
@@ -4637,7 +7083,7 @@
         </p:nvSpPr>
         <p:spPr>
           <a:xfrm>
-            <a:off x="4329965" y="3680207"/>
+            <a:off x="4410642" y="3768146"/>
             <a:ext cx="1524001" cy="665018"/>
           </a:xfrm>
           <a:prstGeom prst="rect">
@@ -4694,10 +7140,10 @@
       </p:sp>
       <p:sp>
         <p:nvSpPr>
-          <p:cNvPr id="18" name="Down Arrow 17">
-            <a:extLst>
-              <a:ext uri="{FF2B5EF4-FFF2-40B4-BE49-F238E27FC236}">
-                <a16:creationId xmlns:a16="http://schemas.microsoft.com/office/drawing/2014/main" id="{A8DAD2EC-3E9B-E942-96A2-159C54469EE2}"/>
+          <p:cNvPr id="23" name="Down Arrow 22">
+            <a:extLst>
+              <a:ext uri="{FF2B5EF4-FFF2-40B4-BE49-F238E27FC236}">
+                <a16:creationId xmlns:a16="http://schemas.microsoft.com/office/drawing/2014/main" id="{09C43943-FB10-2F4E-A6DD-A0608F650847}"/>
               </a:ext>
             </a:extLst>
           </p:cNvPr>
@@ -4705,9 +7151,9 @@
           <p:nvPr/>
         </p:nvSpPr>
         <p:spPr>
-          <a:xfrm>
-            <a:off x="5011282" y="3093367"/>
-            <a:ext cx="161365" cy="581892"/>
+          <a:xfrm rot="21300000">
+            <a:off x="5036646" y="3089172"/>
+            <a:ext cx="161365" cy="672768"/>
           </a:xfrm>
           <a:prstGeom prst="downArrow">
             <a:avLst>
@@ -4756,10 +7202,10 @@
       </p:sp>
       <p:sp>
         <p:nvSpPr>
-          <p:cNvPr id="24" name="Rectangle 23">
-            <a:extLst>
-              <a:ext uri="{FF2B5EF4-FFF2-40B4-BE49-F238E27FC236}">
-                <a16:creationId xmlns:a16="http://schemas.microsoft.com/office/drawing/2014/main" id="{4D48405B-FC50-FE48-9864-E65F44D6BEA9}"/>
+          <p:cNvPr id="6" name="Rectangle 5">
+            <a:extLst>
+              <a:ext uri="{FF2B5EF4-FFF2-40B4-BE49-F238E27FC236}">
+                <a16:creationId xmlns:a16="http://schemas.microsoft.com/office/drawing/2014/main" id="{292A8187-D086-6241-BD43-8F4A54EACBD1}"/>
               </a:ext>
             </a:extLst>
           </p:cNvPr>
@@ -4768,7 +7214,138 @@
         </p:nvSpPr>
         <p:spPr>
           <a:xfrm>
-            <a:off x="4568712" y="5190935"/>
+            <a:off x="4329965" y="3680207"/>
+            <a:ext cx="1524001" cy="665018"/>
+          </a:xfrm>
+          <a:prstGeom prst="rect">
+            <a:avLst/>
+          </a:prstGeom>
+          <a:solidFill>
+            <a:schemeClr val="bg1">
+              <a:lumMod val="95000"/>
+              <a:alpha val="79584"/>
+            </a:schemeClr>
+          </a:solidFill>
+          <a:ln w="38100">
+            <a:solidFill>
+              <a:schemeClr val="bg2">
+                <a:lumMod val="50000"/>
+              </a:schemeClr>
+            </a:solidFill>
+          </a:ln>
+        </p:spPr>
+        <p:style>
+          <a:lnRef idx="2">
+            <a:schemeClr val="accent1">
+              <a:shade val="50000"/>
+            </a:schemeClr>
+          </a:lnRef>
+          <a:fillRef idx="1">
+            <a:schemeClr val="accent1"/>
+          </a:fillRef>
+          <a:effectRef idx="0">
+            <a:schemeClr val="accent1"/>
+          </a:effectRef>
+          <a:fontRef idx="minor">
+            <a:schemeClr val="lt1"/>
+          </a:fontRef>
+        </p:style>
+        <p:txBody>
+          <a:bodyPr rtlCol="0" anchor="ctr"/>
+          <a:lstStyle/>
+          <a:p>
+            <a:pPr algn="ctr"/>
+            <a:r>
+              <a:rPr lang="en-US" sz="2000" dirty="0">
+                <a:solidFill>
+                  <a:schemeClr val="tx1">
+                    <a:lumMod val="85000"/>
+                    <a:lumOff val="15000"/>
+                  </a:schemeClr>
+                </a:solidFill>
+              </a:rPr>
+              <a:t>Permission</a:t>
+            </a:r>
+          </a:p>
+        </p:txBody>
+      </p:sp>
+      <p:sp>
+        <p:nvSpPr>
+          <p:cNvPr id="18" name="Down Arrow 17">
+            <a:extLst>
+              <a:ext uri="{FF2B5EF4-FFF2-40B4-BE49-F238E27FC236}">
+                <a16:creationId xmlns:a16="http://schemas.microsoft.com/office/drawing/2014/main" id="{A8DAD2EC-3E9B-E942-96A2-159C54469EE2}"/>
+              </a:ext>
+            </a:extLst>
+          </p:cNvPr>
+          <p:cNvSpPr/>
+          <p:nvPr/>
+        </p:nvSpPr>
+        <p:spPr>
+          <a:xfrm>
+            <a:off x="5011282" y="3093367"/>
+            <a:ext cx="161365" cy="581892"/>
+          </a:xfrm>
+          <a:prstGeom prst="downArrow">
+            <a:avLst>
+              <a:gd name="adj1" fmla="val 50000"/>
+              <a:gd name="adj2" fmla="val 129998"/>
+            </a:avLst>
+          </a:prstGeom>
+          <a:solidFill>
+            <a:schemeClr val="bg1">
+              <a:lumMod val="95000"/>
+              <a:alpha val="79584"/>
+            </a:schemeClr>
+          </a:solidFill>
+          <a:ln>
+            <a:solidFill>
+              <a:schemeClr val="bg2">
+                <a:lumMod val="50000"/>
+              </a:schemeClr>
+            </a:solidFill>
+          </a:ln>
+        </p:spPr>
+        <p:style>
+          <a:lnRef idx="2">
+            <a:schemeClr val="accent1">
+              <a:shade val="50000"/>
+            </a:schemeClr>
+          </a:lnRef>
+          <a:fillRef idx="1">
+            <a:schemeClr val="accent1"/>
+          </a:fillRef>
+          <a:effectRef idx="0">
+            <a:schemeClr val="accent1"/>
+          </a:effectRef>
+          <a:fontRef idx="minor">
+            <a:schemeClr val="lt1"/>
+          </a:fontRef>
+        </p:style>
+        <p:txBody>
+          <a:bodyPr rtlCol="0" anchor="ctr"/>
+          <a:lstStyle/>
+          <a:p>
+            <a:pPr algn="ctr"/>
+            <a:endParaRPr lang="en-US"/>
+          </a:p>
+        </p:txBody>
+      </p:sp>
+      <p:sp>
+        <p:nvSpPr>
+          <p:cNvPr id="7" name="Rectangle 6">
+            <a:extLst>
+              <a:ext uri="{FF2B5EF4-FFF2-40B4-BE49-F238E27FC236}">
+                <a16:creationId xmlns:a16="http://schemas.microsoft.com/office/drawing/2014/main" id="{084195EB-CEC7-3642-9E4F-07763E9EF4CC}"/>
+              </a:ext>
+            </a:extLst>
+          </p:cNvPr>
+          <p:cNvSpPr/>
+          <p:nvPr/>
+        </p:nvSpPr>
+        <p:spPr>
+          <a:xfrm>
+            <a:off x="4329965" y="4927117"/>
             <a:ext cx="1524001" cy="665018"/>
           </a:xfrm>
           <a:prstGeom prst="rect">
@@ -4825,10 +7402,10 @@
       </p:sp>
       <p:sp>
         <p:nvSpPr>
-          <p:cNvPr id="25" name="Down Arrow 24">
-            <a:extLst>
-              <a:ext uri="{FF2B5EF4-FFF2-40B4-BE49-F238E27FC236}">
-                <a16:creationId xmlns:a16="http://schemas.microsoft.com/office/drawing/2014/main" id="{C38E727F-4FE9-4943-9A29-A68D7FE9CB45}"/>
+          <p:cNvPr id="17" name="Down Arrow 16">
+            <a:extLst>
+              <a:ext uri="{FF2B5EF4-FFF2-40B4-BE49-F238E27FC236}">
+                <a16:creationId xmlns:a16="http://schemas.microsoft.com/office/drawing/2014/main" id="{79138125-78FD-2843-9EDB-DB6D8C3820EA}"/>
               </a:ext>
             </a:extLst>
           </p:cNvPr>
@@ -4836,9 +7413,9 @@
           <p:nvPr/>
         </p:nvSpPr>
         <p:spPr>
-          <a:xfrm rot="20675198">
-            <a:off x="5119498" y="4322153"/>
-            <a:ext cx="161365" cy="888316"/>
+          <a:xfrm>
+            <a:off x="5011281" y="4345225"/>
+            <a:ext cx="161365" cy="581892"/>
           </a:xfrm>
           <a:prstGeom prst="downArrow">
             <a:avLst>
@@ -4885,12 +7462,186 @@
           </a:p>
         </p:txBody>
       </p:sp>
-      <p:sp>
-        <p:nvSpPr>
-          <p:cNvPr id="26" name="Rectangle 25">
-            <a:extLst>
-              <a:ext uri="{FF2B5EF4-FFF2-40B4-BE49-F238E27FC236}">
-                <a16:creationId xmlns:a16="http://schemas.microsoft.com/office/drawing/2014/main" id="{6A8C3861-7AA5-7B4D-8171-C7F0BA70A786}"/>
+      <p:pic>
+        <p:nvPicPr>
+          <p:cNvPr id="4" name="Graphic 3" descr="Factory">
+            <a:extLst>
+              <a:ext uri="{FF2B5EF4-FFF2-40B4-BE49-F238E27FC236}">
+                <a16:creationId xmlns:a16="http://schemas.microsoft.com/office/drawing/2014/main" id="{4339258B-6A37-1C4C-93F0-EC6C0EAC5BF2}"/>
+              </a:ext>
+            </a:extLst>
+          </p:cNvPr>
+          <p:cNvPicPr>
+            <a:picLocks noChangeAspect="1"/>
+          </p:cNvPicPr>
+          <p:nvPr/>
+        </p:nvPicPr>
+        <p:blipFill>
+          <a:blip r:embed="rId2">
+            <a:extLst>
+              <a:ext uri="{96DAC541-7B7A-43D3-8B79-37D633B846F1}">
+                <asvg:svgBlip xmlns:asvg="http://schemas.microsoft.com/office/drawing/2016/SVG/main" r:embed="rId3"/>
+              </a:ext>
+            </a:extLst>
+          </a:blip>
+          <a:stretch>
+            <a:fillRect/>
+          </a:stretch>
+        </p:blipFill>
+        <p:spPr>
+          <a:xfrm>
+            <a:off x="2664158" y="4864771"/>
+            <a:ext cx="789709" cy="789709"/>
+          </a:xfrm>
+          <a:prstGeom prst="rect">
+            <a:avLst/>
+          </a:prstGeom>
+        </p:spPr>
+      </p:pic>
+      <p:pic>
+        <p:nvPicPr>
+          <p:cNvPr id="30" name="Graphic 29" descr="Lock">
+            <a:extLst>
+              <a:ext uri="{FF2B5EF4-FFF2-40B4-BE49-F238E27FC236}">
+                <a16:creationId xmlns:a16="http://schemas.microsoft.com/office/drawing/2014/main" id="{095E5783-F371-6944-A0FE-FBCB184A8C0A}"/>
+              </a:ext>
+            </a:extLst>
+          </p:cNvPr>
+          <p:cNvPicPr>
+            <a:picLocks noChangeAspect="1"/>
+          </p:cNvPicPr>
+          <p:nvPr/>
+        </p:nvPicPr>
+        <p:blipFill>
+          <a:blip r:embed="rId4">
+            <a:extLst>
+              <a:ext uri="{96DAC541-7B7A-43D3-8B79-37D633B846F1}">
+                <asvg:svgBlip xmlns:asvg="http://schemas.microsoft.com/office/drawing/2016/SVG/main" r:embed="rId5"/>
+              </a:ext>
+            </a:extLst>
+          </a:blip>
+          <a:stretch>
+            <a:fillRect/>
+          </a:stretch>
+        </p:blipFill>
+        <p:spPr>
+          <a:xfrm>
+            <a:off x="2664157" y="3617861"/>
+            <a:ext cx="789709" cy="789709"/>
+          </a:xfrm>
+          <a:prstGeom prst="rect">
+            <a:avLst/>
+          </a:prstGeom>
+        </p:spPr>
+      </p:pic>
+      <p:pic>
+        <p:nvPicPr>
+          <p:cNvPr id="32" name="Graphic 31" descr="User">
+            <a:extLst>
+              <a:ext uri="{FF2B5EF4-FFF2-40B4-BE49-F238E27FC236}">
+                <a16:creationId xmlns:a16="http://schemas.microsoft.com/office/drawing/2014/main" id="{59051463-0B20-5F4F-ACC4-CA126E37A240}"/>
+              </a:ext>
+            </a:extLst>
+          </p:cNvPr>
+          <p:cNvPicPr>
+            <a:picLocks noChangeAspect="1"/>
+          </p:cNvPicPr>
+          <p:nvPr/>
+        </p:nvPicPr>
+        <p:blipFill>
+          <a:blip r:embed="rId6">
+            <a:extLst>
+              <a:ext uri="{96DAC541-7B7A-43D3-8B79-37D633B846F1}">
+                <asvg:svgBlip xmlns:asvg="http://schemas.microsoft.com/office/drawing/2016/SVG/main" r:embed="rId7"/>
+              </a:ext>
+            </a:extLst>
+          </a:blip>
+          <a:stretch>
+            <a:fillRect/>
+          </a:stretch>
+        </p:blipFill>
+        <p:spPr>
+          <a:xfrm>
+            <a:off x="2664156" y="1133190"/>
+            <a:ext cx="789709" cy="789709"/>
+          </a:xfrm>
+          <a:prstGeom prst="rect">
+            <a:avLst/>
+          </a:prstGeom>
+        </p:spPr>
+      </p:pic>
+      <p:pic>
+        <p:nvPicPr>
+          <p:cNvPr id="34" name="Graphic 33" descr="Programmer">
+            <a:extLst>
+              <a:ext uri="{FF2B5EF4-FFF2-40B4-BE49-F238E27FC236}">
+                <a16:creationId xmlns:a16="http://schemas.microsoft.com/office/drawing/2014/main" id="{DDF632A5-3E2D-FE42-B7E0-0CC008F586AE}"/>
+              </a:ext>
+            </a:extLst>
+          </p:cNvPr>
+          <p:cNvPicPr>
+            <a:picLocks noChangeAspect="1"/>
+          </p:cNvPicPr>
+          <p:nvPr/>
+        </p:nvPicPr>
+        <p:blipFill>
+          <a:blip r:embed="rId8">
+            <a:extLst>
+              <a:ext uri="{96DAC541-7B7A-43D3-8B79-37D633B846F1}">
+                <asvg:svgBlip xmlns:asvg="http://schemas.microsoft.com/office/drawing/2016/SVG/main" r:embed="rId9"/>
+              </a:ext>
+            </a:extLst>
+          </a:blip>
+          <a:stretch>
+            <a:fillRect/>
+          </a:stretch>
+        </p:blipFill>
+        <p:spPr>
+          <a:xfrm>
+            <a:off x="2664157" y="2326525"/>
+            <a:ext cx="789709" cy="789709"/>
+          </a:xfrm>
+          <a:prstGeom prst="rect">
+            <a:avLst/>
+          </a:prstGeom>
+        </p:spPr>
+      </p:pic>
+    </p:spTree>
+    <p:extLst>
+      <p:ext uri="{BB962C8B-B14F-4D97-AF65-F5344CB8AC3E}">
+        <p14:creationId xmlns:p14="http://schemas.microsoft.com/office/powerpoint/2010/main" val="1326797209"/>
+      </p:ext>
+    </p:extLst>
+  </p:cSld>
+  <p:clrMapOvr>
+    <a:masterClrMapping/>
+  </p:clrMapOvr>
+</p:sld>
+</file>
+
+<file path=ppt/slides/slide8.xml><?xml version="1.0" encoding="utf-8"?>
+<p:sld xmlns:a="http://schemas.openxmlformats.org/drawingml/2006/main" xmlns:r="http://schemas.openxmlformats.org/officeDocument/2006/relationships" xmlns:p="http://schemas.openxmlformats.org/presentationml/2006/main">
+  <p:cSld>
+    <p:spTree>
+      <p:nvGrpSpPr>
+        <p:cNvPr id="1" name=""/>
+        <p:cNvGrpSpPr/>
+        <p:nvPr/>
+      </p:nvGrpSpPr>
+      <p:grpSpPr>
+        <a:xfrm>
+          <a:off x="0" y="0"/>
+          <a:ext cx="0" cy="0"/>
+          <a:chOff x="0" y="0"/>
+          <a:chExt cx="0" cy="0"/>
+        </a:xfrm>
+      </p:grpSpPr>
+      <p:sp>
+        <p:nvSpPr>
+          <p:cNvPr id="11" name="Rectangle 10">
+            <a:extLst>
+              <a:ext uri="{FF2B5EF4-FFF2-40B4-BE49-F238E27FC236}">
+                <a16:creationId xmlns:a16="http://schemas.microsoft.com/office/drawing/2014/main" id="{F5DFF4CB-98E1-FF48-A069-97B4154B328B}"/>
               </a:ext>
             </a:extLst>
           </p:cNvPr>
@@ -4899,7 +7650,1124 @@
         </p:nvSpPr>
         <p:spPr>
           <a:xfrm>
-            <a:off x="4489129" y="5102995"/>
+            <a:off x="4571999" y="2697115"/>
+            <a:ext cx="1524001" cy="665018"/>
+          </a:xfrm>
+          <a:prstGeom prst="rect">
+            <a:avLst/>
+          </a:prstGeom>
+          <a:solidFill>
+            <a:schemeClr val="bg1">
+              <a:lumMod val="95000"/>
+              <a:alpha val="79584"/>
+            </a:schemeClr>
+          </a:solidFill>
+          <a:ln w="38100">
+            <a:solidFill>
+              <a:schemeClr val="bg2">
+                <a:lumMod val="50000"/>
+              </a:schemeClr>
+            </a:solidFill>
+          </a:ln>
+        </p:spPr>
+        <p:style>
+          <a:lnRef idx="2">
+            <a:schemeClr val="accent1">
+              <a:shade val="50000"/>
+            </a:schemeClr>
+          </a:lnRef>
+          <a:fillRef idx="1">
+            <a:schemeClr val="accent1"/>
+          </a:fillRef>
+          <a:effectRef idx="0">
+            <a:schemeClr val="accent1"/>
+          </a:effectRef>
+          <a:fontRef idx="minor">
+            <a:schemeClr val="lt1"/>
+          </a:fontRef>
+        </p:style>
+        <p:txBody>
+          <a:bodyPr rtlCol="0" anchor="ctr"/>
+          <a:lstStyle/>
+          <a:p>
+            <a:pPr algn="ctr"/>
+            <a:r>
+              <a:rPr lang="en-US" sz="2000" dirty="0">
+                <a:solidFill>
+                  <a:schemeClr val="tx1">
+                    <a:lumMod val="85000"/>
+                    <a:lumOff val="15000"/>
+                  </a:schemeClr>
+                </a:solidFill>
+              </a:rPr>
+              <a:t>Role</a:t>
+            </a:r>
+          </a:p>
+        </p:txBody>
+      </p:sp>
+      <p:sp>
+        <p:nvSpPr>
+          <p:cNvPr id="14" name="Down Arrow 13">
+            <a:extLst>
+              <a:ext uri="{FF2B5EF4-FFF2-40B4-BE49-F238E27FC236}">
+                <a16:creationId xmlns:a16="http://schemas.microsoft.com/office/drawing/2014/main" id="{7401979E-EFD4-3B4A-B5AE-34BF68CA615C}"/>
+              </a:ext>
+            </a:extLst>
+          </p:cNvPr>
+          <p:cNvSpPr/>
+          <p:nvPr/>
+        </p:nvSpPr>
+        <p:spPr>
+          <a:xfrm rot="20675198">
+            <a:off x="5122785" y="1828333"/>
+            <a:ext cx="161365" cy="888316"/>
+          </a:xfrm>
+          <a:prstGeom prst="downArrow">
+            <a:avLst>
+              <a:gd name="adj1" fmla="val 50000"/>
+              <a:gd name="adj2" fmla="val 129998"/>
+            </a:avLst>
+          </a:prstGeom>
+          <a:solidFill>
+            <a:schemeClr val="bg1">
+              <a:lumMod val="95000"/>
+              <a:alpha val="79584"/>
+            </a:schemeClr>
+          </a:solidFill>
+          <a:ln>
+            <a:solidFill>
+              <a:schemeClr val="bg2">
+                <a:lumMod val="50000"/>
+              </a:schemeClr>
+            </a:solidFill>
+          </a:ln>
+        </p:spPr>
+        <p:style>
+          <a:lnRef idx="2">
+            <a:schemeClr val="accent1">
+              <a:shade val="50000"/>
+            </a:schemeClr>
+          </a:lnRef>
+          <a:fillRef idx="1">
+            <a:schemeClr val="accent1"/>
+          </a:fillRef>
+          <a:effectRef idx="0">
+            <a:schemeClr val="accent1"/>
+          </a:effectRef>
+          <a:fontRef idx="minor">
+            <a:schemeClr val="lt1"/>
+          </a:fontRef>
+        </p:style>
+        <p:txBody>
+          <a:bodyPr rtlCol="0" anchor="ctr"/>
+          <a:lstStyle/>
+          <a:p>
+            <a:pPr algn="ctr"/>
+            <a:endParaRPr lang="en-US"/>
+          </a:p>
+        </p:txBody>
+      </p:sp>
+      <p:sp>
+        <p:nvSpPr>
+          <p:cNvPr id="10" name="Rectangle 9">
+            <a:extLst>
+              <a:ext uri="{FF2B5EF4-FFF2-40B4-BE49-F238E27FC236}">
+                <a16:creationId xmlns:a16="http://schemas.microsoft.com/office/drawing/2014/main" id="{B7F1EEC2-724B-1848-91A6-1DFD50EBDEE6}"/>
+              </a:ext>
+            </a:extLst>
+          </p:cNvPr>
+          <p:cNvSpPr/>
+          <p:nvPr/>
+        </p:nvSpPr>
+        <p:spPr>
+          <a:xfrm>
+            <a:off x="4491322" y="2609175"/>
+            <a:ext cx="1524001" cy="665018"/>
+          </a:xfrm>
+          <a:prstGeom prst="rect">
+            <a:avLst/>
+          </a:prstGeom>
+          <a:solidFill>
+            <a:schemeClr val="bg1">
+              <a:lumMod val="95000"/>
+              <a:alpha val="79584"/>
+            </a:schemeClr>
+          </a:solidFill>
+          <a:ln w="38100">
+            <a:solidFill>
+              <a:schemeClr val="bg2">
+                <a:lumMod val="50000"/>
+              </a:schemeClr>
+            </a:solidFill>
+          </a:ln>
+        </p:spPr>
+        <p:style>
+          <a:lnRef idx="2">
+            <a:schemeClr val="accent1">
+              <a:shade val="50000"/>
+            </a:schemeClr>
+          </a:lnRef>
+          <a:fillRef idx="1">
+            <a:schemeClr val="accent1"/>
+          </a:fillRef>
+          <a:effectRef idx="0">
+            <a:schemeClr val="accent1"/>
+          </a:effectRef>
+          <a:fontRef idx="minor">
+            <a:schemeClr val="lt1"/>
+          </a:fontRef>
+        </p:style>
+        <p:txBody>
+          <a:bodyPr rtlCol="0" anchor="ctr"/>
+          <a:lstStyle/>
+          <a:p>
+            <a:pPr algn="ctr"/>
+            <a:r>
+              <a:rPr lang="en-US" sz="2000" dirty="0">
+                <a:solidFill>
+                  <a:schemeClr val="tx1">
+                    <a:lumMod val="85000"/>
+                    <a:lumOff val="15000"/>
+                  </a:schemeClr>
+                </a:solidFill>
+              </a:rPr>
+              <a:t>Role</a:t>
+            </a:r>
+          </a:p>
+        </p:txBody>
+      </p:sp>
+      <p:sp>
+        <p:nvSpPr>
+          <p:cNvPr id="13" name="Down Arrow 12">
+            <a:extLst>
+              <a:ext uri="{FF2B5EF4-FFF2-40B4-BE49-F238E27FC236}">
+                <a16:creationId xmlns:a16="http://schemas.microsoft.com/office/drawing/2014/main" id="{B4CDB232-AE9B-3D4F-B146-8B666553560E}"/>
+              </a:ext>
+            </a:extLst>
+          </p:cNvPr>
+          <p:cNvSpPr/>
+          <p:nvPr/>
+        </p:nvSpPr>
+        <p:spPr>
+          <a:xfrm rot="21000000">
+            <a:off x="5084093" y="1836323"/>
+            <a:ext cx="161365" cy="772627"/>
+          </a:xfrm>
+          <a:prstGeom prst="downArrow">
+            <a:avLst>
+              <a:gd name="adj1" fmla="val 50000"/>
+              <a:gd name="adj2" fmla="val 129998"/>
+            </a:avLst>
+          </a:prstGeom>
+          <a:solidFill>
+            <a:schemeClr val="bg1">
+              <a:lumMod val="95000"/>
+              <a:alpha val="79584"/>
+            </a:schemeClr>
+          </a:solidFill>
+          <a:ln>
+            <a:solidFill>
+              <a:schemeClr val="bg2">
+                <a:lumMod val="50000"/>
+              </a:schemeClr>
+            </a:solidFill>
+          </a:ln>
+        </p:spPr>
+        <p:style>
+          <a:lnRef idx="2">
+            <a:schemeClr val="accent1">
+              <a:shade val="50000"/>
+            </a:schemeClr>
+          </a:lnRef>
+          <a:fillRef idx="1">
+            <a:schemeClr val="accent1"/>
+          </a:fillRef>
+          <a:effectRef idx="0">
+            <a:schemeClr val="accent1"/>
+          </a:effectRef>
+          <a:fontRef idx="minor">
+            <a:schemeClr val="lt1"/>
+          </a:fontRef>
+        </p:style>
+        <p:txBody>
+          <a:bodyPr rtlCol="0" anchor="ctr"/>
+          <a:lstStyle/>
+          <a:p>
+            <a:pPr algn="ctr"/>
+            <a:endParaRPr lang="en-US"/>
+          </a:p>
+        </p:txBody>
+      </p:sp>
+      <p:sp>
+        <p:nvSpPr>
+          <p:cNvPr id="9" name="Rectangle 8">
+            <a:extLst>
+              <a:ext uri="{FF2B5EF4-FFF2-40B4-BE49-F238E27FC236}">
+                <a16:creationId xmlns:a16="http://schemas.microsoft.com/office/drawing/2014/main" id="{6F7D0253-8737-834F-8F03-1696179FCA7C}"/>
+              </a:ext>
+            </a:extLst>
+          </p:cNvPr>
+          <p:cNvSpPr/>
+          <p:nvPr/>
+        </p:nvSpPr>
+        <p:spPr>
+          <a:xfrm>
+            <a:off x="4410645" y="2521236"/>
+            <a:ext cx="1524001" cy="665018"/>
+          </a:xfrm>
+          <a:prstGeom prst="rect">
+            <a:avLst/>
+          </a:prstGeom>
+          <a:solidFill>
+            <a:schemeClr val="bg1">
+              <a:lumMod val="95000"/>
+              <a:alpha val="79584"/>
+            </a:schemeClr>
+          </a:solidFill>
+          <a:ln w="38100">
+            <a:solidFill>
+              <a:schemeClr val="bg2">
+                <a:lumMod val="50000"/>
+              </a:schemeClr>
+            </a:solidFill>
+          </a:ln>
+        </p:spPr>
+        <p:style>
+          <a:lnRef idx="2">
+            <a:schemeClr val="accent1">
+              <a:shade val="50000"/>
+            </a:schemeClr>
+          </a:lnRef>
+          <a:fillRef idx="1">
+            <a:schemeClr val="accent1"/>
+          </a:fillRef>
+          <a:effectRef idx="0">
+            <a:schemeClr val="accent1"/>
+          </a:effectRef>
+          <a:fontRef idx="minor">
+            <a:schemeClr val="lt1"/>
+          </a:fontRef>
+        </p:style>
+        <p:txBody>
+          <a:bodyPr rtlCol="0" anchor="ctr"/>
+          <a:lstStyle/>
+          <a:p>
+            <a:pPr algn="ctr"/>
+            <a:r>
+              <a:rPr lang="en-US" sz="2000" dirty="0">
+                <a:solidFill>
+                  <a:schemeClr val="tx1">
+                    <a:lumMod val="85000"/>
+                    <a:lumOff val="15000"/>
+                  </a:schemeClr>
+                </a:solidFill>
+              </a:rPr>
+              <a:t>Role</a:t>
+            </a:r>
+          </a:p>
+        </p:txBody>
+      </p:sp>
+      <p:sp>
+        <p:nvSpPr>
+          <p:cNvPr id="12" name="Down Arrow 11">
+            <a:extLst>
+              <a:ext uri="{FF2B5EF4-FFF2-40B4-BE49-F238E27FC236}">
+                <a16:creationId xmlns:a16="http://schemas.microsoft.com/office/drawing/2014/main" id="{6CFDBBEA-1C60-B94C-BA5B-0530357207B3}"/>
+              </a:ext>
+            </a:extLst>
+          </p:cNvPr>
+          <p:cNvSpPr/>
+          <p:nvPr/>
+        </p:nvSpPr>
+        <p:spPr>
+          <a:xfrm rot="21300000">
+            <a:off x="5036649" y="1842262"/>
+            <a:ext cx="161365" cy="672768"/>
+          </a:xfrm>
+          <a:prstGeom prst="downArrow">
+            <a:avLst>
+              <a:gd name="adj1" fmla="val 50000"/>
+              <a:gd name="adj2" fmla="val 129998"/>
+            </a:avLst>
+          </a:prstGeom>
+          <a:solidFill>
+            <a:schemeClr val="bg1">
+              <a:lumMod val="95000"/>
+              <a:alpha val="79584"/>
+            </a:schemeClr>
+          </a:solidFill>
+          <a:ln>
+            <a:solidFill>
+              <a:schemeClr val="bg2">
+                <a:lumMod val="50000"/>
+              </a:schemeClr>
+            </a:solidFill>
+          </a:ln>
+        </p:spPr>
+        <p:style>
+          <a:lnRef idx="2">
+            <a:schemeClr val="accent1">
+              <a:shade val="50000"/>
+            </a:schemeClr>
+          </a:lnRef>
+          <a:fillRef idx="1">
+            <a:schemeClr val="accent1"/>
+          </a:fillRef>
+          <a:effectRef idx="0">
+            <a:schemeClr val="accent1"/>
+          </a:effectRef>
+          <a:fontRef idx="minor">
+            <a:schemeClr val="lt1"/>
+          </a:fontRef>
+        </p:style>
+        <p:txBody>
+          <a:bodyPr rtlCol="0" anchor="ctr"/>
+          <a:lstStyle/>
+          <a:p>
+            <a:pPr algn="ctr"/>
+            <a:endParaRPr lang="en-US"/>
+          </a:p>
+        </p:txBody>
+      </p:sp>
+      <p:sp>
+        <p:nvSpPr>
+          <p:cNvPr id="2" name="Rectangle 1">
+            <a:extLst>
+              <a:ext uri="{FF2B5EF4-FFF2-40B4-BE49-F238E27FC236}">
+                <a16:creationId xmlns:a16="http://schemas.microsoft.com/office/drawing/2014/main" id="{9B7387F5-ACA9-7141-97D3-A62F3221BA74}"/>
+              </a:ext>
+            </a:extLst>
+          </p:cNvPr>
+          <p:cNvSpPr/>
+          <p:nvPr/>
+        </p:nvSpPr>
+        <p:spPr>
+          <a:xfrm>
+            <a:off x="4329968" y="1186387"/>
+            <a:ext cx="1524001" cy="665018"/>
+          </a:xfrm>
+          <a:prstGeom prst="rect">
+            <a:avLst/>
+          </a:prstGeom>
+          <a:solidFill>
+            <a:schemeClr val="bg1">
+              <a:lumMod val="95000"/>
+              <a:alpha val="79584"/>
+            </a:schemeClr>
+          </a:solidFill>
+          <a:ln w="38100">
+            <a:solidFill>
+              <a:schemeClr val="bg2">
+                <a:lumMod val="50000"/>
+              </a:schemeClr>
+            </a:solidFill>
+          </a:ln>
+        </p:spPr>
+        <p:style>
+          <a:lnRef idx="2">
+            <a:schemeClr val="accent1">
+              <a:shade val="50000"/>
+            </a:schemeClr>
+          </a:lnRef>
+          <a:fillRef idx="1">
+            <a:schemeClr val="accent1"/>
+          </a:fillRef>
+          <a:effectRef idx="0">
+            <a:schemeClr val="accent1"/>
+          </a:effectRef>
+          <a:fontRef idx="minor">
+            <a:schemeClr val="lt1"/>
+          </a:fontRef>
+        </p:style>
+        <p:txBody>
+          <a:bodyPr rtlCol="0" anchor="ctr"/>
+          <a:lstStyle/>
+          <a:p>
+            <a:pPr algn="ctr"/>
+            <a:r>
+              <a:rPr lang="en-US" sz="2000" dirty="0">
+                <a:solidFill>
+                  <a:schemeClr val="tx1">
+                    <a:lumMod val="85000"/>
+                    <a:lumOff val="15000"/>
+                  </a:schemeClr>
+                </a:solidFill>
+              </a:rPr>
+              <a:t>User</a:t>
+            </a:r>
+          </a:p>
+        </p:txBody>
+      </p:sp>
+      <p:sp>
+        <p:nvSpPr>
+          <p:cNvPr id="5" name="Rectangle 4">
+            <a:extLst>
+              <a:ext uri="{FF2B5EF4-FFF2-40B4-BE49-F238E27FC236}">
+                <a16:creationId xmlns:a16="http://schemas.microsoft.com/office/drawing/2014/main" id="{D1CCEEB6-0FB9-4C4E-A7F2-C6729B9FC8EA}"/>
+              </a:ext>
+            </a:extLst>
+          </p:cNvPr>
+          <p:cNvSpPr/>
+          <p:nvPr/>
+        </p:nvSpPr>
+        <p:spPr>
+          <a:xfrm>
+            <a:off x="4329968" y="2433297"/>
+            <a:ext cx="1524001" cy="665018"/>
+          </a:xfrm>
+          <a:prstGeom prst="rect">
+            <a:avLst/>
+          </a:prstGeom>
+          <a:solidFill>
+            <a:schemeClr val="bg1">
+              <a:lumMod val="95000"/>
+              <a:alpha val="79584"/>
+            </a:schemeClr>
+          </a:solidFill>
+          <a:ln w="38100">
+            <a:solidFill>
+              <a:schemeClr val="bg2">
+                <a:lumMod val="50000"/>
+              </a:schemeClr>
+            </a:solidFill>
+          </a:ln>
+        </p:spPr>
+        <p:style>
+          <a:lnRef idx="2">
+            <a:schemeClr val="accent1">
+              <a:shade val="50000"/>
+            </a:schemeClr>
+          </a:lnRef>
+          <a:fillRef idx="1">
+            <a:schemeClr val="accent1"/>
+          </a:fillRef>
+          <a:effectRef idx="0">
+            <a:schemeClr val="accent1"/>
+          </a:effectRef>
+          <a:fontRef idx="minor">
+            <a:schemeClr val="lt1"/>
+          </a:fontRef>
+        </p:style>
+        <p:txBody>
+          <a:bodyPr rtlCol="0" anchor="ctr"/>
+          <a:lstStyle/>
+          <a:p>
+            <a:pPr algn="ctr"/>
+            <a:r>
+              <a:rPr lang="en-US" sz="2000" dirty="0">
+                <a:solidFill>
+                  <a:schemeClr val="tx1">
+                    <a:lumMod val="85000"/>
+                    <a:lumOff val="15000"/>
+                  </a:schemeClr>
+                </a:solidFill>
+              </a:rPr>
+              <a:t>Role</a:t>
+            </a:r>
+          </a:p>
+        </p:txBody>
+      </p:sp>
+      <p:sp>
+        <p:nvSpPr>
+          <p:cNvPr id="15" name="Down Arrow 14">
+            <a:extLst>
+              <a:ext uri="{FF2B5EF4-FFF2-40B4-BE49-F238E27FC236}">
+                <a16:creationId xmlns:a16="http://schemas.microsoft.com/office/drawing/2014/main" id="{03FE2F9B-D768-9846-AF7E-C97F162AF435}"/>
+              </a:ext>
+            </a:extLst>
+          </p:cNvPr>
+          <p:cNvSpPr/>
+          <p:nvPr/>
+        </p:nvSpPr>
+        <p:spPr>
+          <a:xfrm>
+            <a:off x="5011282" y="1851405"/>
+            <a:ext cx="161365" cy="581892"/>
+          </a:xfrm>
+          <a:prstGeom prst="downArrow">
+            <a:avLst>
+              <a:gd name="adj1" fmla="val 50000"/>
+              <a:gd name="adj2" fmla="val 129998"/>
+            </a:avLst>
+          </a:prstGeom>
+          <a:solidFill>
+            <a:schemeClr val="bg1">
+              <a:lumMod val="95000"/>
+              <a:alpha val="79584"/>
+            </a:schemeClr>
+          </a:solidFill>
+          <a:ln>
+            <a:solidFill>
+              <a:schemeClr val="bg2">
+                <a:lumMod val="50000"/>
+              </a:schemeClr>
+            </a:solidFill>
+          </a:ln>
+        </p:spPr>
+        <p:style>
+          <a:lnRef idx="2">
+            <a:schemeClr val="accent1">
+              <a:shade val="50000"/>
+            </a:schemeClr>
+          </a:lnRef>
+          <a:fillRef idx="1">
+            <a:schemeClr val="accent1"/>
+          </a:fillRef>
+          <a:effectRef idx="0">
+            <a:schemeClr val="accent1"/>
+          </a:effectRef>
+          <a:fontRef idx="minor">
+            <a:schemeClr val="lt1"/>
+          </a:fontRef>
+        </p:style>
+        <p:txBody>
+          <a:bodyPr rtlCol="0" anchor="ctr"/>
+          <a:lstStyle/>
+          <a:p>
+            <a:pPr algn="ctr"/>
+            <a:endParaRPr lang="en-US"/>
+          </a:p>
+        </p:txBody>
+      </p:sp>
+      <p:sp>
+        <p:nvSpPr>
+          <p:cNvPr id="16" name="Rectangle 15">
+            <a:extLst>
+              <a:ext uri="{FF2B5EF4-FFF2-40B4-BE49-F238E27FC236}">
+                <a16:creationId xmlns:a16="http://schemas.microsoft.com/office/drawing/2014/main" id="{A5CA0DB8-57EB-C840-9FDD-2EBAFE84633F}"/>
+              </a:ext>
+            </a:extLst>
+          </p:cNvPr>
+          <p:cNvSpPr/>
+          <p:nvPr/>
+        </p:nvSpPr>
+        <p:spPr>
+          <a:xfrm>
+            <a:off x="4571996" y="3944025"/>
+            <a:ext cx="1524001" cy="665018"/>
+          </a:xfrm>
+          <a:prstGeom prst="rect">
+            <a:avLst/>
+          </a:prstGeom>
+          <a:solidFill>
+            <a:schemeClr val="bg1">
+              <a:lumMod val="95000"/>
+              <a:alpha val="79584"/>
+            </a:schemeClr>
+          </a:solidFill>
+          <a:ln w="38100">
+            <a:solidFill>
+              <a:schemeClr val="bg2">
+                <a:lumMod val="50000"/>
+              </a:schemeClr>
+            </a:solidFill>
+          </a:ln>
+        </p:spPr>
+        <p:style>
+          <a:lnRef idx="2">
+            <a:schemeClr val="accent1">
+              <a:shade val="50000"/>
+            </a:schemeClr>
+          </a:lnRef>
+          <a:fillRef idx="1">
+            <a:schemeClr val="accent1"/>
+          </a:fillRef>
+          <a:effectRef idx="0">
+            <a:schemeClr val="accent1"/>
+          </a:effectRef>
+          <a:fontRef idx="minor">
+            <a:schemeClr val="lt1"/>
+          </a:fontRef>
+        </p:style>
+        <p:txBody>
+          <a:bodyPr rtlCol="0" anchor="ctr"/>
+          <a:lstStyle/>
+          <a:p>
+            <a:pPr algn="ctr"/>
+            <a:r>
+              <a:rPr lang="en-US" sz="2000" dirty="0">
+                <a:solidFill>
+                  <a:schemeClr val="tx1">
+                    <a:lumMod val="85000"/>
+                    <a:lumOff val="15000"/>
+                  </a:schemeClr>
+                </a:solidFill>
+              </a:rPr>
+              <a:t>Permission</a:t>
+            </a:r>
+          </a:p>
+        </p:txBody>
+      </p:sp>
+      <p:sp>
+        <p:nvSpPr>
+          <p:cNvPr id="19" name="Down Arrow 18">
+            <a:extLst>
+              <a:ext uri="{FF2B5EF4-FFF2-40B4-BE49-F238E27FC236}">
+                <a16:creationId xmlns:a16="http://schemas.microsoft.com/office/drawing/2014/main" id="{F937787E-F591-AB4A-AA83-E0EA75AB4B38}"/>
+              </a:ext>
+            </a:extLst>
+          </p:cNvPr>
+          <p:cNvSpPr/>
+          <p:nvPr/>
+        </p:nvSpPr>
+        <p:spPr>
+          <a:xfrm rot="20675198">
+            <a:off x="5122782" y="3075243"/>
+            <a:ext cx="161365" cy="888316"/>
+          </a:xfrm>
+          <a:prstGeom prst="downArrow">
+            <a:avLst>
+              <a:gd name="adj1" fmla="val 50000"/>
+              <a:gd name="adj2" fmla="val 129998"/>
+            </a:avLst>
+          </a:prstGeom>
+          <a:solidFill>
+            <a:schemeClr val="bg1">
+              <a:lumMod val="95000"/>
+              <a:alpha val="79584"/>
+            </a:schemeClr>
+          </a:solidFill>
+          <a:ln>
+            <a:solidFill>
+              <a:schemeClr val="bg2">
+                <a:lumMod val="50000"/>
+              </a:schemeClr>
+            </a:solidFill>
+          </a:ln>
+        </p:spPr>
+        <p:style>
+          <a:lnRef idx="2">
+            <a:schemeClr val="accent1">
+              <a:shade val="50000"/>
+            </a:schemeClr>
+          </a:lnRef>
+          <a:fillRef idx="1">
+            <a:schemeClr val="accent1"/>
+          </a:fillRef>
+          <a:effectRef idx="0">
+            <a:schemeClr val="accent1"/>
+          </a:effectRef>
+          <a:fontRef idx="minor">
+            <a:schemeClr val="lt1"/>
+          </a:fontRef>
+        </p:style>
+        <p:txBody>
+          <a:bodyPr rtlCol="0" anchor="ctr"/>
+          <a:lstStyle/>
+          <a:p>
+            <a:pPr algn="ctr"/>
+            <a:endParaRPr lang="en-US"/>
+          </a:p>
+        </p:txBody>
+      </p:sp>
+      <p:sp>
+        <p:nvSpPr>
+          <p:cNvPr id="20" name="Rectangle 19">
+            <a:extLst>
+              <a:ext uri="{FF2B5EF4-FFF2-40B4-BE49-F238E27FC236}">
+                <a16:creationId xmlns:a16="http://schemas.microsoft.com/office/drawing/2014/main" id="{6BAE310D-B37C-A241-920E-315A7306B033}"/>
+              </a:ext>
+            </a:extLst>
+          </p:cNvPr>
+          <p:cNvSpPr/>
+          <p:nvPr/>
+        </p:nvSpPr>
+        <p:spPr>
+          <a:xfrm>
+            <a:off x="4491319" y="3856085"/>
+            <a:ext cx="1524001" cy="665018"/>
+          </a:xfrm>
+          <a:prstGeom prst="rect">
+            <a:avLst/>
+          </a:prstGeom>
+          <a:solidFill>
+            <a:schemeClr val="bg1">
+              <a:lumMod val="95000"/>
+              <a:alpha val="79584"/>
+            </a:schemeClr>
+          </a:solidFill>
+          <a:ln w="38100">
+            <a:solidFill>
+              <a:schemeClr val="bg2">
+                <a:lumMod val="50000"/>
+              </a:schemeClr>
+            </a:solidFill>
+          </a:ln>
+        </p:spPr>
+        <p:style>
+          <a:lnRef idx="2">
+            <a:schemeClr val="accent1">
+              <a:shade val="50000"/>
+            </a:schemeClr>
+          </a:lnRef>
+          <a:fillRef idx="1">
+            <a:schemeClr val="accent1"/>
+          </a:fillRef>
+          <a:effectRef idx="0">
+            <a:schemeClr val="accent1"/>
+          </a:effectRef>
+          <a:fontRef idx="minor">
+            <a:schemeClr val="lt1"/>
+          </a:fontRef>
+        </p:style>
+        <p:txBody>
+          <a:bodyPr rtlCol="0" anchor="ctr"/>
+          <a:lstStyle/>
+          <a:p>
+            <a:pPr algn="ctr"/>
+            <a:r>
+              <a:rPr lang="en-US" sz="2000" dirty="0">
+                <a:solidFill>
+                  <a:schemeClr val="tx1">
+                    <a:lumMod val="85000"/>
+                    <a:lumOff val="15000"/>
+                  </a:schemeClr>
+                </a:solidFill>
+              </a:rPr>
+              <a:t>Permission</a:t>
+            </a:r>
+          </a:p>
+        </p:txBody>
+      </p:sp>
+      <p:sp>
+        <p:nvSpPr>
+          <p:cNvPr id="21" name="Down Arrow 20">
+            <a:extLst>
+              <a:ext uri="{FF2B5EF4-FFF2-40B4-BE49-F238E27FC236}">
+                <a16:creationId xmlns:a16="http://schemas.microsoft.com/office/drawing/2014/main" id="{675138C8-4353-E442-A21C-738EAB141FBE}"/>
+              </a:ext>
+            </a:extLst>
+          </p:cNvPr>
+          <p:cNvSpPr/>
+          <p:nvPr/>
+        </p:nvSpPr>
+        <p:spPr>
+          <a:xfrm rot="21000000">
+            <a:off x="5084090" y="3083233"/>
+            <a:ext cx="161365" cy="772627"/>
+          </a:xfrm>
+          <a:prstGeom prst="downArrow">
+            <a:avLst>
+              <a:gd name="adj1" fmla="val 50000"/>
+              <a:gd name="adj2" fmla="val 129998"/>
+            </a:avLst>
+          </a:prstGeom>
+          <a:solidFill>
+            <a:schemeClr val="bg1">
+              <a:lumMod val="95000"/>
+              <a:alpha val="79584"/>
+            </a:schemeClr>
+          </a:solidFill>
+          <a:ln>
+            <a:solidFill>
+              <a:schemeClr val="bg2">
+                <a:lumMod val="50000"/>
+              </a:schemeClr>
+            </a:solidFill>
+          </a:ln>
+        </p:spPr>
+        <p:style>
+          <a:lnRef idx="2">
+            <a:schemeClr val="accent1">
+              <a:shade val="50000"/>
+            </a:schemeClr>
+          </a:lnRef>
+          <a:fillRef idx="1">
+            <a:schemeClr val="accent1"/>
+          </a:fillRef>
+          <a:effectRef idx="0">
+            <a:schemeClr val="accent1"/>
+          </a:effectRef>
+          <a:fontRef idx="minor">
+            <a:schemeClr val="lt1"/>
+          </a:fontRef>
+        </p:style>
+        <p:txBody>
+          <a:bodyPr rtlCol="0" anchor="ctr"/>
+          <a:lstStyle/>
+          <a:p>
+            <a:pPr algn="ctr"/>
+            <a:endParaRPr lang="en-US"/>
+          </a:p>
+        </p:txBody>
+      </p:sp>
+      <p:sp>
+        <p:nvSpPr>
+          <p:cNvPr id="22" name="Rectangle 21">
+            <a:extLst>
+              <a:ext uri="{FF2B5EF4-FFF2-40B4-BE49-F238E27FC236}">
+                <a16:creationId xmlns:a16="http://schemas.microsoft.com/office/drawing/2014/main" id="{90B2ED0E-B620-C64A-8FFB-6879542442F6}"/>
+              </a:ext>
+            </a:extLst>
+          </p:cNvPr>
+          <p:cNvSpPr/>
+          <p:nvPr/>
+        </p:nvSpPr>
+        <p:spPr>
+          <a:xfrm>
+            <a:off x="4410642" y="3768146"/>
+            <a:ext cx="1524001" cy="665018"/>
+          </a:xfrm>
+          <a:prstGeom prst="rect">
+            <a:avLst/>
+          </a:prstGeom>
+          <a:solidFill>
+            <a:schemeClr val="bg1">
+              <a:lumMod val="95000"/>
+              <a:alpha val="79584"/>
+            </a:schemeClr>
+          </a:solidFill>
+          <a:ln w="38100">
+            <a:solidFill>
+              <a:schemeClr val="bg2">
+                <a:lumMod val="50000"/>
+              </a:schemeClr>
+            </a:solidFill>
+          </a:ln>
+        </p:spPr>
+        <p:style>
+          <a:lnRef idx="2">
+            <a:schemeClr val="accent1">
+              <a:shade val="50000"/>
+            </a:schemeClr>
+          </a:lnRef>
+          <a:fillRef idx="1">
+            <a:schemeClr val="accent1"/>
+          </a:fillRef>
+          <a:effectRef idx="0">
+            <a:schemeClr val="accent1"/>
+          </a:effectRef>
+          <a:fontRef idx="minor">
+            <a:schemeClr val="lt1"/>
+          </a:fontRef>
+        </p:style>
+        <p:txBody>
+          <a:bodyPr rtlCol="0" anchor="ctr"/>
+          <a:lstStyle/>
+          <a:p>
+            <a:pPr algn="ctr"/>
+            <a:r>
+              <a:rPr lang="en-US" sz="2000" dirty="0">
+                <a:solidFill>
+                  <a:schemeClr val="tx1">
+                    <a:lumMod val="85000"/>
+                    <a:lumOff val="15000"/>
+                  </a:schemeClr>
+                </a:solidFill>
+              </a:rPr>
+              <a:t>Permission</a:t>
+            </a:r>
+          </a:p>
+        </p:txBody>
+      </p:sp>
+      <p:sp>
+        <p:nvSpPr>
+          <p:cNvPr id="23" name="Down Arrow 22">
+            <a:extLst>
+              <a:ext uri="{FF2B5EF4-FFF2-40B4-BE49-F238E27FC236}">
+                <a16:creationId xmlns:a16="http://schemas.microsoft.com/office/drawing/2014/main" id="{09C43943-FB10-2F4E-A6DD-A0608F650847}"/>
+              </a:ext>
+            </a:extLst>
+          </p:cNvPr>
+          <p:cNvSpPr/>
+          <p:nvPr/>
+        </p:nvSpPr>
+        <p:spPr>
+          <a:xfrm rot="21300000">
+            <a:off x="5036646" y="3089172"/>
+            <a:ext cx="161365" cy="672768"/>
+          </a:xfrm>
+          <a:prstGeom prst="downArrow">
+            <a:avLst>
+              <a:gd name="adj1" fmla="val 50000"/>
+              <a:gd name="adj2" fmla="val 129998"/>
+            </a:avLst>
+          </a:prstGeom>
+          <a:solidFill>
+            <a:schemeClr val="bg1">
+              <a:lumMod val="95000"/>
+              <a:alpha val="79584"/>
+            </a:schemeClr>
+          </a:solidFill>
+          <a:ln>
+            <a:solidFill>
+              <a:schemeClr val="bg2">
+                <a:lumMod val="50000"/>
+              </a:schemeClr>
+            </a:solidFill>
+          </a:ln>
+        </p:spPr>
+        <p:style>
+          <a:lnRef idx="2">
+            <a:schemeClr val="accent1">
+              <a:shade val="50000"/>
+            </a:schemeClr>
+          </a:lnRef>
+          <a:fillRef idx="1">
+            <a:schemeClr val="accent1"/>
+          </a:fillRef>
+          <a:effectRef idx="0">
+            <a:schemeClr val="accent1"/>
+          </a:effectRef>
+          <a:fontRef idx="minor">
+            <a:schemeClr val="lt1"/>
+          </a:fontRef>
+        </p:style>
+        <p:txBody>
+          <a:bodyPr rtlCol="0" anchor="ctr"/>
+          <a:lstStyle/>
+          <a:p>
+            <a:pPr algn="ctr"/>
+            <a:endParaRPr lang="en-US"/>
+          </a:p>
+        </p:txBody>
+      </p:sp>
+      <p:sp>
+        <p:nvSpPr>
+          <p:cNvPr id="6" name="Rectangle 5">
+            <a:extLst>
+              <a:ext uri="{FF2B5EF4-FFF2-40B4-BE49-F238E27FC236}">
+                <a16:creationId xmlns:a16="http://schemas.microsoft.com/office/drawing/2014/main" id="{292A8187-D086-6241-BD43-8F4A54EACBD1}"/>
+              </a:ext>
+            </a:extLst>
+          </p:cNvPr>
+          <p:cNvSpPr/>
+          <p:nvPr/>
+        </p:nvSpPr>
+        <p:spPr>
+          <a:xfrm>
+            <a:off x="4329965" y="3680207"/>
+            <a:ext cx="1524001" cy="665018"/>
+          </a:xfrm>
+          <a:prstGeom prst="rect">
+            <a:avLst/>
+          </a:prstGeom>
+          <a:solidFill>
+            <a:schemeClr val="bg1">
+              <a:lumMod val="95000"/>
+              <a:alpha val="79584"/>
+            </a:schemeClr>
+          </a:solidFill>
+          <a:ln w="38100">
+            <a:solidFill>
+              <a:schemeClr val="bg2">
+                <a:lumMod val="50000"/>
+              </a:schemeClr>
+            </a:solidFill>
+          </a:ln>
+        </p:spPr>
+        <p:style>
+          <a:lnRef idx="2">
+            <a:schemeClr val="accent1">
+              <a:shade val="50000"/>
+            </a:schemeClr>
+          </a:lnRef>
+          <a:fillRef idx="1">
+            <a:schemeClr val="accent1"/>
+          </a:fillRef>
+          <a:effectRef idx="0">
+            <a:schemeClr val="accent1"/>
+          </a:effectRef>
+          <a:fontRef idx="minor">
+            <a:schemeClr val="lt1"/>
+          </a:fontRef>
+        </p:style>
+        <p:txBody>
+          <a:bodyPr rtlCol="0" anchor="ctr"/>
+          <a:lstStyle/>
+          <a:p>
+            <a:pPr algn="ctr"/>
+            <a:r>
+              <a:rPr lang="en-US" sz="2000" dirty="0">
+                <a:solidFill>
+                  <a:schemeClr val="tx1">
+                    <a:lumMod val="85000"/>
+                    <a:lumOff val="15000"/>
+                  </a:schemeClr>
+                </a:solidFill>
+              </a:rPr>
+              <a:t>Permission</a:t>
+            </a:r>
+          </a:p>
+        </p:txBody>
+      </p:sp>
+      <p:sp>
+        <p:nvSpPr>
+          <p:cNvPr id="18" name="Down Arrow 17">
+            <a:extLst>
+              <a:ext uri="{FF2B5EF4-FFF2-40B4-BE49-F238E27FC236}">
+                <a16:creationId xmlns:a16="http://schemas.microsoft.com/office/drawing/2014/main" id="{A8DAD2EC-3E9B-E942-96A2-159C54469EE2}"/>
+              </a:ext>
+            </a:extLst>
+          </p:cNvPr>
+          <p:cNvSpPr/>
+          <p:nvPr/>
+        </p:nvSpPr>
+        <p:spPr>
+          <a:xfrm>
+            <a:off x="5011282" y="3093367"/>
+            <a:ext cx="161365" cy="581892"/>
+          </a:xfrm>
+          <a:prstGeom prst="downArrow">
+            <a:avLst>
+              <a:gd name="adj1" fmla="val 50000"/>
+              <a:gd name="adj2" fmla="val 129998"/>
+            </a:avLst>
+          </a:prstGeom>
+          <a:solidFill>
+            <a:schemeClr val="bg1">
+              <a:lumMod val="95000"/>
+              <a:alpha val="79584"/>
+            </a:schemeClr>
+          </a:solidFill>
+          <a:ln>
+            <a:solidFill>
+              <a:schemeClr val="bg2">
+                <a:lumMod val="50000"/>
+              </a:schemeClr>
+            </a:solidFill>
+          </a:ln>
+        </p:spPr>
+        <p:style>
+          <a:lnRef idx="2">
+            <a:schemeClr val="accent1">
+              <a:shade val="50000"/>
+            </a:schemeClr>
+          </a:lnRef>
+          <a:fillRef idx="1">
+            <a:schemeClr val="accent1"/>
+          </a:fillRef>
+          <a:effectRef idx="0">
+            <a:schemeClr val="accent1"/>
+          </a:effectRef>
+          <a:fontRef idx="minor">
+            <a:schemeClr val="lt1"/>
+          </a:fontRef>
+        </p:style>
+        <p:txBody>
+          <a:bodyPr rtlCol="0" anchor="ctr"/>
+          <a:lstStyle/>
+          <a:p>
+            <a:pPr algn="ctr"/>
+            <a:endParaRPr lang="en-US"/>
+          </a:p>
+        </p:txBody>
+      </p:sp>
+      <p:sp>
+        <p:nvSpPr>
+          <p:cNvPr id="24" name="Rectangle 23">
+            <a:extLst>
+              <a:ext uri="{FF2B5EF4-FFF2-40B4-BE49-F238E27FC236}">
+                <a16:creationId xmlns:a16="http://schemas.microsoft.com/office/drawing/2014/main" id="{4D48405B-FC50-FE48-9864-E65F44D6BEA9}"/>
+              </a:ext>
+            </a:extLst>
+          </p:cNvPr>
+          <p:cNvSpPr/>
+          <p:nvPr/>
+        </p:nvSpPr>
+        <p:spPr>
+          <a:xfrm>
+            <a:off x="4568712" y="5190935"/>
             <a:ext cx="1524001" cy="665018"/>
           </a:xfrm>
           <a:prstGeom prst="rect">
@@ -4956,10 +8824,10 @@
       </p:sp>
       <p:sp>
         <p:nvSpPr>
-          <p:cNvPr id="27" name="Down Arrow 26">
-            <a:extLst>
-              <a:ext uri="{FF2B5EF4-FFF2-40B4-BE49-F238E27FC236}">
-                <a16:creationId xmlns:a16="http://schemas.microsoft.com/office/drawing/2014/main" id="{68F6EEB0-BC58-E14D-8679-11B822C5F9D6}"/>
+          <p:cNvPr id="25" name="Down Arrow 24">
+            <a:extLst>
+              <a:ext uri="{FF2B5EF4-FFF2-40B4-BE49-F238E27FC236}">
+                <a16:creationId xmlns:a16="http://schemas.microsoft.com/office/drawing/2014/main" id="{C38E727F-4FE9-4943-9A29-A68D7FE9CB45}"/>
               </a:ext>
             </a:extLst>
           </p:cNvPr>
@@ -4967,9 +8835,9 @@
           <p:nvPr/>
         </p:nvSpPr>
         <p:spPr>
-          <a:xfrm rot="21000000">
-            <a:off x="5080806" y="4330143"/>
-            <a:ext cx="161365" cy="772627"/>
+          <a:xfrm rot="20675198">
+            <a:off x="5119498" y="4322153"/>
+            <a:ext cx="161365" cy="888316"/>
           </a:xfrm>
           <a:prstGeom prst="downArrow">
             <a:avLst>
@@ -5018,10 +8886,10 @@
       </p:sp>
       <p:sp>
         <p:nvSpPr>
-          <p:cNvPr id="28" name="Rectangle 27">
-            <a:extLst>
-              <a:ext uri="{FF2B5EF4-FFF2-40B4-BE49-F238E27FC236}">
-                <a16:creationId xmlns:a16="http://schemas.microsoft.com/office/drawing/2014/main" id="{EDF4912B-F808-8F44-B8BF-FFF885A64E0C}"/>
+          <p:cNvPr id="26" name="Rectangle 25">
+            <a:extLst>
+              <a:ext uri="{FF2B5EF4-FFF2-40B4-BE49-F238E27FC236}">
+                <a16:creationId xmlns:a16="http://schemas.microsoft.com/office/drawing/2014/main" id="{6A8C3861-7AA5-7B4D-8171-C7F0BA70A786}"/>
               </a:ext>
             </a:extLst>
           </p:cNvPr>
@@ -5030,7 +8898,7 @@
         </p:nvSpPr>
         <p:spPr>
           <a:xfrm>
-            <a:off x="4409547" y="5015056"/>
+            <a:off x="4489129" y="5102995"/>
             <a:ext cx="1524001" cy="665018"/>
           </a:xfrm>
           <a:prstGeom prst="rect">
@@ -5087,10 +8955,10 @@
       </p:sp>
       <p:sp>
         <p:nvSpPr>
-          <p:cNvPr id="29" name="Down Arrow 28">
-            <a:extLst>
-              <a:ext uri="{FF2B5EF4-FFF2-40B4-BE49-F238E27FC236}">
-                <a16:creationId xmlns:a16="http://schemas.microsoft.com/office/drawing/2014/main" id="{CC76696C-EEF6-094E-8EBF-656B4960E1DF}"/>
+          <p:cNvPr id="27" name="Down Arrow 26">
+            <a:extLst>
+              <a:ext uri="{FF2B5EF4-FFF2-40B4-BE49-F238E27FC236}">
+                <a16:creationId xmlns:a16="http://schemas.microsoft.com/office/drawing/2014/main" id="{68F6EEB0-BC58-E14D-8679-11B822C5F9D6}"/>
               </a:ext>
             </a:extLst>
           </p:cNvPr>
@@ -5098,9 +8966,9 @@
           <p:nvPr/>
         </p:nvSpPr>
         <p:spPr>
-          <a:xfrm rot="21300000">
-            <a:off x="5033362" y="4336082"/>
-            <a:ext cx="161365" cy="672768"/>
+          <a:xfrm rot="21000000">
+            <a:off x="5080806" y="4330143"/>
+            <a:ext cx="161365" cy="772627"/>
           </a:xfrm>
           <a:prstGeom prst="downArrow">
             <a:avLst>
@@ -5149,10 +9017,10 @@
       </p:sp>
       <p:sp>
         <p:nvSpPr>
-          <p:cNvPr id="7" name="Rectangle 6">
-            <a:extLst>
-              <a:ext uri="{FF2B5EF4-FFF2-40B4-BE49-F238E27FC236}">
-                <a16:creationId xmlns:a16="http://schemas.microsoft.com/office/drawing/2014/main" id="{084195EB-CEC7-3642-9E4F-07763E9EF4CC}"/>
+          <p:cNvPr id="28" name="Rectangle 27">
+            <a:extLst>
+              <a:ext uri="{FF2B5EF4-FFF2-40B4-BE49-F238E27FC236}">
+                <a16:creationId xmlns:a16="http://schemas.microsoft.com/office/drawing/2014/main" id="{EDF4912B-F808-8F44-B8BF-FFF885A64E0C}"/>
               </a:ext>
             </a:extLst>
           </p:cNvPr>
@@ -5161,7 +9029,7 @@
         </p:nvSpPr>
         <p:spPr>
           <a:xfrm>
-            <a:off x="4329965" y="4927117"/>
+            <a:off x="4409547" y="5015056"/>
             <a:ext cx="1524001" cy="665018"/>
           </a:xfrm>
           <a:prstGeom prst="rect">
@@ -5218,10 +9086,10 @@
       </p:sp>
       <p:sp>
         <p:nvSpPr>
-          <p:cNvPr id="17" name="Down Arrow 16">
-            <a:extLst>
-              <a:ext uri="{FF2B5EF4-FFF2-40B4-BE49-F238E27FC236}">
-                <a16:creationId xmlns:a16="http://schemas.microsoft.com/office/drawing/2014/main" id="{79138125-78FD-2843-9EDB-DB6D8C3820EA}"/>
+          <p:cNvPr id="29" name="Down Arrow 28">
+            <a:extLst>
+              <a:ext uri="{FF2B5EF4-FFF2-40B4-BE49-F238E27FC236}">
+                <a16:creationId xmlns:a16="http://schemas.microsoft.com/office/drawing/2014/main" id="{CC76696C-EEF6-094E-8EBF-656B4960E1DF}"/>
               </a:ext>
             </a:extLst>
           </p:cNvPr>
@@ -5229,9 +9097,9 @@
           <p:nvPr/>
         </p:nvSpPr>
         <p:spPr>
-          <a:xfrm>
-            <a:off x="5011281" y="4345225"/>
-            <a:ext cx="161365" cy="581892"/>
+          <a:xfrm rot="21300000">
+            <a:off x="5033362" y="4336082"/>
+            <a:ext cx="161365" cy="672768"/>
           </a:xfrm>
           <a:prstGeom prst="downArrow">
             <a:avLst>
@@ -5278,6 +9146,137 @@
           </a:p>
         </p:txBody>
       </p:sp>
+      <p:sp>
+        <p:nvSpPr>
+          <p:cNvPr id="7" name="Rectangle 6">
+            <a:extLst>
+              <a:ext uri="{FF2B5EF4-FFF2-40B4-BE49-F238E27FC236}">
+                <a16:creationId xmlns:a16="http://schemas.microsoft.com/office/drawing/2014/main" id="{084195EB-CEC7-3642-9E4F-07763E9EF4CC}"/>
+              </a:ext>
+            </a:extLst>
+          </p:cNvPr>
+          <p:cNvSpPr/>
+          <p:nvPr/>
+        </p:nvSpPr>
+        <p:spPr>
+          <a:xfrm>
+            <a:off x="4329965" y="4927117"/>
+            <a:ext cx="1524001" cy="665018"/>
+          </a:xfrm>
+          <a:prstGeom prst="rect">
+            <a:avLst/>
+          </a:prstGeom>
+          <a:solidFill>
+            <a:schemeClr val="bg1">
+              <a:lumMod val="95000"/>
+              <a:alpha val="79584"/>
+            </a:schemeClr>
+          </a:solidFill>
+          <a:ln w="38100">
+            <a:solidFill>
+              <a:schemeClr val="bg2">
+                <a:lumMod val="50000"/>
+              </a:schemeClr>
+            </a:solidFill>
+          </a:ln>
+        </p:spPr>
+        <p:style>
+          <a:lnRef idx="2">
+            <a:schemeClr val="accent1">
+              <a:shade val="50000"/>
+            </a:schemeClr>
+          </a:lnRef>
+          <a:fillRef idx="1">
+            <a:schemeClr val="accent1"/>
+          </a:fillRef>
+          <a:effectRef idx="0">
+            <a:schemeClr val="accent1"/>
+          </a:effectRef>
+          <a:fontRef idx="minor">
+            <a:schemeClr val="lt1"/>
+          </a:fontRef>
+        </p:style>
+        <p:txBody>
+          <a:bodyPr rtlCol="0" anchor="ctr"/>
+          <a:lstStyle/>
+          <a:p>
+            <a:pPr algn="ctr"/>
+            <a:r>
+              <a:rPr lang="en-US" sz="2000" dirty="0">
+                <a:solidFill>
+                  <a:schemeClr val="tx1">
+                    <a:lumMod val="85000"/>
+                    <a:lumOff val="15000"/>
+                  </a:schemeClr>
+                </a:solidFill>
+              </a:rPr>
+              <a:t>Capability</a:t>
+            </a:r>
+          </a:p>
+        </p:txBody>
+      </p:sp>
+      <p:sp>
+        <p:nvSpPr>
+          <p:cNvPr id="17" name="Down Arrow 16">
+            <a:extLst>
+              <a:ext uri="{FF2B5EF4-FFF2-40B4-BE49-F238E27FC236}">
+                <a16:creationId xmlns:a16="http://schemas.microsoft.com/office/drawing/2014/main" id="{79138125-78FD-2843-9EDB-DB6D8C3820EA}"/>
+              </a:ext>
+            </a:extLst>
+          </p:cNvPr>
+          <p:cNvSpPr/>
+          <p:nvPr/>
+        </p:nvSpPr>
+        <p:spPr>
+          <a:xfrm>
+            <a:off x="5011281" y="4345225"/>
+            <a:ext cx="161365" cy="581892"/>
+          </a:xfrm>
+          <a:prstGeom prst="downArrow">
+            <a:avLst>
+              <a:gd name="adj1" fmla="val 50000"/>
+              <a:gd name="adj2" fmla="val 129998"/>
+            </a:avLst>
+          </a:prstGeom>
+          <a:solidFill>
+            <a:schemeClr val="bg1">
+              <a:lumMod val="95000"/>
+              <a:alpha val="79584"/>
+            </a:schemeClr>
+          </a:solidFill>
+          <a:ln>
+            <a:solidFill>
+              <a:schemeClr val="bg2">
+                <a:lumMod val="50000"/>
+              </a:schemeClr>
+            </a:solidFill>
+          </a:ln>
+        </p:spPr>
+        <p:style>
+          <a:lnRef idx="2">
+            <a:schemeClr val="accent1">
+              <a:shade val="50000"/>
+            </a:schemeClr>
+          </a:lnRef>
+          <a:fillRef idx="1">
+            <a:schemeClr val="accent1"/>
+          </a:fillRef>
+          <a:effectRef idx="0">
+            <a:schemeClr val="accent1"/>
+          </a:effectRef>
+          <a:fontRef idx="minor">
+            <a:schemeClr val="lt1"/>
+          </a:fontRef>
+        </p:style>
+        <p:txBody>
+          <a:bodyPr rtlCol="0" anchor="ctr"/>
+          <a:lstStyle/>
+          <a:p>
+            <a:pPr algn="ctr"/>
+            <a:endParaRPr lang="en-US"/>
+          </a:p>
+        </p:txBody>
+      </p:sp>
       <p:pic>
         <p:nvPicPr>
           <p:cNvPr id="4" name="Graphic 3" descr="Factory">
@@ -5425,7 +9424,7 @@
     </p:spTree>
     <p:extLst>
       <p:ext uri="{BB962C8B-B14F-4D97-AF65-F5344CB8AC3E}">
-        <p14:creationId xmlns:p14="http://schemas.microsoft.com/office/powerpoint/2010/main" val="1367795088"/>
+        <p14:creationId xmlns:p14="http://schemas.microsoft.com/office/powerpoint/2010/main" val="3728559524"/>
       </p:ext>
     </p:extLst>
   </p:cSld>
